--- a/fly_ppt.pptx
+++ b/fly_ppt.pptx
@@ -19,23 +19,23 @@
     <p:sldId id="292" r:id="rId10"/>
     <p:sldId id="303" r:id="rId11"/>
     <p:sldId id="294" r:id="rId12"/>
-    <p:sldId id="295" r:id="rId13"/>
-    <p:sldId id="296" r:id="rId14"/>
-    <p:sldId id="313" r:id="rId15"/>
-    <p:sldId id="297" r:id="rId16"/>
-    <p:sldId id="298" r:id="rId17"/>
-    <p:sldId id="299" r:id="rId18"/>
-    <p:sldId id="300" r:id="rId19"/>
-    <p:sldId id="301" r:id="rId20"/>
-    <p:sldId id="314" r:id="rId21"/>
-    <p:sldId id="315" r:id="rId22"/>
-    <p:sldId id="308" r:id="rId23"/>
-    <p:sldId id="310" r:id="rId24"/>
-    <p:sldId id="305" r:id="rId25"/>
-    <p:sldId id="306" r:id="rId26"/>
-    <p:sldId id="307" r:id="rId27"/>
-    <p:sldId id="309" r:id="rId28"/>
-    <p:sldId id="268" r:id="rId29"/>
+    <p:sldId id="316" r:id="rId13"/>
+    <p:sldId id="295" r:id="rId14"/>
+    <p:sldId id="296" r:id="rId15"/>
+    <p:sldId id="313" r:id="rId16"/>
+    <p:sldId id="297" r:id="rId17"/>
+    <p:sldId id="298" r:id="rId18"/>
+    <p:sldId id="299" r:id="rId19"/>
+    <p:sldId id="300" r:id="rId20"/>
+    <p:sldId id="301" r:id="rId21"/>
+    <p:sldId id="314" r:id="rId22"/>
+    <p:sldId id="315" r:id="rId23"/>
+    <p:sldId id="308" r:id="rId24"/>
+    <p:sldId id="310" r:id="rId25"/>
+    <p:sldId id="305" r:id="rId26"/>
+    <p:sldId id="306" r:id="rId27"/>
+    <p:sldId id="307" r:id="rId28"/>
+    <p:sldId id="309" r:id="rId29"/>
     <p:sldId id="264" r:id="rId30"/>
   </p:sldIdLst>
   <p:sldSz cx="12192000" cy="6858000"/>
@@ -846,7 +846,7 @@
     </p:spTree>
     <p:extLst>
       <p:ext uri="{BB962C8B-B14F-4D97-AF65-F5344CB8AC3E}">
-        <p14:creationId xmlns:p14="http://schemas.microsoft.com/office/powerpoint/2010/main" val="2552903595"/>
+        <p14:creationId xmlns:p14="http://schemas.microsoft.com/office/powerpoint/2010/main" val="1572656552"/>
       </p:ext>
     </p:extLst>
   </p:cSld>
@@ -930,6 +930,90 @@
     </p:spTree>
     <p:extLst>
       <p:ext uri="{BB962C8B-B14F-4D97-AF65-F5344CB8AC3E}">
+        <p14:creationId xmlns:p14="http://schemas.microsoft.com/office/powerpoint/2010/main" val="2552903595"/>
+      </p:ext>
+    </p:extLst>
+  </p:cSld>
+  <p:clrMapOvr>
+    <a:masterClrMapping/>
+  </p:clrMapOvr>
+</p:notes>
+</file>
+
+<file path=ppt/notesSlides/notesSlide14.xml><?xml version="1.0" encoding="utf-8"?>
+<p:notes xmlns:a="http://schemas.openxmlformats.org/drawingml/2006/main" xmlns:r="http://schemas.openxmlformats.org/officeDocument/2006/relationships" xmlns:p="http://schemas.openxmlformats.org/presentationml/2006/main">
+  <p:cSld>
+    <p:spTree>
+      <p:nvGrpSpPr>
+        <p:cNvPr id="1" name=""/>
+        <p:cNvGrpSpPr/>
+        <p:nvPr/>
+      </p:nvGrpSpPr>
+      <p:grpSpPr>
+        <a:xfrm>
+          <a:off x="0" y="0"/>
+          <a:ext cx="0" cy="0"/>
+          <a:chOff x="0" y="0"/>
+          <a:chExt cx="0" cy="0"/>
+        </a:xfrm>
+      </p:grpSpPr>
+      <p:sp>
+        <p:nvSpPr>
+          <p:cNvPr id="2" name="幻灯片图像占位符 1"/>
+          <p:cNvSpPr>
+            <a:spLocks noGrp="1" noRot="1" noChangeAspect="1"/>
+          </p:cNvSpPr>
+          <p:nvPr>
+            <p:ph type="sldImg"/>
+          </p:nvPr>
+        </p:nvSpPr>
+        <p:spPr/>
+      </p:sp>
+      <p:sp>
+        <p:nvSpPr>
+          <p:cNvPr id="3" name="备注占位符 2"/>
+          <p:cNvSpPr>
+            <a:spLocks noGrp="1"/>
+          </p:cNvSpPr>
+          <p:nvPr>
+            <p:ph type="body" idx="1"/>
+          </p:nvPr>
+        </p:nvSpPr>
+        <p:spPr/>
+        <p:txBody>
+          <a:bodyPr/>
+          <a:lstStyle/>
+          <a:p>
+            <a:endParaRPr lang="zh-CN" altLang="en-US"/>
+          </a:p>
+        </p:txBody>
+      </p:sp>
+      <p:sp>
+        <p:nvSpPr>
+          <p:cNvPr id="4" name="灯片编号占位符 3"/>
+          <p:cNvSpPr>
+            <a:spLocks noGrp="1"/>
+          </p:cNvSpPr>
+          <p:nvPr>
+            <p:ph type="sldNum" sz="quarter" idx="10"/>
+          </p:nvPr>
+        </p:nvSpPr>
+        <p:spPr/>
+        <p:txBody>
+          <a:bodyPr/>
+          <a:lstStyle/>
+          <a:p>
+            <a:fld id="{2E5701FA-A99B-4EA7-BD9A-49A04217BC0C}" type="slidenum">
+              <a:rPr lang="zh-CN" altLang="en-US" smtClean="0"/>
+              <a:t>14</a:t>
+            </a:fld>
+            <a:endParaRPr lang="zh-CN" altLang="en-US"/>
+          </a:p>
+        </p:txBody>
+      </p:sp>
+    </p:spTree>
+    <p:extLst>
+      <p:ext uri="{BB962C8B-B14F-4D97-AF65-F5344CB8AC3E}">
         <p14:creationId xmlns:p14="http://schemas.microsoft.com/office/powerpoint/2010/main" val="1937190421"/>
       </p:ext>
     </p:extLst>
@@ -940,7 +1024,7 @@
 </p:notes>
 </file>
 
-<file path=ppt/notesSlides/notesSlide14.xml><?xml version="1.0" encoding="utf-8"?>
+<file path=ppt/notesSlides/notesSlide15.xml><?xml version="1.0" encoding="utf-8"?>
 <p:notes xmlns:a="http://schemas.openxmlformats.org/drawingml/2006/main" xmlns:r="http://schemas.openxmlformats.org/officeDocument/2006/relationships" xmlns:p="http://schemas.openxmlformats.org/presentationml/2006/main">
   <p:cSld>
     <p:spTree>
@@ -1008,7 +1092,7 @@
           <a:p>
             <a:fld id="{2E5701FA-A99B-4EA7-BD9A-49A04217BC0C}" type="slidenum">
               <a:rPr lang="zh-CN" altLang="en-US" smtClean="0"/>
-              <a:t>14</a:t>
+              <a:t>15</a:t>
             </a:fld>
             <a:endParaRPr lang="zh-CN" altLang="en-US"/>
           </a:p>
@@ -1027,7 +1111,7 @@
 </p:notes>
 </file>
 
-<file path=ppt/notesSlides/notesSlide15.xml><?xml version="1.0" encoding="utf-8"?>
+<file path=ppt/notesSlides/notesSlide16.xml><?xml version="1.0" encoding="utf-8"?>
 <p:notes xmlns:a="http://schemas.openxmlformats.org/drawingml/2006/main" xmlns:r="http://schemas.openxmlformats.org/officeDocument/2006/relationships" xmlns:p="http://schemas.openxmlformats.org/presentationml/2006/main">
   <p:cSld>
     <p:spTree>
@@ -1092,7 +1176,7 @@
           <a:p>
             <a:fld id="{2E5701FA-A99B-4EA7-BD9A-49A04217BC0C}" type="slidenum">
               <a:rPr lang="zh-CN" altLang="en-US" smtClean="0"/>
-              <a:t>15</a:t>
+              <a:t>16</a:t>
             </a:fld>
             <a:endParaRPr lang="zh-CN" altLang="en-US"/>
           </a:p>
@@ -1111,7 +1195,7 @@
 </p:notes>
 </file>
 
-<file path=ppt/notesSlides/notesSlide16.xml><?xml version="1.0" encoding="utf-8"?>
+<file path=ppt/notesSlides/notesSlide17.xml><?xml version="1.0" encoding="utf-8"?>
 <p:notes xmlns:a="http://schemas.openxmlformats.org/drawingml/2006/main" xmlns:r="http://schemas.openxmlformats.org/officeDocument/2006/relationships" xmlns:p="http://schemas.openxmlformats.org/presentationml/2006/main">
   <p:cSld>
     <p:spTree>
@@ -1176,7 +1260,7 @@
           <a:p>
             <a:fld id="{2E5701FA-A99B-4EA7-BD9A-49A04217BC0C}" type="slidenum">
               <a:rPr lang="zh-CN" altLang="en-US" smtClean="0"/>
-              <a:t>16</a:t>
+              <a:t>17</a:t>
             </a:fld>
             <a:endParaRPr lang="zh-CN" altLang="en-US"/>
           </a:p>
@@ -1186,90 +1270,6 @@
     <p:extLst>
       <p:ext uri="{BB962C8B-B14F-4D97-AF65-F5344CB8AC3E}">
         <p14:creationId xmlns:p14="http://schemas.microsoft.com/office/powerpoint/2010/main" val="3503833472"/>
-      </p:ext>
-    </p:extLst>
-  </p:cSld>
-  <p:clrMapOvr>
-    <a:masterClrMapping/>
-  </p:clrMapOvr>
-</p:notes>
-</file>
-
-<file path=ppt/notesSlides/notesSlide17.xml><?xml version="1.0" encoding="utf-8"?>
-<p:notes xmlns:a="http://schemas.openxmlformats.org/drawingml/2006/main" xmlns:r="http://schemas.openxmlformats.org/officeDocument/2006/relationships" xmlns:p="http://schemas.openxmlformats.org/presentationml/2006/main">
-  <p:cSld>
-    <p:spTree>
-      <p:nvGrpSpPr>
-        <p:cNvPr id="1" name=""/>
-        <p:cNvGrpSpPr/>
-        <p:nvPr/>
-      </p:nvGrpSpPr>
-      <p:grpSpPr>
-        <a:xfrm>
-          <a:off x="0" y="0"/>
-          <a:ext cx="0" cy="0"/>
-          <a:chOff x="0" y="0"/>
-          <a:chExt cx="0" cy="0"/>
-        </a:xfrm>
-      </p:grpSpPr>
-      <p:sp>
-        <p:nvSpPr>
-          <p:cNvPr id="2" name="幻灯片图像占位符 1"/>
-          <p:cNvSpPr>
-            <a:spLocks noGrp="1" noRot="1" noChangeAspect="1"/>
-          </p:cNvSpPr>
-          <p:nvPr>
-            <p:ph type="sldImg"/>
-          </p:nvPr>
-        </p:nvSpPr>
-        <p:spPr/>
-      </p:sp>
-      <p:sp>
-        <p:nvSpPr>
-          <p:cNvPr id="3" name="备注占位符 2"/>
-          <p:cNvSpPr>
-            <a:spLocks noGrp="1"/>
-          </p:cNvSpPr>
-          <p:nvPr>
-            <p:ph type="body" idx="1"/>
-          </p:nvPr>
-        </p:nvSpPr>
-        <p:spPr/>
-        <p:txBody>
-          <a:bodyPr/>
-          <a:lstStyle/>
-          <a:p>
-            <a:endParaRPr lang="zh-CN" altLang="en-US"/>
-          </a:p>
-        </p:txBody>
-      </p:sp>
-      <p:sp>
-        <p:nvSpPr>
-          <p:cNvPr id="4" name="灯片编号占位符 3"/>
-          <p:cNvSpPr>
-            <a:spLocks noGrp="1"/>
-          </p:cNvSpPr>
-          <p:nvPr>
-            <p:ph type="sldNum" sz="quarter" idx="10"/>
-          </p:nvPr>
-        </p:nvSpPr>
-        <p:spPr/>
-        <p:txBody>
-          <a:bodyPr/>
-          <a:lstStyle/>
-          <a:p>
-            <a:fld id="{2E5701FA-A99B-4EA7-BD9A-49A04217BC0C}" type="slidenum">
-              <a:rPr lang="zh-CN" altLang="en-US" smtClean="0"/>
-              <a:t>17</a:t>
-            </a:fld>
-            <a:endParaRPr lang="zh-CN" altLang="en-US"/>
-          </a:p>
-        </p:txBody>
-      </p:sp>
-    </p:spTree>
-    <p:extLst>
-      <p:ext uri="{BB962C8B-B14F-4D97-AF65-F5344CB8AC3E}">
-        <p14:creationId xmlns:p14="http://schemas.microsoft.com/office/powerpoint/2010/main" val="362731310"/>
       </p:ext>
     </p:extLst>
   </p:cSld>
@@ -1353,7 +1353,7 @@
     </p:spTree>
     <p:extLst>
       <p:ext uri="{BB962C8B-B14F-4D97-AF65-F5344CB8AC3E}">
-        <p14:creationId xmlns:p14="http://schemas.microsoft.com/office/powerpoint/2010/main" val="1917995284"/>
+        <p14:creationId xmlns:p14="http://schemas.microsoft.com/office/powerpoint/2010/main" val="362731310"/>
       </p:ext>
     </p:extLst>
   </p:cSld>
@@ -1437,7 +1437,7 @@
     </p:spTree>
     <p:extLst>
       <p:ext uri="{BB962C8B-B14F-4D97-AF65-F5344CB8AC3E}">
-        <p14:creationId xmlns:p14="http://schemas.microsoft.com/office/powerpoint/2010/main" val="4199338714"/>
+        <p14:creationId xmlns:p14="http://schemas.microsoft.com/office/powerpoint/2010/main" val="1917995284"/>
       </p:ext>
     </p:extLst>
   </p:cSld>
@@ -1605,7 +1605,7 @@
     </p:spTree>
     <p:extLst>
       <p:ext uri="{BB962C8B-B14F-4D97-AF65-F5344CB8AC3E}">
-        <p14:creationId xmlns:p14="http://schemas.microsoft.com/office/powerpoint/2010/main" val="3220478995"/>
+        <p14:creationId xmlns:p14="http://schemas.microsoft.com/office/powerpoint/2010/main" val="4199338714"/>
       </p:ext>
     </p:extLst>
   </p:cSld>
@@ -1689,7 +1689,7 @@
     </p:spTree>
     <p:extLst>
       <p:ext uri="{BB962C8B-B14F-4D97-AF65-F5344CB8AC3E}">
-        <p14:creationId xmlns:p14="http://schemas.microsoft.com/office/powerpoint/2010/main" val="1530897611"/>
+        <p14:creationId xmlns:p14="http://schemas.microsoft.com/office/powerpoint/2010/main" val="3220478995"/>
       </p:ext>
     </p:extLst>
   </p:cSld>
@@ -1773,7 +1773,7 @@
     </p:spTree>
     <p:extLst>
       <p:ext uri="{BB962C8B-B14F-4D97-AF65-F5344CB8AC3E}">
-        <p14:creationId xmlns:p14="http://schemas.microsoft.com/office/powerpoint/2010/main" val="3537488346"/>
+        <p14:creationId xmlns:p14="http://schemas.microsoft.com/office/powerpoint/2010/main" val="1530897611"/>
       </p:ext>
     </p:extLst>
   </p:cSld>
@@ -1857,7 +1857,7 @@
     </p:spTree>
     <p:extLst>
       <p:ext uri="{BB962C8B-B14F-4D97-AF65-F5344CB8AC3E}">
-        <p14:creationId xmlns:p14="http://schemas.microsoft.com/office/powerpoint/2010/main" val="1956055946"/>
+        <p14:creationId xmlns:p14="http://schemas.microsoft.com/office/powerpoint/2010/main" val="3537488346"/>
       </p:ext>
     </p:extLst>
   </p:cSld>
@@ -1941,7 +1941,7 @@
     </p:spTree>
     <p:extLst>
       <p:ext uri="{BB962C8B-B14F-4D97-AF65-F5344CB8AC3E}">
-        <p14:creationId xmlns:p14="http://schemas.microsoft.com/office/powerpoint/2010/main" val="3403989238"/>
+        <p14:creationId xmlns:p14="http://schemas.microsoft.com/office/powerpoint/2010/main" val="1956055946"/>
       </p:ext>
     </p:extLst>
   </p:cSld>
@@ -2025,7 +2025,7 @@
     </p:spTree>
     <p:extLst>
       <p:ext uri="{BB962C8B-B14F-4D97-AF65-F5344CB8AC3E}">
-        <p14:creationId xmlns:p14="http://schemas.microsoft.com/office/powerpoint/2010/main" val="2979246411"/>
+        <p14:creationId xmlns:p14="http://schemas.microsoft.com/office/powerpoint/2010/main" val="3403989238"/>
       </p:ext>
     </p:extLst>
   </p:cSld>
@@ -2109,7 +2109,7 @@
     </p:spTree>
     <p:extLst>
       <p:ext uri="{BB962C8B-B14F-4D97-AF65-F5344CB8AC3E}">
-        <p14:creationId xmlns:p14="http://schemas.microsoft.com/office/powerpoint/2010/main" val="2838941307"/>
+        <p14:creationId xmlns:p14="http://schemas.microsoft.com/office/powerpoint/2010/main" val="2979246411"/>
       </p:ext>
     </p:extLst>
   </p:cSld>
@@ -2193,7 +2193,7 @@
     </p:spTree>
     <p:extLst>
       <p:ext uri="{BB962C8B-B14F-4D97-AF65-F5344CB8AC3E}">
-        <p14:creationId xmlns:p14="http://schemas.microsoft.com/office/powerpoint/2010/main" val="57452575"/>
+        <p14:creationId xmlns:p14="http://schemas.microsoft.com/office/powerpoint/2010/main" val="2838941307"/>
       </p:ext>
     </p:extLst>
   </p:cSld>
@@ -2277,7 +2277,7 @@
     </p:spTree>
     <p:extLst>
       <p:ext uri="{BB962C8B-B14F-4D97-AF65-F5344CB8AC3E}">
-        <p14:creationId xmlns:p14="http://schemas.microsoft.com/office/powerpoint/2010/main" val="1966678876"/>
+        <p14:creationId xmlns:p14="http://schemas.microsoft.com/office/powerpoint/2010/main" val="57452575"/>
       </p:ext>
     </p:extLst>
   </p:cSld>
@@ -6248,7 +6248,7 @@
         </p:blipFill>
         <p:spPr>
           <a:xfrm>
-            <a:off x="0" y="-112138"/>
+            <a:off x="0" y="0"/>
             <a:ext cx="12192000" cy="6858000"/>
           </a:xfrm>
           <a:prstGeom prst="rect">
@@ -9277,57 +9277,6 @@
       </p:sp>
       <p:sp>
         <p:nvSpPr>
-          <p:cNvPr id="2" name="文本框 1">
-            <a:extLst>
-              <a:ext uri="{FF2B5EF4-FFF2-40B4-BE49-F238E27FC236}">
-                <a16:creationId xmlns:a16="http://schemas.microsoft.com/office/drawing/2014/main" id="{4DE73D84-F0D6-40F8-92C4-51AF0A2AF69B}"/>
-              </a:ext>
-            </a:extLst>
-          </p:cNvPr>
-          <p:cNvSpPr txBox="1"/>
-          <p:nvPr/>
-        </p:nvSpPr>
-        <p:spPr>
-          <a:xfrm>
-            <a:off x="1704975" y="1704975"/>
-            <a:ext cx="5276850" cy="369332"/>
-          </a:xfrm>
-          <a:prstGeom prst="rect">
-            <a:avLst/>
-          </a:prstGeom>
-          <a:noFill/>
-        </p:spPr>
-        <p:txBody>
-          <a:bodyPr wrap="square" rtlCol="0">
-            <a:spAutoFit/>
-          </a:bodyPr>
-          <a:lstStyle/>
-          <a:p>
-            <a:r>
-              <a:rPr lang="zh-CN" altLang="en-US" dirty="0"/>
-              <a:t>使用了</a:t>
-            </a:r>
-            <a:r>
-              <a:rPr lang="en-US" altLang="zh-CN" dirty="0"/>
-              <a:t>xx</a:t>
-            </a:r>
-            <a:r>
-              <a:rPr lang="zh-CN" altLang="en-US" dirty="0"/>
-              <a:t>技术，</a:t>
-            </a:r>
-            <a:r>
-              <a:rPr lang="en-US" altLang="zh-CN" dirty="0" err="1"/>
-              <a:t>echarts</a:t>
-            </a:r>
-            <a:r>
-              <a:rPr lang="zh-CN" altLang="en-US" dirty="0"/>
-              <a:t>图标</a:t>
-            </a:r>
-          </a:p>
-        </p:txBody>
-      </p:sp>
-      <p:sp>
-        <p:nvSpPr>
           <p:cNvPr id="3" name="文本框 2">
             <a:extLst>
               <a:ext uri="{FF2B5EF4-FFF2-40B4-BE49-F238E27FC236}">
@@ -9340,7 +9289,7 @@
         </p:nvSpPr>
         <p:spPr>
           <a:xfrm>
-            <a:off x="1704975" y="3038475"/>
+            <a:off x="2459718" y="1525614"/>
             <a:ext cx="4886325" cy="369332"/>
           </a:xfrm>
           <a:prstGeom prst="rect">
@@ -9356,7 +9305,7 @@
           <a:p>
             <a:r>
               <a:rPr lang="zh-CN" altLang="en-US" dirty="0"/>
-              <a:t>插入大屏图片，投诉列表页面，和投诉详情</a:t>
+              <a:t>大屏图片</a:t>
             </a:r>
           </a:p>
         </p:txBody>
@@ -9502,6 +9451,489 @@
 </file>
 
 <file path=ppt/slides/slide12.xml><?xml version="1.0" encoding="utf-8"?>
+<p:sld xmlns:a="http://schemas.openxmlformats.org/drawingml/2006/main" xmlns:r="http://schemas.openxmlformats.org/officeDocument/2006/relationships" xmlns:p="http://schemas.openxmlformats.org/presentationml/2006/main">
+  <p:cSld>
+    <p:spTree>
+      <p:nvGrpSpPr>
+        <p:cNvPr id="1" name=""/>
+        <p:cNvGrpSpPr/>
+        <p:nvPr/>
+      </p:nvGrpSpPr>
+      <p:grpSpPr>
+        <a:xfrm>
+          <a:off x="0" y="0"/>
+          <a:ext cx="0" cy="0"/>
+          <a:chOff x="0" y="0"/>
+          <a:chExt cx="0" cy="0"/>
+        </a:xfrm>
+      </p:grpSpPr>
+      <p:grpSp>
+        <p:nvGrpSpPr>
+          <p:cNvPr id="66" name="组合 65">
+            <a:extLst>
+              <a:ext uri="{FF2B5EF4-FFF2-40B4-BE49-F238E27FC236}">
+                <a16:creationId xmlns:a16="http://schemas.microsoft.com/office/drawing/2014/main" id="{B31FD9ED-7842-4841-B4B0-418CF745A783}"/>
+              </a:ext>
+            </a:extLst>
+          </p:cNvPr>
+          <p:cNvGrpSpPr/>
+          <p:nvPr/>
+        </p:nvGrpSpPr>
+        <p:grpSpPr>
+          <a:xfrm>
+            <a:off x="304800" y="160072"/>
+            <a:ext cx="845855" cy="957897"/>
+            <a:chOff x="589078" y="2173649"/>
+            <a:chExt cx="1147751" cy="1299782"/>
+          </a:xfrm>
+        </p:grpSpPr>
+        <p:grpSp>
+          <p:nvGrpSpPr>
+            <p:cNvPr id="67" name="组合 66">
+              <a:extLst>
+                <a:ext uri="{FF2B5EF4-FFF2-40B4-BE49-F238E27FC236}">
+                  <a16:creationId xmlns:a16="http://schemas.microsoft.com/office/drawing/2014/main" id="{0BD90A63-9952-49ED-B2B0-2B31B16BB931}"/>
+                </a:ext>
+              </a:extLst>
+            </p:cNvPr>
+            <p:cNvGrpSpPr/>
+            <p:nvPr/>
+          </p:nvGrpSpPr>
+          <p:grpSpPr>
+            <a:xfrm>
+              <a:off x="589078" y="2173649"/>
+              <a:ext cx="1126328" cy="1243276"/>
+              <a:chOff x="1950418" y="3368985"/>
+              <a:chExt cx="432211" cy="477089"/>
+            </a:xfrm>
+          </p:grpSpPr>
+          <p:sp>
+            <p:nvSpPr>
+              <p:cNvPr id="69" name="矩形 68">
+                <a:extLst>
+                  <a:ext uri="{FF2B5EF4-FFF2-40B4-BE49-F238E27FC236}">
+                    <a16:creationId xmlns:a16="http://schemas.microsoft.com/office/drawing/2014/main" id="{B1E5FD5B-14E1-4B5B-BE71-760E05D7D0EF}"/>
+                  </a:ext>
+                </a:extLst>
+              </p:cNvPr>
+              <p:cNvSpPr/>
+              <p:nvPr/>
+            </p:nvSpPr>
+            <p:spPr>
+              <a:xfrm>
+                <a:off x="1950418" y="3368985"/>
+                <a:ext cx="353961" cy="353960"/>
+              </a:xfrm>
+              <a:prstGeom prst="rect">
+                <a:avLst/>
+              </a:prstGeom>
+              <a:solidFill>
+                <a:srgbClr val="113F4E"/>
+              </a:solidFill>
+              <a:ln>
+                <a:noFill/>
+              </a:ln>
+            </p:spPr>
+            <p:style>
+              <a:lnRef idx="2">
+                <a:schemeClr val="accent1">
+                  <a:shade val="50000"/>
+                </a:schemeClr>
+              </a:lnRef>
+              <a:fillRef idx="1">
+                <a:schemeClr val="accent1"/>
+              </a:fillRef>
+              <a:effectRef idx="0">
+                <a:schemeClr val="accent1"/>
+              </a:effectRef>
+              <a:fontRef idx="minor">
+                <a:schemeClr val="lt1"/>
+              </a:fontRef>
+            </p:style>
+            <p:txBody>
+              <a:bodyPr rtlCol="0" anchor="ctr"/>
+              <a:lstStyle/>
+              <a:p>
+                <a:pPr algn="ctr"/>
+                <a:endParaRPr lang="zh-CN" altLang="en-US" dirty="0">
+                  <a:latin typeface="微软雅黑" panose="020B0503020204020204" pitchFamily="34" charset="-122"/>
+                  <a:ea typeface="微软雅黑" panose="020B0503020204020204" pitchFamily="34" charset="-122"/>
+                </a:endParaRPr>
+              </a:p>
+            </p:txBody>
+          </p:sp>
+          <p:sp>
+            <p:nvSpPr>
+              <p:cNvPr id="70" name="矩形 69">
+                <a:extLst>
+                  <a:ext uri="{FF2B5EF4-FFF2-40B4-BE49-F238E27FC236}">
+                    <a16:creationId xmlns:a16="http://schemas.microsoft.com/office/drawing/2014/main" id="{8B8C661E-BD30-43C2-A433-B33E8C99A3CC}"/>
+                  </a:ext>
+                </a:extLst>
+              </p:cNvPr>
+              <p:cNvSpPr/>
+              <p:nvPr/>
+            </p:nvSpPr>
+            <p:spPr>
+              <a:xfrm>
+                <a:off x="2082519" y="3545965"/>
+                <a:ext cx="300110" cy="300109"/>
+              </a:xfrm>
+              <a:prstGeom prst="rect">
+                <a:avLst/>
+              </a:prstGeom>
+              <a:solidFill>
+                <a:srgbClr val="55C0AF"/>
+              </a:solidFill>
+              <a:ln>
+                <a:noFill/>
+              </a:ln>
+            </p:spPr>
+            <p:style>
+              <a:lnRef idx="2">
+                <a:schemeClr val="accent1">
+                  <a:shade val="50000"/>
+                </a:schemeClr>
+              </a:lnRef>
+              <a:fillRef idx="1">
+                <a:schemeClr val="accent1"/>
+              </a:fillRef>
+              <a:effectRef idx="0">
+                <a:schemeClr val="accent1"/>
+              </a:effectRef>
+              <a:fontRef idx="minor">
+                <a:schemeClr val="lt1"/>
+              </a:fontRef>
+            </p:style>
+            <p:txBody>
+              <a:bodyPr rtlCol="0" anchor="ctr"/>
+              <a:lstStyle/>
+              <a:p>
+                <a:pPr algn="ctr"/>
+                <a:endParaRPr lang="zh-CN" altLang="en-US" dirty="0">
+                  <a:latin typeface="微软雅黑" panose="020B0503020204020204" pitchFamily="34" charset="-122"/>
+                  <a:ea typeface="微软雅黑" panose="020B0503020204020204" pitchFamily="34" charset="-122"/>
+                </a:endParaRPr>
+              </a:p>
+            </p:txBody>
+          </p:sp>
+        </p:grpSp>
+        <p:sp>
+          <p:nvSpPr>
+            <p:cNvPr id="68" name="文本框 67">
+              <a:extLst>
+                <a:ext uri="{FF2B5EF4-FFF2-40B4-BE49-F238E27FC236}">
+                  <a16:creationId xmlns:a16="http://schemas.microsoft.com/office/drawing/2014/main" id="{5431DB3F-2B9E-471B-B83A-3AA3318295DF}"/>
+                </a:ext>
+              </a:extLst>
+            </p:cNvPr>
+            <p:cNvSpPr txBox="1"/>
+            <p:nvPr/>
+          </p:nvSpPr>
+          <p:spPr>
+            <a:xfrm>
+              <a:off x="907667" y="2220553"/>
+              <a:ext cx="829162" cy="1252878"/>
+            </a:xfrm>
+            <a:prstGeom prst="rect">
+              <a:avLst/>
+            </a:prstGeom>
+            <a:noFill/>
+          </p:spPr>
+          <p:txBody>
+            <a:bodyPr wrap="none" rtlCol="0">
+              <a:spAutoFit/>
+              <a:scene3d>
+                <a:camera prst="orthographicFront"/>
+                <a:lightRig rig="threePt" dir="t"/>
+              </a:scene3d>
+              <a:sp3d contourW="12700"/>
+            </a:bodyPr>
+            <a:lstStyle/>
+            <a:p>
+              <a:r>
+                <a:rPr lang="en-US" altLang="zh-CN" sz="5400" b="1" dirty="0">
+                  <a:solidFill>
+                    <a:schemeClr val="bg1"/>
+                  </a:solidFill>
+                  <a:latin typeface="微软雅黑" panose="020B0503020204020204" pitchFamily="34" charset="-122"/>
+                  <a:ea typeface="微软雅黑" panose="020B0503020204020204" pitchFamily="34" charset="-122"/>
+                </a:rPr>
+                <a:t>2</a:t>
+              </a:r>
+              <a:endParaRPr lang="zh-CN" altLang="en-US" sz="5400" b="1" dirty="0">
+                <a:solidFill>
+                  <a:schemeClr val="bg1"/>
+                </a:solidFill>
+                <a:latin typeface="微软雅黑" panose="020B0503020204020204" pitchFamily="34" charset="-122"/>
+                <a:ea typeface="微软雅黑" panose="020B0503020204020204" pitchFamily="34" charset="-122"/>
+              </a:endParaRPr>
+            </a:p>
+          </p:txBody>
+        </p:sp>
+      </p:grpSp>
+      <p:sp>
+        <p:nvSpPr>
+          <p:cNvPr id="71" name="文本框 70">
+            <a:extLst>
+              <a:ext uri="{FF2B5EF4-FFF2-40B4-BE49-F238E27FC236}">
+                <a16:creationId xmlns:a16="http://schemas.microsoft.com/office/drawing/2014/main" id="{56BFCEC6-22CE-4CDA-8267-8F8302C26831}"/>
+              </a:ext>
+            </a:extLst>
+          </p:cNvPr>
+          <p:cNvSpPr txBox="1"/>
+          <p:nvPr/>
+        </p:nvSpPr>
+        <p:spPr>
+          <a:xfrm>
+            <a:off x="1360280" y="101279"/>
+            <a:ext cx="4735719" cy="584775"/>
+          </a:xfrm>
+          <a:prstGeom prst="rect">
+            <a:avLst/>
+          </a:prstGeom>
+          <a:noFill/>
+        </p:spPr>
+        <p:txBody>
+          <a:bodyPr wrap="square" rtlCol="0">
+            <a:spAutoFit/>
+          </a:bodyPr>
+          <a:lstStyle/>
+          <a:p>
+            <a:r>
+              <a:rPr lang="zh-CN" altLang="en-US" sz="3200" b="1" spc="600" dirty="0">
+                <a:solidFill>
+                  <a:schemeClr val="bg1">
+                    <a:lumMod val="65000"/>
+                  </a:schemeClr>
+                </a:solidFill>
+                <a:latin typeface="微软雅黑" panose="020B0503020204020204" pitchFamily="34" charset="-122"/>
+                <a:ea typeface="微软雅黑" panose="020B0503020204020204" pitchFamily="34" charset="-122"/>
+              </a:rPr>
+              <a:t>问题分析与解决方案</a:t>
+            </a:r>
+          </a:p>
+        </p:txBody>
+      </p:sp>
+      <p:sp>
+        <p:nvSpPr>
+          <p:cNvPr id="72" name="文本框 71">
+            <a:extLst>
+              <a:ext uri="{FF2B5EF4-FFF2-40B4-BE49-F238E27FC236}">
+                <a16:creationId xmlns:a16="http://schemas.microsoft.com/office/drawing/2014/main" id="{E996CA8F-8C12-4E6B-85BC-8B54AEFEB0D7}"/>
+              </a:ext>
+            </a:extLst>
+          </p:cNvPr>
+          <p:cNvSpPr txBox="1"/>
+          <p:nvPr/>
+        </p:nvSpPr>
+        <p:spPr>
+          <a:xfrm>
+            <a:off x="1365618" y="674947"/>
+            <a:ext cx="5511431" cy="461665"/>
+          </a:xfrm>
+          <a:prstGeom prst="rect">
+            <a:avLst/>
+          </a:prstGeom>
+          <a:noFill/>
+        </p:spPr>
+        <p:txBody>
+          <a:bodyPr wrap="square" rtlCol="0">
+            <a:spAutoFit/>
+          </a:bodyPr>
+          <a:lstStyle/>
+          <a:p>
+            <a:r>
+              <a:rPr lang="zh-CN" altLang="en-US" sz="2400" b="1" dirty="0">
+                <a:solidFill>
+                  <a:srgbClr val="55C0AF"/>
+                </a:solidFill>
+              </a:rPr>
+              <a:t>统计分析模块</a:t>
+            </a:r>
+          </a:p>
+        </p:txBody>
+      </p:sp>
+      <p:sp>
+        <p:nvSpPr>
+          <p:cNvPr id="3" name="文本框 2">
+            <a:extLst>
+              <a:ext uri="{FF2B5EF4-FFF2-40B4-BE49-F238E27FC236}">
+                <a16:creationId xmlns:a16="http://schemas.microsoft.com/office/drawing/2014/main" id="{A995E4FE-523F-4B4F-96B0-9254F683E177}"/>
+              </a:ext>
+            </a:extLst>
+          </p:cNvPr>
+          <p:cNvSpPr txBox="1"/>
+          <p:nvPr/>
+        </p:nvSpPr>
+        <p:spPr>
+          <a:xfrm>
+            <a:off x="4316186" y="2195286"/>
+            <a:ext cx="4886325" cy="369332"/>
+          </a:xfrm>
+          <a:prstGeom prst="rect">
+            <a:avLst/>
+          </a:prstGeom>
+          <a:noFill/>
+        </p:spPr>
+        <p:txBody>
+          <a:bodyPr wrap="square" rtlCol="0">
+            <a:spAutoFit/>
+          </a:bodyPr>
+          <a:lstStyle/>
+          <a:p>
+            <a:r>
+              <a:rPr lang="zh-CN" altLang="en-US" dirty="0"/>
+              <a:t>统计图表*</a:t>
+            </a:r>
+            <a:r>
+              <a:rPr lang="en-US" altLang="zh-CN" dirty="0"/>
+              <a:t>6</a:t>
+            </a:r>
+          </a:p>
+        </p:txBody>
+      </p:sp>
+    </p:spTree>
+    <p:extLst>
+      <p:ext uri="{BB962C8B-B14F-4D97-AF65-F5344CB8AC3E}">
+        <p14:creationId xmlns:p14="http://schemas.microsoft.com/office/powerpoint/2010/main" val="3677884695"/>
+      </p:ext>
+    </p:extLst>
+  </p:cSld>
+  <p:clrMapOvr>
+    <a:masterClrMapping/>
+  </p:clrMapOvr>
+  <p:transition spd="slow">
+    <p:push dir="u"/>
+  </p:transition>
+  <p:timing>
+    <p:tnLst>
+      <p:par>
+        <p:cTn id="1" dur="indefinite" restart="never" nodeType="tmRoot">
+          <p:childTnLst>
+            <p:seq concurrent="1" nextAc="seek">
+              <p:cTn id="2" dur="indefinite" nodeType="mainSeq">
+                <p:childTnLst>
+                  <p:par>
+                    <p:cTn id="3" fill="hold">
+                      <p:stCondLst>
+                        <p:cond delay="indefinite"/>
+                        <p:cond evt="onBegin" delay="0">
+                          <p:tn val="2"/>
+                        </p:cond>
+                      </p:stCondLst>
+                      <p:childTnLst>
+                        <p:par>
+                          <p:cTn id="4" fill="hold">
+                            <p:stCondLst>
+                              <p:cond delay="0"/>
+                            </p:stCondLst>
+                            <p:childTnLst>
+                              <p:par>
+                                <p:cTn id="5" presetID="2" presetClass="entr" presetSubtype="8" fill="hold" nodeType="afterEffect">
+                                  <p:stCondLst>
+                                    <p:cond delay="0"/>
+                                  </p:stCondLst>
+                                  <p:childTnLst>
+                                    <p:set>
+                                      <p:cBhvr>
+                                        <p:cTn id="6" dur="1" fill="hold">
+                                          <p:stCondLst>
+                                            <p:cond delay="0"/>
+                                          </p:stCondLst>
+                                        </p:cTn>
+                                        <p:tgtEl>
+                                          <p:spTgt spid="66"/>
+                                        </p:tgtEl>
+                                        <p:attrNameLst>
+                                          <p:attrName>style.visibility</p:attrName>
+                                        </p:attrNameLst>
+                                      </p:cBhvr>
+                                      <p:to>
+                                        <p:strVal val="visible"/>
+                                      </p:to>
+                                    </p:set>
+                                    <p:anim calcmode="lin" valueType="num">
+                                      <p:cBhvr additive="base">
+                                        <p:cTn id="7" dur="500" fill="hold"/>
+                                        <p:tgtEl>
+                                          <p:spTgt spid="66"/>
+                                        </p:tgtEl>
+                                        <p:attrNameLst>
+                                          <p:attrName>ppt_x</p:attrName>
+                                        </p:attrNameLst>
+                                      </p:cBhvr>
+                                      <p:tavLst>
+                                        <p:tav tm="0">
+                                          <p:val>
+                                            <p:strVal val="0-#ppt_w/2"/>
+                                          </p:val>
+                                        </p:tav>
+                                        <p:tav tm="100000">
+                                          <p:val>
+                                            <p:strVal val="#ppt_x"/>
+                                          </p:val>
+                                        </p:tav>
+                                      </p:tavLst>
+                                    </p:anim>
+                                    <p:anim calcmode="lin" valueType="num">
+                                      <p:cBhvr additive="base">
+                                        <p:cTn id="8" dur="500" fill="hold"/>
+                                        <p:tgtEl>
+                                          <p:spTgt spid="66"/>
+                                        </p:tgtEl>
+                                        <p:attrNameLst>
+                                          <p:attrName>ppt_y</p:attrName>
+                                        </p:attrNameLst>
+                                      </p:cBhvr>
+                                      <p:tavLst>
+                                        <p:tav tm="0">
+                                          <p:val>
+                                            <p:strVal val="#ppt_y"/>
+                                          </p:val>
+                                        </p:tav>
+                                        <p:tav tm="100000">
+                                          <p:val>
+                                            <p:strVal val="#ppt_y"/>
+                                          </p:val>
+                                        </p:tav>
+                                      </p:tavLst>
+                                    </p:anim>
+                                  </p:childTnLst>
+                                </p:cTn>
+                              </p:par>
+                            </p:childTnLst>
+                          </p:cTn>
+                        </p:par>
+                      </p:childTnLst>
+                    </p:cTn>
+                  </p:par>
+                </p:childTnLst>
+              </p:cTn>
+              <p:prevCondLst>
+                <p:cond evt="onPrev" delay="0">
+                  <p:tgtEl>
+                    <p:sldTgt/>
+                  </p:tgtEl>
+                </p:cond>
+              </p:prevCondLst>
+              <p:nextCondLst>
+                <p:cond evt="onNext" delay="0">
+                  <p:tgtEl>
+                    <p:sldTgt/>
+                  </p:tgtEl>
+                </p:cond>
+              </p:nextCondLst>
+            </p:seq>
+          </p:childTnLst>
+        </p:cTn>
+      </p:par>
+    </p:tnLst>
+  </p:timing>
+</p:sld>
+</file>
+
+<file path=ppt/slides/slide13.xml><?xml version="1.0" encoding="utf-8"?>
 <p:sld xmlns:a="http://schemas.openxmlformats.org/drawingml/2006/main" xmlns:r="http://schemas.openxmlformats.org/officeDocument/2006/relationships" xmlns:p="http://schemas.openxmlformats.org/presentationml/2006/main">
   <p:cSld>
     <p:spTree>
@@ -9980,7 +10412,7 @@
 </p:sld>
 </file>
 
-<file path=ppt/slides/slide13.xml><?xml version="1.0" encoding="utf-8"?>
+<file path=ppt/slides/slide14.xml><?xml version="1.0" encoding="utf-8"?>
 <p:sld xmlns:a="http://schemas.openxmlformats.org/drawingml/2006/main" xmlns:r="http://schemas.openxmlformats.org/officeDocument/2006/relationships" xmlns:p="http://schemas.openxmlformats.org/presentationml/2006/main">
   <p:cSld>
     <p:spTree>
@@ -11655,7 +12087,7 @@
 </p:sld>
 </file>
 
-<file path=ppt/slides/slide14.xml><?xml version="1.0" encoding="utf-8"?>
+<file path=ppt/slides/slide15.xml><?xml version="1.0" encoding="utf-8"?>
 <p:sld xmlns:a="http://schemas.openxmlformats.org/drawingml/2006/main" xmlns:r="http://schemas.openxmlformats.org/officeDocument/2006/relationships" xmlns:p="http://schemas.openxmlformats.org/presentationml/2006/main">
   <p:cSld>
     <p:spTree>
@@ -12171,7 +12603,7 @@
                 <a:latin typeface="微软雅黑" panose="020B0503020204020204" pitchFamily="34" charset="-122"/>
                 <a:ea typeface="微软雅黑" panose="020B0503020204020204" pitchFamily="34" charset="-122"/>
               </a:rPr>
-              <a:t>问题分析与解决方案</a:t>
+              <a:t>项目创新</a:t>
             </a:r>
           </a:p>
         </p:txBody>
@@ -12633,7 +13065,7 @@
 </p:sld>
 </file>
 
-<file path=ppt/slides/slide15.xml><?xml version="1.0" encoding="utf-8"?>
+<file path=ppt/slides/slide16.xml><?xml version="1.0" encoding="utf-8"?>
 <p:sld xmlns:a="http://schemas.openxmlformats.org/drawingml/2006/main" xmlns:r="http://schemas.openxmlformats.org/officeDocument/2006/relationships" xmlns:p="http://schemas.openxmlformats.org/presentationml/2006/main">
   <p:cSld>
     <p:spTree>
@@ -12842,7 +13274,7 @@
                   <a:latin typeface="微软雅黑" panose="020B0503020204020204" pitchFamily="34" charset="-122"/>
                   <a:ea typeface="微软雅黑" panose="020B0503020204020204" pitchFamily="34" charset="-122"/>
                 </a:rPr>
-                <a:t>2</a:t>
+                <a:t>3</a:t>
               </a:r>
               <a:endParaRPr lang="zh-CN" altLang="en-US" sz="5400" b="1" dirty="0">
                 <a:solidFill>
@@ -13147,7 +13579,7 @@
         <p:spPr>
           <a:xfrm>
             <a:off x="4148201" y="1951226"/>
-            <a:ext cx="5709265" cy="369332"/>
+            <a:ext cx="5709265" cy="461665"/>
           </a:xfrm>
           <a:prstGeom prst="rect">
             <a:avLst/>
@@ -13161,19 +13593,19 @@
           <a:lstStyle/>
           <a:p>
             <a:r>
-              <a:rPr lang="zh-CN" altLang="en-US" dirty="0"/>
+              <a:rPr lang="zh-CN" altLang="en-US" sz="2400" dirty="0"/>
               <a:t>基于</a:t>
             </a:r>
             <a:r>
-              <a:rPr lang="en-US" altLang="zh-CN" dirty="0" err="1"/>
+              <a:rPr lang="en-US" altLang="zh-CN" sz="2400" dirty="0" err="1"/>
               <a:t>TextCnn</a:t>
             </a:r>
             <a:r>
-              <a:rPr lang="zh-CN" altLang="en-US" dirty="0"/>
+              <a:rPr lang="zh-CN" altLang="en-US" sz="2400" dirty="0"/>
               <a:t>的</a:t>
             </a:r>
             <a:r>
-              <a:rPr lang="zh-CN" altLang="en-US" b="1" dirty="0">
+              <a:rPr lang="zh-CN" altLang="en-US" sz="2400" b="1" dirty="0">
                 <a:solidFill>
                   <a:srgbClr val="55C0AF"/>
                 </a:solidFill>
@@ -13393,7 +13825,7 @@
         <p:spPr>
           <a:xfrm>
             <a:off x="4148201" y="4460072"/>
-            <a:ext cx="5709265" cy="369332"/>
+            <a:ext cx="5709265" cy="461665"/>
           </a:xfrm>
           <a:prstGeom prst="rect">
             <a:avLst/>
@@ -13407,7 +13839,7 @@
           <a:lstStyle/>
           <a:p>
             <a:r>
-              <a:rPr lang="zh-CN" altLang="en-US" dirty="0"/>
+              <a:rPr lang="zh-CN" altLang="en-US" sz="2400" dirty="0"/>
               <a:t>累积数据，增强识别模型</a:t>
             </a:r>
           </a:p>
@@ -13623,7 +14055,7 @@
         <p:spPr>
           <a:xfrm>
             <a:off x="4148201" y="3130898"/>
-            <a:ext cx="4792599" cy="369332"/>
+            <a:ext cx="4792599" cy="830997"/>
           </a:xfrm>
           <a:prstGeom prst="rect">
             <a:avLst/>
@@ -13637,11 +14069,11 @@
           <a:lstStyle/>
           <a:p>
             <a:r>
-              <a:rPr lang="zh-CN" altLang="en-US" dirty="0"/>
+              <a:rPr lang="zh-CN" altLang="en-US" sz="2400" dirty="0"/>
               <a:t>基于</a:t>
             </a:r>
             <a:r>
-              <a:rPr lang="zh-CN" altLang="en-US" dirty="0">
+              <a:rPr lang="zh-CN" altLang="en-US" sz="2400" dirty="0">
                 <a:solidFill>
                   <a:schemeClr val="tx1">
                     <a:lumMod val="95000"/>
@@ -13652,11 +14084,11 @@
               <a:t>文本相似度分析</a:t>
             </a:r>
             <a:r>
-              <a:rPr lang="zh-CN" altLang="en-US" dirty="0"/>
+              <a:rPr lang="zh-CN" altLang="en-US" sz="2400" dirty="0"/>
               <a:t>的</a:t>
             </a:r>
             <a:r>
-              <a:rPr lang="zh-CN" altLang="en-US" b="1" dirty="0">
+              <a:rPr lang="zh-CN" altLang="en-US" sz="2400" b="1" dirty="0">
                 <a:solidFill>
                   <a:srgbClr val="55C0AF"/>
                 </a:solidFill>
@@ -13681,7 +14113,7 @@
         <p:spPr>
           <a:xfrm>
             <a:off x="4148201" y="5667430"/>
-            <a:ext cx="5709265" cy="369332"/>
+            <a:ext cx="5709265" cy="461665"/>
           </a:xfrm>
           <a:prstGeom prst="rect">
             <a:avLst/>
@@ -13695,15 +14127,15 @@
           <a:lstStyle/>
           <a:p>
             <a:r>
-              <a:rPr lang="zh-CN" altLang="en-US" dirty="0"/>
+              <a:rPr lang="zh-CN" altLang="en-US" sz="2400" dirty="0"/>
               <a:t>情感分析</a:t>
             </a:r>
             <a:r>
-              <a:rPr lang="en-US" altLang="zh-CN" dirty="0"/>
+              <a:rPr lang="en-US" altLang="zh-CN" sz="2400" dirty="0"/>
               <a:t>,</a:t>
             </a:r>
             <a:r>
-              <a:rPr lang="zh-CN" altLang="en-US" dirty="0"/>
+              <a:rPr lang="zh-CN" altLang="en-US" sz="2400" dirty="0"/>
               <a:t>精确结果</a:t>
             </a:r>
           </a:p>
@@ -14372,7 +14804,7 @@
 </p:sld>
 </file>
 
-<file path=ppt/slides/slide16.xml><?xml version="1.0" encoding="utf-8"?>
+<file path=ppt/slides/slide17.xml><?xml version="1.0" encoding="utf-8"?>
 <p:sld xmlns:a="http://schemas.openxmlformats.org/drawingml/2006/main" xmlns:r="http://schemas.openxmlformats.org/officeDocument/2006/relationships" xmlns:p="http://schemas.openxmlformats.org/presentationml/2006/main">
   <p:cSld>
     <p:spTree>
@@ -14707,13 +15139,13 @@
           <p:nvPr>
             <p:extLst>
               <p:ext uri="{D42A27DB-BD31-4B8C-83A1-F6EECF244321}">
-                <p14:modId xmlns:p14="http://schemas.microsoft.com/office/powerpoint/2010/main" val="895934262"/>
+                <p14:modId xmlns:p14="http://schemas.microsoft.com/office/powerpoint/2010/main" val="1357480760"/>
               </p:ext>
             </p:extLst>
           </p:nvPr>
         </p:nvGraphicFramePr>
         <p:xfrm>
-          <a:off x="0" y="1819980"/>
+          <a:off x="0" y="1979634"/>
           <a:ext cx="5281974" cy="3215147"/>
         </p:xfrm>
         <a:graphic>
@@ -16950,7 +17382,7 @@
 </p:sld>
 </file>
 
-<file path=ppt/slides/slide17.xml><?xml version="1.0" encoding="utf-8"?>
+<file path=ppt/slides/slide18.xml><?xml version="1.0" encoding="utf-8"?>
 <p:sld xmlns:a="http://schemas.openxmlformats.org/drawingml/2006/main" xmlns:r="http://schemas.openxmlformats.org/officeDocument/2006/relationships" xmlns:p="http://schemas.openxmlformats.org/presentationml/2006/main">
   <p:cSld>
     <p:spTree>
@@ -17268,8 +17700,8 @@
         </p:nvSpPr>
         <p:spPr>
           <a:xfrm>
-            <a:off x="6506299" y="2402492"/>
-            <a:ext cx="1951902" cy="584775"/>
+            <a:off x="6506299" y="1990166"/>
+            <a:ext cx="2487576" cy="997102"/>
           </a:xfrm>
           <a:prstGeom prst="ellipse">
             <a:avLst/>
@@ -17303,7 +17735,7 @@
           <a:p>
             <a:pPr algn="ctr"/>
             <a:r>
-              <a:rPr lang="zh-CN" altLang="en-US" b="1" dirty="0"/>
+              <a:rPr lang="zh-CN" altLang="en-US" sz="2400" b="1" dirty="0"/>
               <a:t>事件影响力</a:t>
             </a:r>
           </a:p>
@@ -17323,8 +17755,8 @@
         </p:nvSpPr>
         <p:spPr>
           <a:xfrm>
-            <a:off x="2707789" y="3590680"/>
-            <a:ext cx="1905000" cy="946422"/>
+            <a:off x="2707788" y="3590680"/>
+            <a:ext cx="2326303" cy="946422"/>
           </a:xfrm>
           <a:prstGeom prst="ellipse">
             <a:avLst/>
@@ -17357,18 +17789,18 @@
           <a:lstStyle/>
           <a:p>
             <a:pPr algn="ctr"/>
-            <a:endParaRPr lang="en-US" altLang="zh-CN" dirty="0"/>
+            <a:endParaRPr lang="en-US" altLang="zh-CN" sz="2400" dirty="0"/>
           </a:p>
           <a:p>
             <a:pPr algn="ctr"/>
             <a:r>
-              <a:rPr lang="zh-CN" altLang="en-US" b="1" dirty="0"/>
+              <a:rPr lang="zh-CN" altLang="en-US" sz="2400" b="1" dirty="0"/>
               <a:t>情感分析</a:t>
             </a:r>
           </a:p>
           <a:p>
             <a:pPr algn="ctr"/>
-            <a:endParaRPr lang="zh-CN" altLang="en-US" b="1" dirty="0"/>
+            <a:endParaRPr lang="zh-CN" altLang="en-US" sz="2400" b="1" dirty="0"/>
           </a:p>
         </p:txBody>
       </p:sp>
@@ -17387,7 +17819,7 @@
         <p:spPr>
           <a:xfrm>
             <a:off x="6506299" y="5015926"/>
-            <a:ext cx="1951902" cy="584775"/>
+            <a:ext cx="2575154" cy="997102"/>
           </a:xfrm>
           <a:prstGeom prst="ellipse">
             <a:avLst/>
@@ -17421,7 +17853,7 @@
           <a:p>
             <a:pPr algn="ctr"/>
             <a:r>
-              <a:rPr lang="zh-CN" altLang="en-US" b="1" dirty="0"/>
+              <a:rPr lang="zh-CN" altLang="en-US" sz="2400" b="1" dirty="0"/>
               <a:t>投诉的筛选</a:t>
             </a:r>
           </a:p>
@@ -17438,14 +17870,15 @@
           </p:cNvPr>
           <p:cNvCxnSpPr>
             <a:cxnSpLocks/>
+            <a:stCxn id="13" idx="6"/>
             <a:endCxn id="12" idx="2"/>
           </p:cNvCxnSpPr>
           <p:nvPr/>
         </p:nvCxnSpPr>
         <p:spPr>
           <a:xfrm flipV="1">
-            <a:off x="4584214" y="2694880"/>
-            <a:ext cx="1922085" cy="1369012"/>
+            <a:off x="5034091" y="2488717"/>
+            <a:ext cx="1472208" cy="1575174"/>
           </a:xfrm>
           <a:prstGeom prst="straightConnector1">
             <a:avLst/>
@@ -17494,8 +17927,8 @@
         </p:nvCxnSpPr>
         <p:spPr>
           <a:xfrm>
-            <a:off x="4612789" y="4063891"/>
-            <a:ext cx="1893510" cy="1244423"/>
+            <a:off x="5034091" y="4063891"/>
+            <a:ext cx="1472208" cy="1450586"/>
           </a:xfrm>
           <a:prstGeom prst="straightConnector1">
             <a:avLst/>
@@ -17738,593 +18171,6 @@
                                         </p:tgtEl>
                                       </p:cBhvr>
                                     </p:animEffect>
-                                  </p:childTnLst>
-                                </p:cTn>
-                              </p:par>
-                            </p:childTnLst>
-                          </p:cTn>
-                        </p:par>
-                      </p:childTnLst>
-                    </p:cTn>
-                  </p:par>
-                </p:childTnLst>
-              </p:cTn>
-              <p:prevCondLst>
-                <p:cond evt="onPrev" delay="0">
-                  <p:tgtEl>
-                    <p:sldTgt/>
-                  </p:tgtEl>
-                </p:cond>
-              </p:prevCondLst>
-              <p:nextCondLst>
-                <p:cond evt="onNext" delay="0">
-                  <p:tgtEl>
-                    <p:sldTgt/>
-                  </p:tgtEl>
-                </p:cond>
-              </p:nextCondLst>
-            </p:seq>
-          </p:childTnLst>
-        </p:cTn>
-      </p:par>
-    </p:tnLst>
-  </p:timing>
-</p:sld>
-</file>
-
-<file path=ppt/slides/slide18.xml><?xml version="1.0" encoding="utf-8"?>
-<p:sld xmlns:a="http://schemas.openxmlformats.org/drawingml/2006/main" xmlns:r="http://schemas.openxmlformats.org/officeDocument/2006/relationships" xmlns:p="http://schemas.openxmlformats.org/presentationml/2006/main">
-  <p:cSld>
-    <p:spTree>
-      <p:nvGrpSpPr>
-        <p:cNvPr id="1" name=""/>
-        <p:cNvGrpSpPr/>
-        <p:nvPr/>
-      </p:nvGrpSpPr>
-      <p:grpSpPr>
-        <a:xfrm>
-          <a:off x="0" y="0"/>
-          <a:ext cx="0" cy="0"/>
-          <a:chOff x="0" y="0"/>
-          <a:chExt cx="0" cy="0"/>
-        </a:xfrm>
-      </p:grpSpPr>
-      <p:grpSp>
-        <p:nvGrpSpPr>
-          <p:cNvPr id="66" name="组合 65">
-            <a:extLst>
-              <a:ext uri="{FF2B5EF4-FFF2-40B4-BE49-F238E27FC236}">
-                <a16:creationId xmlns:a16="http://schemas.microsoft.com/office/drawing/2014/main" id="{B31FD9ED-7842-4841-B4B0-418CF745A783}"/>
-              </a:ext>
-            </a:extLst>
-          </p:cNvPr>
-          <p:cNvGrpSpPr/>
-          <p:nvPr/>
-        </p:nvGrpSpPr>
-        <p:grpSpPr>
-          <a:xfrm>
-            <a:off x="304800" y="160072"/>
-            <a:ext cx="845855" cy="957897"/>
-            <a:chOff x="589078" y="2173649"/>
-            <a:chExt cx="1147751" cy="1299782"/>
-          </a:xfrm>
-        </p:grpSpPr>
-        <p:grpSp>
-          <p:nvGrpSpPr>
-            <p:cNvPr id="67" name="组合 66">
-              <a:extLst>
-                <a:ext uri="{FF2B5EF4-FFF2-40B4-BE49-F238E27FC236}">
-                  <a16:creationId xmlns:a16="http://schemas.microsoft.com/office/drawing/2014/main" id="{0BD90A63-9952-49ED-B2B0-2B31B16BB931}"/>
-                </a:ext>
-              </a:extLst>
-            </p:cNvPr>
-            <p:cNvGrpSpPr/>
-            <p:nvPr/>
-          </p:nvGrpSpPr>
-          <p:grpSpPr>
-            <a:xfrm>
-              <a:off x="589078" y="2173649"/>
-              <a:ext cx="1126328" cy="1243276"/>
-              <a:chOff x="1950418" y="3368985"/>
-              <a:chExt cx="432211" cy="477089"/>
-            </a:xfrm>
-          </p:grpSpPr>
-          <p:sp>
-            <p:nvSpPr>
-              <p:cNvPr id="69" name="矩形 68">
-                <a:extLst>
-                  <a:ext uri="{FF2B5EF4-FFF2-40B4-BE49-F238E27FC236}">
-                    <a16:creationId xmlns:a16="http://schemas.microsoft.com/office/drawing/2014/main" id="{B1E5FD5B-14E1-4B5B-BE71-760E05D7D0EF}"/>
-                  </a:ext>
-                </a:extLst>
-              </p:cNvPr>
-              <p:cNvSpPr/>
-              <p:nvPr/>
-            </p:nvSpPr>
-            <p:spPr>
-              <a:xfrm>
-                <a:off x="1950418" y="3368985"/>
-                <a:ext cx="353961" cy="353960"/>
-              </a:xfrm>
-              <a:prstGeom prst="rect">
-                <a:avLst/>
-              </a:prstGeom>
-              <a:solidFill>
-                <a:srgbClr val="113F4E"/>
-              </a:solidFill>
-              <a:ln>
-                <a:noFill/>
-              </a:ln>
-            </p:spPr>
-            <p:style>
-              <a:lnRef idx="2">
-                <a:schemeClr val="accent1">
-                  <a:shade val="50000"/>
-                </a:schemeClr>
-              </a:lnRef>
-              <a:fillRef idx="1">
-                <a:schemeClr val="accent1"/>
-              </a:fillRef>
-              <a:effectRef idx="0">
-                <a:schemeClr val="accent1"/>
-              </a:effectRef>
-              <a:fontRef idx="minor">
-                <a:schemeClr val="lt1"/>
-              </a:fontRef>
-            </p:style>
-            <p:txBody>
-              <a:bodyPr rtlCol="0" anchor="ctr"/>
-              <a:lstStyle/>
-              <a:p>
-                <a:pPr algn="ctr"/>
-                <a:endParaRPr lang="zh-CN" altLang="en-US" dirty="0">
-                  <a:latin typeface="微软雅黑" panose="020B0503020204020204" pitchFamily="34" charset="-122"/>
-                  <a:ea typeface="微软雅黑" panose="020B0503020204020204" pitchFamily="34" charset="-122"/>
-                </a:endParaRPr>
-              </a:p>
-            </p:txBody>
-          </p:sp>
-          <p:sp>
-            <p:nvSpPr>
-              <p:cNvPr id="70" name="矩形 69">
-                <a:extLst>
-                  <a:ext uri="{FF2B5EF4-FFF2-40B4-BE49-F238E27FC236}">
-                    <a16:creationId xmlns:a16="http://schemas.microsoft.com/office/drawing/2014/main" id="{8B8C661E-BD30-43C2-A433-B33E8C99A3CC}"/>
-                  </a:ext>
-                </a:extLst>
-              </p:cNvPr>
-              <p:cNvSpPr/>
-              <p:nvPr/>
-            </p:nvSpPr>
-            <p:spPr>
-              <a:xfrm>
-                <a:off x="2082519" y="3545965"/>
-                <a:ext cx="300110" cy="300109"/>
-              </a:xfrm>
-              <a:prstGeom prst="rect">
-                <a:avLst/>
-              </a:prstGeom>
-              <a:solidFill>
-                <a:srgbClr val="55C0AF"/>
-              </a:solidFill>
-              <a:ln>
-                <a:noFill/>
-              </a:ln>
-            </p:spPr>
-            <p:style>
-              <a:lnRef idx="2">
-                <a:schemeClr val="accent1">
-                  <a:shade val="50000"/>
-                </a:schemeClr>
-              </a:lnRef>
-              <a:fillRef idx="1">
-                <a:schemeClr val="accent1"/>
-              </a:fillRef>
-              <a:effectRef idx="0">
-                <a:schemeClr val="accent1"/>
-              </a:effectRef>
-              <a:fontRef idx="minor">
-                <a:schemeClr val="lt1"/>
-              </a:fontRef>
-            </p:style>
-            <p:txBody>
-              <a:bodyPr rtlCol="0" anchor="ctr"/>
-              <a:lstStyle/>
-              <a:p>
-                <a:pPr algn="ctr"/>
-                <a:endParaRPr lang="zh-CN" altLang="en-US" dirty="0">
-                  <a:latin typeface="微软雅黑" panose="020B0503020204020204" pitchFamily="34" charset="-122"/>
-                  <a:ea typeface="微软雅黑" panose="020B0503020204020204" pitchFamily="34" charset="-122"/>
-                </a:endParaRPr>
-              </a:p>
-            </p:txBody>
-          </p:sp>
-        </p:grpSp>
-        <p:sp>
-          <p:nvSpPr>
-            <p:cNvPr id="68" name="文本框 67">
-              <a:extLst>
-                <a:ext uri="{FF2B5EF4-FFF2-40B4-BE49-F238E27FC236}">
-                  <a16:creationId xmlns:a16="http://schemas.microsoft.com/office/drawing/2014/main" id="{5431DB3F-2B9E-471B-B83A-3AA3318295DF}"/>
-                </a:ext>
-              </a:extLst>
-            </p:cNvPr>
-            <p:cNvSpPr txBox="1"/>
-            <p:nvPr/>
-          </p:nvSpPr>
-          <p:spPr>
-            <a:xfrm>
-              <a:off x="907667" y="2220553"/>
-              <a:ext cx="829162" cy="1252878"/>
-            </a:xfrm>
-            <a:prstGeom prst="rect">
-              <a:avLst/>
-            </a:prstGeom>
-            <a:noFill/>
-          </p:spPr>
-          <p:txBody>
-            <a:bodyPr wrap="none" rtlCol="0">
-              <a:spAutoFit/>
-              <a:scene3d>
-                <a:camera prst="orthographicFront"/>
-                <a:lightRig rig="threePt" dir="t"/>
-              </a:scene3d>
-              <a:sp3d contourW="12700"/>
-            </a:bodyPr>
-            <a:lstStyle/>
-            <a:p>
-              <a:r>
-                <a:rPr lang="en-US" altLang="zh-CN" sz="5400" b="1" dirty="0">
-                  <a:solidFill>
-                    <a:schemeClr val="bg1"/>
-                  </a:solidFill>
-                  <a:latin typeface="微软雅黑" panose="020B0503020204020204" pitchFamily="34" charset="-122"/>
-                  <a:ea typeface="微软雅黑" panose="020B0503020204020204" pitchFamily="34" charset="-122"/>
-                </a:rPr>
-                <a:t>3</a:t>
-              </a:r>
-              <a:endParaRPr lang="zh-CN" altLang="en-US" sz="5400" b="1" dirty="0">
-                <a:solidFill>
-                  <a:schemeClr val="bg1"/>
-                </a:solidFill>
-                <a:latin typeface="微软雅黑" panose="020B0503020204020204" pitchFamily="34" charset="-122"/>
-                <a:ea typeface="微软雅黑" panose="020B0503020204020204" pitchFamily="34" charset="-122"/>
-              </a:endParaRPr>
-            </a:p>
-          </p:txBody>
-        </p:sp>
-      </p:grpSp>
-      <p:sp>
-        <p:nvSpPr>
-          <p:cNvPr id="71" name="文本框 70">
-            <a:extLst>
-              <a:ext uri="{FF2B5EF4-FFF2-40B4-BE49-F238E27FC236}">
-                <a16:creationId xmlns:a16="http://schemas.microsoft.com/office/drawing/2014/main" id="{56BFCEC6-22CE-4CDA-8267-8F8302C26831}"/>
-              </a:ext>
-            </a:extLst>
-          </p:cNvPr>
-          <p:cNvSpPr txBox="1"/>
-          <p:nvPr/>
-        </p:nvSpPr>
-        <p:spPr>
-          <a:xfrm>
-            <a:off x="1360280" y="101279"/>
-            <a:ext cx="4735719" cy="584775"/>
-          </a:xfrm>
-          <a:prstGeom prst="rect">
-            <a:avLst/>
-          </a:prstGeom>
-          <a:noFill/>
-        </p:spPr>
-        <p:txBody>
-          <a:bodyPr wrap="square" rtlCol="0">
-            <a:spAutoFit/>
-          </a:bodyPr>
-          <a:lstStyle/>
-          <a:p>
-            <a:r>
-              <a:rPr lang="zh-CN" altLang="en-US" sz="3200" b="1" spc="600" dirty="0">
-                <a:solidFill>
-                  <a:schemeClr val="bg1">
-                    <a:lumMod val="65000"/>
-                  </a:schemeClr>
-                </a:solidFill>
-                <a:latin typeface="微软雅黑" panose="020B0503020204020204" pitchFamily="34" charset="-122"/>
-                <a:ea typeface="微软雅黑" panose="020B0503020204020204" pitchFamily="34" charset="-122"/>
-              </a:rPr>
-              <a:t>项目创新</a:t>
-            </a:r>
-          </a:p>
-        </p:txBody>
-      </p:sp>
-      <p:sp>
-        <p:nvSpPr>
-          <p:cNvPr id="72" name="文本框 71">
-            <a:extLst>
-              <a:ext uri="{FF2B5EF4-FFF2-40B4-BE49-F238E27FC236}">
-                <a16:creationId xmlns:a16="http://schemas.microsoft.com/office/drawing/2014/main" id="{E996CA8F-8C12-4E6B-85BC-8B54AEFEB0D7}"/>
-              </a:ext>
-            </a:extLst>
-          </p:cNvPr>
-          <p:cNvSpPr txBox="1"/>
-          <p:nvPr/>
-        </p:nvSpPr>
-        <p:spPr>
-          <a:xfrm>
-            <a:off x="1365619" y="674947"/>
-            <a:ext cx="4092206" cy="461665"/>
-          </a:xfrm>
-          <a:prstGeom prst="rect">
-            <a:avLst/>
-          </a:prstGeom>
-          <a:noFill/>
-        </p:spPr>
-        <p:txBody>
-          <a:bodyPr wrap="square" rtlCol="0">
-            <a:spAutoFit/>
-          </a:bodyPr>
-          <a:lstStyle/>
-          <a:p>
-            <a:r>
-              <a:rPr lang="zh-CN" altLang="en-US" sz="2400" b="1" dirty="0">
-                <a:solidFill>
-                  <a:srgbClr val="55C0AF"/>
-                </a:solidFill>
-              </a:rPr>
-              <a:t>话题发现与预警</a:t>
-            </a:r>
-          </a:p>
-        </p:txBody>
-      </p:sp>
-      <p:sp>
-        <p:nvSpPr>
-          <p:cNvPr id="3" name="矩形 2">
-            <a:extLst>
-              <a:ext uri="{FF2B5EF4-FFF2-40B4-BE49-F238E27FC236}">
-                <a16:creationId xmlns:a16="http://schemas.microsoft.com/office/drawing/2014/main" id="{383B974E-69B0-4C9F-A45E-E437DED701EB}"/>
-              </a:ext>
-            </a:extLst>
-          </p:cNvPr>
-          <p:cNvSpPr/>
-          <p:nvPr/>
-        </p:nvSpPr>
-        <p:spPr>
-          <a:xfrm>
-            <a:off x="3411722" y="2989593"/>
-            <a:ext cx="6719358" cy="1200329"/>
-          </a:xfrm>
-          <a:prstGeom prst="rect">
-            <a:avLst/>
-          </a:prstGeom>
-        </p:spPr>
-        <p:txBody>
-          <a:bodyPr wrap="square">
-            <a:spAutoFit/>
-          </a:bodyPr>
-          <a:lstStyle/>
-          <a:p>
-            <a:r>
-              <a:rPr lang="zh-CN" altLang="en-US" dirty="0">
-                <a:solidFill>
-                  <a:srgbClr val="55C0AF"/>
-                </a:solidFill>
-                <a:latin typeface="-apple-system"/>
-              </a:rPr>
-              <a:t>判断某个新投诉是属于已有话题还是一个新话题。需要我们把</a:t>
-            </a:r>
-            <a:r>
-              <a:rPr lang="zh-CN" altLang="en-US" b="1" dirty="0">
-                <a:solidFill>
-                  <a:srgbClr val="113F4E"/>
-                </a:solidFill>
-                <a:latin typeface="-apple-system"/>
-              </a:rPr>
-              <a:t>新投诉和最近已有话题</a:t>
-            </a:r>
-            <a:r>
-              <a:rPr lang="zh-CN" altLang="en-US" dirty="0">
-                <a:solidFill>
-                  <a:srgbClr val="55C0AF"/>
-                </a:solidFill>
-                <a:latin typeface="-apple-system"/>
-              </a:rPr>
-              <a:t>进行比较，如果相似度高于某个阈值，则把新报道归入相似度最高的话题中，如果对所有话题的</a:t>
-            </a:r>
-            <a:r>
-              <a:rPr lang="zh-CN" altLang="en-US" b="1" dirty="0">
-                <a:solidFill>
-                  <a:srgbClr val="113F4E"/>
-                </a:solidFill>
-                <a:latin typeface="-apple-system"/>
-              </a:rPr>
-              <a:t>相似度都低于阈值，则创建一个新话题</a:t>
-            </a:r>
-            <a:r>
-              <a:rPr lang="zh-CN" altLang="en-US" dirty="0">
-                <a:solidFill>
-                  <a:srgbClr val="55C0AF"/>
-                </a:solidFill>
-                <a:latin typeface="-apple-system"/>
-              </a:rPr>
-              <a:t>。</a:t>
-            </a:r>
-            <a:endParaRPr lang="zh-CN" altLang="en-US" dirty="0">
-              <a:solidFill>
-                <a:srgbClr val="55C0AF"/>
-              </a:solidFill>
-            </a:endParaRPr>
-          </a:p>
-        </p:txBody>
-      </p:sp>
-      <p:sp>
-        <p:nvSpPr>
-          <p:cNvPr id="11" name="椭圆 10">
-            <a:extLst>
-              <a:ext uri="{FF2B5EF4-FFF2-40B4-BE49-F238E27FC236}">
-                <a16:creationId xmlns:a16="http://schemas.microsoft.com/office/drawing/2014/main" id="{DA0D7049-A33B-4355-BA8B-7CB03DFD0A1F}"/>
-              </a:ext>
-            </a:extLst>
-          </p:cNvPr>
-          <p:cNvSpPr/>
-          <p:nvPr/>
-        </p:nvSpPr>
-        <p:spPr>
-          <a:xfrm>
-            <a:off x="845122" y="3116547"/>
-            <a:ext cx="1905000" cy="946422"/>
-          </a:xfrm>
-          <a:prstGeom prst="ellipse">
-            <a:avLst/>
-          </a:prstGeom>
-          <a:solidFill>
-            <a:srgbClr val="55C0AF"/>
-          </a:solidFill>
-          <a:ln>
-            <a:noFill/>
-          </a:ln>
-        </p:spPr>
-        <p:style>
-          <a:lnRef idx="2">
-            <a:schemeClr val="accent1">
-              <a:shade val="50000"/>
-            </a:schemeClr>
-          </a:lnRef>
-          <a:fillRef idx="1">
-            <a:schemeClr val="accent1"/>
-          </a:fillRef>
-          <a:effectRef idx="0">
-            <a:schemeClr val="accent1"/>
-          </a:effectRef>
-          <a:fontRef idx="minor">
-            <a:schemeClr val="lt1"/>
-          </a:fontRef>
-        </p:style>
-        <p:txBody>
-          <a:bodyPr rtlCol="0" anchor="ctr"/>
-          <a:lstStyle/>
-          <a:p>
-            <a:pPr algn="ctr"/>
-            <a:endParaRPr lang="en-US" altLang="zh-CN" dirty="0"/>
-          </a:p>
-          <a:p>
-            <a:pPr algn="ctr"/>
-            <a:r>
-              <a:rPr lang="zh-CN" altLang="en-US" b="1" dirty="0"/>
-              <a:t>投诉</a:t>
-            </a:r>
-          </a:p>
-          <a:p>
-            <a:pPr algn="ctr"/>
-            <a:endParaRPr lang="zh-CN" altLang="en-US" b="1" dirty="0"/>
-          </a:p>
-        </p:txBody>
-      </p:sp>
-    </p:spTree>
-    <p:extLst>
-      <p:ext uri="{BB962C8B-B14F-4D97-AF65-F5344CB8AC3E}">
-        <p14:creationId xmlns:p14="http://schemas.microsoft.com/office/powerpoint/2010/main" val="397521011"/>
-      </p:ext>
-    </p:extLst>
-  </p:cSld>
-  <p:clrMapOvr>
-    <a:masterClrMapping/>
-  </p:clrMapOvr>
-  <p:transition spd="slow">
-    <p:push dir="u"/>
-  </p:transition>
-  <p:timing>
-    <p:tnLst>
-      <p:par>
-        <p:cTn id="1" dur="indefinite" restart="never" nodeType="tmRoot">
-          <p:childTnLst>
-            <p:seq concurrent="1" nextAc="seek">
-              <p:cTn id="2" dur="indefinite" nodeType="mainSeq">
-                <p:childTnLst>
-                  <p:par>
-                    <p:cTn id="3" fill="hold">
-                      <p:stCondLst>
-                        <p:cond delay="indefinite"/>
-                        <p:cond evt="onBegin" delay="0">
-                          <p:tn val="2"/>
-                        </p:cond>
-                      </p:stCondLst>
-                      <p:childTnLst>
-                        <p:par>
-                          <p:cTn id="4" fill="hold">
-                            <p:stCondLst>
-                              <p:cond delay="0"/>
-                            </p:stCondLst>
-                            <p:childTnLst>
-                              <p:par>
-                                <p:cTn id="5" presetID="2" presetClass="entr" presetSubtype="8" fill="hold" nodeType="afterEffect">
-                                  <p:stCondLst>
-                                    <p:cond delay="0"/>
-                                  </p:stCondLst>
-                                  <p:childTnLst>
-                                    <p:set>
-                                      <p:cBhvr>
-                                        <p:cTn id="6" dur="1" fill="hold">
-                                          <p:stCondLst>
-                                            <p:cond delay="0"/>
-                                          </p:stCondLst>
-                                        </p:cTn>
-                                        <p:tgtEl>
-                                          <p:spTgt spid="66"/>
-                                        </p:tgtEl>
-                                        <p:attrNameLst>
-                                          <p:attrName>style.visibility</p:attrName>
-                                        </p:attrNameLst>
-                                      </p:cBhvr>
-                                      <p:to>
-                                        <p:strVal val="visible"/>
-                                      </p:to>
-                                    </p:set>
-                                    <p:anim calcmode="lin" valueType="num">
-                                      <p:cBhvr additive="base">
-                                        <p:cTn id="7" dur="500" fill="hold"/>
-                                        <p:tgtEl>
-                                          <p:spTgt spid="66"/>
-                                        </p:tgtEl>
-                                        <p:attrNameLst>
-                                          <p:attrName>ppt_x</p:attrName>
-                                        </p:attrNameLst>
-                                      </p:cBhvr>
-                                      <p:tavLst>
-                                        <p:tav tm="0">
-                                          <p:val>
-                                            <p:strVal val="0-#ppt_w/2"/>
-                                          </p:val>
-                                        </p:tav>
-                                        <p:tav tm="100000">
-                                          <p:val>
-                                            <p:strVal val="#ppt_x"/>
-                                          </p:val>
-                                        </p:tav>
-                                      </p:tavLst>
-                                    </p:anim>
-                                    <p:anim calcmode="lin" valueType="num">
-                                      <p:cBhvr additive="base">
-                                        <p:cTn id="8" dur="500" fill="hold"/>
-                                        <p:tgtEl>
-                                          <p:spTgt spid="66"/>
-                                        </p:tgtEl>
-                                        <p:attrNameLst>
-                                          <p:attrName>ppt_y</p:attrName>
-                                        </p:attrNameLst>
-                                      </p:cBhvr>
-                                      <p:tavLst>
-                                        <p:tav tm="0">
-                                          <p:val>
-                                            <p:strVal val="#ppt_y"/>
-                                          </p:val>
-                                        </p:tav>
-                                        <p:tav tm="100000">
-                                          <p:val>
-                                            <p:strVal val="#ppt_y"/>
-                                          </p:val>
-                                        </p:tav>
-                                      </p:tavLst>
-                                    </p:anim>
                                   </p:childTnLst>
                                 </p:cTn>
                               </p:par>
@@ -18658,219 +18504,239 @@
                   <a:srgbClr val="55C0AF"/>
                 </a:solidFill>
               </a:rPr>
-              <a:t>增强模型</a:t>
+              <a:t>话题发现与预警</a:t>
             </a:r>
           </a:p>
         </p:txBody>
       </p:sp>
       <p:sp>
         <p:nvSpPr>
-          <p:cNvPr id="5" name="文本框 4">
+          <p:cNvPr id="3" name="矩形 2">
             <a:extLst>
               <a:ext uri="{FF2B5EF4-FFF2-40B4-BE49-F238E27FC236}">
-                <a16:creationId xmlns:a16="http://schemas.microsoft.com/office/drawing/2014/main" id="{FDB7C7F8-18FB-4FD7-8A6D-40107351D2ED}"/>
+                <a16:creationId xmlns:a16="http://schemas.microsoft.com/office/drawing/2014/main" id="{383B974E-69B0-4C9F-A45E-E437DED701EB}"/>
               </a:ext>
             </a:extLst>
           </p:cNvPr>
-          <p:cNvSpPr txBox="1"/>
+          <p:cNvSpPr/>
           <p:nvPr/>
         </p:nvSpPr>
         <p:spPr>
           <a:xfrm>
-            <a:off x="2863538" y="4664990"/>
-            <a:ext cx="7865533" cy="369332"/>
+            <a:off x="3411722" y="2186745"/>
+            <a:ext cx="6719358" cy="3360022"/>
           </a:xfrm>
           <a:prstGeom prst="rect">
             <a:avLst/>
           </a:prstGeom>
-          <a:noFill/>
         </p:spPr>
         <p:txBody>
-          <a:bodyPr wrap="square" rtlCol="0">
+          <a:bodyPr wrap="square">
             <a:spAutoFit/>
           </a:bodyPr>
           <a:lstStyle/>
           <a:p>
+            <a:pPr>
+              <a:lnSpc>
+                <a:spcPct val="150000"/>
+              </a:lnSpc>
+            </a:pPr>
             <a:r>
-              <a:rPr lang="zh-CN" altLang="en-US" b="1" dirty="0">
+              <a:rPr lang="en-US" altLang="zh-CN" sz="2400" dirty="0">
+                <a:solidFill>
+                  <a:srgbClr val="55C0AF"/>
+                </a:solidFill>
+                <a:latin typeface="-apple-system"/>
+              </a:rPr>
+              <a:t>	</a:t>
+            </a:r>
+            <a:r>
+              <a:rPr lang="zh-CN" altLang="en-US" sz="2400" dirty="0">
+                <a:solidFill>
+                  <a:srgbClr val="55C0AF"/>
+                </a:solidFill>
+                <a:latin typeface="-apple-system"/>
+              </a:rPr>
+              <a:t>判断某个新投诉是属于已有话题还是一个新话题，需要我们把</a:t>
+            </a:r>
+            <a:r>
+              <a:rPr lang="zh-CN" altLang="en-US" sz="2400" b="1" dirty="0">
                 <a:solidFill>
                   <a:srgbClr val="113F4E"/>
                 </a:solidFill>
+                <a:latin typeface="-apple-system"/>
               </a:rPr>
-              <a:t>识别模型</a:t>
+              <a:t>新投诉和最近已有话题</a:t>
             </a:r>
             <a:r>
-              <a:rPr lang="en-US" altLang="zh-CN" b="1" dirty="0">
+              <a:rPr lang="zh-CN" altLang="en-US" sz="2400" dirty="0">
+                <a:solidFill>
+                  <a:srgbClr val="55C0AF"/>
+                </a:solidFill>
+                <a:latin typeface="-apple-system"/>
+              </a:rPr>
+              <a:t>进行</a:t>
+            </a:r>
+            <a:r>
+              <a:rPr lang="zh-CN" altLang="en-US" sz="2400" b="1" dirty="0">
                 <a:solidFill>
                   <a:srgbClr val="113F4E"/>
                 </a:solidFill>
+                <a:latin typeface="-apple-system"/>
               </a:rPr>
-              <a:t>93%</a:t>
+              <a:t>比较</a:t>
             </a:r>
             <a:r>
-              <a:rPr lang="zh-CN" altLang="en-US" b="1" dirty="0">
+              <a:rPr lang="zh-CN" altLang="en-US" sz="2400" dirty="0">
+                <a:solidFill>
+                  <a:srgbClr val="55C0AF"/>
+                </a:solidFill>
+                <a:latin typeface="-apple-system"/>
+              </a:rPr>
+              <a:t>。</a:t>
+            </a:r>
+            <a:endParaRPr lang="en-US" altLang="zh-CN" sz="2400" dirty="0">
+              <a:solidFill>
+                <a:srgbClr val="55C0AF"/>
+              </a:solidFill>
+              <a:latin typeface="-apple-system"/>
+            </a:endParaRPr>
+          </a:p>
+          <a:p>
+            <a:pPr>
+              <a:lnSpc>
+                <a:spcPct val="150000"/>
+              </a:lnSpc>
+            </a:pPr>
+            <a:r>
+              <a:rPr lang="en-US" altLang="zh-CN" sz="2400" dirty="0">
+                <a:solidFill>
+                  <a:srgbClr val="55C0AF"/>
+                </a:solidFill>
+                <a:latin typeface="-apple-system"/>
+              </a:rPr>
+              <a:t>	</a:t>
+            </a:r>
+            <a:r>
+              <a:rPr lang="zh-CN" altLang="en-US" sz="2400" dirty="0">
+                <a:solidFill>
+                  <a:srgbClr val="55C0AF"/>
+                </a:solidFill>
+                <a:latin typeface="-apple-system"/>
+              </a:rPr>
+              <a:t>如果相似度高于某个阈值，则把新报道</a:t>
+            </a:r>
+            <a:r>
+              <a:rPr lang="zh-CN" altLang="en-US" sz="2400" b="1" dirty="0">
                 <a:solidFill>
                   <a:srgbClr val="113F4E"/>
                 </a:solidFill>
+                <a:latin typeface="-apple-system"/>
               </a:rPr>
-              <a:t>的准确率，</a:t>
+              <a:t>归入相似度最高的话题中</a:t>
             </a:r>
             <a:r>
-              <a:rPr lang="en-US" altLang="zh-CN" b="1" dirty="0">
+              <a:rPr lang="zh-CN" altLang="en-US" sz="2400" dirty="0">
+                <a:solidFill>
+                  <a:srgbClr val="55C0AF"/>
+                </a:solidFill>
+                <a:latin typeface="-apple-system"/>
+              </a:rPr>
+              <a:t>，如果对所有话题的相似度都低于阈值，则</a:t>
+            </a:r>
+            <a:r>
+              <a:rPr lang="zh-CN" altLang="en-US" sz="2400" b="1" dirty="0">
                 <a:solidFill>
                   <a:srgbClr val="113F4E"/>
                 </a:solidFill>
+                <a:latin typeface="-apple-system"/>
               </a:rPr>
-              <a:t>10000</a:t>
+              <a:t>创建一个新话题</a:t>
             </a:r>
             <a:r>
-              <a:rPr lang="zh-CN" altLang="en-US" b="1" dirty="0">
+              <a:rPr lang="zh-CN" altLang="en-US" sz="2400" dirty="0">
                 <a:solidFill>
-                  <a:srgbClr val="113F4E"/>
+                  <a:srgbClr val="55C0AF"/>
                 </a:solidFill>
+                <a:latin typeface="-apple-system"/>
               </a:rPr>
-              <a:t>条会有</a:t>
+              <a:t>。</a:t>
             </a:r>
-            <a:r>
-              <a:rPr lang="en-US" altLang="zh-CN" b="1" dirty="0">
-                <a:solidFill>
-                  <a:srgbClr val="113F4E"/>
-                </a:solidFill>
-              </a:rPr>
-              <a:t>700</a:t>
-            </a:r>
-            <a:r>
-              <a:rPr lang="zh-CN" altLang="en-US" b="1" dirty="0">
-                <a:solidFill>
-                  <a:srgbClr val="113F4E"/>
-                </a:solidFill>
-              </a:rPr>
-              <a:t>条出错，如何改善？</a:t>
-            </a:r>
+            <a:endParaRPr lang="zh-CN" altLang="en-US" sz="2400" dirty="0">
+              <a:solidFill>
+                <a:srgbClr val="55C0AF"/>
+              </a:solidFill>
+            </a:endParaRPr>
           </a:p>
         </p:txBody>
       </p:sp>
-      <p:grpSp>
-        <p:nvGrpSpPr>
-          <p:cNvPr id="14" name="组合 13">
+      <p:sp>
+        <p:nvSpPr>
+          <p:cNvPr id="11" name="椭圆 10">
             <a:extLst>
               <a:ext uri="{FF2B5EF4-FFF2-40B4-BE49-F238E27FC236}">
-                <a16:creationId xmlns:a16="http://schemas.microsoft.com/office/drawing/2014/main" id="{2BB8463D-FD61-43B1-B66F-AD33ABFA260A}"/>
+                <a16:creationId xmlns:a16="http://schemas.microsoft.com/office/drawing/2014/main" id="{DA0D7049-A33B-4355-BA8B-7CB03DFD0A1F}"/>
               </a:ext>
             </a:extLst>
           </p:cNvPr>
-          <p:cNvGrpSpPr/>
+          <p:cNvSpPr/>
           <p:nvPr/>
-        </p:nvGrpSpPr>
-        <p:grpSpPr>
+        </p:nvSpPr>
+        <p:spPr>
           <a:xfrm>
-            <a:off x="2863538" y="2731747"/>
-            <a:ext cx="6191680" cy="1157440"/>
-            <a:chOff x="1541767" y="5381576"/>
-            <a:chExt cx="2729353" cy="612000"/>
+            <a:off x="845122" y="3116547"/>
+            <a:ext cx="1905000" cy="946422"/>
           </a:xfrm>
-        </p:grpSpPr>
-        <p:sp>
-          <p:nvSpPr>
-            <p:cNvPr id="15" name="圆角矩形 20">
-              <a:extLst>
-                <a:ext uri="{FF2B5EF4-FFF2-40B4-BE49-F238E27FC236}">
-                  <a16:creationId xmlns:a16="http://schemas.microsoft.com/office/drawing/2014/main" id="{FCBD76C9-7E30-4B89-AE98-32CD54729436}"/>
-                </a:ext>
-              </a:extLst>
-            </p:cNvPr>
-            <p:cNvSpPr/>
-            <p:nvPr/>
-          </p:nvSpPr>
-          <p:spPr>
-            <a:xfrm>
-              <a:off x="1541767" y="5381576"/>
-              <a:ext cx="2729353" cy="612000"/>
-            </a:xfrm>
-            <a:prstGeom prst="roundRect">
-              <a:avLst/>
-            </a:prstGeom>
-            <a:solidFill>
-              <a:srgbClr val="D9D9D9">
-                <a:alpha val="50196"/>
-              </a:srgbClr>
-            </a:solidFill>
-            <a:ln>
-              <a:noFill/>
-            </a:ln>
-          </p:spPr>
-          <p:style>
-            <a:lnRef idx="2">
-              <a:schemeClr val="accent1">
-                <a:shade val="50000"/>
-              </a:schemeClr>
-            </a:lnRef>
-            <a:fillRef idx="1">
-              <a:schemeClr val="accent1"/>
-            </a:fillRef>
-            <a:effectRef idx="0">
-              <a:schemeClr val="accent1"/>
-            </a:effectRef>
-            <a:fontRef idx="minor">
-              <a:schemeClr val="lt1"/>
-            </a:fontRef>
-          </p:style>
-          <p:txBody>
-            <a:bodyPr rtlCol="0" anchor="ctr"/>
-            <a:lstStyle/>
-            <a:p>
-              <a:pPr algn="ctr"/>
-              <a:endParaRPr lang="zh-CN" altLang="en-US" sz="1400" dirty="0">
-                <a:latin typeface="+mj-ea"/>
-                <a:ea typeface="+mj-ea"/>
-              </a:endParaRPr>
-            </a:p>
-          </p:txBody>
-        </p:sp>
-        <p:sp>
-          <p:nvSpPr>
-            <p:cNvPr id="16" name="矩形 15">
-              <a:extLst>
-                <a:ext uri="{FF2B5EF4-FFF2-40B4-BE49-F238E27FC236}">
-                  <a16:creationId xmlns:a16="http://schemas.microsoft.com/office/drawing/2014/main" id="{4C980941-4311-452A-8EB9-ADB5D63EB612}"/>
-                </a:ext>
-              </a:extLst>
-            </p:cNvPr>
-            <p:cNvSpPr/>
-            <p:nvPr/>
-          </p:nvSpPr>
-          <p:spPr>
-            <a:xfrm>
-              <a:off x="1887248" y="5549249"/>
-              <a:ext cx="2158838" cy="276654"/>
-            </a:xfrm>
-            <a:prstGeom prst="rect">
-              <a:avLst/>
-            </a:prstGeom>
-          </p:spPr>
-          <p:txBody>
-            <a:bodyPr wrap="square">
-              <a:spAutoFit/>
-            </a:bodyPr>
-            <a:lstStyle/>
-            <a:p>
-              <a:pPr algn="ctr"/>
-              <a:r>
-                <a:rPr lang="zh-CN" altLang="en-US" sz="2800" b="1" dirty="0">
-                  <a:solidFill>
-                    <a:srgbClr val="113F4E"/>
-                  </a:solidFill>
-                </a:rPr>
-                <a:t>投诉类别判断出错、如何解决？</a:t>
-              </a:r>
-            </a:p>
-          </p:txBody>
-        </p:sp>
-      </p:grpSp>
+          <a:prstGeom prst="ellipse">
+            <a:avLst/>
+          </a:prstGeom>
+          <a:solidFill>
+            <a:srgbClr val="55C0AF"/>
+          </a:solidFill>
+          <a:ln>
+            <a:noFill/>
+          </a:ln>
+        </p:spPr>
+        <p:style>
+          <a:lnRef idx="2">
+            <a:schemeClr val="accent1">
+              <a:shade val="50000"/>
+            </a:schemeClr>
+          </a:lnRef>
+          <a:fillRef idx="1">
+            <a:schemeClr val="accent1"/>
+          </a:fillRef>
+          <a:effectRef idx="0">
+            <a:schemeClr val="accent1"/>
+          </a:effectRef>
+          <a:fontRef idx="minor">
+            <a:schemeClr val="lt1"/>
+          </a:fontRef>
+        </p:style>
+        <p:txBody>
+          <a:bodyPr rtlCol="0" anchor="ctr"/>
+          <a:lstStyle/>
+          <a:p>
+            <a:pPr algn="ctr"/>
+            <a:endParaRPr lang="en-US" altLang="zh-CN" dirty="0"/>
+          </a:p>
+          <a:p>
+            <a:pPr algn="ctr"/>
+            <a:r>
+              <a:rPr lang="zh-CN" altLang="en-US" sz="2400" b="1" dirty="0"/>
+              <a:t>投诉</a:t>
+            </a:r>
+          </a:p>
+          <a:p>
+            <a:pPr algn="ctr"/>
+            <a:endParaRPr lang="zh-CN" altLang="en-US" b="1" dirty="0"/>
+          </a:p>
+        </p:txBody>
+      </p:sp>
     </p:spTree>
     <p:extLst>
       <p:ext uri="{BB962C8B-B14F-4D97-AF65-F5344CB8AC3E}">
-        <p14:creationId xmlns:p14="http://schemas.microsoft.com/office/powerpoint/2010/main" val="2531453227"/>
+        <p14:creationId xmlns:p14="http://schemas.microsoft.com/office/powerpoint/2010/main" val="397521011"/>
       </p:ext>
     </p:extLst>
   </p:cSld>
@@ -18973,41 +18839,6 @@
                                         </p:tav>
                                       </p:tavLst>
                                     </p:anim>
-                                  </p:childTnLst>
-                                </p:cTn>
-                              </p:par>
-                              <p:par>
-                                <p:cTn id="9" presetID="10" presetClass="entr" presetSubtype="0" fill="hold" nodeType="withEffect">
-                                  <p:stCondLst>
-                                    <p:cond delay="0"/>
-                                  </p:stCondLst>
-                                  <p:childTnLst>
-                                    <p:set>
-                                      <p:cBhvr>
-                                        <p:cTn id="10" dur="1" fill="hold">
-                                          <p:stCondLst>
-                                            <p:cond delay="0"/>
-                                          </p:stCondLst>
-                                        </p:cTn>
-                                        <p:tgtEl>
-                                          <p:spTgt spid="14"/>
-                                        </p:tgtEl>
-                                        <p:attrNameLst>
-                                          <p:attrName>style.visibility</p:attrName>
-                                        </p:attrNameLst>
-                                      </p:cBhvr>
-                                      <p:to>
-                                        <p:strVal val="visible"/>
-                                      </p:to>
-                                    </p:set>
-                                    <p:animEffect transition="in" filter="fade">
-                                      <p:cBhvr>
-                                        <p:cTn id="11" dur="500"/>
-                                        <p:tgtEl>
-                                          <p:spTgt spid="14"/>
-                                        </p:tgtEl>
-                                      </p:cBhvr>
-                                    </p:animEffect>
                                   </p:childTnLst>
                                 </p:cTn>
                               </p:par>
@@ -21103,6 +20934,689 @@
           </a:p>
         </p:txBody>
       </p:sp>
+      <p:sp>
+        <p:nvSpPr>
+          <p:cNvPr id="5" name="文本框 4">
+            <a:extLst>
+              <a:ext uri="{FF2B5EF4-FFF2-40B4-BE49-F238E27FC236}">
+                <a16:creationId xmlns:a16="http://schemas.microsoft.com/office/drawing/2014/main" id="{FDB7C7F8-18FB-4FD7-8A6D-40107351D2ED}"/>
+              </a:ext>
+            </a:extLst>
+          </p:cNvPr>
+          <p:cNvSpPr txBox="1"/>
+          <p:nvPr/>
+        </p:nvSpPr>
+        <p:spPr>
+          <a:xfrm>
+            <a:off x="2863538" y="4664990"/>
+            <a:ext cx="7865533" cy="369332"/>
+          </a:xfrm>
+          <a:prstGeom prst="rect">
+            <a:avLst/>
+          </a:prstGeom>
+          <a:noFill/>
+        </p:spPr>
+        <p:txBody>
+          <a:bodyPr wrap="square" rtlCol="0">
+            <a:spAutoFit/>
+          </a:bodyPr>
+          <a:lstStyle/>
+          <a:p>
+            <a:r>
+              <a:rPr lang="zh-CN" altLang="en-US" b="1" dirty="0">
+                <a:solidFill>
+                  <a:srgbClr val="113F4E"/>
+                </a:solidFill>
+              </a:rPr>
+              <a:t>识别模型</a:t>
+            </a:r>
+            <a:r>
+              <a:rPr lang="en-US" altLang="zh-CN" b="1" dirty="0">
+                <a:solidFill>
+                  <a:srgbClr val="113F4E"/>
+                </a:solidFill>
+              </a:rPr>
+              <a:t>93%</a:t>
+            </a:r>
+            <a:r>
+              <a:rPr lang="zh-CN" altLang="en-US" b="1" dirty="0">
+                <a:solidFill>
+                  <a:srgbClr val="113F4E"/>
+                </a:solidFill>
+              </a:rPr>
+              <a:t>的准确率，</a:t>
+            </a:r>
+            <a:r>
+              <a:rPr lang="en-US" altLang="zh-CN" b="1" dirty="0">
+                <a:solidFill>
+                  <a:srgbClr val="113F4E"/>
+                </a:solidFill>
+              </a:rPr>
+              <a:t>10000</a:t>
+            </a:r>
+            <a:r>
+              <a:rPr lang="zh-CN" altLang="en-US" b="1" dirty="0">
+                <a:solidFill>
+                  <a:srgbClr val="113F4E"/>
+                </a:solidFill>
+              </a:rPr>
+              <a:t>条会有</a:t>
+            </a:r>
+            <a:r>
+              <a:rPr lang="en-US" altLang="zh-CN" b="1" dirty="0">
+                <a:solidFill>
+                  <a:srgbClr val="113F4E"/>
+                </a:solidFill>
+              </a:rPr>
+              <a:t>700</a:t>
+            </a:r>
+            <a:r>
+              <a:rPr lang="zh-CN" altLang="en-US" b="1" dirty="0">
+                <a:solidFill>
+                  <a:srgbClr val="113F4E"/>
+                </a:solidFill>
+              </a:rPr>
+              <a:t>条出错，如何改善？</a:t>
+            </a:r>
+          </a:p>
+        </p:txBody>
+      </p:sp>
+      <p:grpSp>
+        <p:nvGrpSpPr>
+          <p:cNvPr id="14" name="组合 13">
+            <a:extLst>
+              <a:ext uri="{FF2B5EF4-FFF2-40B4-BE49-F238E27FC236}">
+                <a16:creationId xmlns:a16="http://schemas.microsoft.com/office/drawing/2014/main" id="{2BB8463D-FD61-43B1-B66F-AD33ABFA260A}"/>
+              </a:ext>
+            </a:extLst>
+          </p:cNvPr>
+          <p:cNvGrpSpPr/>
+          <p:nvPr/>
+        </p:nvGrpSpPr>
+        <p:grpSpPr>
+          <a:xfrm>
+            <a:off x="2863538" y="2731747"/>
+            <a:ext cx="6191680" cy="1157440"/>
+            <a:chOff x="1541767" y="5381576"/>
+            <a:chExt cx="2729353" cy="612000"/>
+          </a:xfrm>
+        </p:grpSpPr>
+        <p:sp>
+          <p:nvSpPr>
+            <p:cNvPr id="15" name="圆角矩形 20">
+              <a:extLst>
+                <a:ext uri="{FF2B5EF4-FFF2-40B4-BE49-F238E27FC236}">
+                  <a16:creationId xmlns:a16="http://schemas.microsoft.com/office/drawing/2014/main" id="{FCBD76C9-7E30-4B89-AE98-32CD54729436}"/>
+                </a:ext>
+              </a:extLst>
+            </p:cNvPr>
+            <p:cNvSpPr/>
+            <p:nvPr/>
+          </p:nvSpPr>
+          <p:spPr>
+            <a:xfrm>
+              <a:off x="1541767" y="5381576"/>
+              <a:ext cx="2729353" cy="612000"/>
+            </a:xfrm>
+            <a:prstGeom prst="roundRect">
+              <a:avLst/>
+            </a:prstGeom>
+            <a:solidFill>
+              <a:srgbClr val="D9D9D9">
+                <a:alpha val="50196"/>
+              </a:srgbClr>
+            </a:solidFill>
+            <a:ln>
+              <a:noFill/>
+            </a:ln>
+          </p:spPr>
+          <p:style>
+            <a:lnRef idx="2">
+              <a:schemeClr val="accent1">
+                <a:shade val="50000"/>
+              </a:schemeClr>
+            </a:lnRef>
+            <a:fillRef idx="1">
+              <a:schemeClr val="accent1"/>
+            </a:fillRef>
+            <a:effectRef idx="0">
+              <a:schemeClr val="accent1"/>
+            </a:effectRef>
+            <a:fontRef idx="minor">
+              <a:schemeClr val="lt1"/>
+            </a:fontRef>
+          </p:style>
+          <p:txBody>
+            <a:bodyPr rtlCol="0" anchor="ctr"/>
+            <a:lstStyle/>
+            <a:p>
+              <a:pPr algn="ctr"/>
+              <a:endParaRPr lang="zh-CN" altLang="en-US" sz="1400" dirty="0">
+                <a:latin typeface="+mj-ea"/>
+                <a:ea typeface="+mj-ea"/>
+              </a:endParaRPr>
+            </a:p>
+          </p:txBody>
+        </p:sp>
+        <p:sp>
+          <p:nvSpPr>
+            <p:cNvPr id="16" name="矩形 15">
+              <a:extLst>
+                <a:ext uri="{FF2B5EF4-FFF2-40B4-BE49-F238E27FC236}">
+                  <a16:creationId xmlns:a16="http://schemas.microsoft.com/office/drawing/2014/main" id="{4C980941-4311-452A-8EB9-ADB5D63EB612}"/>
+                </a:ext>
+              </a:extLst>
+            </p:cNvPr>
+            <p:cNvSpPr/>
+            <p:nvPr/>
+          </p:nvSpPr>
+          <p:spPr>
+            <a:xfrm>
+              <a:off x="1887248" y="5549249"/>
+              <a:ext cx="2158838" cy="276654"/>
+            </a:xfrm>
+            <a:prstGeom prst="rect">
+              <a:avLst/>
+            </a:prstGeom>
+          </p:spPr>
+          <p:txBody>
+            <a:bodyPr wrap="square">
+              <a:spAutoFit/>
+            </a:bodyPr>
+            <a:lstStyle/>
+            <a:p>
+              <a:pPr algn="ctr"/>
+              <a:r>
+                <a:rPr lang="zh-CN" altLang="en-US" sz="2800" b="1" dirty="0">
+                  <a:solidFill>
+                    <a:srgbClr val="113F4E"/>
+                  </a:solidFill>
+                </a:rPr>
+                <a:t>投诉类别判断出错、如何解决？</a:t>
+              </a:r>
+            </a:p>
+          </p:txBody>
+        </p:sp>
+      </p:grpSp>
+    </p:spTree>
+    <p:extLst>
+      <p:ext uri="{BB962C8B-B14F-4D97-AF65-F5344CB8AC3E}">
+        <p14:creationId xmlns:p14="http://schemas.microsoft.com/office/powerpoint/2010/main" val="2531453227"/>
+      </p:ext>
+    </p:extLst>
+  </p:cSld>
+  <p:clrMapOvr>
+    <a:masterClrMapping/>
+  </p:clrMapOvr>
+  <p:transition spd="slow">
+    <p:push dir="u"/>
+  </p:transition>
+  <p:timing>
+    <p:tnLst>
+      <p:par>
+        <p:cTn id="1" dur="indefinite" restart="never" nodeType="tmRoot">
+          <p:childTnLst>
+            <p:seq concurrent="1" nextAc="seek">
+              <p:cTn id="2" dur="indefinite" nodeType="mainSeq">
+                <p:childTnLst>
+                  <p:par>
+                    <p:cTn id="3" fill="hold">
+                      <p:stCondLst>
+                        <p:cond delay="indefinite"/>
+                        <p:cond evt="onBegin" delay="0">
+                          <p:tn val="2"/>
+                        </p:cond>
+                      </p:stCondLst>
+                      <p:childTnLst>
+                        <p:par>
+                          <p:cTn id="4" fill="hold">
+                            <p:stCondLst>
+                              <p:cond delay="0"/>
+                            </p:stCondLst>
+                            <p:childTnLst>
+                              <p:par>
+                                <p:cTn id="5" presetID="2" presetClass="entr" presetSubtype="8" fill="hold" nodeType="afterEffect">
+                                  <p:stCondLst>
+                                    <p:cond delay="0"/>
+                                  </p:stCondLst>
+                                  <p:childTnLst>
+                                    <p:set>
+                                      <p:cBhvr>
+                                        <p:cTn id="6" dur="1" fill="hold">
+                                          <p:stCondLst>
+                                            <p:cond delay="0"/>
+                                          </p:stCondLst>
+                                        </p:cTn>
+                                        <p:tgtEl>
+                                          <p:spTgt spid="66"/>
+                                        </p:tgtEl>
+                                        <p:attrNameLst>
+                                          <p:attrName>style.visibility</p:attrName>
+                                        </p:attrNameLst>
+                                      </p:cBhvr>
+                                      <p:to>
+                                        <p:strVal val="visible"/>
+                                      </p:to>
+                                    </p:set>
+                                    <p:anim calcmode="lin" valueType="num">
+                                      <p:cBhvr additive="base">
+                                        <p:cTn id="7" dur="500" fill="hold"/>
+                                        <p:tgtEl>
+                                          <p:spTgt spid="66"/>
+                                        </p:tgtEl>
+                                        <p:attrNameLst>
+                                          <p:attrName>ppt_x</p:attrName>
+                                        </p:attrNameLst>
+                                      </p:cBhvr>
+                                      <p:tavLst>
+                                        <p:tav tm="0">
+                                          <p:val>
+                                            <p:strVal val="0-#ppt_w/2"/>
+                                          </p:val>
+                                        </p:tav>
+                                        <p:tav tm="100000">
+                                          <p:val>
+                                            <p:strVal val="#ppt_x"/>
+                                          </p:val>
+                                        </p:tav>
+                                      </p:tavLst>
+                                    </p:anim>
+                                    <p:anim calcmode="lin" valueType="num">
+                                      <p:cBhvr additive="base">
+                                        <p:cTn id="8" dur="500" fill="hold"/>
+                                        <p:tgtEl>
+                                          <p:spTgt spid="66"/>
+                                        </p:tgtEl>
+                                        <p:attrNameLst>
+                                          <p:attrName>ppt_y</p:attrName>
+                                        </p:attrNameLst>
+                                      </p:cBhvr>
+                                      <p:tavLst>
+                                        <p:tav tm="0">
+                                          <p:val>
+                                            <p:strVal val="#ppt_y"/>
+                                          </p:val>
+                                        </p:tav>
+                                        <p:tav tm="100000">
+                                          <p:val>
+                                            <p:strVal val="#ppt_y"/>
+                                          </p:val>
+                                        </p:tav>
+                                      </p:tavLst>
+                                    </p:anim>
+                                  </p:childTnLst>
+                                </p:cTn>
+                              </p:par>
+                              <p:par>
+                                <p:cTn id="9" presetID="10" presetClass="entr" presetSubtype="0" fill="hold" nodeType="withEffect">
+                                  <p:stCondLst>
+                                    <p:cond delay="0"/>
+                                  </p:stCondLst>
+                                  <p:childTnLst>
+                                    <p:set>
+                                      <p:cBhvr>
+                                        <p:cTn id="10" dur="1" fill="hold">
+                                          <p:stCondLst>
+                                            <p:cond delay="0"/>
+                                          </p:stCondLst>
+                                        </p:cTn>
+                                        <p:tgtEl>
+                                          <p:spTgt spid="14"/>
+                                        </p:tgtEl>
+                                        <p:attrNameLst>
+                                          <p:attrName>style.visibility</p:attrName>
+                                        </p:attrNameLst>
+                                      </p:cBhvr>
+                                      <p:to>
+                                        <p:strVal val="visible"/>
+                                      </p:to>
+                                    </p:set>
+                                    <p:animEffect transition="in" filter="fade">
+                                      <p:cBhvr>
+                                        <p:cTn id="11" dur="500"/>
+                                        <p:tgtEl>
+                                          <p:spTgt spid="14"/>
+                                        </p:tgtEl>
+                                      </p:cBhvr>
+                                    </p:animEffect>
+                                  </p:childTnLst>
+                                </p:cTn>
+                              </p:par>
+                            </p:childTnLst>
+                          </p:cTn>
+                        </p:par>
+                      </p:childTnLst>
+                    </p:cTn>
+                  </p:par>
+                </p:childTnLst>
+              </p:cTn>
+              <p:prevCondLst>
+                <p:cond evt="onPrev" delay="0">
+                  <p:tgtEl>
+                    <p:sldTgt/>
+                  </p:tgtEl>
+                </p:cond>
+              </p:prevCondLst>
+              <p:nextCondLst>
+                <p:cond evt="onNext" delay="0">
+                  <p:tgtEl>
+                    <p:sldTgt/>
+                  </p:tgtEl>
+                </p:cond>
+              </p:nextCondLst>
+            </p:seq>
+          </p:childTnLst>
+        </p:cTn>
+      </p:par>
+    </p:tnLst>
+  </p:timing>
+</p:sld>
+</file>
+
+<file path=ppt/slides/slide21.xml><?xml version="1.0" encoding="utf-8"?>
+<p:sld xmlns:a="http://schemas.openxmlformats.org/drawingml/2006/main" xmlns:r="http://schemas.openxmlformats.org/officeDocument/2006/relationships" xmlns:p="http://schemas.openxmlformats.org/presentationml/2006/main">
+  <p:cSld>
+    <p:spTree>
+      <p:nvGrpSpPr>
+        <p:cNvPr id="1" name=""/>
+        <p:cNvGrpSpPr/>
+        <p:nvPr/>
+      </p:nvGrpSpPr>
+      <p:grpSpPr>
+        <a:xfrm>
+          <a:off x="0" y="0"/>
+          <a:ext cx="0" cy="0"/>
+          <a:chOff x="0" y="0"/>
+          <a:chExt cx="0" cy="0"/>
+        </a:xfrm>
+      </p:grpSpPr>
+      <p:grpSp>
+        <p:nvGrpSpPr>
+          <p:cNvPr id="66" name="组合 65">
+            <a:extLst>
+              <a:ext uri="{FF2B5EF4-FFF2-40B4-BE49-F238E27FC236}">
+                <a16:creationId xmlns:a16="http://schemas.microsoft.com/office/drawing/2014/main" id="{B31FD9ED-7842-4841-B4B0-418CF745A783}"/>
+              </a:ext>
+            </a:extLst>
+          </p:cNvPr>
+          <p:cNvGrpSpPr/>
+          <p:nvPr/>
+        </p:nvGrpSpPr>
+        <p:grpSpPr>
+          <a:xfrm>
+            <a:off x="304800" y="160072"/>
+            <a:ext cx="845855" cy="957897"/>
+            <a:chOff x="589078" y="2173649"/>
+            <a:chExt cx="1147751" cy="1299782"/>
+          </a:xfrm>
+        </p:grpSpPr>
+        <p:grpSp>
+          <p:nvGrpSpPr>
+            <p:cNvPr id="67" name="组合 66">
+              <a:extLst>
+                <a:ext uri="{FF2B5EF4-FFF2-40B4-BE49-F238E27FC236}">
+                  <a16:creationId xmlns:a16="http://schemas.microsoft.com/office/drawing/2014/main" id="{0BD90A63-9952-49ED-B2B0-2B31B16BB931}"/>
+                </a:ext>
+              </a:extLst>
+            </p:cNvPr>
+            <p:cNvGrpSpPr/>
+            <p:nvPr/>
+          </p:nvGrpSpPr>
+          <p:grpSpPr>
+            <a:xfrm>
+              <a:off x="589078" y="2173649"/>
+              <a:ext cx="1126328" cy="1243276"/>
+              <a:chOff x="1950418" y="3368985"/>
+              <a:chExt cx="432211" cy="477089"/>
+            </a:xfrm>
+          </p:grpSpPr>
+          <p:sp>
+            <p:nvSpPr>
+              <p:cNvPr id="69" name="矩形 68">
+                <a:extLst>
+                  <a:ext uri="{FF2B5EF4-FFF2-40B4-BE49-F238E27FC236}">
+                    <a16:creationId xmlns:a16="http://schemas.microsoft.com/office/drawing/2014/main" id="{B1E5FD5B-14E1-4B5B-BE71-760E05D7D0EF}"/>
+                  </a:ext>
+                </a:extLst>
+              </p:cNvPr>
+              <p:cNvSpPr/>
+              <p:nvPr/>
+            </p:nvSpPr>
+            <p:spPr>
+              <a:xfrm>
+                <a:off x="1950418" y="3368985"/>
+                <a:ext cx="353961" cy="353960"/>
+              </a:xfrm>
+              <a:prstGeom prst="rect">
+                <a:avLst/>
+              </a:prstGeom>
+              <a:solidFill>
+                <a:srgbClr val="113F4E"/>
+              </a:solidFill>
+              <a:ln>
+                <a:noFill/>
+              </a:ln>
+            </p:spPr>
+            <p:style>
+              <a:lnRef idx="2">
+                <a:schemeClr val="accent1">
+                  <a:shade val="50000"/>
+                </a:schemeClr>
+              </a:lnRef>
+              <a:fillRef idx="1">
+                <a:schemeClr val="accent1"/>
+              </a:fillRef>
+              <a:effectRef idx="0">
+                <a:schemeClr val="accent1"/>
+              </a:effectRef>
+              <a:fontRef idx="minor">
+                <a:schemeClr val="lt1"/>
+              </a:fontRef>
+            </p:style>
+            <p:txBody>
+              <a:bodyPr rtlCol="0" anchor="ctr"/>
+              <a:lstStyle/>
+              <a:p>
+                <a:pPr algn="ctr"/>
+                <a:endParaRPr lang="zh-CN" altLang="en-US" dirty="0">
+                  <a:latin typeface="微软雅黑" panose="020B0503020204020204" pitchFamily="34" charset="-122"/>
+                  <a:ea typeface="微软雅黑" panose="020B0503020204020204" pitchFamily="34" charset="-122"/>
+                </a:endParaRPr>
+              </a:p>
+            </p:txBody>
+          </p:sp>
+          <p:sp>
+            <p:nvSpPr>
+              <p:cNvPr id="70" name="矩形 69">
+                <a:extLst>
+                  <a:ext uri="{FF2B5EF4-FFF2-40B4-BE49-F238E27FC236}">
+                    <a16:creationId xmlns:a16="http://schemas.microsoft.com/office/drawing/2014/main" id="{8B8C661E-BD30-43C2-A433-B33E8C99A3CC}"/>
+                  </a:ext>
+                </a:extLst>
+              </p:cNvPr>
+              <p:cNvSpPr/>
+              <p:nvPr/>
+            </p:nvSpPr>
+            <p:spPr>
+              <a:xfrm>
+                <a:off x="2082519" y="3545965"/>
+                <a:ext cx="300110" cy="300109"/>
+              </a:xfrm>
+              <a:prstGeom prst="rect">
+                <a:avLst/>
+              </a:prstGeom>
+              <a:solidFill>
+                <a:srgbClr val="55C0AF"/>
+              </a:solidFill>
+              <a:ln>
+                <a:noFill/>
+              </a:ln>
+            </p:spPr>
+            <p:style>
+              <a:lnRef idx="2">
+                <a:schemeClr val="accent1">
+                  <a:shade val="50000"/>
+                </a:schemeClr>
+              </a:lnRef>
+              <a:fillRef idx="1">
+                <a:schemeClr val="accent1"/>
+              </a:fillRef>
+              <a:effectRef idx="0">
+                <a:schemeClr val="accent1"/>
+              </a:effectRef>
+              <a:fontRef idx="minor">
+                <a:schemeClr val="lt1"/>
+              </a:fontRef>
+            </p:style>
+            <p:txBody>
+              <a:bodyPr rtlCol="0" anchor="ctr"/>
+              <a:lstStyle/>
+              <a:p>
+                <a:pPr algn="ctr"/>
+                <a:endParaRPr lang="zh-CN" altLang="en-US" dirty="0">
+                  <a:latin typeface="微软雅黑" panose="020B0503020204020204" pitchFamily="34" charset="-122"/>
+                  <a:ea typeface="微软雅黑" panose="020B0503020204020204" pitchFamily="34" charset="-122"/>
+                </a:endParaRPr>
+              </a:p>
+            </p:txBody>
+          </p:sp>
+        </p:grpSp>
+        <p:sp>
+          <p:nvSpPr>
+            <p:cNvPr id="68" name="文本框 67">
+              <a:extLst>
+                <a:ext uri="{FF2B5EF4-FFF2-40B4-BE49-F238E27FC236}">
+                  <a16:creationId xmlns:a16="http://schemas.microsoft.com/office/drawing/2014/main" id="{5431DB3F-2B9E-471B-B83A-3AA3318295DF}"/>
+                </a:ext>
+              </a:extLst>
+            </p:cNvPr>
+            <p:cNvSpPr txBox="1"/>
+            <p:nvPr/>
+          </p:nvSpPr>
+          <p:spPr>
+            <a:xfrm>
+              <a:off x="907667" y="2220553"/>
+              <a:ext cx="829162" cy="1252878"/>
+            </a:xfrm>
+            <a:prstGeom prst="rect">
+              <a:avLst/>
+            </a:prstGeom>
+            <a:noFill/>
+          </p:spPr>
+          <p:txBody>
+            <a:bodyPr wrap="none" rtlCol="0">
+              <a:spAutoFit/>
+              <a:scene3d>
+                <a:camera prst="orthographicFront"/>
+                <a:lightRig rig="threePt" dir="t"/>
+              </a:scene3d>
+              <a:sp3d contourW="12700"/>
+            </a:bodyPr>
+            <a:lstStyle/>
+            <a:p>
+              <a:r>
+                <a:rPr lang="en-US" altLang="zh-CN" sz="5400" b="1" dirty="0">
+                  <a:solidFill>
+                    <a:schemeClr val="bg1"/>
+                  </a:solidFill>
+                  <a:latin typeface="微软雅黑" panose="020B0503020204020204" pitchFamily="34" charset="-122"/>
+                  <a:ea typeface="微软雅黑" panose="020B0503020204020204" pitchFamily="34" charset="-122"/>
+                </a:rPr>
+                <a:t>3</a:t>
+              </a:r>
+              <a:endParaRPr lang="zh-CN" altLang="en-US" sz="5400" b="1" dirty="0">
+                <a:solidFill>
+                  <a:schemeClr val="bg1"/>
+                </a:solidFill>
+                <a:latin typeface="微软雅黑" panose="020B0503020204020204" pitchFamily="34" charset="-122"/>
+                <a:ea typeface="微软雅黑" panose="020B0503020204020204" pitchFamily="34" charset="-122"/>
+              </a:endParaRPr>
+            </a:p>
+          </p:txBody>
+        </p:sp>
+      </p:grpSp>
+      <p:sp>
+        <p:nvSpPr>
+          <p:cNvPr id="71" name="文本框 70">
+            <a:extLst>
+              <a:ext uri="{FF2B5EF4-FFF2-40B4-BE49-F238E27FC236}">
+                <a16:creationId xmlns:a16="http://schemas.microsoft.com/office/drawing/2014/main" id="{56BFCEC6-22CE-4CDA-8267-8F8302C26831}"/>
+              </a:ext>
+            </a:extLst>
+          </p:cNvPr>
+          <p:cNvSpPr txBox="1"/>
+          <p:nvPr/>
+        </p:nvSpPr>
+        <p:spPr>
+          <a:xfrm>
+            <a:off x="1360280" y="101279"/>
+            <a:ext cx="4735719" cy="584775"/>
+          </a:xfrm>
+          <a:prstGeom prst="rect">
+            <a:avLst/>
+          </a:prstGeom>
+          <a:noFill/>
+        </p:spPr>
+        <p:txBody>
+          <a:bodyPr wrap="square" rtlCol="0">
+            <a:spAutoFit/>
+          </a:bodyPr>
+          <a:lstStyle/>
+          <a:p>
+            <a:r>
+              <a:rPr lang="zh-CN" altLang="en-US" sz="3200" b="1" spc="600" dirty="0">
+                <a:solidFill>
+                  <a:schemeClr val="bg1">
+                    <a:lumMod val="65000"/>
+                  </a:schemeClr>
+                </a:solidFill>
+                <a:latin typeface="微软雅黑" panose="020B0503020204020204" pitchFamily="34" charset="-122"/>
+                <a:ea typeface="微软雅黑" panose="020B0503020204020204" pitchFamily="34" charset="-122"/>
+              </a:rPr>
+              <a:t>项目创新</a:t>
+            </a:r>
+          </a:p>
+        </p:txBody>
+      </p:sp>
+      <p:sp>
+        <p:nvSpPr>
+          <p:cNvPr id="72" name="文本框 71">
+            <a:extLst>
+              <a:ext uri="{FF2B5EF4-FFF2-40B4-BE49-F238E27FC236}">
+                <a16:creationId xmlns:a16="http://schemas.microsoft.com/office/drawing/2014/main" id="{E996CA8F-8C12-4E6B-85BC-8B54AEFEB0D7}"/>
+              </a:ext>
+            </a:extLst>
+          </p:cNvPr>
+          <p:cNvSpPr txBox="1"/>
+          <p:nvPr/>
+        </p:nvSpPr>
+        <p:spPr>
+          <a:xfrm>
+            <a:off x="1365619" y="674947"/>
+            <a:ext cx="4092206" cy="461665"/>
+          </a:xfrm>
+          <a:prstGeom prst="rect">
+            <a:avLst/>
+          </a:prstGeom>
+          <a:noFill/>
+        </p:spPr>
+        <p:txBody>
+          <a:bodyPr wrap="square" rtlCol="0">
+            <a:spAutoFit/>
+          </a:bodyPr>
+          <a:lstStyle/>
+          <a:p>
+            <a:r>
+              <a:rPr lang="zh-CN" altLang="en-US" sz="2400" b="1" dirty="0">
+                <a:solidFill>
+                  <a:srgbClr val="55C0AF"/>
+                </a:solidFill>
+              </a:rPr>
+              <a:t>增强模型</a:t>
+            </a:r>
+          </a:p>
+        </p:txBody>
+      </p:sp>
       <p:grpSp>
         <p:nvGrpSpPr>
           <p:cNvPr id="14" name="组合 13">
@@ -22069,7 +22583,7 @@
 </p:sld>
 </file>
 
-<file path=ppt/slides/slide21.xml><?xml version="1.0" encoding="utf-8"?>
+<file path=ppt/slides/slide22.xml><?xml version="1.0" encoding="utf-8"?>
 <p:sld xmlns:a="http://schemas.openxmlformats.org/drawingml/2006/main" xmlns:r="http://schemas.openxmlformats.org/officeDocument/2006/relationships" xmlns:p="http://schemas.openxmlformats.org/presentationml/2006/main">
   <p:cSld>
     <p:spTree>
@@ -22387,7 +22901,7 @@
         </p:nvGrpSpPr>
         <p:grpSpPr>
           <a:xfrm>
-            <a:off x="8853520" y="1032286"/>
+            <a:off x="644693" y="2313865"/>
             <a:ext cx="2708701" cy="584775"/>
             <a:chOff x="1541767" y="5381576"/>
             <a:chExt cx="2729353" cy="612000"/>
@@ -22465,7 +22979,7 @@
           <p:spPr>
             <a:xfrm>
               <a:off x="1920022" y="5524027"/>
-              <a:ext cx="1972842" cy="316206"/>
+              <a:ext cx="1972842" cy="354316"/>
             </a:xfrm>
             <a:prstGeom prst="rect">
               <a:avLst/>
@@ -22504,7 +23018,7 @@
         </p:nvGrpSpPr>
         <p:grpSpPr>
           <a:xfrm>
-            <a:off x="8853520" y="2696894"/>
+            <a:off x="644693" y="3978473"/>
             <a:ext cx="2708701" cy="584775"/>
             <a:chOff x="1541767" y="5381576"/>
             <a:chExt cx="2729353" cy="612000"/>
@@ -22560,7 +23074,7 @@
             <a:lstStyle/>
             <a:p>
               <a:pPr algn="ctr"/>
-              <a:endParaRPr lang="zh-CN" altLang="en-US" sz="1600" dirty="0">
+              <a:endParaRPr lang="zh-CN" altLang="en-US" dirty="0">
                 <a:latin typeface="+mj-ea"/>
                 <a:ea typeface="+mj-ea"/>
               </a:endParaRPr>
@@ -22582,7 +23096,7 @@
           <p:spPr>
             <a:xfrm>
               <a:off x="1920022" y="5524027"/>
-              <a:ext cx="1972842" cy="316206"/>
+              <a:ext cx="1972842" cy="386527"/>
             </a:xfrm>
             <a:prstGeom prst="rect">
               <a:avLst/>
@@ -22596,7 +23110,7 @@
             <a:p>
               <a:pPr algn="ctr"/>
               <a:r>
-                <a:rPr lang="zh-CN" altLang="en-US" sz="1600" b="1" dirty="0">
+                <a:rPr lang="zh-CN" altLang="en-US" b="1" dirty="0">
                   <a:solidFill>
                     <a:srgbClr val="113F4E"/>
                   </a:solidFill>
@@ -22621,7 +23135,7 @@
         </p:nvGrpSpPr>
         <p:grpSpPr>
           <a:xfrm>
-            <a:off x="8853520" y="1864590"/>
+            <a:off x="644693" y="3146169"/>
             <a:ext cx="2708701" cy="584775"/>
             <a:chOff x="1541767" y="5381575"/>
             <a:chExt cx="2729353" cy="612000"/>
@@ -22677,7 +23191,7 @@
             <a:lstStyle/>
             <a:p>
               <a:pPr algn="ctr"/>
-              <a:endParaRPr lang="zh-CN" altLang="en-US" sz="1600" dirty="0">
+              <a:endParaRPr lang="zh-CN" altLang="en-US" dirty="0">
                 <a:latin typeface="+mj-ea"/>
                 <a:ea typeface="+mj-ea"/>
               </a:endParaRPr>
@@ -22699,7 +23213,7 @@
           <p:spPr>
             <a:xfrm>
               <a:off x="1920022" y="5524027"/>
-              <a:ext cx="1972842" cy="354316"/>
+              <a:ext cx="1972842" cy="386527"/>
             </a:xfrm>
             <a:prstGeom prst="rect">
               <a:avLst/>
@@ -22713,7 +23227,7 @@
             <a:p>
               <a:pPr algn="ctr"/>
               <a:r>
-                <a:rPr lang="zh-CN" altLang="en-US" sz="1600" b="1" dirty="0">
+                <a:rPr lang="zh-CN" altLang="en-US" b="1" dirty="0">
                   <a:solidFill>
                     <a:srgbClr val="113F4E"/>
                   </a:solidFill>
@@ -22738,7 +23252,7 @@
         </p:nvGrpSpPr>
         <p:grpSpPr>
           <a:xfrm>
-            <a:off x="8853520" y="3529198"/>
+            <a:off x="644693" y="4810777"/>
             <a:ext cx="2708701" cy="584775"/>
             <a:chOff x="1541767" y="5381576"/>
             <a:chExt cx="2729353" cy="612000"/>
@@ -22794,7 +23308,7 @@
             <a:lstStyle/>
             <a:p>
               <a:pPr algn="ctr"/>
-              <a:endParaRPr lang="zh-CN" altLang="en-US" sz="1600" dirty="0">
+              <a:endParaRPr lang="zh-CN" altLang="en-US" dirty="0">
                 <a:latin typeface="+mj-ea"/>
                 <a:ea typeface="+mj-ea"/>
               </a:endParaRPr>
@@ -22816,7 +23330,7 @@
           <p:spPr>
             <a:xfrm>
               <a:off x="1920022" y="5524027"/>
-              <a:ext cx="1972842" cy="354316"/>
+              <a:ext cx="1972842" cy="386527"/>
             </a:xfrm>
             <a:prstGeom prst="rect">
               <a:avLst/>
@@ -22830,7 +23344,7 @@
             <a:p>
               <a:pPr algn="ctr"/>
               <a:r>
-                <a:rPr lang="zh-CN" altLang="en-US" sz="1600" b="1" dirty="0">
+                <a:rPr lang="zh-CN" altLang="en-US" b="1" dirty="0">
                   <a:solidFill>
                     <a:srgbClr val="113F4E"/>
                   </a:solidFill>
@@ -22855,7 +23369,7 @@
         </p:nvSpPr>
         <p:spPr>
           <a:xfrm>
-            <a:off x="8446630" y="786752"/>
+            <a:off x="237803" y="2068331"/>
             <a:ext cx="3522479" cy="3568287"/>
           </a:xfrm>
           <a:prstGeom prst="roundRect">
@@ -22906,7 +23420,7 @@
         </p:nvSpPr>
         <p:spPr>
           <a:xfrm>
-            <a:off x="9502223" y="194639"/>
+            <a:off x="1293396" y="1476218"/>
             <a:ext cx="1411292" cy="351047"/>
           </a:xfrm>
           <a:prstGeom prst="roundRect">
@@ -22941,10 +23455,10 @@
           <a:p>
             <a:pPr algn="ctr"/>
             <a:r>
-              <a:rPr lang="zh-CN" altLang="en-US" dirty="0"/>
+              <a:rPr lang="zh-CN" altLang="en-US" sz="2000" dirty="0"/>
               <a:t>创新</a:t>
             </a:r>
-            <a:endParaRPr lang="zh-CN" altLang="en-US" sz="1600" b="1" dirty="0">
+            <a:endParaRPr lang="zh-CN" altLang="en-US" b="1" dirty="0">
               <a:solidFill>
                 <a:schemeClr val="bg1"/>
               </a:solidFill>
@@ -23022,7 +23536,7 @@
             <a:lstStyle/>
             <a:p>
               <a:pPr algn="ctr"/>
-              <a:endParaRPr lang="zh-CN" altLang="en-US" sz="1600" dirty="0">
+              <a:endParaRPr lang="zh-CN" altLang="en-US" dirty="0">
                 <a:latin typeface="+mj-ea"/>
                 <a:ea typeface="+mj-ea"/>
               </a:endParaRPr>
@@ -23044,7 +23558,7 @@
           <p:spPr>
             <a:xfrm>
               <a:off x="1920022" y="5524027"/>
-              <a:ext cx="1972842" cy="354316"/>
+              <a:ext cx="1972842" cy="386527"/>
             </a:xfrm>
             <a:prstGeom prst="rect">
               <a:avLst/>
@@ -23058,7 +23572,7 @@
             <a:p>
               <a:pPr algn="ctr"/>
               <a:r>
-                <a:rPr lang="zh-CN" altLang="en-US" sz="1600" b="1" dirty="0">
+                <a:rPr lang="zh-CN" altLang="en-US" b="1" dirty="0">
                   <a:solidFill>
                     <a:srgbClr val="113F4E"/>
                   </a:solidFill>
@@ -23139,7 +23653,7 @@
             <a:lstStyle/>
             <a:p>
               <a:pPr algn="ctr"/>
-              <a:endParaRPr lang="zh-CN" altLang="en-US" sz="1600" dirty="0">
+              <a:endParaRPr lang="zh-CN" altLang="en-US" dirty="0">
                 <a:latin typeface="+mj-ea"/>
                 <a:ea typeface="+mj-ea"/>
               </a:endParaRPr>
@@ -23161,7 +23675,7 @@
           <p:spPr>
             <a:xfrm>
               <a:off x="1920022" y="5524027"/>
-              <a:ext cx="1972842" cy="354316"/>
+              <a:ext cx="1972842" cy="386527"/>
             </a:xfrm>
             <a:prstGeom prst="rect">
               <a:avLst/>
@@ -23175,7 +23689,7 @@
             <a:p>
               <a:pPr algn="ctr"/>
               <a:r>
-                <a:rPr lang="zh-CN" altLang="en-US" sz="1600" b="1" dirty="0">
+                <a:rPr lang="zh-CN" altLang="en-US" b="1" dirty="0">
                   <a:solidFill>
                     <a:srgbClr val="113F4E"/>
                   </a:solidFill>
@@ -23256,7 +23770,7 @@
             <a:lstStyle/>
             <a:p>
               <a:pPr algn="ctr"/>
-              <a:endParaRPr lang="zh-CN" altLang="en-US" sz="1600" dirty="0">
+              <a:endParaRPr lang="zh-CN" altLang="en-US" dirty="0">
                 <a:latin typeface="+mj-ea"/>
                 <a:ea typeface="+mj-ea"/>
               </a:endParaRPr>
@@ -23278,7 +23792,7 @@
           <p:spPr>
             <a:xfrm>
               <a:off x="1920022" y="5524027"/>
-              <a:ext cx="1972842" cy="354316"/>
+              <a:ext cx="1972842" cy="386527"/>
             </a:xfrm>
             <a:prstGeom prst="rect">
               <a:avLst/>
@@ -23292,7 +23806,7 @@
             <a:p>
               <a:pPr algn="ctr"/>
               <a:r>
-                <a:rPr lang="zh-CN" altLang="en-US" sz="1600" b="1" dirty="0">
+                <a:rPr lang="zh-CN" altLang="en-US" b="1" dirty="0">
                   <a:solidFill>
                     <a:srgbClr val="113F4E"/>
                   </a:solidFill>
@@ -23350,7 +23864,7 @@
           <a:lstStyle/>
           <a:p>
             <a:pPr algn="ctr"/>
-            <a:endParaRPr lang="zh-CN" altLang="en-US"/>
+            <a:endParaRPr lang="zh-CN" altLang="en-US" sz="2000"/>
           </a:p>
         </p:txBody>
       </p:sp>
@@ -23368,7 +23882,7 @@
         </p:nvSpPr>
         <p:spPr>
           <a:xfrm>
-            <a:off x="5299545" y="1616597"/>
+            <a:off x="5457825" y="1692938"/>
             <a:ext cx="1411292" cy="351047"/>
           </a:xfrm>
           <a:prstGeom prst="roundRect">
@@ -23403,10 +23917,10 @@
           <a:p>
             <a:pPr algn="ctr"/>
             <a:r>
-              <a:rPr lang="zh-CN" altLang="en-US" dirty="0"/>
+              <a:rPr lang="zh-CN" altLang="en-US" sz="2000" dirty="0"/>
               <a:t>难点</a:t>
             </a:r>
-            <a:endParaRPr lang="zh-CN" altLang="en-US" sz="1600" b="1" dirty="0">
+            <a:endParaRPr lang="zh-CN" altLang="en-US" b="1" dirty="0">
               <a:solidFill>
                 <a:schemeClr val="bg1"/>
               </a:solidFill>
@@ -23428,7 +23942,7 @@
         </p:nvGrpSpPr>
         <p:grpSpPr>
           <a:xfrm>
-            <a:off x="711690" y="4587465"/>
+            <a:off x="8907087" y="3136612"/>
             <a:ext cx="2708701" cy="584775"/>
             <a:chOff x="1541767" y="5381576"/>
             <a:chExt cx="2729353" cy="612000"/>
@@ -23484,7 +23998,7 @@
             <a:lstStyle/>
             <a:p>
               <a:pPr algn="ctr"/>
-              <a:endParaRPr lang="zh-CN" altLang="en-US" sz="1600" dirty="0">
+              <a:endParaRPr lang="zh-CN" altLang="en-US" dirty="0">
                 <a:latin typeface="+mj-ea"/>
                 <a:ea typeface="+mj-ea"/>
               </a:endParaRPr>
@@ -23506,7 +24020,7 @@
           <p:spPr>
             <a:xfrm>
               <a:off x="1920022" y="5524027"/>
-              <a:ext cx="1972842" cy="354316"/>
+              <a:ext cx="1972842" cy="386527"/>
             </a:xfrm>
             <a:prstGeom prst="rect">
               <a:avLst/>
@@ -23520,7 +24034,7 @@
             <a:p>
               <a:pPr algn="ctr"/>
               <a:r>
-                <a:rPr lang="zh-CN" altLang="en-US" sz="1600" b="1" dirty="0">
+                <a:rPr lang="zh-CN" altLang="en-US" b="1" dirty="0">
                   <a:solidFill>
                     <a:srgbClr val="113F4E"/>
                   </a:solidFill>
@@ -23545,7 +24059,7 @@
         </p:nvGrpSpPr>
         <p:grpSpPr>
           <a:xfrm>
-            <a:off x="711690" y="5419769"/>
+            <a:off x="8907087" y="3968916"/>
             <a:ext cx="2708701" cy="584775"/>
             <a:chOff x="1541767" y="5381575"/>
             <a:chExt cx="2729353" cy="612000"/>
@@ -23601,7 +24115,7 @@
             <a:lstStyle/>
             <a:p>
               <a:pPr algn="ctr"/>
-              <a:endParaRPr lang="zh-CN" altLang="en-US" sz="1600" dirty="0">
+              <a:endParaRPr lang="zh-CN" altLang="en-US" dirty="0">
                 <a:latin typeface="+mj-ea"/>
                 <a:ea typeface="+mj-ea"/>
               </a:endParaRPr>
@@ -23623,7 +24137,7 @@
           <p:spPr>
             <a:xfrm>
               <a:off x="1920022" y="5524027"/>
-              <a:ext cx="1972842" cy="354316"/>
+              <a:ext cx="1972842" cy="386527"/>
             </a:xfrm>
             <a:prstGeom prst="rect">
               <a:avLst/>
@@ -23637,7 +24151,7 @@
             <a:p>
               <a:pPr algn="ctr"/>
               <a:r>
-                <a:rPr lang="zh-CN" altLang="en-US" sz="1600" b="1" dirty="0">
+                <a:rPr lang="zh-CN" altLang="en-US" b="1" dirty="0">
                   <a:solidFill>
                     <a:srgbClr val="113F4E"/>
                   </a:solidFill>
@@ -23662,7 +24176,7 @@
         </p:nvSpPr>
         <p:spPr>
           <a:xfrm>
-            <a:off x="304800" y="4341932"/>
+            <a:off x="8500197" y="2891079"/>
             <a:ext cx="3522479" cy="1916198"/>
           </a:xfrm>
           <a:prstGeom prst="roundRect">
@@ -23713,7 +24227,7 @@
         </p:nvSpPr>
         <p:spPr>
           <a:xfrm>
-            <a:off x="1360393" y="3479841"/>
+            <a:off x="9555790" y="2028988"/>
             <a:ext cx="1411292" cy="351047"/>
           </a:xfrm>
           <a:prstGeom prst="roundRect">
@@ -23748,10 +24262,10 @@
           <a:p>
             <a:pPr algn="ctr"/>
             <a:r>
-              <a:rPr lang="zh-CN" altLang="en-US" dirty="0"/>
+              <a:rPr lang="zh-CN" altLang="en-US" sz="2000" dirty="0"/>
               <a:t>目标</a:t>
             </a:r>
-            <a:endParaRPr lang="zh-CN" altLang="en-US" sz="1600" b="1" dirty="0">
+            <a:endParaRPr lang="zh-CN" altLang="en-US" b="1" dirty="0">
               <a:solidFill>
                 <a:schemeClr val="bg1"/>
               </a:solidFill>
@@ -23770,13 +24284,15 @@
           </p:cNvPr>
           <p:cNvCxnSpPr>
             <a:cxnSpLocks/>
+            <a:stCxn id="85" idx="3"/>
+            <a:endCxn id="105" idx="1"/>
           </p:cNvCxnSpPr>
           <p:nvPr/>
         </p:nvCxnSpPr>
         <p:spPr>
           <a:xfrm flipV="1">
-            <a:off x="7935387" y="2339260"/>
-            <a:ext cx="511244" cy="599883"/>
+            <a:off x="7935387" y="3849178"/>
+            <a:ext cx="564810" cy="22146"/>
           </a:xfrm>
           <a:prstGeom prst="straightConnector1">
             <a:avLst/>
@@ -23818,13 +24334,15 @@
           </p:cNvPr>
           <p:cNvCxnSpPr>
             <a:cxnSpLocks/>
+            <a:stCxn id="4" idx="3"/>
+            <a:endCxn id="85" idx="1"/>
           </p:cNvCxnSpPr>
           <p:nvPr/>
         </p:nvCxnSpPr>
         <p:spPr>
-          <a:xfrm flipV="1">
-            <a:off x="3840684" y="4041991"/>
-            <a:ext cx="596754" cy="545474"/>
+          <a:xfrm>
+            <a:off x="3760282" y="3852475"/>
+            <a:ext cx="652626" cy="18849"/>
           </a:xfrm>
           <a:prstGeom prst="straightConnector1">
             <a:avLst/>
@@ -23964,21 +24482,39 @@
                                   </p:childTnLst>
                                 </p:cTn>
                               </p:par>
+                            </p:childTnLst>
+                          </p:cTn>
+                        </p:par>
+                      </p:childTnLst>
+                    </p:cTn>
+                  </p:par>
+                  <p:par>
+                    <p:cTn id="9" fill="hold">
+                      <p:stCondLst>
+                        <p:cond delay="indefinite"/>
+                      </p:stCondLst>
+                      <p:childTnLst>
+                        <p:par>
+                          <p:cTn id="10" fill="hold">
+                            <p:stCondLst>
+                              <p:cond delay="0"/>
+                            </p:stCondLst>
+                            <p:childTnLst>
                               <p:par>
-                                <p:cTn id="9" presetID="10" presetClass="entr" presetSubtype="0" fill="hold" nodeType="withEffect">
+                                <p:cTn id="11" presetID="10" presetClass="entr" presetSubtype="0" fill="hold" nodeType="clickEffect">
                                   <p:stCondLst>
                                     <p:cond delay="0"/>
                                   </p:stCondLst>
                                   <p:childTnLst>
                                     <p:set>
                                       <p:cBhvr>
-                                        <p:cTn id="10" dur="1" fill="hold">
+                                        <p:cTn id="12" dur="1" fill="hold">
                                           <p:stCondLst>
                                             <p:cond delay="0"/>
                                           </p:stCondLst>
                                         </p:cTn>
                                         <p:tgtEl>
-                                          <p:spTgt spid="53"/>
+                                          <p:spTgt spid="46"/>
                                         </p:tgtEl>
                                         <p:attrNameLst>
                                           <p:attrName>style.visibility</p:attrName>
@@ -23990,9 +24526,9 @@
                                     </p:set>
                                     <p:animEffect transition="in" filter="fade">
                                       <p:cBhvr>
-                                        <p:cTn id="11" dur="500"/>
+                                        <p:cTn id="13" dur="500"/>
                                         <p:tgtEl>
-                                          <p:spTgt spid="53"/>
+                                          <p:spTgt spid="46"/>
                                         </p:tgtEl>
                                       </p:cBhvr>
                                     </p:animEffect>
@@ -24000,20 +24536,20 @@
                                 </p:cTn>
                               </p:par>
                               <p:par>
-                                <p:cTn id="12" presetID="10" presetClass="entr" presetSubtype="0" fill="hold" nodeType="withEffect">
+                                <p:cTn id="14" presetID="10" presetClass="entr" presetSubtype="0" fill="hold" grpId="0" nodeType="withEffect">
                                   <p:stCondLst>
                                     <p:cond delay="0"/>
                                   </p:stCondLst>
                                   <p:childTnLst>
                                     <p:set>
                                       <p:cBhvr>
-                                        <p:cTn id="13" dur="1" fill="hold">
+                                        <p:cTn id="15" dur="1" fill="hold">
                                           <p:stCondLst>
                                             <p:cond delay="0"/>
                                           </p:stCondLst>
                                         </p:cTn>
                                         <p:tgtEl>
-                                          <p:spTgt spid="56"/>
+                                          <p:spTgt spid="85"/>
                                         </p:tgtEl>
                                         <p:attrNameLst>
                                           <p:attrName>style.visibility</p:attrName>
@@ -24025,9 +24561,9 @@
                                     </p:set>
                                     <p:animEffect transition="in" filter="fade">
                                       <p:cBhvr>
-                                        <p:cTn id="14" dur="500"/>
+                                        <p:cTn id="16" dur="500"/>
                                         <p:tgtEl>
-                                          <p:spTgt spid="56"/>
+                                          <p:spTgt spid="85"/>
                                         </p:tgtEl>
                                       </p:cBhvr>
                                     </p:animEffect>
@@ -24035,128 +24571,14 @@
                                 </p:cTn>
                               </p:par>
                               <p:par>
-                                <p:cTn id="15" presetID="10" presetClass="entr" presetSubtype="0" fill="hold" nodeType="withEffect">
+                                <p:cTn id="17" presetID="10" presetClass="entr" presetSubtype="0" fill="hold" nodeType="withEffect">
                                   <p:stCondLst>
                                     <p:cond delay="0"/>
                                   </p:stCondLst>
                                   <p:childTnLst>
                                     <p:set>
                                       <p:cBhvr>
-                                        <p:cTn id="16" dur="1" fill="hold">
-                                          <p:stCondLst>
-                                            <p:cond delay="0"/>
-                                          </p:stCondLst>
-                                        </p:cTn>
-                                        <p:tgtEl>
-                                          <p:spTgt spid="59"/>
-                                        </p:tgtEl>
-                                        <p:attrNameLst>
-                                          <p:attrName>style.visibility</p:attrName>
-                                        </p:attrNameLst>
-                                      </p:cBhvr>
-                                      <p:to>
-                                        <p:strVal val="visible"/>
-                                      </p:to>
-                                    </p:set>
-                                    <p:animEffect transition="in" filter="fade">
-                                      <p:cBhvr>
-                                        <p:cTn id="17" dur="500"/>
-                                        <p:tgtEl>
-                                          <p:spTgt spid="59"/>
-                                        </p:tgtEl>
-                                      </p:cBhvr>
-                                    </p:animEffect>
-                                  </p:childTnLst>
-                                </p:cTn>
-                              </p:par>
-                              <p:par>
-                                <p:cTn id="18" presetID="10" presetClass="entr" presetSubtype="0" fill="hold" nodeType="withEffect">
-                                  <p:stCondLst>
-                                    <p:cond delay="0"/>
-                                  </p:stCondLst>
-                                  <p:childTnLst>
-                                    <p:set>
-                                      <p:cBhvr>
-                                        <p:cTn id="19" dur="1" fill="hold">
-                                          <p:stCondLst>
-                                            <p:cond delay="0"/>
-                                          </p:stCondLst>
-                                        </p:cTn>
-                                        <p:tgtEl>
-                                          <p:spTgt spid="62"/>
-                                        </p:tgtEl>
-                                        <p:attrNameLst>
-                                          <p:attrName>style.visibility</p:attrName>
-                                        </p:attrNameLst>
-                                      </p:cBhvr>
-                                      <p:to>
-                                        <p:strVal val="visible"/>
-                                      </p:to>
-                                    </p:set>
-                                    <p:animEffect transition="in" filter="fade">
-                                      <p:cBhvr>
-                                        <p:cTn id="20" dur="500"/>
-                                        <p:tgtEl>
-                                          <p:spTgt spid="62"/>
-                                        </p:tgtEl>
-                                      </p:cBhvr>
-                                    </p:animEffect>
-                                  </p:childTnLst>
-                                </p:cTn>
-                              </p:par>
-                            </p:childTnLst>
-                          </p:cTn>
-                        </p:par>
-                        <p:par>
-                          <p:cTn id="21" fill="hold">
-                            <p:stCondLst>
-                              <p:cond delay="500"/>
-                            </p:stCondLst>
-                            <p:childTnLst>
-                              <p:par>
-                                <p:cTn id="22" presetID="10" presetClass="entr" presetSubtype="0" fill="hold" grpId="0" nodeType="afterEffect">
-                                  <p:stCondLst>
-                                    <p:cond delay="0"/>
-                                  </p:stCondLst>
-                                  <p:childTnLst>
-                                    <p:set>
-                                      <p:cBhvr>
-                                        <p:cTn id="23" dur="1" fill="hold">
-                                          <p:stCondLst>
-                                            <p:cond delay="0"/>
-                                          </p:stCondLst>
-                                        </p:cTn>
-                                        <p:tgtEl>
-                                          <p:spTgt spid="65"/>
-                                        </p:tgtEl>
-                                        <p:attrNameLst>
-                                          <p:attrName>style.visibility</p:attrName>
-                                        </p:attrNameLst>
-                                      </p:cBhvr>
-                                      <p:to>
-                                        <p:strVal val="visible"/>
-                                      </p:to>
-                                    </p:set>
-                                    <p:animEffect transition="in" filter="fade">
-                                      <p:cBhvr>
-                                        <p:cTn id="24" dur="500"/>
-                                        <p:tgtEl>
-                                          <p:spTgt spid="65"/>
-                                        </p:tgtEl>
-                                      </p:cBhvr>
-                                    </p:animEffect>
-                                  </p:childTnLst>
-                                </p:cTn>
-                              </p:par>
-                              <p:par>
-                                <p:cTn id="25" presetID="10" presetClass="entr" presetSubtype="0" fill="hold" nodeType="withEffect">
-                                  <p:stCondLst>
-                                    <p:cond delay="0"/>
-                                  </p:stCondLst>
-                                  <p:childTnLst>
-                                    <p:set>
-                                      <p:cBhvr>
-                                        <p:cTn id="26" dur="1" fill="hold">
+                                        <p:cTn id="18" dur="1" fill="hold">
                                           <p:stCondLst>
                                             <p:cond delay="0"/>
                                           </p:stCondLst>
@@ -24174,7 +24596,7 @@
                                     </p:set>
                                     <p:animEffect transition="in" filter="fade">
                                       <p:cBhvr>
-                                        <p:cTn id="27" dur="500"/>
+                                        <p:cTn id="19" dur="500"/>
                                         <p:tgtEl>
                                           <p:spTgt spid="73"/>
                                         </p:tgtEl>
@@ -24184,14 +24606,49 @@
                                 </p:cTn>
                               </p:par>
                               <p:par>
-                                <p:cTn id="28" presetID="10" presetClass="entr" presetSubtype="0" fill="hold" nodeType="withEffect">
+                                <p:cTn id="20" presetID="10" presetClass="entr" presetSubtype="0" fill="hold" nodeType="withEffect">
                                   <p:stCondLst>
                                     <p:cond delay="0"/>
                                   </p:stCondLst>
                                   <p:childTnLst>
                                     <p:set>
                                       <p:cBhvr>
-                                        <p:cTn id="29" dur="1" fill="hold">
+                                        <p:cTn id="21" dur="1" fill="hold">
+                                          <p:stCondLst>
+                                            <p:cond delay="0"/>
+                                          </p:stCondLst>
+                                        </p:cTn>
+                                        <p:tgtEl>
+                                          <p:spTgt spid="79"/>
+                                        </p:tgtEl>
+                                        <p:attrNameLst>
+                                          <p:attrName>style.visibility</p:attrName>
+                                        </p:attrNameLst>
+                                      </p:cBhvr>
+                                      <p:to>
+                                        <p:strVal val="visible"/>
+                                      </p:to>
+                                    </p:set>
+                                    <p:animEffect transition="in" filter="fade">
+                                      <p:cBhvr>
+                                        <p:cTn id="22" dur="500"/>
+                                        <p:tgtEl>
+                                          <p:spTgt spid="79"/>
+                                        </p:tgtEl>
+                                      </p:cBhvr>
+                                    </p:animEffect>
+                                  </p:childTnLst>
+                                </p:cTn>
+                              </p:par>
+                              <p:par>
+                                <p:cTn id="23" presetID="10" presetClass="entr" presetSubtype="0" fill="hold" nodeType="withEffect">
+                                  <p:stCondLst>
+                                    <p:cond delay="0"/>
+                                  </p:stCondLst>
+                                  <p:childTnLst>
+                                    <p:set>
+                                      <p:cBhvr>
+                                        <p:cTn id="24" dur="1" fill="hold">
                                           <p:stCondLst>
                                             <p:cond delay="0"/>
                                           </p:stCondLst>
@@ -24209,7 +24666,7 @@
                                     </p:set>
                                     <p:animEffect transition="in" filter="fade">
                                       <p:cBhvr>
-                                        <p:cTn id="30" dur="500"/>
+                                        <p:cTn id="25" dur="500"/>
                                         <p:tgtEl>
                                           <p:spTgt spid="76"/>
                                         </p:tgtEl>
@@ -24219,58 +24676,14 @@
                                 </p:cTn>
                               </p:par>
                               <p:par>
-                                <p:cTn id="31" presetID="10" presetClass="entr" presetSubtype="0" fill="hold" nodeType="withEffect">
+                                <p:cTn id="26" presetID="10" presetClass="entr" presetSubtype="0" fill="hold" grpId="0" nodeType="withEffect">
                                   <p:stCondLst>
                                     <p:cond delay="0"/>
                                   </p:stCondLst>
                                   <p:childTnLst>
                                     <p:set>
                                       <p:cBhvr>
-                                        <p:cTn id="32" dur="1" fill="hold">
-                                          <p:stCondLst>
-                                            <p:cond delay="0"/>
-                                          </p:stCondLst>
-                                        </p:cTn>
-                                        <p:tgtEl>
-                                          <p:spTgt spid="79"/>
-                                        </p:tgtEl>
-                                        <p:attrNameLst>
-                                          <p:attrName>style.visibility</p:attrName>
-                                        </p:attrNameLst>
-                                      </p:cBhvr>
-                                      <p:to>
-                                        <p:strVal val="visible"/>
-                                      </p:to>
-                                    </p:set>
-                                    <p:animEffect transition="in" filter="fade">
-                                      <p:cBhvr>
-                                        <p:cTn id="33" dur="500"/>
-                                        <p:tgtEl>
-                                          <p:spTgt spid="79"/>
-                                        </p:tgtEl>
-                                      </p:cBhvr>
-                                    </p:animEffect>
-                                  </p:childTnLst>
-                                </p:cTn>
-                              </p:par>
-                            </p:childTnLst>
-                          </p:cTn>
-                        </p:par>
-                        <p:par>
-                          <p:cTn id="34" fill="hold">
-                            <p:stCondLst>
-                              <p:cond delay="1000"/>
-                            </p:stCondLst>
-                            <p:childTnLst>
-                              <p:par>
-                                <p:cTn id="35" presetID="10" presetClass="entr" presetSubtype="0" fill="hold" grpId="0" nodeType="afterEffect">
-                                  <p:stCondLst>
-                                    <p:cond delay="0"/>
-                                  </p:stCondLst>
-                                  <p:childTnLst>
-                                    <p:set>
-                                      <p:cBhvr>
-                                        <p:cTn id="36" dur="1" fill="hold">
+                                        <p:cTn id="27" dur="1" fill="hold">
                                           <p:stCondLst>
                                             <p:cond delay="0"/>
                                           </p:stCondLst>
@@ -24288,7 +24701,7 @@
                                     </p:set>
                                     <p:animEffect transition="in" filter="fade">
                                       <p:cBhvr>
-                                        <p:cTn id="37" dur="500"/>
+                                        <p:cTn id="28" dur="500"/>
                                         <p:tgtEl>
                                           <p:spTgt spid="86"/>
                                         </p:tgtEl>
@@ -24297,15 +24710,103 @@
                                   </p:childTnLst>
                                 </p:cTn>
                               </p:par>
+                            </p:childTnLst>
+                          </p:cTn>
+                        </p:par>
+                      </p:childTnLst>
+                    </p:cTn>
+                  </p:par>
+                  <p:par>
+                    <p:cTn id="29" fill="hold">
+                      <p:stCondLst>
+                        <p:cond delay="indefinite"/>
+                      </p:stCondLst>
+                      <p:childTnLst>
+                        <p:par>
+                          <p:cTn id="30" fill="hold">
+                            <p:stCondLst>
+                              <p:cond delay="0"/>
+                            </p:stCondLst>
+                            <p:childTnLst>
                               <p:par>
-                                <p:cTn id="38" presetID="10" presetClass="entr" presetSubtype="0" fill="hold" nodeType="withEffect">
+                                <p:cTn id="31" presetID="10" presetClass="entr" presetSubtype="0" fill="hold" grpId="0" nodeType="clickEffect">
                                   <p:stCondLst>
                                     <p:cond delay="0"/>
                                   </p:stCondLst>
                                   <p:childTnLst>
                                     <p:set>
                                       <p:cBhvr>
-                                        <p:cTn id="39" dur="1" fill="hold">
+                                        <p:cTn id="32" dur="1" fill="hold">
+                                          <p:stCondLst>
+                                            <p:cond delay="0"/>
+                                          </p:stCondLst>
+                                        </p:cTn>
+                                        <p:tgtEl>
+                                          <p:spTgt spid="106"/>
+                                        </p:tgtEl>
+                                        <p:attrNameLst>
+                                          <p:attrName>style.visibility</p:attrName>
+                                        </p:attrNameLst>
+                                      </p:cBhvr>
+                                      <p:to>
+                                        <p:strVal val="visible"/>
+                                      </p:to>
+                                    </p:set>
+                                    <p:animEffect transition="in" filter="fade">
+                                      <p:cBhvr>
+                                        <p:cTn id="33" dur="500"/>
+                                        <p:tgtEl>
+                                          <p:spTgt spid="106"/>
+                                        </p:tgtEl>
+                                      </p:cBhvr>
+                                    </p:animEffect>
+                                  </p:childTnLst>
+                                </p:cTn>
+                              </p:par>
+                              <p:par>
+                                <p:cTn id="34" presetID="10" presetClass="entr" presetSubtype="0" fill="hold" grpId="0" nodeType="withEffect">
+                                  <p:stCondLst>
+                                    <p:cond delay="0"/>
+                                  </p:stCondLst>
+                                  <p:childTnLst>
+                                    <p:set>
+                                      <p:cBhvr>
+                                        <p:cTn id="35" dur="1" fill="hold">
+                                          <p:stCondLst>
+                                            <p:cond delay="0"/>
+                                          </p:stCondLst>
+                                        </p:cTn>
+                                        <p:tgtEl>
+                                          <p:spTgt spid="105"/>
+                                        </p:tgtEl>
+                                        <p:attrNameLst>
+                                          <p:attrName>style.visibility</p:attrName>
+                                        </p:attrNameLst>
+                                      </p:cBhvr>
+                                      <p:to>
+                                        <p:strVal val="visible"/>
+                                      </p:to>
+                                    </p:set>
+                                    <p:animEffect transition="in" filter="fade">
+                                      <p:cBhvr>
+                                        <p:cTn id="36" dur="500"/>
+                                        <p:tgtEl>
+                                          <p:spTgt spid="105"/>
+                                        </p:tgtEl>
+                                      </p:cBhvr>
+                                    </p:animEffect>
+                                  </p:childTnLst>
+                                </p:cTn>
+                              </p:par>
+                              <p:par>
+                                <p:cTn id="37" presetID="10" presetClass="entr" presetSubtype="0" fill="hold" nodeType="withEffect">
+                                  <p:stCondLst>
+                                    <p:cond delay="0"/>
+                                  </p:stCondLst>
+                                  <p:childTnLst>
+                                    <p:set>
+                                      <p:cBhvr>
+                                        <p:cTn id="38" dur="1" fill="hold">
                                           <p:stCondLst>
                                             <p:cond delay="0"/>
                                           </p:stCondLst>
@@ -24323,7 +24824,7 @@
                                     </p:set>
                                     <p:animEffect transition="in" filter="fade">
                                       <p:cBhvr>
-                                        <p:cTn id="40" dur="500"/>
+                                        <p:cTn id="39" dur="500"/>
                                         <p:tgtEl>
                                           <p:spTgt spid="96"/>
                                         </p:tgtEl>
@@ -24333,14 +24834,14 @@
                                 </p:cTn>
                               </p:par>
                               <p:par>
-                                <p:cTn id="41" presetID="10" presetClass="entr" presetSubtype="0" fill="hold" nodeType="withEffect">
+                                <p:cTn id="40" presetID="10" presetClass="entr" presetSubtype="0" fill="hold" nodeType="withEffect">
                                   <p:stCondLst>
                                     <p:cond delay="0"/>
                                   </p:stCondLst>
                                   <p:childTnLst>
                                     <p:set>
                                       <p:cBhvr>
-                                        <p:cTn id="42" dur="1" fill="hold">
+                                        <p:cTn id="41" dur="1" fill="hold">
                                           <p:stCondLst>
                                             <p:cond delay="0"/>
                                           </p:stCondLst>
@@ -24358,7 +24859,7 @@
                                     </p:set>
                                     <p:animEffect transition="in" filter="fade">
                                       <p:cBhvr>
-                                        <p:cTn id="43" dur="500"/>
+                                        <p:cTn id="42" dur="500"/>
                                         <p:tgtEl>
                                           <p:spTgt spid="102"/>
                                         </p:tgtEl>
@@ -24367,77 +24868,15 @@
                                   </p:childTnLst>
                                 </p:cTn>
                               </p:par>
-                            </p:childTnLst>
-                          </p:cTn>
-                        </p:par>
-                        <p:par>
-                          <p:cTn id="44" fill="hold">
-                            <p:stCondLst>
-                              <p:cond delay="1500"/>
-                            </p:stCondLst>
-                            <p:childTnLst>
                               <p:par>
-                                <p:cTn id="45" presetID="10" presetClass="entr" presetSubtype="0" fill="hold" grpId="0" nodeType="afterEffect">
+                                <p:cTn id="43" presetID="10" presetClass="entr" presetSubtype="0" fill="hold" nodeType="withEffect">
                                   <p:stCondLst>
                                     <p:cond delay="0"/>
                                   </p:stCondLst>
                                   <p:childTnLst>
                                     <p:set>
                                       <p:cBhvr>
-                                        <p:cTn id="46" dur="1" fill="hold">
-                                          <p:stCondLst>
-                                            <p:cond delay="0"/>
-                                          </p:stCondLst>
-                                        </p:cTn>
-                                        <p:tgtEl>
-                                          <p:spTgt spid="106"/>
-                                        </p:tgtEl>
-                                        <p:attrNameLst>
-                                          <p:attrName>style.visibility</p:attrName>
-                                        </p:attrNameLst>
-                                      </p:cBhvr>
-                                      <p:to>
-                                        <p:strVal val="visible"/>
-                                      </p:to>
-                                    </p:set>
-                                    <p:animEffect transition="in" filter="fade">
-                                      <p:cBhvr>
-                                        <p:cTn id="47" dur="500"/>
-                                        <p:tgtEl>
-                                          <p:spTgt spid="106"/>
-                                        </p:tgtEl>
-                                      </p:cBhvr>
-                                    </p:animEffect>
-                                  </p:childTnLst>
-                                </p:cTn>
-                              </p:par>
-                            </p:childTnLst>
-                          </p:cTn>
-                        </p:par>
-                      </p:childTnLst>
-                    </p:cTn>
-                  </p:par>
-                  <p:par>
-                    <p:cTn id="48" fill="hold">
-                      <p:stCondLst>
-                        <p:cond delay="indefinite"/>
-                      </p:stCondLst>
-                      <p:childTnLst>
-                        <p:par>
-                          <p:cTn id="49" fill="hold">
-                            <p:stCondLst>
-                              <p:cond delay="0"/>
-                            </p:stCondLst>
-                            <p:childTnLst>
-                              <p:par>
-                                <p:cTn id="50" presetID="22" presetClass="entr" presetSubtype="8" fill="hold" nodeType="clickEffect">
-                                  <p:stCondLst>
-                                    <p:cond delay="0"/>
-                                  </p:stCondLst>
-                                  <p:childTnLst>
-                                    <p:set>
-                                      <p:cBhvr>
-                                        <p:cTn id="51" dur="1" fill="hold">
+                                        <p:cTn id="44" dur="1" fill="hold">
                                           <p:stCondLst>
                                             <p:cond delay="0"/>
                                           </p:stCondLst>
@@ -24453,64 +24892,11 @@
                                         <p:strVal val="visible"/>
                                       </p:to>
                                     </p:set>
-                                    <p:animEffect transition="in" filter="wipe(left)">
+                                    <p:animEffect transition="in" filter="fade">
                                       <p:cBhvr>
-                                        <p:cTn id="52" dur="500"/>
+                                        <p:cTn id="45" dur="500"/>
                                         <p:tgtEl>
                                           <p:spTgt spid="42"/>
-                                        </p:tgtEl>
-                                      </p:cBhvr>
-                                    </p:animEffect>
-                                  </p:childTnLst>
-                                </p:cTn>
-                              </p:par>
-                            </p:childTnLst>
-                          </p:cTn>
-                        </p:par>
-                      </p:childTnLst>
-                    </p:cTn>
-                  </p:par>
-                  <p:par>
-                    <p:cTn id="53" fill="hold">
-                      <p:stCondLst>
-                        <p:cond delay="indefinite"/>
-                      </p:stCondLst>
-                      <p:childTnLst>
-                        <p:par>
-                          <p:cTn id="54" fill="hold">
-                            <p:stCondLst>
-                              <p:cond delay="0"/>
-                            </p:stCondLst>
-                            <p:childTnLst>
-                              <p:par>
-                                <p:cTn id="55" presetID="22" presetClass="entr" presetSubtype="8" fill="hold" nodeType="clickEffect">
-                                  <p:stCondLst>
-                                    <p:cond delay="0"/>
-                                  </p:stCondLst>
-                                  <p:childTnLst>
-                                    <p:set>
-                                      <p:cBhvr>
-                                        <p:cTn id="56" dur="1" fill="hold">
-                                          <p:stCondLst>
-                                            <p:cond delay="0"/>
-                                          </p:stCondLst>
-                                        </p:cTn>
-                                        <p:tgtEl>
-                                          <p:spTgt spid="46"/>
-                                        </p:tgtEl>
-                                        <p:attrNameLst>
-                                          <p:attrName>style.visibility</p:attrName>
-                                        </p:attrNameLst>
-                                      </p:cBhvr>
-                                      <p:to>
-                                        <p:strVal val="visible"/>
-                                      </p:to>
-                                    </p:set>
-                                    <p:animEffect transition="in" filter="wipe(left)">
-                                      <p:cBhvr>
-                                        <p:cTn id="57" dur="500"/>
-                                        <p:tgtEl>
-                                          <p:spTgt spid="46"/>
                                         </p:tgtEl>
                                       </p:cBhvr>
                                     </p:animEffect>
@@ -24545,15 +24931,16 @@
       </p:par>
     </p:tnLst>
     <p:bldLst>
-      <p:bldP spid="65" grpId="0" animBg="1"/>
+      <p:bldP spid="85" grpId="0" animBg="1"/>
       <p:bldP spid="86" grpId="0" animBg="1"/>
+      <p:bldP spid="105" grpId="0" animBg="1"/>
       <p:bldP spid="106" grpId="0" animBg="1"/>
     </p:bldLst>
   </p:timing>
 </p:sld>
 </file>
 
-<file path=ppt/slides/slide22.xml><?xml version="1.0" encoding="utf-8"?>
+<file path=ppt/slides/slide23.xml><?xml version="1.0" encoding="utf-8"?>
 <p:sld xmlns:a="http://schemas.openxmlformats.org/drawingml/2006/main" xmlns:r="http://schemas.openxmlformats.org/officeDocument/2006/relationships" xmlns:p="http://schemas.openxmlformats.org/presentationml/2006/main">
   <p:cSld>
     <p:spTree>
@@ -25718,7 +26105,7 @@
 </p:sld>
 </file>
 
-<file path=ppt/slides/slide23.xml><?xml version="1.0" encoding="utf-8"?>
+<file path=ppt/slides/slide24.xml><?xml version="1.0" encoding="utf-8"?>
 <p:sld xmlns:a="http://schemas.openxmlformats.org/drawingml/2006/main" xmlns:r="http://schemas.openxmlformats.org/officeDocument/2006/relationships" xmlns:p="http://schemas.openxmlformats.org/presentationml/2006/main">
   <p:cSld>
     <p:spTree>
@@ -26024,10 +26411,754 @@
       </p:sp>
       <p:sp>
         <p:nvSpPr>
-          <p:cNvPr id="2" name="文本框 1">
+          <p:cNvPr id="10" name="Freeform 8">
             <a:extLst>
               <a:ext uri="{FF2B5EF4-FFF2-40B4-BE49-F238E27FC236}">
-                <a16:creationId xmlns:a16="http://schemas.microsoft.com/office/drawing/2014/main" id="{13A4DCDE-C9EA-46E3-8DD0-655869522440}"/>
+                <a16:creationId xmlns:a16="http://schemas.microsoft.com/office/drawing/2014/main" id="{1A781B2C-9C48-49A6-8077-AD89557348CF}"/>
+              </a:ext>
+            </a:extLst>
+          </p:cNvPr>
+          <p:cNvSpPr/>
+          <p:nvPr/>
+        </p:nvSpPr>
+        <p:spPr>
+          <a:xfrm>
+            <a:off x="4835052" y="2758253"/>
+            <a:ext cx="2504140" cy="2504140"/>
+          </a:xfrm>
+          <a:custGeom>
+            <a:avLst/>
+            <a:gdLst>
+              <a:gd name="connsiteX0" fmla="*/ 0 w 2504140"/>
+              <a:gd name="connsiteY0" fmla="*/ 1252070 h 2504140"/>
+              <a:gd name="connsiteX1" fmla="*/ 1252070 w 2504140"/>
+              <a:gd name="connsiteY1" fmla="*/ 0 h 2504140"/>
+              <a:gd name="connsiteX2" fmla="*/ 2504140 w 2504140"/>
+              <a:gd name="connsiteY2" fmla="*/ 1252070 h 2504140"/>
+              <a:gd name="connsiteX3" fmla="*/ 1252070 w 2504140"/>
+              <a:gd name="connsiteY3" fmla="*/ 2504140 h 2504140"/>
+              <a:gd name="connsiteX4" fmla="*/ 0 w 2504140"/>
+              <a:gd name="connsiteY4" fmla="*/ 1252070 h 2504140"/>
+            </a:gdLst>
+            <a:ahLst/>
+            <a:cxnLst>
+              <a:cxn ang="0">
+                <a:pos x="connsiteX0" y="connsiteY0"/>
+              </a:cxn>
+              <a:cxn ang="0">
+                <a:pos x="connsiteX1" y="connsiteY1"/>
+              </a:cxn>
+              <a:cxn ang="0">
+                <a:pos x="connsiteX2" y="connsiteY2"/>
+              </a:cxn>
+              <a:cxn ang="0">
+                <a:pos x="connsiteX3" y="connsiteY3"/>
+              </a:cxn>
+              <a:cxn ang="0">
+                <a:pos x="connsiteX4" y="connsiteY4"/>
+              </a:cxn>
+            </a:cxnLst>
+            <a:rect l="l" t="t" r="r" b="b"/>
+            <a:pathLst>
+              <a:path w="2504140" h="2504140">
+                <a:moveTo>
+                  <a:pt x="0" y="1252070"/>
+                </a:moveTo>
+                <a:cubicBezTo>
+                  <a:pt x="0" y="560571"/>
+                  <a:pt x="560571" y="0"/>
+                  <a:pt x="1252070" y="0"/>
+                </a:cubicBezTo>
+                <a:cubicBezTo>
+                  <a:pt x="1943569" y="0"/>
+                  <a:pt x="2504140" y="560571"/>
+                  <a:pt x="2504140" y="1252070"/>
+                </a:cubicBezTo>
+                <a:cubicBezTo>
+                  <a:pt x="2504140" y="1943569"/>
+                  <a:pt x="1943569" y="2504140"/>
+                  <a:pt x="1252070" y="2504140"/>
+                </a:cubicBezTo>
+                <a:cubicBezTo>
+                  <a:pt x="560571" y="2504140"/>
+                  <a:pt x="0" y="1943569"/>
+                  <a:pt x="0" y="1252070"/>
+                </a:cubicBezTo>
+                <a:close/>
+              </a:path>
+            </a:pathLst>
+          </a:custGeom>
+          <a:solidFill>
+            <a:srgbClr val="113F4E"/>
+          </a:solidFill>
+          <a:ln w="3175"/>
+        </p:spPr>
+        <p:style>
+          <a:lnRef idx="2">
+            <a:schemeClr val="lt1">
+              <a:hueOff val="0"/>
+              <a:satOff val="0"/>
+              <a:lumOff val="0"/>
+              <a:alphaOff val="0"/>
+            </a:schemeClr>
+          </a:lnRef>
+          <a:fillRef idx="1">
+            <a:schemeClr val="accent1">
+              <a:alpha val="50000"/>
+              <a:hueOff val="0"/>
+              <a:satOff val="0"/>
+              <a:lumOff val="0"/>
+              <a:alphaOff val="0"/>
+            </a:schemeClr>
+          </a:fillRef>
+          <a:effectRef idx="0">
+            <a:schemeClr val="accent1">
+              <a:alpha val="50000"/>
+              <a:hueOff val="0"/>
+              <a:satOff val="0"/>
+              <a:lumOff val="0"/>
+              <a:alphaOff val="0"/>
+            </a:schemeClr>
+          </a:effectRef>
+          <a:fontRef idx="minor">
+            <a:schemeClr val="tx1"/>
+          </a:fontRef>
+        </p:style>
+        <p:txBody>
+          <a:bodyPr spcFirstLastPara="0" vert="horz" wrap="square" lIns="437843" tIns="437843" rIns="437843" bIns="437843" numCol="1" spcCol="1270" anchor="ctr" anchorCtr="0">
+            <a:noAutofit/>
+          </a:bodyPr>
+          <a:lstStyle/>
+          <a:p>
+            <a:pPr lvl="0" algn="ctr" defTabSz="2489200">
+              <a:lnSpc>
+                <a:spcPct val="90000"/>
+              </a:lnSpc>
+              <a:spcBef>
+                <a:spcPct val="0"/>
+              </a:spcBef>
+              <a:spcAft>
+                <a:spcPct val="35000"/>
+              </a:spcAft>
+            </a:pPr>
+            <a:endParaRPr lang="en-US" sz="5600" kern="1200" dirty="0">
+              <a:latin typeface="微软雅黑" panose="020B0503020204020204" pitchFamily="34" charset="-122"/>
+            </a:endParaRPr>
+          </a:p>
+        </p:txBody>
+      </p:sp>
+      <p:sp>
+        <p:nvSpPr>
+          <p:cNvPr id="11" name="Freeform 9">
+            <a:extLst>
+              <a:ext uri="{FF2B5EF4-FFF2-40B4-BE49-F238E27FC236}">
+                <a16:creationId xmlns:a16="http://schemas.microsoft.com/office/drawing/2014/main" id="{FB1B0017-BE76-47CC-A39E-4327B4DD129C}"/>
+              </a:ext>
+            </a:extLst>
+          </p:cNvPr>
+          <p:cNvSpPr/>
+          <p:nvPr/>
+        </p:nvSpPr>
+        <p:spPr>
+          <a:xfrm>
+            <a:off x="4205755" y="4323653"/>
+            <a:ext cx="1252070" cy="1252070"/>
+          </a:xfrm>
+          <a:custGeom>
+            <a:avLst/>
+            <a:gdLst>
+              <a:gd name="connsiteX0" fmla="*/ 0 w 1252070"/>
+              <a:gd name="connsiteY0" fmla="*/ 626035 h 1252070"/>
+              <a:gd name="connsiteX1" fmla="*/ 626035 w 1252070"/>
+              <a:gd name="connsiteY1" fmla="*/ 0 h 1252070"/>
+              <a:gd name="connsiteX2" fmla="*/ 1252070 w 1252070"/>
+              <a:gd name="connsiteY2" fmla="*/ 626035 h 1252070"/>
+              <a:gd name="connsiteX3" fmla="*/ 626035 w 1252070"/>
+              <a:gd name="connsiteY3" fmla="*/ 1252070 h 1252070"/>
+              <a:gd name="connsiteX4" fmla="*/ 0 w 1252070"/>
+              <a:gd name="connsiteY4" fmla="*/ 626035 h 1252070"/>
+            </a:gdLst>
+            <a:ahLst/>
+            <a:cxnLst>
+              <a:cxn ang="0">
+                <a:pos x="connsiteX0" y="connsiteY0"/>
+              </a:cxn>
+              <a:cxn ang="0">
+                <a:pos x="connsiteX1" y="connsiteY1"/>
+              </a:cxn>
+              <a:cxn ang="0">
+                <a:pos x="connsiteX2" y="connsiteY2"/>
+              </a:cxn>
+              <a:cxn ang="0">
+                <a:pos x="connsiteX3" y="connsiteY3"/>
+              </a:cxn>
+              <a:cxn ang="0">
+                <a:pos x="connsiteX4" y="connsiteY4"/>
+              </a:cxn>
+            </a:cxnLst>
+            <a:rect l="l" t="t" r="r" b="b"/>
+            <a:pathLst>
+              <a:path w="1252070" h="1252070">
+                <a:moveTo>
+                  <a:pt x="0" y="626035"/>
+                </a:moveTo>
+                <a:cubicBezTo>
+                  <a:pt x="0" y="280285"/>
+                  <a:pt x="280285" y="0"/>
+                  <a:pt x="626035" y="0"/>
+                </a:cubicBezTo>
+                <a:cubicBezTo>
+                  <a:pt x="971785" y="0"/>
+                  <a:pt x="1252070" y="280285"/>
+                  <a:pt x="1252070" y="626035"/>
+                </a:cubicBezTo>
+                <a:cubicBezTo>
+                  <a:pt x="1252070" y="971785"/>
+                  <a:pt x="971785" y="1252070"/>
+                  <a:pt x="626035" y="1252070"/>
+                </a:cubicBezTo>
+                <a:cubicBezTo>
+                  <a:pt x="280285" y="1252070"/>
+                  <a:pt x="0" y="971785"/>
+                  <a:pt x="0" y="626035"/>
+                </a:cubicBezTo>
+                <a:close/>
+              </a:path>
+            </a:pathLst>
+          </a:custGeom>
+          <a:solidFill>
+            <a:srgbClr val="113F4E"/>
+          </a:solidFill>
+          <a:ln w="3175"/>
+        </p:spPr>
+        <p:style>
+          <a:lnRef idx="2">
+            <a:schemeClr val="lt1">
+              <a:hueOff val="0"/>
+              <a:satOff val="0"/>
+              <a:lumOff val="0"/>
+              <a:alphaOff val="0"/>
+            </a:schemeClr>
+          </a:lnRef>
+          <a:fillRef idx="1">
+            <a:schemeClr val="accent1">
+              <a:alpha val="50000"/>
+              <a:hueOff val="0"/>
+              <a:satOff val="0"/>
+              <a:lumOff val="0"/>
+              <a:alphaOff val="0"/>
+            </a:schemeClr>
+          </a:fillRef>
+          <a:effectRef idx="0">
+            <a:schemeClr val="accent1">
+              <a:alpha val="50000"/>
+              <a:hueOff val="0"/>
+              <a:satOff val="0"/>
+              <a:lumOff val="0"/>
+              <a:alphaOff val="0"/>
+            </a:schemeClr>
+          </a:effectRef>
+          <a:fontRef idx="minor">
+            <a:schemeClr val="tx1"/>
+          </a:fontRef>
+        </p:style>
+        <p:txBody>
+          <a:bodyPr spcFirstLastPara="0" vert="horz" wrap="square" lIns="218921" tIns="218921" rIns="218921" bIns="218921" numCol="1" spcCol="1270" anchor="ctr" anchorCtr="0">
+            <a:noAutofit/>
+          </a:bodyPr>
+          <a:lstStyle/>
+          <a:p>
+            <a:pPr lvl="0" algn="ctr" defTabSz="1244600">
+              <a:lnSpc>
+                <a:spcPct val="90000"/>
+              </a:lnSpc>
+              <a:spcBef>
+                <a:spcPct val="0"/>
+              </a:spcBef>
+              <a:spcAft>
+                <a:spcPct val="35000"/>
+              </a:spcAft>
+            </a:pPr>
+            <a:r>
+              <a:rPr lang="zh-CN" altLang="en-US" sz="2800" kern="1200" dirty="0">
+                <a:solidFill>
+                  <a:schemeClr val="bg1"/>
+                </a:solidFill>
+                <a:latin typeface="微软雅黑" panose="020B0503020204020204" pitchFamily="34" charset="-122"/>
+              </a:rPr>
+              <a:t>后台</a:t>
+            </a:r>
+            <a:endParaRPr lang="en-US" sz="2800" kern="1200" dirty="0">
+              <a:solidFill>
+                <a:schemeClr val="bg1"/>
+              </a:solidFill>
+              <a:latin typeface="微软雅黑" panose="020B0503020204020204" pitchFamily="34" charset="-122"/>
+            </a:endParaRPr>
+          </a:p>
+        </p:txBody>
+      </p:sp>
+      <p:sp>
+        <p:nvSpPr>
+          <p:cNvPr id="12" name="Freeform 10">
+            <a:extLst>
+              <a:ext uri="{FF2B5EF4-FFF2-40B4-BE49-F238E27FC236}">
+                <a16:creationId xmlns:a16="http://schemas.microsoft.com/office/drawing/2014/main" id="{09B63340-E481-40F9-AFB8-3BEE16CD984F}"/>
+              </a:ext>
+            </a:extLst>
+          </p:cNvPr>
+          <p:cNvSpPr/>
+          <p:nvPr/>
+        </p:nvSpPr>
+        <p:spPr>
+          <a:xfrm>
+            <a:off x="6514348" y="4679927"/>
+            <a:ext cx="1252070" cy="1252070"/>
+          </a:xfrm>
+          <a:custGeom>
+            <a:avLst/>
+            <a:gdLst>
+              <a:gd name="connsiteX0" fmla="*/ 0 w 1252070"/>
+              <a:gd name="connsiteY0" fmla="*/ 626035 h 1252070"/>
+              <a:gd name="connsiteX1" fmla="*/ 626035 w 1252070"/>
+              <a:gd name="connsiteY1" fmla="*/ 0 h 1252070"/>
+              <a:gd name="connsiteX2" fmla="*/ 1252070 w 1252070"/>
+              <a:gd name="connsiteY2" fmla="*/ 626035 h 1252070"/>
+              <a:gd name="connsiteX3" fmla="*/ 626035 w 1252070"/>
+              <a:gd name="connsiteY3" fmla="*/ 1252070 h 1252070"/>
+              <a:gd name="connsiteX4" fmla="*/ 0 w 1252070"/>
+              <a:gd name="connsiteY4" fmla="*/ 626035 h 1252070"/>
+            </a:gdLst>
+            <a:ahLst/>
+            <a:cxnLst>
+              <a:cxn ang="0">
+                <a:pos x="connsiteX0" y="connsiteY0"/>
+              </a:cxn>
+              <a:cxn ang="0">
+                <a:pos x="connsiteX1" y="connsiteY1"/>
+              </a:cxn>
+              <a:cxn ang="0">
+                <a:pos x="connsiteX2" y="connsiteY2"/>
+              </a:cxn>
+              <a:cxn ang="0">
+                <a:pos x="connsiteX3" y="connsiteY3"/>
+              </a:cxn>
+              <a:cxn ang="0">
+                <a:pos x="connsiteX4" y="connsiteY4"/>
+              </a:cxn>
+            </a:cxnLst>
+            <a:rect l="l" t="t" r="r" b="b"/>
+            <a:pathLst>
+              <a:path w="1252070" h="1252070">
+                <a:moveTo>
+                  <a:pt x="0" y="626035"/>
+                </a:moveTo>
+                <a:cubicBezTo>
+                  <a:pt x="0" y="280285"/>
+                  <a:pt x="280285" y="0"/>
+                  <a:pt x="626035" y="0"/>
+                </a:cubicBezTo>
+                <a:cubicBezTo>
+                  <a:pt x="971785" y="0"/>
+                  <a:pt x="1252070" y="280285"/>
+                  <a:pt x="1252070" y="626035"/>
+                </a:cubicBezTo>
+                <a:cubicBezTo>
+                  <a:pt x="1252070" y="971785"/>
+                  <a:pt x="971785" y="1252070"/>
+                  <a:pt x="626035" y="1252070"/>
+                </a:cubicBezTo>
+                <a:cubicBezTo>
+                  <a:pt x="280285" y="1252070"/>
+                  <a:pt x="0" y="971785"/>
+                  <a:pt x="0" y="626035"/>
+                </a:cubicBezTo>
+                <a:close/>
+              </a:path>
+            </a:pathLst>
+          </a:custGeom>
+          <a:solidFill>
+            <a:srgbClr val="55C0AF"/>
+          </a:solidFill>
+          <a:ln w="3175"/>
+        </p:spPr>
+        <p:style>
+          <a:lnRef idx="2">
+            <a:schemeClr val="lt1">
+              <a:hueOff val="0"/>
+              <a:satOff val="0"/>
+              <a:lumOff val="0"/>
+              <a:alphaOff val="0"/>
+            </a:schemeClr>
+          </a:lnRef>
+          <a:fillRef idx="1">
+            <a:schemeClr val="accent1">
+              <a:alpha val="50000"/>
+              <a:hueOff val="0"/>
+              <a:satOff val="0"/>
+              <a:lumOff val="0"/>
+              <a:alphaOff val="0"/>
+            </a:schemeClr>
+          </a:fillRef>
+          <a:effectRef idx="0">
+            <a:schemeClr val="accent1">
+              <a:alpha val="50000"/>
+              <a:hueOff val="0"/>
+              <a:satOff val="0"/>
+              <a:lumOff val="0"/>
+              <a:alphaOff val="0"/>
+            </a:schemeClr>
+          </a:effectRef>
+          <a:fontRef idx="minor">
+            <a:schemeClr val="tx1"/>
+          </a:fontRef>
+        </p:style>
+        <p:txBody>
+          <a:bodyPr spcFirstLastPara="0" vert="horz" wrap="square" lIns="218921" tIns="218921" rIns="218921" bIns="218921" numCol="1" spcCol="1270" anchor="ctr" anchorCtr="0">
+            <a:noAutofit/>
+          </a:bodyPr>
+          <a:lstStyle/>
+          <a:p>
+            <a:pPr lvl="0" algn="ctr" defTabSz="1244600">
+              <a:lnSpc>
+                <a:spcPct val="90000"/>
+              </a:lnSpc>
+              <a:spcBef>
+                <a:spcPct val="0"/>
+              </a:spcBef>
+              <a:spcAft>
+                <a:spcPct val="35000"/>
+              </a:spcAft>
+            </a:pPr>
+            <a:r>
+              <a:rPr lang="zh-CN" altLang="en-US" sz="2800" dirty="0">
+                <a:solidFill>
+                  <a:schemeClr val="bg1"/>
+                </a:solidFill>
+                <a:latin typeface="微软雅黑" panose="020B0503020204020204" pitchFamily="34" charset="-122"/>
+                <a:ea typeface="微软雅黑" panose="020B0503020204020204" pitchFamily="34" charset="-122"/>
+              </a:rPr>
+              <a:t>前端</a:t>
+            </a:r>
+            <a:endParaRPr lang="en-US" altLang="zh-CN" sz="2800" dirty="0">
+              <a:solidFill>
+                <a:schemeClr val="bg1"/>
+              </a:solidFill>
+              <a:latin typeface="微软雅黑" panose="020B0503020204020204" pitchFamily="34" charset="-122"/>
+              <a:ea typeface="微软雅黑" panose="020B0503020204020204" pitchFamily="34" charset="-122"/>
+            </a:endParaRPr>
+          </a:p>
+        </p:txBody>
+      </p:sp>
+      <p:sp>
+        <p:nvSpPr>
+          <p:cNvPr id="13" name="Freeform 11">
+            <a:extLst>
+              <a:ext uri="{FF2B5EF4-FFF2-40B4-BE49-F238E27FC236}">
+                <a16:creationId xmlns:a16="http://schemas.microsoft.com/office/drawing/2014/main" id="{76997770-B17A-4333-BAFC-18A41BE1DD53}"/>
+              </a:ext>
+            </a:extLst>
+          </p:cNvPr>
+          <p:cNvSpPr/>
+          <p:nvPr/>
+        </p:nvSpPr>
+        <p:spPr>
+          <a:xfrm>
+            <a:off x="6716419" y="2409209"/>
+            <a:ext cx="1252070" cy="1252070"/>
+          </a:xfrm>
+          <a:custGeom>
+            <a:avLst/>
+            <a:gdLst>
+              <a:gd name="connsiteX0" fmla="*/ 0 w 1252070"/>
+              <a:gd name="connsiteY0" fmla="*/ 626035 h 1252070"/>
+              <a:gd name="connsiteX1" fmla="*/ 626035 w 1252070"/>
+              <a:gd name="connsiteY1" fmla="*/ 0 h 1252070"/>
+              <a:gd name="connsiteX2" fmla="*/ 1252070 w 1252070"/>
+              <a:gd name="connsiteY2" fmla="*/ 626035 h 1252070"/>
+              <a:gd name="connsiteX3" fmla="*/ 626035 w 1252070"/>
+              <a:gd name="connsiteY3" fmla="*/ 1252070 h 1252070"/>
+              <a:gd name="connsiteX4" fmla="*/ 0 w 1252070"/>
+              <a:gd name="connsiteY4" fmla="*/ 626035 h 1252070"/>
+            </a:gdLst>
+            <a:ahLst/>
+            <a:cxnLst>
+              <a:cxn ang="0">
+                <a:pos x="connsiteX0" y="connsiteY0"/>
+              </a:cxn>
+              <a:cxn ang="0">
+                <a:pos x="connsiteX1" y="connsiteY1"/>
+              </a:cxn>
+              <a:cxn ang="0">
+                <a:pos x="connsiteX2" y="connsiteY2"/>
+              </a:cxn>
+              <a:cxn ang="0">
+                <a:pos x="connsiteX3" y="connsiteY3"/>
+              </a:cxn>
+              <a:cxn ang="0">
+                <a:pos x="connsiteX4" y="connsiteY4"/>
+              </a:cxn>
+            </a:cxnLst>
+            <a:rect l="l" t="t" r="r" b="b"/>
+            <a:pathLst>
+              <a:path w="1252070" h="1252070">
+                <a:moveTo>
+                  <a:pt x="0" y="626035"/>
+                </a:moveTo>
+                <a:cubicBezTo>
+                  <a:pt x="0" y="280285"/>
+                  <a:pt x="280285" y="0"/>
+                  <a:pt x="626035" y="0"/>
+                </a:cubicBezTo>
+                <a:cubicBezTo>
+                  <a:pt x="971785" y="0"/>
+                  <a:pt x="1252070" y="280285"/>
+                  <a:pt x="1252070" y="626035"/>
+                </a:cubicBezTo>
+                <a:cubicBezTo>
+                  <a:pt x="1252070" y="971785"/>
+                  <a:pt x="971785" y="1252070"/>
+                  <a:pt x="626035" y="1252070"/>
+                </a:cubicBezTo>
+                <a:cubicBezTo>
+                  <a:pt x="280285" y="1252070"/>
+                  <a:pt x="0" y="971785"/>
+                  <a:pt x="0" y="626035"/>
+                </a:cubicBezTo>
+                <a:close/>
+              </a:path>
+            </a:pathLst>
+          </a:custGeom>
+          <a:solidFill>
+            <a:srgbClr val="113F4E"/>
+          </a:solidFill>
+          <a:ln w="3175"/>
+        </p:spPr>
+        <p:style>
+          <a:lnRef idx="2">
+            <a:schemeClr val="lt1">
+              <a:hueOff val="0"/>
+              <a:satOff val="0"/>
+              <a:lumOff val="0"/>
+              <a:alphaOff val="0"/>
+            </a:schemeClr>
+          </a:lnRef>
+          <a:fillRef idx="1">
+            <a:schemeClr val="accent1">
+              <a:alpha val="50000"/>
+              <a:hueOff val="0"/>
+              <a:satOff val="0"/>
+              <a:lumOff val="0"/>
+              <a:alphaOff val="0"/>
+            </a:schemeClr>
+          </a:fillRef>
+          <a:effectRef idx="0">
+            <a:schemeClr val="accent1">
+              <a:alpha val="50000"/>
+              <a:hueOff val="0"/>
+              <a:satOff val="0"/>
+              <a:lumOff val="0"/>
+              <a:alphaOff val="0"/>
+            </a:schemeClr>
+          </a:effectRef>
+          <a:fontRef idx="minor">
+            <a:schemeClr val="tx1"/>
+          </a:fontRef>
+        </p:style>
+        <p:txBody>
+          <a:bodyPr spcFirstLastPara="0" vert="horz" wrap="square" lIns="218921" tIns="218921" rIns="218921" bIns="218921" numCol="1" spcCol="1270" anchor="ctr" anchorCtr="0">
+            <a:noAutofit/>
+          </a:bodyPr>
+          <a:lstStyle/>
+          <a:p>
+            <a:pPr lvl="0" algn="ctr" defTabSz="1244600">
+              <a:lnSpc>
+                <a:spcPct val="90000"/>
+              </a:lnSpc>
+              <a:spcBef>
+                <a:spcPct val="0"/>
+              </a:spcBef>
+              <a:spcAft>
+                <a:spcPct val="35000"/>
+              </a:spcAft>
+            </a:pPr>
+            <a:r>
+              <a:rPr lang="zh-CN" altLang="en-US" sz="2800" dirty="0">
+                <a:solidFill>
+                  <a:schemeClr val="bg1"/>
+                </a:solidFill>
+                <a:latin typeface="微软雅黑" panose="020B0503020204020204" pitchFamily="34" charset="-122"/>
+                <a:ea typeface="微软雅黑" panose="020B0503020204020204" pitchFamily="34" charset="-122"/>
+              </a:rPr>
+              <a:t>数据库</a:t>
+            </a:r>
+            <a:endParaRPr lang="en-US" altLang="zh-CN" sz="2800" dirty="0">
+              <a:solidFill>
+                <a:schemeClr val="bg1"/>
+              </a:solidFill>
+              <a:latin typeface="微软雅黑" panose="020B0503020204020204" pitchFamily="34" charset="-122"/>
+              <a:ea typeface="微软雅黑" panose="020B0503020204020204" pitchFamily="34" charset="-122"/>
+            </a:endParaRPr>
+          </a:p>
+        </p:txBody>
+      </p:sp>
+      <p:sp>
+        <p:nvSpPr>
+          <p:cNvPr id="14" name="Freeform 12">
+            <a:extLst>
+              <a:ext uri="{FF2B5EF4-FFF2-40B4-BE49-F238E27FC236}">
+                <a16:creationId xmlns:a16="http://schemas.microsoft.com/office/drawing/2014/main" id="{6DF89304-4D02-43EB-A61B-C5B1C6A370A2}"/>
+              </a:ext>
+            </a:extLst>
+          </p:cNvPr>
+          <p:cNvSpPr/>
+          <p:nvPr/>
+        </p:nvSpPr>
+        <p:spPr>
+          <a:xfrm>
+            <a:off x="4485796" y="2186299"/>
+            <a:ext cx="1252070" cy="1252070"/>
+          </a:xfrm>
+          <a:custGeom>
+            <a:avLst/>
+            <a:gdLst>
+              <a:gd name="connsiteX0" fmla="*/ 0 w 1252070"/>
+              <a:gd name="connsiteY0" fmla="*/ 626035 h 1252070"/>
+              <a:gd name="connsiteX1" fmla="*/ 626035 w 1252070"/>
+              <a:gd name="connsiteY1" fmla="*/ 0 h 1252070"/>
+              <a:gd name="connsiteX2" fmla="*/ 1252070 w 1252070"/>
+              <a:gd name="connsiteY2" fmla="*/ 626035 h 1252070"/>
+              <a:gd name="connsiteX3" fmla="*/ 626035 w 1252070"/>
+              <a:gd name="connsiteY3" fmla="*/ 1252070 h 1252070"/>
+              <a:gd name="connsiteX4" fmla="*/ 0 w 1252070"/>
+              <a:gd name="connsiteY4" fmla="*/ 626035 h 1252070"/>
+            </a:gdLst>
+            <a:ahLst/>
+            <a:cxnLst>
+              <a:cxn ang="0">
+                <a:pos x="connsiteX0" y="connsiteY0"/>
+              </a:cxn>
+              <a:cxn ang="0">
+                <a:pos x="connsiteX1" y="connsiteY1"/>
+              </a:cxn>
+              <a:cxn ang="0">
+                <a:pos x="connsiteX2" y="connsiteY2"/>
+              </a:cxn>
+              <a:cxn ang="0">
+                <a:pos x="connsiteX3" y="connsiteY3"/>
+              </a:cxn>
+              <a:cxn ang="0">
+                <a:pos x="connsiteX4" y="connsiteY4"/>
+              </a:cxn>
+            </a:cxnLst>
+            <a:rect l="l" t="t" r="r" b="b"/>
+            <a:pathLst>
+              <a:path w="1252070" h="1252070">
+                <a:moveTo>
+                  <a:pt x="0" y="626035"/>
+                </a:moveTo>
+                <a:cubicBezTo>
+                  <a:pt x="0" y="280285"/>
+                  <a:pt x="280285" y="0"/>
+                  <a:pt x="626035" y="0"/>
+                </a:cubicBezTo>
+                <a:cubicBezTo>
+                  <a:pt x="971785" y="0"/>
+                  <a:pt x="1252070" y="280285"/>
+                  <a:pt x="1252070" y="626035"/>
+                </a:cubicBezTo>
+                <a:cubicBezTo>
+                  <a:pt x="1252070" y="971785"/>
+                  <a:pt x="971785" y="1252070"/>
+                  <a:pt x="626035" y="1252070"/>
+                </a:cubicBezTo>
+                <a:cubicBezTo>
+                  <a:pt x="280285" y="1252070"/>
+                  <a:pt x="0" y="971785"/>
+                  <a:pt x="0" y="626035"/>
+                </a:cubicBezTo>
+                <a:close/>
+              </a:path>
+            </a:pathLst>
+          </a:custGeom>
+          <a:solidFill>
+            <a:srgbClr val="55C0AF"/>
+          </a:solidFill>
+          <a:ln w="3175"/>
+        </p:spPr>
+        <p:style>
+          <a:lnRef idx="2">
+            <a:schemeClr val="lt1">
+              <a:hueOff val="0"/>
+              <a:satOff val="0"/>
+              <a:lumOff val="0"/>
+              <a:alphaOff val="0"/>
+            </a:schemeClr>
+          </a:lnRef>
+          <a:fillRef idx="1">
+            <a:schemeClr val="accent1">
+              <a:alpha val="50000"/>
+              <a:hueOff val="0"/>
+              <a:satOff val="0"/>
+              <a:lumOff val="0"/>
+              <a:alphaOff val="0"/>
+            </a:schemeClr>
+          </a:fillRef>
+          <a:effectRef idx="0">
+            <a:schemeClr val="accent1">
+              <a:alpha val="50000"/>
+              <a:hueOff val="0"/>
+              <a:satOff val="0"/>
+              <a:lumOff val="0"/>
+              <a:alphaOff val="0"/>
+            </a:schemeClr>
+          </a:effectRef>
+          <a:fontRef idx="minor">
+            <a:schemeClr val="tx1"/>
+          </a:fontRef>
+        </p:style>
+        <p:txBody>
+          <a:bodyPr spcFirstLastPara="0" vert="horz" wrap="square" lIns="218921" tIns="218921" rIns="218921" bIns="218921" numCol="1" spcCol="1270" anchor="ctr" anchorCtr="0">
+            <a:noAutofit/>
+          </a:bodyPr>
+          <a:lstStyle/>
+          <a:p>
+            <a:pPr lvl="0" algn="ctr" defTabSz="1244600">
+              <a:lnSpc>
+                <a:spcPct val="90000"/>
+              </a:lnSpc>
+              <a:spcBef>
+                <a:spcPct val="0"/>
+              </a:spcBef>
+              <a:spcAft>
+                <a:spcPct val="35000"/>
+              </a:spcAft>
+            </a:pPr>
+            <a:r>
+              <a:rPr lang="zh-CN" altLang="en-US" sz="2800" dirty="0">
+                <a:solidFill>
+                  <a:schemeClr val="bg1"/>
+                </a:solidFill>
+                <a:latin typeface="微软雅黑" panose="020B0503020204020204" pitchFamily="34" charset="-122"/>
+                <a:ea typeface="微软雅黑" panose="020B0503020204020204" pitchFamily="34" charset="-122"/>
+              </a:rPr>
+              <a:t>算法</a:t>
+            </a:r>
+            <a:endParaRPr lang="en-US" altLang="zh-CN" sz="2800" dirty="0">
+              <a:solidFill>
+                <a:schemeClr val="bg1"/>
+              </a:solidFill>
+              <a:latin typeface="微软雅黑" panose="020B0503020204020204" pitchFamily="34" charset="-122"/>
+              <a:ea typeface="微软雅黑" panose="020B0503020204020204" pitchFamily="34" charset="-122"/>
+            </a:endParaRPr>
+          </a:p>
+        </p:txBody>
+      </p:sp>
+      <p:sp>
+        <p:nvSpPr>
+          <p:cNvPr id="15" name="TextBox 78">
+            <a:extLst>
+              <a:ext uri="{FF2B5EF4-FFF2-40B4-BE49-F238E27FC236}">
+                <a16:creationId xmlns:a16="http://schemas.microsoft.com/office/drawing/2014/main" id="{DEB16AD7-1B5E-4E1A-91AB-81EA84C8D664}"/>
               </a:ext>
             </a:extLst>
           </p:cNvPr>
@@ -26036,8 +27167,130 @@
         </p:nvSpPr>
         <p:spPr>
           <a:xfrm>
-            <a:off x="2638425" y="1857375"/>
-            <a:ext cx="7496175" cy="369332"/>
+            <a:off x="5111831" y="3742574"/>
+            <a:ext cx="1968335" cy="461665"/>
+          </a:xfrm>
+          <a:prstGeom prst="rect">
+            <a:avLst/>
+          </a:prstGeom>
+          <a:solidFill>
+            <a:srgbClr val="113F4E"/>
+          </a:solidFill>
+          <a:ln w="3175">
+            <a:noFill/>
+          </a:ln>
+        </p:spPr>
+        <p:txBody>
+          <a:bodyPr wrap="square" rtlCol="0">
+            <a:spAutoFit/>
+          </a:bodyPr>
+          <a:lstStyle/>
+          <a:p>
+            <a:pPr algn="ctr"/>
+            <a:r>
+              <a:rPr lang="zh-CN" altLang="en-US" sz="2400" dirty="0">
+                <a:solidFill>
+                  <a:schemeClr val="bg1"/>
+                </a:solidFill>
+                <a:latin typeface="Open Sans" panose="020B0606030504020204" pitchFamily="34" charset="0"/>
+                <a:ea typeface="Open Sans" panose="020B0606030504020204" pitchFamily="34" charset="0"/>
+                <a:cs typeface="Open Sans" panose="020B0606030504020204" pitchFamily="34" charset="0"/>
+              </a:rPr>
+              <a:t>技术结构</a:t>
+            </a:r>
+            <a:endParaRPr lang="en-US" sz="2400" dirty="0">
+              <a:solidFill>
+                <a:schemeClr val="bg1"/>
+              </a:solidFill>
+              <a:latin typeface="Open Sans" panose="020B0606030504020204" pitchFamily="34" charset="0"/>
+              <a:ea typeface="Open Sans" panose="020B0606030504020204" pitchFamily="34" charset="0"/>
+              <a:cs typeface="Open Sans" panose="020B0606030504020204" pitchFamily="34" charset="0"/>
+            </a:endParaRPr>
+          </a:p>
+        </p:txBody>
+      </p:sp>
+      <p:sp>
+        <p:nvSpPr>
+          <p:cNvPr id="16" name="Oval 18">
+            <a:extLst>
+              <a:ext uri="{FF2B5EF4-FFF2-40B4-BE49-F238E27FC236}">
+                <a16:creationId xmlns:a16="http://schemas.microsoft.com/office/drawing/2014/main" id="{2A76F149-961B-42A8-8658-3B2905170E0C}"/>
+              </a:ext>
+            </a:extLst>
+          </p:cNvPr>
+          <p:cNvSpPr/>
+          <p:nvPr/>
+        </p:nvSpPr>
+        <p:spPr>
+          <a:xfrm>
+            <a:off x="941500" y="2747564"/>
+            <a:ext cx="392048" cy="392048"/>
+          </a:xfrm>
+          <a:prstGeom prst="ellipse">
+            <a:avLst/>
+          </a:prstGeom>
+          <a:solidFill>
+            <a:srgbClr val="113F4E"/>
+          </a:solidFill>
+          <a:ln>
+            <a:noFill/>
+          </a:ln>
+        </p:spPr>
+        <p:style>
+          <a:lnRef idx="2">
+            <a:schemeClr val="accent1">
+              <a:shade val="50000"/>
+            </a:schemeClr>
+          </a:lnRef>
+          <a:fillRef idx="1">
+            <a:schemeClr val="accent1"/>
+          </a:fillRef>
+          <a:effectRef idx="0">
+            <a:schemeClr val="accent1"/>
+          </a:effectRef>
+          <a:fontRef idx="minor">
+            <a:schemeClr val="lt1"/>
+          </a:fontRef>
+        </p:style>
+        <p:txBody>
+          <a:bodyPr rtlCol="0" anchor="ctr"/>
+          <a:lstStyle/>
+          <a:p>
+            <a:pPr algn="ctr"/>
+            <a:r>
+              <a:rPr lang="en-US" sz="1400" dirty="0">
+                <a:solidFill>
+                  <a:schemeClr val="bg1"/>
+                </a:solidFill>
+                <a:latin typeface="FontAwesome" pitchFamily="2" charset="0"/>
+              </a:rPr>
+              <a:t>1</a:t>
+            </a:r>
+            <a:endParaRPr lang="en-US" sz="1400" dirty="0">
+              <a:solidFill>
+                <a:schemeClr val="bg1"/>
+              </a:solidFill>
+              <a:latin typeface="微软雅黑" panose="020B0503020204020204" pitchFamily="34" charset="-122"/>
+            </a:endParaRPr>
+          </a:p>
+        </p:txBody>
+      </p:sp>
+      <p:sp>
+        <p:nvSpPr>
+          <p:cNvPr id="17" name="TextBox 80">
+            <a:extLst>
+              <a:ext uri="{FF2B5EF4-FFF2-40B4-BE49-F238E27FC236}">
+                <a16:creationId xmlns:a16="http://schemas.microsoft.com/office/drawing/2014/main" id="{3ED1EBF4-036C-4CDF-9790-0EE77E945BB0}"/>
+              </a:ext>
+            </a:extLst>
+          </p:cNvPr>
+          <p:cNvSpPr txBox="1"/>
+          <p:nvPr/>
+        </p:nvSpPr>
+        <p:spPr>
+          <a:xfrm>
+            <a:off x="1486042" y="2666589"/>
+            <a:ext cx="3031624" cy="954107"/>
           </a:xfrm>
           <a:prstGeom prst="rect">
             <a:avLst/>
@@ -26051,9 +27304,679 @@
           <a:lstStyle/>
           <a:p>
             <a:r>
-              <a:rPr lang="zh-CN" altLang="en-US" dirty="0"/>
-              <a:t>这里放一张整体的架构图，然后强调人工智能应用</a:t>
+              <a:rPr lang="zh-CN" altLang="en-US" sz="1400" dirty="0">
+                <a:solidFill>
+                  <a:schemeClr val="bg1">
+                    <a:lumMod val="50000"/>
+                  </a:schemeClr>
+                </a:solidFill>
+                <a:latin typeface="微软雅黑" panose="020B0503020204020204" pitchFamily="34" charset="-122"/>
+                <a:ea typeface="微软雅黑" panose="020B0503020204020204" pitchFamily="34" charset="-122"/>
+                <a:cs typeface="Lato Regular"/>
+              </a:rPr>
+              <a:t>核心算法</a:t>
             </a:r>
+            <a:endParaRPr lang="en-US" altLang="zh-CN" sz="1400" dirty="0">
+              <a:solidFill>
+                <a:schemeClr val="bg1">
+                  <a:lumMod val="50000"/>
+                </a:schemeClr>
+              </a:solidFill>
+              <a:latin typeface="微软雅黑" panose="020B0503020204020204" pitchFamily="34" charset="-122"/>
+              <a:ea typeface="微软雅黑" panose="020B0503020204020204" pitchFamily="34" charset="-122"/>
+              <a:cs typeface="Lato Regular"/>
+            </a:endParaRPr>
+          </a:p>
+          <a:p>
+            <a:r>
+              <a:rPr lang="en-US" altLang="zh-CN" sz="1400" dirty="0">
+                <a:solidFill>
+                  <a:schemeClr val="bg1">
+                    <a:lumMod val="50000"/>
+                  </a:schemeClr>
+                </a:solidFill>
+                <a:latin typeface="微软雅黑" panose="020B0503020204020204" pitchFamily="34" charset="-122"/>
+                <a:ea typeface="微软雅黑" panose="020B0503020204020204" pitchFamily="34" charset="-122"/>
+                <a:cs typeface="Lato Regular"/>
+              </a:rPr>
+              <a:t>2</a:t>
+            </a:r>
+          </a:p>
+          <a:p>
+            <a:r>
+              <a:rPr lang="en-US" altLang="zh-CN" sz="1400" dirty="0">
+                <a:solidFill>
+                  <a:schemeClr val="bg1">
+                    <a:lumMod val="50000"/>
+                  </a:schemeClr>
+                </a:solidFill>
+                <a:latin typeface="微软雅黑" panose="020B0503020204020204" pitchFamily="34" charset="-122"/>
+                <a:ea typeface="微软雅黑" panose="020B0503020204020204" pitchFamily="34" charset="-122"/>
+                <a:cs typeface="Lato Regular"/>
+              </a:rPr>
+              <a:t>2</a:t>
+            </a:r>
+          </a:p>
+          <a:p>
+            <a:r>
+              <a:rPr lang="en-US" altLang="zh-CN" sz="1400" dirty="0">
+                <a:solidFill>
+                  <a:schemeClr val="bg1">
+                    <a:lumMod val="50000"/>
+                  </a:schemeClr>
+                </a:solidFill>
+                <a:latin typeface="微软雅黑" panose="020B0503020204020204" pitchFamily="34" charset="-122"/>
+                <a:ea typeface="微软雅黑" panose="020B0503020204020204" pitchFamily="34" charset="-122"/>
+                <a:cs typeface="Lato Regular"/>
+              </a:rPr>
+              <a:t>2</a:t>
+            </a:r>
+          </a:p>
+        </p:txBody>
+      </p:sp>
+      <p:sp>
+        <p:nvSpPr>
+          <p:cNvPr id="18" name="Oval 20">
+            <a:extLst>
+              <a:ext uri="{FF2B5EF4-FFF2-40B4-BE49-F238E27FC236}">
+                <a16:creationId xmlns:a16="http://schemas.microsoft.com/office/drawing/2014/main" id="{4F2A0656-BAFB-4C58-A7E8-7C65202A6239}"/>
+              </a:ext>
+            </a:extLst>
+          </p:cNvPr>
+          <p:cNvSpPr/>
+          <p:nvPr/>
+        </p:nvSpPr>
+        <p:spPr>
+          <a:xfrm>
+            <a:off x="941500" y="4719922"/>
+            <a:ext cx="392048" cy="392048"/>
+          </a:xfrm>
+          <a:prstGeom prst="ellipse">
+            <a:avLst/>
+          </a:prstGeom>
+          <a:solidFill>
+            <a:srgbClr val="55C0AF"/>
+          </a:solidFill>
+          <a:ln>
+            <a:noFill/>
+          </a:ln>
+        </p:spPr>
+        <p:style>
+          <a:lnRef idx="2">
+            <a:schemeClr val="accent1">
+              <a:shade val="50000"/>
+            </a:schemeClr>
+          </a:lnRef>
+          <a:fillRef idx="1">
+            <a:schemeClr val="accent1"/>
+          </a:fillRef>
+          <a:effectRef idx="0">
+            <a:schemeClr val="accent1"/>
+          </a:effectRef>
+          <a:fontRef idx="minor">
+            <a:schemeClr val="lt1"/>
+          </a:fontRef>
+        </p:style>
+        <p:txBody>
+          <a:bodyPr rtlCol="0" anchor="ctr"/>
+          <a:lstStyle/>
+          <a:p>
+            <a:pPr algn="ctr"/>
+            <a:r>
+              <a:rPr lang="en-US" sz="1400" dirty="0">
+                <a:solidFill>
+                  <a:schemeClr val="bg1"/>
+                </a:solidFill>
+                <a:latin typeface="FontAwesome" pitchFamily="2" charset="0"/>
+              </a:rPr>
+              <a:t>3</a:t>
+            </a:r>
+            <a:endParaRPr lang="en-US" sz="1400" dirty="0">
+              <a:solidFill>
+                <a:schemeClr val="bg1"/>
+              </a:solidFill>
+              <a:latin typeface="微软雅黑" panose="020B0503020204020204" pitchFamily="34" charset="-122"/>
+            </a:endParaRPr>
+          </a:p>
+        </p:txBody>
+      </p:sp>
+      <p:sp>
+        <p:nvSpPr>
+          <p:cNvPr id="19" name="TextBox 82">
+            <a:extLst>
+              <a:ext uri="{FF2B5EF4-FFF2-40B4-BE49-F238E27FC236}">
+                <a16:creationId xmlns:a16="http://schemas.microsoft.com/office/drawing/2014/main" id="{18EC83D9-38E1-4F9B-B7BC-C02207313E5E}"/>
+              </a:ext>
+            </a:extLst>
+          </p:cNvPr>
+          <p:cNvSpPr txBox="1"/>
+          <p:nvPr/>
+        </p:nvSpPr>
+        <p:spPr>
+          <a:xfrm>
+            <a:off x="1486042" y="4638947"/>
+            <a:ext cx="3031624" cy="954107"/>
+          </a:xfrm>
+          <a:prstGeom prst="rect">
+            <a:avLst/>
+          </a:prstGeom>
+          <a:noFill/>
+        </p:spPr>
+        <p:txBody>
+          <a:bodyPr wrap="square" rtlCol="0">
+            <a:spAutoFit/>
+          </a:bodyPr>
+          <a:lstStyle/>
+          <a:p>
+            <a:r>
+              <a:rPr lang="zh-CN" altLang="en-US" sz="1400" dirty="0">
+                <a:solidFill>
+                  <a:schemeClr val="bg1">
+                    <a:lumMod val="50000"/>
+                  </a:schemeClr>
+                </a:solidFill>
+                <a:latin typeface="微软雅黑" panose="020B0503020204020204" pitchFamily="34" charset="-122"/>
+                <a:ea typeface="微软雅黑" panose="020B0503020204020204" pitchFamily="34" charset="-122"/>
+                <a:cs typeface="Lato Regular"/>
+              </a:rPr>
+              <a:t>点击此处更换文本编辑文字</a:t>
+            </a:r>
+            <a:endParaRPr lang="en-US" altLang="zh-CN" sz="1400" dirty="0">
+              <a:solidFill>
+                <a:schemeClr val="bg1">
+                  <a:lumMod val="50000"/>
+                </a:schemeClr>
+              </a:solidFill>
+              <a:latin typeface="微软雅黑" panose="020B0503020204020204" pitchFamily="34" charset="-122"/>
+              <a:ea typeface="微软雅黑" panose="020B0503020204020204" pitchFamily="34" charset="-122"/>
+              <a:cs typeface="Lato Regular"/>
+            </a:endParaRPr>
+          </a:p>
+          <a:p>
+            <a:r>
+              <a:rPr lang="zh-CN" altLang="en-US" sz="1400" dirty="0">
+                <a:solidFill>
+                  <a:schemeClr val="bg1">
+                    <a:lumMod val="50000"/>
+                  </a:schemeClr>
+                </a:solidFill>
+                <a:latin typeface="微软雅黑" panose="020B0503020204020204" pitchFamily="34" charset="-122"/>
+                <a:ea typeface="微软雅黑" panose="020B0503020204020204" pitchFamily="34" charset="-122"/>
+                <a:cs typeface="Lato Regular"/>
+              </a:rPr>
+              <a:t>点击此处更换文本编辑文字</a:t>
+            </a:r>
+            <a:endParaRPr lang="en-US" altLang="zh-CN" sz="1400" dirty="0">
+              <a:solidFill>
+                <a:schemeClr val="bg1">
+                  <a:lumMod val="50000"/>
+                </a:schemeClr>
+              </a:solidFill>
+              <a:latin typeface="微软雅黑" panose="020B0503020204020204" pitchFamily="34" charset="-122"/>
+              <a:ea typeface="微软雅黑" panose="020B0503020204020204" pitchFamily="34" charset="-122"/>
+              <a:cs typeface="Lato Regular"/>
+            </a:endParaRPr>
+          </a:p>
+          <a:p>
+            <a:r>
+              <a:rPr lang="zh-CN" altLang="en-US" sz="1400" dirty="0">
+                <a:solidFill>
+                  <a:schemeClr val="bg1">
+                    <a:lumMod val="50000"/>
+                  </a:schemeClr>
+                </a:solidFill>
+                <a:latin typeface="微软雅黑" panose="020B0503020204020204" pitchFamily="34" charset="-122"/>
+                <a:ea typeface="微软雅黑" panose="020B0503020204020204" pitchFamily="34" charset="-122"/>
+                <a:cs typeface="Lato Regular"/>
+              </a:rPr>
+              <a:t>点击此处更换文本编辑文字</a:t>
+            </a:r>
+            <a:endParaRPr lang="en-US" altLang="zh-CN" sz="1400" dirty="0">
+              <a:solidFill>
+                <a:schemeClr val="bg1">
+                  <a:lumMod val="50000"/>
+                </a:schemeClr>
+              </a:solidFill>
+              <a:latin typeface="微软雅黑" panose="020B0503020204020204" pitchFamily="34" charset="-122"/>
+              <a:ea typeface="微软雅黑" panose="020B0503020204020204" pitchFamily="34" charset="-122"/>
+              <a:cs typeface="Lato Regular"/>
+            </a:endParaRPr>
+          </a:p>
+          <a:p>
+            <a:r>
+              <a:rPr lang="zh-CN" altLang="en-US" sz="1400" dirty="0">
+                <a:solidFill>
+                  <a:schemeClr val="bg1">
+                    <a:lumMod val="50000"/>
+                  </a:schemeClr>
+                </a:solidFill>
+                <a:latin typeface="微软雅黑" panose="020B0503020204020204" pitchFamily="34" charset="-122"/>
+                <a:ea typeface="微软雅黑" panose="020B0503020204020204" pitchFamily="34" charset="-122"/>
+                <a:cs typeface="Lato Regular"/>
+              </a:rPr>
+              <a:t>点击此处更换文本编辑文字</a:t>
+            </a:r>
+            <a:endParaRPr lang="en-US" altLang="zh-CN" sz="1400" dirty="0">
+              <a:solidFill>
+                <a:schemeClr val="bg1">
+                  <a:lumMod val="50000"/>
+                </a:schemeClr>
+              </a:solidFill>
+              <a:latin typeface="微软雅黑" panose="020B0503020204020204" pitchFamily="34" charset="-122"/>
+              <a:ea typeface="微软雅黑" panose="020B0503020204020204" pitchFamily="34" charset="-122"/>
+              <a:cs typeface="Lato Regular"/>
+            </a:endParaRPr>
+          </a:p>
+        </p:txBody>
+      </p:sp>
+      <p:sp>
+        <p:nvSpPr>
+          <p:cNvPr id="20" name="Oval 22">
+            <a:extLst>
+              <a:ext uri="{FF2B5EF4-FFF2-40B4-BE49-F238E27FC236}">
+                <a16:creationId xmlns:a16="http://schemas.microsoft.com/office/drawing/2014/main" id="{B5AFB4CF-722D-4512-98A0-3FFDBAA527DC}"/>
+              </a:ext>
+            </a:extLst>
+          </p:cNvPr>
+          <p:cNvSpPr/>
+          <p:nvPr/>
+        </p:nvSpPr>
+        <p:spPr>
+          <a:xfrm>
+            <a:off x="10796133" y="2747564"/>
+            <a:ext cx="392048" cy="392048"/>
+          </a:xfrm>
+          <a:prstGeom prst="ellipse">
+            <a:avLst/>
+          </a:prstGeom>
+          <a:solidFill>
+            <a:srgbClr val="55C0AF"/>
+          </a:solidFill>
+          <a:ln>
+            <a:noFill/>
+          </a:ln>
+        </p:spPr>
+        <p:style>
+          <a:lnRef idx="2">
+            <a:schemeClr val="accent1">
+              <a:shade val="50000"/>
+            </a:schemeClr>
+          </a:lnRef>
+          <a:fillRef idx="1">
+            <a:schemeClr val="accent1"/>
+          </a:fillRef>
+          <a:effectRef idx="0">
+            <a:schemeClr val="accent1"/>
+          </a:effectRef>
+          <a:fontRef idx="minor">
+            <a:schemeClr val="lt1"/>
+          </a:fontRef>
+        </p:style>
+        <p:txBody>
+          <a:bodyPr rtlCol="0" anchor="ctr"/>
+          <a:lstStyle/>
+          <a:p>
+            <a:pPr algn="ctr"/>
+            <a:r>
+              <a:rPr lang="en-US" sz="1400" dirty="0">
+                <a:solidFill>
+                  <a:schemeClr val="bg1"/>
+                </a:solidFill>
+                <a:latin typeface="FontAwesome" pitchFamily="2" charset="0"/>
+              </a:rPr>
+              <a:t>2</a:t>
+            </a:r>
+            <a:endParaRPr lang="en-US" sz="1400" dirty="0">
+              <a:solidFill>
+                <a:schemeClr val="bg1"/>
+              </a:solidFill>
+              <a:latin typeface="微软雅黑" panose="020B0503020204020204" pitchFamily="34" charset="-122"/>
+            </a:endParaRPr>
+          </a:p>
+        </p:txBody>
+      </p:sp>
+      <p:sp>
+        <p:nvSpPr>
+          <p:cNvPr id="21" name="TextBox 84">
+            <a:extLst>
+              <a:ext uri="{FF2B5EF4-FFF2-40B4-BE49-F238E27FC236}">
+                <a16:creationId xmlns:a16="http://schemas.microsoft.com/office/drawing/2014/main" id="{DF7CB204-AB7B-4545-A979-6E448440B863}"/>
+              </a:ext>
+            </a:extLst>
+          </p:cNvPr>
+          <p:cNvSpPr txBox="1"/>
+          <p:nvPr/>
+        </p:nvSpPr>
+        <p:spPr>
+          <a:xfrm>
+            <a:off x="7656578" y="4642756"/>
+            <a:ext cx="3031624" cy="738664"/>
+          </a:xfrm>
+          <a:prstGeom prst="rect">
+            <a:avLst/>
+          </a:prstGeom>
+          <a:noFill/>
+        </p:spPr>
+        <p:txBody>
+          <a:bodyPr wrap="square" rtlCol="0">
+            <a:spAutoFit/>
+          </a:bodyPr>
+          <a:lstStyle/>
+          <a:p>
+            <a:pPr algn="r"/>
+            <a:r>
+              <a:rPr lang="en-US" altLang="zh-CN" sz="1400" dirty="0">
+                <a:solidFill>
+                  <a:schemeClr val="bg1">
+                    <a:lumMod val="50000"/>
+                  </a:schemeClr>
+                </a:solidFill>
+                <a:latin typeface="微软雅黑" panose="020B0503020204020204" pitchFamily="34" charset="-122"/>
+                <a:ea typeface="微软雅黑" panose="020B0503020204020204" pitchFamily="34" charset="-122"/>
+                <a:cs typeface="Lato Regular"/>
+              </a:rPr>
+              <a:t>HTML5 ★ BOILERPLATE</a:t>
+            </a:r>
+            <a:r>
+              <a:rPr lang="zh-CN" altLang="en-US" sz="1400" dirty="0">
+                <a:solidFill>
+                  <a:schemeClr val="bg1">
+                    <a:lumMod val="50000"/>
+                  </a:schemeClr>
+                </a:solidFill>
+                <a:latin typeface="微软雅黑" panose="020B0503020204020204" pitchFamily="34" charset="-122"/>
+                <a:ea typeface="微软雅黑" panose="020B0503020204020204" pitchFamily="34" charset="-122"/>
+                <a:cs typeface="Lato Regular"/>
+              </a:rPr>
+              <a:t>模版</a:t>
+            </a:r>
+            <a:endParaRPr lang="en-US" altLang="zh-CN" sz="1400" dirty="0">
+              <a:solidFill>
+                <a:schemeClr val="bg1">
+                  <a:lumMod val="50000"/>
+                </a:schemeClr>
+              </a:solidFill>
+              <a:latin typeface="微软雅黑" panose="020B0503020204020204" pitchFamily="34" charset="-122"/>
+              <a:ea typeface="微软雅黑" panose="020B0503020204020204" pitchFamily="34" charset="-122"/>
+              <a:cs typeface="Lato Regular"/>
+            </a:endParaRPr>
+          </a:p>
+          <a:p>
+            <a:pPr algn="r"/>
+            <a:r>
+              <a:rPr lang="en-US" altLang="zh-CN" sz="1400" dirty="0" err="1">
+                <a:solidFill>
+                  <a:schemeClr val="bg1">
+                    <a:lumMod val="50000"/>
+                  </a:schemeClr>
+                </a:solidFill>
+                <a:latin typeface="微软雅黑" panose="020B0503020204020204" pitchFamily="34" charset="-122"/>
+                <a:ea typeface="微软雅黑" panose="020B0503020204020204" pitchFamily="34" charset="-122"/>
+                <a:cs typeface="Lato Regular"/>
+              </a:rPr>
+              <a:t>jQuery+Bootstrap</a:t>
+            </a:r>
+            <a:r>
+              <a:rPr lang="zh-CN" altLang="en-US" sz="1400" dirty="0">
+                <a:solidFill>
+                  <a:schemeClr val="bg1">
+                    <a:lumMod val="50000"/>
+                  </a:schemeClr>
+                </a:solidFill>
+                <a:latin typeface="微软雅黑" panose="020B0503020204020204" pitchFamily="34" charset="-122"/>
+                <a:ea typeface="微软雅黑" panose="020B0503020204020204" pitchFamily="34" charset="-122"/>
+                <a:cs typeface="Lato Regular"/>
+              </a:rPr>
+              <a:t>开发框架</a:t>
+            </a:r>
+            <a:endParaRPr lang="en-US" altLang="zh-CN" sz="1400" dirty="0">
+              <a:solidFill>
+                <a:schemeClr val="bg1">
+                  <a:lumMod val="50000"/>
+                </a:schemeClr>
+              </a:solidFill>
+              <a:latin typeface="微软雅黑" panose="020B0503020204020204" pitchFamily="34" charset="-122"/>
+              <a:ea typeface="微软雅黑" panose="020B0503020204020204" pitchFamily="34" charset="-122"/>
+              <a:cs typeface="Lato Regular"/>
+            </a:endParaRPr>
+          </a:p>
+          <a:p>
+            <a:pPr algn="r"/>
+            <a:r>
+              <a:rPr lang="en-US" altLang="zh-CN" sz="1400" dirty="0" err="1">
+                <a:solidFill>
+                  <a:schemeClr val="bg1">
+                    <a:lumMod val="50000"/>
+                  </a:schemeClr>
+                </a:solidFill>
+                <a:latin typeface="微软雅黑" panose="020B0503020204020204" pitchFamily="34" charset="-122"/>
+                <a:ea typeface="微软雅黑" panose="020B0503020204020204" pitchFamily="34" charset="-122"/>
+                <a:cs typeface="Lato Regular"/>
+              </a:rPr>
+              <a:t>Echarts</a:t>
+            </a:r>
+            <a:r>
+              <a:rPr lang="zh-CN" altLang="en-US" sz="1400" dirty="0">
+                <a:solidFill>
+                  <a:schemeClr val="bg1">
+                    <a:lumMod val="50000"/>
+                  </a:schemeClr>
+                </a:solidFill>
+                <a:latin typeface="微软雅黑" panose="020B0503020204020204" pitchFamily="34" charset="-122"/>
+                <a:ea typeface="微软雅黑" panose="020B0503020204020204" pitchFamily="34" charset="-122"/>
+                <a:cs typeface="Lato Regular"/>
+              </a:rPr>
+              <a:t>可视化库</a:t>
+            </a:r>
+            <a:endParaRPr lang="en-US" altLang="zh-CN" sz="1400" dirty="0">
+              <a:solidFill>
+                <a:schemeClr val="bg1">
+                  <a:lumMod val="50000"/>
+                </a:schemeClr>
+              </a:solidFill>
+              <a:latin typeface="微软雅黑" panose="020B0503020204020204" pitchFamily="34" charset="-122"/>
+              <a:ea typeface="微软雅黑" panose="020B0503020204020204" pitchFamily="34" charset="-122"/>
+              <a:cs typeface="Lato Regular"/>
+            </a:endParaRPr>
+          </a:p>
+        </p:txBody>
+      </p:sp>
+      <p:sp>
+        <p:nvSpPr>
+          <p:cNvPr id="22" name="Oval 24">
+            <a:extLst>
+              <a:ext uri="{FF2B5EF4-FFF2-40B4-BE49-F238E27FC236}">
+                <a16:creationId xmlns:a16="http://schemas.microsoft.com/office/drawing/2014/main" id="{408F5A3D-A487-4F4A-BDE8-0A2C1F77C2B8}"/>
+              </a:ext>
+            </a:extLst>
+          </p:cNvPr>
+          <p:cNvSpPr/>
+          <p:nvPr/>
+        </p:nvSpPr>
+        <p:spPr>
+          <a:xfrm>
+            <a:off x="10796133" y="4735310"/>
+            <a:ext cx="392048" cy="392048"/>
+          </a:xfrm>
+          <a:prstGeom prst="ellipse">
+            <a:avLst/>
+          </a:prstGeom>
+          <a:solidFill>
+            <a:srgbClr val="113F4E"/>
+          </a:solidFill>
+          <a:ln>
+            <a:noFill/>
+          </a:ln>
+        </p:spPr>
+        <p:style>
+          <a:lnRef idx="2">
+            <a:schemeClr val="accent1">
+              <a:shade val="50000"/>
+            </a:schemeClr>
+          </a:lnRef>
+          <a:fillRef idx="1">
+            <a:schemeClr val="accent1"/>
+          </a:fillRef>
+          <a:effectRef idx="0">
+            <a:schemeClr val="accent1"/>
+          </a:effectRef>
+          <a:fontRef idx="minor">
+            <a:schemeClr val="lt1"/>
+          </a:fontRef>
+        </p:style>
+        <p:txBody>
+          <a:bodyPr rtlCol="0" anchor="ctr"/>
+          <a:lstStyle/>
+          <a:p>
+            <a:pPr algn="ctr"/>
+            <a:r>
+              <a:rPr lang="en-US" sz="1400" dirty="0">
+                <a:solidFill>
+                  <a:schemeClr val="bg1"/>
+                </a:solidFill>
+                <a:latin typeface="FontAwesome" pitchFamily="2" charset="0"/>
+              </a:rPr>
+              <a:t>4</a:t>
+            </a:r>
+            <a:endParaRPr lang="en-US" sz="1400" dirty="0">
+              <a:solidFill>
+                <a:schemeClr val="bg1"/>
+              </a:solidFill>
+              <a:latin typeface="微软雅黑" panose="020B0503020204020204" pitchFamily="34" charset="-122"/>
+            </a:endParaRPr>
+          </a:p>
+        </p:txBody>
+      </p:sp>
+      <p:sp>
+        <p:nvSpPr>
+          <p:cNvPr id="23" name="TextBox 86">
+            <a:extLst>
+              <a:ext uri="{FF2B5EF4-FFF2-40B4-BE49-F238E27FC236}">
+                <a16:creationId xmlns:a16="http://schemas.microsoft.com/office/drawing/2014/main" id="{948E1DE7-6A16-4F44-9132-279EF62FDF51}"/>
+              </a:ext>
+            </a:extLst>
+          </p:cNvPr>
+          <p:cNvSpPr txBox="1"/>
+          <p:nvPr/>
+        </p:nvSpPr>
+        <p:spPr>
+          <a:xfrm>
+            <a:off x="7656578" y="2497312"/>
+            <a:ext cx="3031624" cy="954107"/>
+          </a:xfrm>
+          <a:prstGeom prst="rect">
+            <a:avLst/>
+          </a:prstGeom>
+          <a:noFill/>
+        </p:spPr>
+        <p:txBody>
+          <a:bodyPr wrap="square" rtlCol="0">
+            <a:spAutoFit/>
+          </a:bodyPr>
+          <a:lstStyle/>
+          <a:p>
+            <a:pPr algn="r"/>
+            <a:r>
+              <a:rPr lang="zh-CN" altLang="en-US" sz="1400" dirty="0">
+                <a:solidFill>
+                  <a:schemeClr val="bg1">
+                    <a:lumMod val="50000"/>
+                  </a:schemeClr>
+                </a:solidFill>
+                <a:latin typeface="微软雅黑" panose="020B0503020204020204" pitchFamily="34" charset="-122"/>
+                <a:ea typeface="微软雅黑" panose="020B0503020204020204" pitchFamily="34" charset="-122"/>
+                <a:cs typeface="Lato Regular"/>
+              </a:rPr>
+              <a:t>点击此处更换文本编辑文字</a:t>
+            </a:r>
+            <a:endParaRPr lang="en-US" altLang="zh-CN" sz="1400" dirty="0">
+              <a:solidFill>
+                <a:schemeClr val="bg1">
+                  <a:lumMod val="50000"/>
+                </a:schemeClr>
+              </a:solidFill>
+              <a:latin typeface="微软雅黑" panose="020B0503020204020204" pitchFamily="34" charset="-122"/>
+              <a:ea typeface="微软雅黑" panose="020B0503020204020204" pitchFamily="34" charset="-122"/>
+              <a:cs typeface="Lato Regular"/>
+            </a:endParaRPr>
+          </a:p>
+          <a:p>
+            <a:pPr algn="r"/>
+            <a:r>
+              <a:rPr lang="zh-CN" altLang="en-US" sz="1400" dirty="0">
+                <a:solidFill>
+                  <a:schemeClr val="bg1">
+                    <a:lumMod val="50000"/>
+                  </a:schemeClr>
+                </a:solidFill>
+                <a:latin typeface="微软雅黑" panose="020B0503020204020204" pitchFamily="34" charset="-122"/>
+                <a:ea typeface="微软雅黑" panose="020B0503020204020204" pitchFamily="34" charset="-122"/>
+                <a:cs typeface="Lato Regular"/>
+              </a:rPr>
+              <a:t>点击此处更换文本编辑文字</a:t>
+            </a:r>
+            <a:endParaRPr lang="en-US" altLang="zh-CN" sz="1400" dirty="0">
+              <a:solidFill>
+                <a:schemeClr val="bg1">
+                  <a:lumMod val="50000"/>
+                </a:schemeClr>
+              </a:solidFill>
+              <a:latin typeface="微软雅黑" panose="020B0503020204020204" pitchFamily="34" charset="-122"/>
+              <a:ea typeface="微软雅黑" panose="020B0503020204020204" pitchFamily="34" charset="-122"/>
+              <a:cs typeface="Lato Regular"/>
+            </a:endParaRPr>
+          </a:p>
+          <a:p>
+            <a:pPr algn="r"/>
+            <a:r>
+              <a:rPr lang="zh-CN" altLang="en-US" sz="1400" dirty="0">
+                <a:solidFill>
+                  <a:schemeClr val="bg1">
+                    <a:lumMod val="50000"/>
+                  </a:schemeClr>
+                </a:solidFill>
+                <a:latin typeface="微软雅黑" panose="020B0503020204020204" pitchFamily="34" charset="-122"/>
+                <a:ea typeface="微软雅黑" panose="020B0503020204020204" pitchFamily="34" charset="-122"/>
+                <a:cs typeface="Lato Regular"/>
+              </a:rPr>
+              <a:t>点击此处更换文本编辑文字</a:t>
+            </a:r>
+            <a:endParaRPr lang="en-US" altLang="zh-CN" sz="1400" dirty="0">
+              <a:solidFill>
+                <a:schemeClr val="bg1">
+                  <a:lumMod val="50000"/>
+                </a:schemeClr>
+              </a:solidFill>
+              <a:latin typeface="微软雅黑" panose="020B0503020204020204" pitchFamily="34" charset="-122"/>
+              <a:ea typeface="微软雅黑" panose="020B0503020204020204" pitchFamily="34" charset="-122"/>
+              <a:cs typeface="Lato Regular"/>
+            </a:endParaRPr>
+          </a:p>
+          <a:p>
+            <a:pPr algn="r"/>
+            <a:r>
+              <a:rPr lang="zh-CN" altLang="en-US" sz="1400" dirty="0">
+                <a:solidFill>
+                  <a:schemeClr val="bg1">
+                    <a:lumMod val="50000"/>
+                  </a:schemeClr>
+                </a:solidFill>
+                <a:latin typeface="微软雅黑" panose="020B0503020204020204" pitchFamily="34" charset="-122"/>
+                <a:ea typeface="微软雅黑" panose="020B0503020204020204" pitchFamily="34" charset="-122"/>
+                <a:cs typeface="Lato Regular"/>
+              </a:rPr>
+              <a:t>点击此处更换文本编辑文字</a:t>
+            </a:r>
+            <a:endParaRPr lang="en-US" altLang="zh-CN" sz="1400" dirty="0">
+              <a:solidFill>
+                <a:schemeClr val="bg1">
+                  <a:lumMod val="50000"/>
+                </a:schemeClr>
+              </a:solidFill>
+              <a:latin typeface="微软雅黑" panose="020B0503020204020204" pitchFamily="34" charset="-122"/>
+              <a:ea typeface="微软雅黑" panose="020B0503020204020204" pitchFamily="34" charset="-122"/>
+              <a:cs typeface="Lato Regular"/>
+            </a:endParaRPr>
           </a:p>
         </p:txBody>
       </p:sp>
@@ -26169,6 +28092,1266 @@
                             </p:childTnLst>
                           </p:cTn>
                         </p:par>
+                        <p:par>
+                          <p:cTn id="9" fill="hold">
+                            <p:stCondLst>
+                              <p:cond delay="500"/>
+                            </p:stCondLst>
+                            <p:childTnLst>
+                              <p:par>
+                                <p:cTn id="10" presetID="42" presetClass="entr" presetSubtype="0" fill="hold" grpId="0" nodeType="afterEffect">
+                                  <p:stCondLst>
+                                    <p:cond delay="0"/>
+                                  </p:stCondLst>
+                                  <p:childTnLst>
+                                    <p:set>
+                                      <p:cBhvr>
+                                        <p:cTn id="11" dur="1" fill="hold">
+                                          <p:stCondLst>
+                                            <p:cond delay="0"/>
+                                          </p:stCondLst>
+                                        </p:cTn>
+                                        <p:tgtEl>
+                                          <p:spTgt spid="10"/>
+                                        </p:tgtEl>
+                                        <p:attrNameLst>
+                                          <p:attrName>style.visibility</p:attrName>
+                                        </p:attrNameLst>
+                                      </p:cBhvr>
+                                      <p:to>
+                                        <p:strVal val="visible"/>
+                                      </p:to>
+                                    </p:set>
+                                    <p:animEffect transition="in" filter="fade">
+                                      <p:cBhvr>
+                                        <p:cTn id="12" dur="250"/>
+                                        <p:tgtEl>
+                                          <p:spTgt spid="10"/>
+                                        </p:tgtEl>
+                                      </p:cBhvr>
+                                    </p:animEffect>
+                                    <p:anim calcmode="lin" valueType="num">
+                                      <p:cBhvr>
+                                        <p:cTn id="13" dur="250" fill="hold"/>
+                                        <p:tgtEl>
+                                          <p:spTgt spid="10"/>
+                                        </p:tgtEl>
+                                        <p:attrNameLst>
+                                          <p:attrName>ppt_x</p:attrName>
+                                        </p:attrNameLst>
+                                      </p:cBhvr>
+                                      <p:tavLst>
+                                        <p:tav tm="0">
+                                          <p:val>
+                                            <p:strVal val="#ppt_x"/>
+                                          </p:val>
+                                        </p:tav>
+                                        <p:tav tm="100000">
+                                          <p:val>
+                                            <p:strVal val="#ppt_x"/>
+                                          </p:val>
+                                        </p:tav>
+                                      </p:tavLst>
+                                    </p:anim>
+                                    <p:anim calcmode="lin" valueType="num">
+                                      <p:cBhvr>
+                                        <p:cTn id="14" dur="250" fill="hold"/>
+                                        <p:tgtEl>
+                                          <p:spTgt spid="10"/>
+                                        </p:tgtEl>
+                                        <p:attrNameLst>
+                                          <p:attrName>ppt_y</p:attrName>
+                                        </p:attrNameLst>
+                                      </p:cBhvr>
+                                      <p:tavLst>
+                                        <p:tav tm="0">
+                                          <p:val>
+                                            <p:strVal val="#ppt_y+.1"/>
+                                          </p:val>
+                                        </p:tav>
+                                        <p:tav tm="100000">
+                                          <p:val>
+                                            <p:strVal val="#ppt_y"/>
+                                          </p:val>
+                                        </p:tav>
+                                      </p:tavLst>
+                                    </p:anim>
+                                  </p:childTnLst>
+                                </p:cTn>
+                              </p:par>
+                            </p:childTnLst>
+                          </p:cTn>
+                        </p:par>
+                        <p:par>
+                          <p:cTn id="15" fill="hold">
+                            <p:stCondLst>
+                              <p:cond delay="750"/>
+                            </p:stCondLst>
+                            <p:childTnLst>
+                              <p:par>
+                                <p:cTn id="16" presetID="42" presetClass="entr" presetSubtype="0" fill="hold" grpId="0" nodeType="afterEffect">
+                                  <p:stCondLst>
+                                    <p:cond delay="0"/>
+                                  </p:stCondLst>
+                                  <p:childTnLst>
+                                    <p:set>
+                                      <p:cBhvr>
+                                        <p:cTn id="17" dur="1" fill="hold">
+                                          <p:stCondLst>
+                                            <p:cond delay="0"/>
+                                          </p:stCondLst>
+                                        </p:cTn>
+                                        <p:tgtEl>
+                                          <p:spTgt spid="11"/>
+                                        </p:tgtEl>
+                                        <p:attrNameLst>
+                                          <p:attrName>style.visibility</p:attrName>
+                                        </p:attrNameLst>
+                                      </p:cBhvr>
+                                      <p:to>
+                                        <p:strVal val="visible"/>
+                                      </p:to>
+                                    </p:set>
+                                    <p:animEffect transition="in" filter="fade">
+                                      <p:cBhvr>
+                                        <p:cTn id="18" dur="250"/>
+                                        <p:tgtEl>
+                                          <p:spTgt spid="11"/>
+                                        </p:tgtEl>
+                                      </p:cBhvr>
+                                    </p:animEffect>
+                                    <p:anim calcmode="lin" valueType="num">
+                                      <p:cBhvr>
+                                        <p:cTn id="19" dur="250" fill="hold"/>
+                                        <p:tgtEl>
+                                          <p:spTgt spid="11"/>
+                                        </p:tgtEl>
+                                        <p:attrNameLst>
+                                          <p:attrName>ppt_x</p:attrName>
+                                        </p:attrNameLst>
+                                      </p:cBhvr>
+                                      <p:tavLst>
+                                        <p:tav tm="0">
+                                          <p:val>
+                                            <p:strVal val="#ppt_x"/>
+                                          </p:val>
+                                        </p:tav>
+                                        <p:tav tm="100000">
+                                          <p:val>
+                                            <p:strVal val="#ppt_x"/>
+                                          </p:val>
+                                        </p:tav>
+                                      </p:tavLst>
+                                    </p:anim>
+                                    <p:anim calcmode="lin" valueType="num">
+                                      <p:cBhvr>
+                                        <p:cTn id="20" dur="250" fill="hold"/>
+                                        <p:tgtEl>
+                                          <p:spTgt spid="11"/>
+                                        </p:tgtEl>
+                                        <p:attrNameLst>
+                                          <p:attrName>ppt_y</p:attrName>
+                                        </p:attrNameLst>
+                                      </p:cBhvr>
+                                      <p:tavLst>
+                                        <p:tav tm="0">
+                                          <p:val>
+                                            <p:strVal val="#ppt_y+.1"/>
+                                          </p:val>
+                                        </p:tav>
+                                        <p:tav tm="100000">
+                                          <p:val>
+                                            <p:strVal val="#ppt_y"/>
+                                          </p:val>
+                                        </p:tav>
+                                      </p:tavLst>
+                                    </p:anim>
+                                  </p:childTnLst>
+                                </p:cTn>
+                              </p:par>
+                            </p:childTnLst>
+                          </p:cTn>
+                        </p:par>
+                        <p:par>
+                          <p:cTn id="21" fill="hold">
+                            <p:stCondLst>
+                              <p:cond delay="1000"/>
+                            </p:stCondLst>
+                            <p:childTnLst>
+                              <p:par>
+                                <p:cTn id="22" presetID="42" presetClass="entr" presetSubtype="0" fill="hold" grpId="0" nodeType="afterEffect">
+                                  <p:stCondLst>
+                                    <p:cond delay="0"/>
+                                  </p:stCondLst>
+                                  <p:childTnLst>
+                                    <p:set>
+                                      <p:cBhvr>
+                                        <p:cTn id="23" dur="1" fill="hold">
+                                          <p:stCondLst>
+                                            <p:cond delay="0"/>
+                                          </p:stCondLst>
+                                        </p:cTn>
+                                        <p:tgtEl>
+                                          <p:spTgt spid="12"/>
+                                        </p:tgtEl>
+                                        <p:attrNameLst>
+                                          <p:attrName>style.visibility</p:attrName>
+                                        </p:attrNameLst>
+                                      </p:cBhvr>
+                                      <p:to>
+                                        <p:strVal val="visible"/>
+                                      </p:to>
+                                    </p:set>
+                                    <p:animEffect transition="in" filter="fade">
+                                      <p:cBhvr>
+                                        <p:cTn id="24" dur="250"/>
+                                        <p:tgtEl>
+                                          <p:spTgt spid="12"/>
+                                        </p:tgtEl>
+                                      </p:cBhvr>
+                                    </p:animEffect>
+                                    <p:anim calcmode="lin" valueType="num">
+                                      <p:cBhvr>
+                                        <p:cTn id="25" dur="250" fill="hold"/>
+                                        <p:tgtEl>
+                                          <p:spTgt spid="12"/>
+                                        </p:tgtEl>
+                                        <p:attrNameLst>
+                                          <p:attrName>ppt_x</p:attrName>
+                                        </p:attrNameLst>
+                                      </p:cBhvr>
+                                      <p:tavLst>
+                                        <p:tav tm="0">
+                                          <p:val>
+                                            <p:strVal val="#ppt_x"/>
+                                          </p:val>
+                                        </p:tav>
+                                        <p:tav tm="100000">
+                                          <p:val>
+                                            <p:strVal val="#ppt_x"/>
+                                          </p:val>
+                                        </p:tav>
+                                      </p:tavLst>
+                                    </p:anim>
+                                    <p:anim calcmode="lin" valueType="num">
+                                      <p:cBhvr>
+                                        <p:cTn id="26" dur="250" fill="hold"/>
+                                        <p:tgtEl>
+                                          <p:spTgt spid="12"/>
+                                        </p:tgtEl>
+                                        <p:attrNameLst>
+                                          <p:attrName>ppt_y</p:attrName>
+                                        </p:attrNameLst>
+                                      </p:cBhvr>
+                                      <p:tavLst>
+                                        <p:tav tm="0">
+                                          <p:val>
+                                            <p:strVal val="#ppt_y+.1"/>
+                                          </p:val>
+                                        </p:tav>
+                                        <p:tav tm="100000">
+                                          <p:val>
+                                            <p:strVal val="#ppt_y"/>
+                                          </p:val>
+                                        </p:tav>
+                                      </p:tavLst>
+                                    </p:anim>
+                                  </p:childTnLst>
+                                </p:cTn>
+                              </p:par>
+                            </p:childTnLst>
+                          </p:cTn>
+                        </p:par>
+                        <p:par>
+                          <p:cTn id="27" fill="hold">
+                            <p:stCondLst>
+                              <p:cond delay="1250"/>
+                            </p:stCondLst>
+                            <p:childTnLst>
+                              <p:par>
+                                <p:cTn id="28" presetID="42" presetClass="entr" presetSubtype="0" fill="hold" grpId="0" nodeType="afterEffect">
+                                  <p:stCondLst>
+                                    <p:cond delay="0"/>
+                                  </p:stCondLst>
+                                  <p:childTnLst>
+                                    <p:set>
+                                      <p:cBhvr>
+                                        <p:cTn id="29" dur="1" fill="hold">
+                                          <p:stCondLst>
+                                            <p:cond delay="0"/>
+                                          </p:stCondLst>
+                                        </p:cTn>
+                                        <p:tgtEl>
+                                          <p:spTgt spid="13"/>
+                                        </p:tgtEl>
+                                        <p:attrNameLst>
+                                          <p:attrName>style.visibility</p:attrName>
+                                        </p:attrNameLst>
+                                      </p:cBhvr>
+                                      <p:to>
+                                        <p:strVal val="visible"/>
+                                      </p:to>
+                                    </p:set>
+                                    <p:animEffect transition="in" filter="fade">
+                                      <p:cBhvr>
+                                        <p:cTn id="30" dur="250"/>
+                                        <p:tgtEl>
+                                          <p:spTgt spid="13"/>
+                                        </p:tgtEl>
+                                      </p:cBhvr>
+                                    </p:animEffect>
+                                    <p:anim calcmode="lin" valueType="num">
+                                      <p:cBhvr>
+                                        <p:cTn id="31" dur="250" fill="hold"/>
+                                        <p:tgtEl>
+                                          <p:spTgt spid="13"/>
+                                        </p:tgtEl>
+                                        <p:attrNameLst>
+                                          <p:attrName>ppt_x</p:attrName>
+                                        </p:attrNameLst>
+                                      </p:cBhvr>
+                                      <p:tavLst>
+                                        <p:tav tm="0">
+                                          <p:val>
+                                            <p:strVal val="#ppt_x"/>
+                                          </p:val>
+                                        </p:tav>
+                                        <p:tav tm="100000">
+                                          <p:val>
+                                            <p:strVal val="#ppt_x"/>
+                                          </p:val>
+                                        </p:tav>
+                                      </p:tavLst>
+                                    </p:anim>
+                                    <p:anim calcmode="lin" valueType="num">
+                                      <p:cBhvr>
+                                        <p:cTn id="32" dur="250" fill="hold"/>
+                                        <p:tgtEl>
+                                          <p:spTgt spid="13"/>
+                                        </p:tgtEl>
+                                        <p:attrNameLst>
+                                          <p:attrName>ppt_y</p:attrName>
+                                        </p:attrNameLst>
+                                      </p:cBhvr>
+                                      <p:tavLst>
+                                        <p:tav tm="0">
+                                          <p:val>
+                                            <p:strVal val="#ppt_y+.1"/>
+                                          </p:val>
+                                        </p:tav>
+                                        <p:tav tm="100000">
+                                          <p:val>
+                                            <p:strVal val="#ppt_y"/>
+                                          </p:val>
+                                        </p:tav>
+                                      </p:tavLst>
+                                    </p:anim>
+                                  </p:childTnLst>
+                                </p:cTn>
+                              </p:par>
+                            </p:childTnLst>
+                          </p:cTn>
+                        </p:par>
+                        <p:par>
+                          <p:cTn id="33" fill="hold">
+                            <p:stCondLst>
+                              <p:cond delay="1500"/>
+                            </p:stCondLst>
+                            <p:childTnLst>
+                              <p:par>
+                                <p:cTn id="34" presetID="42" presetClass="entr" presetSubtype="0" fill="hold" grpId="0" nodeType="afterEffect">
+                                  <p:stCondLst>
+                                    <p:cond delay="0"/>
+                                  </p:stCondLst>
+                                  <p:childTnLst>
+                                    <p:set>
+                                      <p:cBhvr>
+                                        <p:cTn id="35" dur="1" fill="hold">
+                                          <p:stCondLst>
+                                            <p:cond delay="0"/>
+                                          </p:stCondLst>
+                                        </p:cTn>
+                                        <p:tgtEl>
+                                          <p:spTgt spid="14"/>
+                                        </p:tgtEl>
+                                        <p:attrNameLst>
+                                          <p:attrName>style.visibility</p:attrName>
+                                        </p:attrNameLst>
+                                      </p:cBhvr>
+                                      <p:to>
+                                        <p:strVal val="visible"/>
+                                      </p:to>
+                                    </p:set>
+                                    <p:animEffect transition="in" filter="fade">
+                                      <p:cBhvr>
+                                        <p:cTn id="36" dur="250"/>
+                                        <p:tgtEl>
+                                          <p:spTgt spid="14"/>
+                                        </p:tgtEl>
+                                      </p:cBhvr>
+                                    </p:animEffect>
+                                    <p:anim calcmode="lin" valueType="num">
+                                      <p:cBhvr>
+                                        <p:cTn id="37" dur="250" fill="hold"/>
+                                        <p:tgtEl>
+                                          <p:spTgt spid="14"/>
+                                        </p:tgtEl>
+                                        <p:attrNameLst>
+                                          <p:attrName>ppt_x</p:attrName>
+                                        </p:attrNameLst>
+                                      </p:cBhvr>
+                                      <p:tavLst>
+                                        <p:tav tm="0">
+                                          <p:val>
+                                            <p:strVal val="#ppt_x"/>
+                                          </p:val>
+                                        </p:tav>
+                                        <p:tav tm="100000">
+                                          <p:val>
+                                            <p:strVal val="#ppt_x"/>
+                                          </p:val>
+                                        </p:tav>
+                                      </p:tavLst>
+                                    </p:anim>
+                                    <p:anim calcmode="lin" valueType="num">
+                                      <p:cBhvr>
+                                        <p:cTn id="38" dur="250" fill="hold"/>
+                                        <p:tgtEl>
+                                          <p:spTgt spid="14"/>
+                                        </p:tgtEl>
+                                        <p:attrNameLst>
+                                          <p:attrName>ppt_y</p:attrName>
+                                        </p:attrNameLst>
+                                      </p:cBhvr>
+                                      <p:tavLst>
+                                        <p:tav tm="0">
+                                          <p:val>
+                                            <p:strVal val="#ppt_y+.1"/>
+                                          </p:val>
+                                        </p:tav>
+                                        <p:tav tm="100000">
+                                          <p:val>
+                                            <p:strVal val="#ppt_y"/>
+                                          </p:val>
+                                        </p:tav>
+                                      </p:tavLst>
+                                    </p:anim>
+                                  </p:childTnLst>
+                                </p:cTn>
+                              </p:par>
+                            </p:childTnLst>
+                          </p:cTn>
+                        </p:par>
+                        <p:par>
+                          <p:cTn id="39" fill="hold">
+                            <p:stCondLst>
+                              <p:cond delay="1750"/>
+                            </p:stCondLst>
+                            <p:childTnLst>
+                              <p:par>
+                                <p:cTn id="40" presetID="42" presetClass="entr" presetSubtype="0" fill="hold" grpId="0" nodeType="afterEffect">
+                                  <p:stCondLst>
+                                    <p:cond delay="0"/>
+                                  </p:stCondLst>
+                                  <p:childTnLst>
+                                    <p:set>
+                                      <p:cBhvr>
+                                        <p:cTn id="41" dur="1" fill="hold">
+                                          <p:stCondLst>
+                                            <p:cond delay="0"/>
+                                          </p:stCondLst>
+                                        </p:cTn>
+                                        <p:tgtEl>
+                                          <p:spTgt spid="15"/>
+                                        </p:tgtEl>
+                                        <p:attrNameLst>
+                                          <p:attrName>style.visibility</p:attrName>
+                                        </p:attrNameLst>
+                                      </p:cBhvr>
+                                      <p:to>
+                                        <p:strVal val="visible"/>
+                                      </p:to>
+                                    </p:set>
+                                    <p:animEffect transition="in" filter="fade">
+                                      <p:cBhvr>
+                                        <p:cTn id="42" dur="250"/>
+                                        <p:tgtEl>
+                                          <p:spTgt spid="15"/>
+                                        </p:tgtEl>
+                                      </p:cBhvr>
+                                    </p:animEffect>
+                                    <p:anim calcmode="lin" valueType="num">
+                                      <p:cBhvr>
+                                        <p:cTn id="43" dur="250" fill="hold"/>
+                                        <p:tgtEl>
+                                          <p:spTgt spid="15"/>
+                                        </p:tgtEl>
+                                        <p:attrNameLst>
+                                          <p:attrName>ppt_x</p:attrName>
+                                        </p:attrNameLst>
+                                      </p:cBhvr>
+                                      <p:tavLst>
+                                        <p:tav tm="0">
+                                          <p:val>
+                                            <p:strVal val="#ppt_x"/>
+                                          </p:val>
+                                        </p:tav>
+                                        <p:tav tm="100000">
+                                          <p:val>
+                                            <p:strVal val="#ppt_x"/>
+                                          </p:val>
+                                        </p:tav>
+                                      </p:tavLst>
+                                    </p:anim>
+                                    <p:anim calcmode="lin" valueType="num">
+                                      <p:cBhvr>
+                                        <p:cTn id="44" dur="250" fill="hold"/>
+                                        <p:tgtEl>
+                                          <p:spTgt spid="15"/>
+                                        </p:tgtEl>
+                                        <p:attrNameLst>
+                                          <p:attrName>ppt_y</p:attrName>
+                                        </p:attrNameLst>
+                                      </p:cBhvr>
+                                      <p:tavLst>
+                                        <p:tav tm="0">
+                                          <p:val>
+                                            <p:strVal val="#ppt_y+.1"/>
+                                          </p:val>
+                                        </p:tav>
+                                        <p:tav tm="100000">
+                                          <p:val>
+                                            <p:strVal val="#ppt_y"/>
+                                          </p:val>
+                                        </p:tav>
+                                      </p:tavLst>
+                                    </p:anim>
+                                  </p:childTnLst>
+                                </p:cTn>
+                              </p:par>
+                            </p:childTnLst>
+                          </p:cTn>
+                        </p:par>
+                        <p:par>
+                          <p:cTn id="45" fill="hold">
+                            <p:stCondLst>
+                              <p:cond delay="2000"/>
+                            </p:stCondLst>
+                            <p:childTnLst>
+                              <p:par>
+                                <p:cTn id="46" presetID="42" presetClass="entr" presetSubtype="0" fill="hold" grpId="0" nodeType="afterEffect">
+                                  <p:stCondLst>
+                                    <p:cond delay="0"/>
+                                  </p:stCondLst>
+                                  <p:childTnLst>
+                                    <p:set>
+                                      <p:cBhvr>
+                                        <p:cTn id="47" dur="1" fill="hold">
+                                          <p:stCondLst>
+                                            <p:cond delay="0"/>
+                                          </p:stCondLst>
+                                        </p:cTn>
+                                        <p:tgtEl>
+                                          <p:spTgt spid="16"/>
+                                        </p:tgtEl>
+                                        <p:attrNameLst>
+                                          <p:attrName>style.visibility</p:attrName>
+                                        </p:attrNameLst>
+                                      </p:cBhvr>
+                                      <p:to>
+                                        <p:strVal val="visible"/>
+                                      </p:to>
+                                    </p:set>
+                                    <p:animEffect transition="in" filter="fade">
+                                      <p:cBhvr>
+                                        <p:cTn id="48" dur="250"/>
+                                        <p:tgtEl>
+                                          <p:spTgt spid="16"/>
+                                        </p:tgtEl>
+                                      </p:cBhvr>
+                                    </p:animEffect>
+                                    <p:anim calcmode="lin" valueType="num">
+                                      <p:cBhvr>
+                                        <p:cTn id="49" dur="250" fill="hold"/>
+                                        <p:tgtEl>
+                                          <p:spTgt spid="16"/>
+                                        </p:tgtEl>
+                                        <p:attrNameLst>
+                                          <p:attrName>ppt_x</p:attrName>
+                                        </p:attrNameLst>
+                                      </p:cBhvr>
+                                      <p:tavLst>
+                                        <p:tav tm="0">
+                                          <p:val>
+                                            <p:strVal val="#ppt_x"/>
+                                          </p:val>
+                                        </p:tav>
+                                        <p:tav tm="100000">
+                                          <p:val>
+                                            <p:strVal val="#ppt_x"/>
+                                          </p:val>
+                                        </p:tav>
+                                      </p:tavLst>
+                                    </p:anim>
+                                    <p:anim calcmode="lin" valueType="num">
+                                      <p:cBhvr>
+                                        <p:cTn id="50" dur="250" fill="hold"/>
+                                        <p:tgtEl>
+                                          <p:spTgt spid="16"/>
+                                        </p:tgtEl>
+                                        <p:attrNameLst>
+                                          <p:attrName>ppt_y</p:attrName>
+                                        </p:attrNameLst>
+                                      </p:cBhvr>
+                                      <p:tavLst>
+                                        <p:tav tm="0">
+                                          <p:val>
+                                            <p:strVal val="#ppt_y+.1"/>
+                                          </p:val>
+                                        </p:tav>
+                                        <p:tav tm="100000">
+                                          <p:val>
+                                            <p:strVal val="#ppt_y"/>
+                                          </p:val>
+                                        </p:tav>
+                                      </p:tavLst>
+                                    </p:anim>
+                                  </p:childTnLst>
+                                </p:cTn>
+                              </p:par>
+                            </p:childTnLst>
+                          </p:cTn>
+                        </p:par>
+                        <p:par>
+                          <p:cTn id="51" fill="hold">
+                            <p:stCondLst>
+                              <p:cond delay="2250"/>
+                            </p:stCondLst>
+                            <p:childTnLst>
+                              <p:par>
+                                <p:cTn id="52" presetID="42" presetClass="entr" presetSubtype="0" fill="hold" grpId="0" nodeType="afterEffect">
+                                  <p:stCondLst>
+                                    <p:cond delay="0"/>
+                                  </p:stCondLst>
+                                  <p:childTnLst>
+                                    <p:set>
+                                      <p:cBhvr>
+                                        <p:cTn id="53" dur="1" fill="hold">
+                                          <p:stCondLst>
+                                            <p:cond delay="0"/>
+                                          </p:stCondLst>
+                                        </p:cTn>
+                                        <p:tgtEl>
+                                          <p:spTgt spid="17"/>
+                                        </p:tgtEl>
+                                        <p:attrNameLst>
+                                          <p:attrName>style.visibility</p:attrName>
+                                        </p:attrNameLst>
+                                      </p:cBhvr>
+                                      <p:to>
+                                        <p:strVal val="visible"/>
+                                      </p:to>
+                                    </p:set>
+                                    <p:animEffect transition="in" filter="fade">
+                                      <p:cBhvr>
+                                        <p:cTn id="54" dur="250"/>
+                                        <p:tgtEl>
+                                          <p:spTgt spid="17"/>
+                                        </p:tgtEl>
+                                      </p:cBhvr>
+                                    </p:animEffect>
+                                    <p:anim calcmode="lin" valueType="num">
+                                      <p:cBhvr>
+                                        <p:cTn id="55" dur="250" fill="hold"/>
+                                        <p:tgtEl>
+                                          <p:spTgt spid="17"/>
+                                        </p:tgtEl>
+                                        <p:attrNameLst>
+                                          <p:attrName>ppt_x</p:attrName>
+                                        </p:attrNameLst>
+                                      </p:cBhvr>
+                                      <p:tavLst>
+                                        <p:tav tm="0">
+                                          <p:val>
+                                            <p:strVal val="#ppt_x"/>
+                                          </p:val>
+                                        </p:tav>
+                                        <p:tav tm="100000">
+                                          <p:val>
+                                            <p:strVal val="#ppt_x"/>
+                                          </p:val>
+                                        </p:tav>
+                                      </p:tavLst>
+                                    </p:anim>
+                                    <p:anim calcmode="lin" valueType="num">
+                                      <p:cBhvr>
+                                        <p:cTn id="56" dur="250" fill="hold"/>
+                                        <p:tgtEl>
+                                          <p:spTgt spid="17"/>
+                                        </p:tgtEl>
+                                        <p:attrNameLst>
+                                          <p:attrName>ppt_y</p:attrName>
+                                        </p:attrNameLst>
+                                      </p:cBhvr>
+                                      <p:tavLst>
+                                        <p:tav tm="0">
+                                          <p:val>
+                                            <p:strVal val="#ppt_y+.1"/>
+                                          </p:val>
+                                        </p:tav>
+                                        <p:tav tm="100000">
+                                          <p:val>
+                                            <p:strVal val="#ppt_y"/>
+                                          </p:val>
+                                        </p:tav>
+                                      </p:tavLst>
+                                    </p:anim>
+                                  </p:childTnLst>
+                                </p:cTn>
+                              </p:par>
+                            </p:childTnLst>
+                          </p:cTn>
+                        </p:par>
+                        <p:par>
+                          <p:cTn id="57" fill="hold">
+                            <p:stCondLst>
+                              <p:cond delay="2500"/>
+                            </p:stCondLst>
+                            <p:childTnLst>
+                              <p:par>
+                                <p:cTn id="58" presetID="42" presetClass="entr" presetSubtype="0" fill="hold" grpId="0" nodeType="afterEffect">
+                                  <p:stCondLst>
+                                    <p:cond delay="0"/>
+                                  </p:stCondLst>
+                                  <p:childTnLst>
+                                    <p:set>
+                                      <p:cBhvr>
+                                        <p:cTn id="59" dur="1" fill="hold">
+                                          <p:stCondLst>
+                                            <p:cond delay="0"/>
+                                          </p:stCondLst>
+                                        </p:cTn>
+                                        <p:tgtEl>
+                                          <p:spTgt spid="18"/>
+                                        </p:tgtEl>
+                                        <p:attrNameLst>
+                                          <p:attrName>style.visibility</p:attrName>
+                                        </p:attrNameLst>
+                                      </p:cBhvr>
+                                      <p:to>
+                                        <p:strVal val="visible"/>
+                                      </p:to>
+                                    </p:set>
+                                    <p:animEffect transition="in" filter="fade">
+                                      <p:cBhvr>
+                                        <p:cTn id="60" dur="250"/>
+                                        <p:tgtEl>
+                                          <p:spTgt spid="18"/>
+                                        </p:tgtEl>
+                                      </p:cBhvr>
+                                    </p:animEffect>
+                                    <p:anim calcmode="lin" valueType="num">
+                                      <p:cBhvr>
+                                        <p:cTn id="61" dur="250" fill="hold"/>
+                                        <p:tgtEl>
+                                          <p:spTgt spid="18"/>
+                                        </p:tgtEl>
+                                        <p:attrNameLst>
+                                          <p:attrName>ppt_x</p:attrName>
+                                        </p:attrNameLst>
+                                      </p:cBhvr>
+                                      <p:tavLst>
+                                        <p:tav tm="0">
+                                          <p:val>
+                                            <p:strVal val="#ppt_x"/>
+                                          </p:val>
+                                        </p:tav>
+                                        <p:tav tm="100000">
+                                          <p:val>
+                                            <p:strVal val="#ppt_x"/>
+                                          </p:val>
+                                        </p:tav>
+                                      </p:tavLst>
+                                    </p:anim>
+                                    <p:anim calcmode="lin" valueType="num">
+                                      <p:cBhvr>
+                                        <p:cTn id="62" dur="250" fill="hold"/>
+                                        <p:tgtEl>
+                                          <p:spTgt spid="18"/>
+                                        </p:tgtEl>
+                                        <p:attrNameLst>
+                                          <p:attrName>ppt_y</p:attrName>
+                                        </p:attrNameLst>
+                                      </p:cBhvr>
+                                      <p:tavLst>
+                                        <p:tav tm="0">
+                                          <p:val>
+                                            <p:strVal val="#ppt_y+.1"/>
+                                          </p:val>
+                                        </p:tav>
+                                        <p:tav tm="100000">
+                                          <p:val>
+                                            <p:strVal val="#ppt_y"/>
+                                          </p:val>
+                                        </p:tav>
+                                      </p:tavLst>
+                                    </p:anim>
+                                  </p:childTnLst>
+                                </p:cTn>
+                              </p:par>
+                            </p:childTnLst>
+                          </p:cTn>
+                        </p:par>
+                        <p:par>
+                          <p:cTn id="63" fill="hold">
+                            <p:stCondLst>
+                              <p:cond delay="2750"/>
+                            </p:stCondLst>
+                            <p:childTnLst>
+                              <p:par>
+                                <p:cTn id="64" presetID="42" presetClass="entr" presetSubtype="0" fill="hold" grpId="0" nodeType="afterEffect">
+                                  <p:stCondLst>
+                                    <p:cond delay="0"/>
+                                  </p:stCondLst>
+                                  <p:childTnLst>
+                                    <p:set>
+                                      <p:cBhvr>
+                                        <p:cTn id="65" dur="1" fill="hold">
+                                          <p:stCondLst>
+                                            <p:cond delay="0"/>
+                                          </p:stCondLst>
+                                        </p:cTn>
+                                        <p:tgtEl>
+                                          <p:spTgt spid="19"/>
+                                        </p:tgtEl>
+                                        <p:attrNameLst>
+                                          <p:attrName>style.visibility</p:attrName>
+                                        </p:attrNameLst>
+                                      </p:cBhvr>
+                                      <p:to>
+                                        <p:strVal val="visible"/>
+                                      </p:to>
+                                    </p:set>
+                                    <p:animEffect transition="in" filter="fade">
+                                      <p:cBhvr>
+                                        <p:cTn id="66" dur="250"/>
+                                        <p:tgtEl>
+                                          <p:spTgt spid="19"/>
+                                        </p:tgtEl>
+                                      </p:cBhvr>
+                                    </p:animEffect>
+                                    <p:anim calcmode="lin" valueType="num">
+                                      <p:cBhvr>
+                                        <p:cTn id="67" dur="250" fill="hold"/>
+                                        <p:tgtEl>
+                                          <p:spTgt spid="19"/>
+                                        </p:tgtEl>
+                                        <p:attrNameLst>
+                                          <p:attrName>ppt_x</p:attrName>
+                                        </p:attrNameLst>
+                                      </p:cBhvr>
+                                      <p:tavLst>
+                                        <p:tav tm="0">
+                                          <p:val>
+                                            <p:strVal val="#ppt_x"/>
+                                          </p:val>
+                                        </p:tav>
+                                        <p:tav tm="100000">
+                                          <p:val>
+                                            <p:strVal val="#ppt_x"/>
+                                          </p:val>
+                                        </p:tav>
+                                      </p:tavLst>
+                                    </p:anim>
+                                    <p:anim calcmode="lin" valueType="num">
+                                      <p:cBhvr>
+                                        <p:cTn id="68" dur="250" fill="hold"/>
+                                        <p:tgtEl>
+                                          <p:spTgt spid="19"/>
+                                        </p:tgtEl>
+                                        <p:attrNameLst>
+                                          <p:attrName>ppt_y</p:attrName>
+                                        </p:attrNameLst>
+                                      </p:cBhvr>
+                                      <p:tavLst>
+                                        <p:tav tm="0">
+                                          <p:val>
+                                            <p:strVal val="#ppt_y+.1"/>
+                                          </p:val>
+                                        </p:tav>
+                                        <p:tav tm="100000">
+                                          <p:val>
+                                            <p:strVal val="#ppt_y"/>
+                                          </p:val>
+                                        </p:tav>
+                                      </p:tavLst>
+                                    </p:anim>
+                                  </p:childTnLst>
+                                </p:cTn>
+                              </p:par>
+                            </p:childTnLst>
+                          </p:cTn>
+                        </p:par>
+                        <p:par>
+                          <p:cTn id="69" fill="hold">
+                            <p:stCondLst>
+                              <p:cond delay="3000"/>
+                            </p:stCondLst>
+                            <p:childTnLst>
+                              <p:par>
+                                <p:cTn id="70" presetID="42" presetClass="entr" presetSubtype="0" fill="hold" grpId="0" nodeType="afterEffect">
+                                  <p:stCondLst>
+                                    <p:cond delay="0"/>
+                                  </p:stCondLst>
+                                  <p:childTnLst>
+                                    <p:set>
+                                      <p:cBhvr>
+                                        <p:cTn id="71" dur="1" fill="hold">
+                                          <p:stCondLst>
+                                            <p:cond delay="0"/>
+                                          </p:stCondLst>
+                                        </p:cTn>
+                                        <p:tgtEl>
+                                          <p:spTgt spid="20"/>
+                                        </p:tgtEl>
+                                        <p:attrNameLst>
+                                          <p:attrName>style.visibility</p:attrName>
+                                        </p:attrNameLst>
+                                      </p:cBhvr>
+                                      <p:to>
+                                        <p:strVal val="visible"/>
+                                      </p:to>
+                                    </p:set>
+                                    <p:animEffect transition="in" filter="fade">
+                                      <p:cBhvr>
+                                        <p:cTn id="72" dur="250"/>
+                                        <p:tgtEl>
+                                          <p:spTgt spid="20"/>
+                                        </p:tgtEl>
+                                      </p:cBhvr>
+                                    </p:animEffect>
+                                    <p:anim calcmode="lin" valueType="num">
+                                      <p:cBhvr>
+                                        <p:cTn id="73" dur="250" fill="hold"/>
+                                        <p:tgtEl>
+                                          <p:spTgt spid="20"/>
+                                        </p:tgtEl>
+                                        <p:attrNameLst>
+                                          <p:attrName>ppt_x</p:attrName>
+                                        </p:attrNameLst>
+                                      </p:cBhvr>
+                                      <p:tavLst>
+                                        <p:tav tm="0">
+                                          <p:val>
+                                            <p:strVal val="#ppt_x"/>
+                                          </p:val>
+                                        </p:tav>
+                                        <p:tav tm="100000">
+                                          <p:val>
+                                            <p:strVal val="#ppt_x"/>
+                                          </p:val>
+                                        </p:tav>
+                                      </p:tavLst>
+                                    </p:anim>
+                                    <p:anim calcmode="lin" valueType="num">
+                                      <p:cBhvr>
+                                        <p:cTn id="74" dur="250" fill="hold"/>
+                                        <p:tgtEl>
+                                          <p:spTgt spid="20"/>
+                                        </p:tgtEl>
+                                        <p:attrNameLst>
+                                          <p:attrName>ppt_y</p:attrName>
+                                        </p:attrNameLst>
+                                      </p:cBhvr>
+                                      <p:tavLst>
+                                        <p:tav tm="0">
+                                          <p:val>
+                                            <p:strVal val="#ppt_y+.1"/>
+                                          </p:val>
+                                        </p:tav>
+                                        <p:tav tm="100000">
+                                          <p:val>
+                                            <p:strVal val="#ppt_y"/>
+                                          </p:val>
+                                        </p:tav>
+                                      </p:tavLst>
+                                    </p:anim>
+                                  </p:childTnLst>
+                                </p:cTn>
+                              </p:par>
+                            </p:childTnLst>
+                          </p:cTn>
+                        </p:par>
+                        <p:par>
+                          <p:cTn id="75" fill="hold">
+                            <p:stCondLst>
+                              <p:cond delay="3250"/>
+                            </p:stCondLst>
+                            <p:childTnLst>
+                              <p:par>
+                                <p:cTn id="76" presetID="42" presetClass="entr" presetSubtype="0" fill="hold" grpId="0" nodeType="afterEffect">
+                                  <p:stCondLst>
+                                    <p:cond delay="0"/>
+                                  </p:stCondLst>
+                                  <p:childTnLst>
+                                    <p:set>
+                                      <p:cBhvr>
+                                        <p:cTn id="77" dur="1" fill="hold">
+                                          <p:stCondLst>
+                                            <p:cond delay="0"/>
+                                          </p:stCondLst>
+                                        </p:cTn>
+                                        <p:tgtEl>
+                                          <p:spTgt spid="21"/>
+                                        </p:tgtEl>
+                                        <p:attrNameLst>
+                                          <p:attrName>style.visibility</p:attrName>
+                                        </p:attrNameLst>
+                                      </p:cBhvr>
+                                      <p:to>
+                                        <p:strVal val="visible"/>
+                                      </p:to>
+                                    </p:set>
+                                    <p:animEffect transition="in" filter="fade">
+                                      <p:cBhvr>
+                                        <p:cTn id="78" dur="250"/>
+                                        <p:tgtEl>
+                                          <p:spTgt spid="21"/>
+                                        </p:tgtEl>
+                                      </p:cBhvr>
+                                    </p:animEffect>
+                                    <p:anim calcmode="lin" valueType="num">
+                                      <p:cBhvr>
+                                        <p:cTn id="79" dur="250" fill="hold"/>
+                                        <p:tgtEl>
+                                          <p:spTgt spid="21"/>
+                                        </p:tgtEl>
+                                        <p:attrNameLst>
+                                          <p:attrName>ppt_x</p:attrName>
+                                        </p:attrNameLst>
+                                      </p:cBhvr>
+                                      <p:tavLst>
+                                        <p:tav tm="0">
+                                          <p:val>
+                                            <p:strVal val="#ppt_x"/>
+                                          </p:val>
+                                        </p:tav>
+                                        <p:tav tm="100000">
+                                          <p:val>
+                                            <p:strVal val="#ppt_x"/>
+                                          </p:val>
+                                        </p:tav>
+                                      </p:tavLst>
+                                    </p:anim>
+                                    <p:anim calcmode="lin" valueType="num">
+                                      <p:cBhvr>
+                                        <p:cTn id="80" dur="250" fill="hold"/>
+                                        <p:tgtEl>
+                                          <p:spTgt spid="21"/>
+                                        </p:tgtEl>
+                                        <p:attrNameLst>
+                                          <p:attrName>ppt_y</p:attrName>
+                                        </p:attrNameLst>
+                                      </p:cBhvr>
+                                      <p:tavLst>
+                                        <p:tav tm="0">
+                                          <p:val>
+                                            <p:strVal val="#ppt_y+.1"/>
+                                          </p:val>
+                                        </p:tav>
+                                        <p:tav tm="100000">
+                                          <p:val>
+                                            <p:strVal val="#ppt_y"/>
+                                          </p:val>
+                                        </p:tav>
+                                      </p:tavLst>
+                                    </p:anim>
+                                  </p:childTnLst>
+                                </p:cTn>
+                              </p:par>
+                            </p:childTnLst>
+                          </p:cTn>
+                        </p:par>
+                        <p:par>
+                          <p:cTn id="81" fill="hold">
+                            <p:stCondLst>
+                              <p:cond delay="3500"/>
+                            </p:stCondLst>
+                            <p:childTnLst>
+                              <p:par>
+                                <p:cTn id="82" presetID="42" presetClass="entr" presetSubtype="0" fill="hold" grpId="0" nodeType="afterEffect">
+                                  <p:stCondLst>
+                                    <p:cond delay="0"/>
+                                  </p:stCondLst>
+                                  <p:childTnLst>
+                                    <p:set>
+                                      <p:cBhvr>
+                                        <p:cTn id="83" dur="1" fill="hold">
+                                          <p:stCondLst>
+                                            <p:cond delay="0"/>
+                                          </p:stCondLst>
+                                        </p:cTn>
+                                        <p:tgtEl>
+                                          <p:spTgt spid="22"/>
+                                        </p:tgtEl>
+                                        <p:attrNameLst>
+                                          <p:attrName>style.visibility</p:attrName>
+                                        </p:attrNameLst>
+                                      </p:cBhvr>
+                                      <p:to>
+                                        <p:strVal val="visible"/>
+                                      </p:to>
+                                    </p:set>
+                                    <p:animEffect transition="in" filter="fade">
+                                      <p:cBhvr>
+                                        <p:cTn id="84" dur="250"/>
+                                        <p:tgtEl>
+                                          <p:spTgt spid="22"/>
+                                        </p:tgtEl>
+                                      </p:cBhvr>
+                                    </p:animEffect>
+                                    <p:anim calcmode="lin" valueType="num">
+                                      <p:cBhvr>
+                                        <p:cTn id="85" dur="250" fill="hold"/>
+                                        <p:tgtEl>
+                                          <p:spTgt spid="22"/>
+                                        </p:tgtEl>
+                                        <p:attrNameLst>
+                                          <p:attrName>ppt_x</p:attrName>
+                                        </p:attrNameLst>
+                                      </p:cBhvr>
+                                      <p:tavLst>
+                                        <p:tav tm="0">
+                                          <p:val>
+                                            <p:strVal val="#ppt_x"/>
+                                          </p:val>
+                                        </p:tav>
+                                        <p:tav tm="100000">
+                                          <p:val>
+                                            <p:strVal val="#ppt_x"/>
+                                          </p:val>
+                                        </p:tav>
+                                      </p:tavLst>
+                                    </p:anim>
+                                    <p:anim calcmode="lin" valueType="num">
+                                      <p:cBhvr>
+                                        <p:cTn id="86" dur="250" fill="hold"/>
+                                        <p:tgtEl>
+                                          <p:spTgt spid="22"/>
+                                        </p:tgtEl>
+                                        <p:attrNameLst>
+                                          <p:attrName>ppt_y</p:attrName>
+                                        </p:attrNameLst>
+                                      </p:cBhvr>
+                                      <p:tavLst>
+                                        <p:tav tm="0">
+                                          <p:val>
+                                            <p:strVal val="#ppt_y+.1"/>
+                                          </p:val>
+                                        </p:tav>
+                                        <p:tav tm="100000">
+                                          <p:val>
+                                            <p:strVal val="#ppt_y"/>
+                                          </p:val>
+                                        </p:tav>
+                                      </p:tavLst>
+                                    </p:anim>
+                                  </p:childTnLst>
+                                </p:cTn>
+                              </p:par>
+                            </p:childTnLst>
+                          </p:cTn>
+                        </p:par>
+                        <p:par>
+                          <p:cTn id="87" fill="hold">
+                            <p:stCondLst>
+                              <p:cond delay="3750"/>
+                            </p:stCondLst>
+                            <p:childTnLst>
+                              <p:par>
+                                <p:cTn id="88" presetID="42" presetClass="entr" presetSubtype="0" fill="hold" grpId="0" nodeType="afterEffect">
+                                  <p:stCondLst>
+                                    <p:cond delay="0"/>
+                                  </p:stCondLst>
+                                  <p:childTnLst>
+                                    <p:set>
+                                      <p:cBhvr>
+                                        <p:cTn id="89" dur="1" fill="hold">
+                                          <p:stCondLst>
+                                            <p:cond delay="0"/>
+                                          </p:stCondLst>
+                                        </p:cTn>
+                                        <p:tgtEl>
+                                          <p:spTgt spid="23"/>
+                                        </p:tgtEl>
+                                        <p:attrNameLst>
+                                          <p:attrName>style.visibility</p:attrName>
+                                        </p:attrNameLst>
+                                      </p:cBhvr>
+                                      <p:to>
+                                        <p:strVal val="visible"/>
+                                      </p:to>
+                                    </p:set>
+                                    <p:animEffect transition="in" filter="fade">
+                                      <p:cBhvr>
+                                        <p:cTn id="90" dur="250"/>
+                                        <p:tgtEl>
+                                          <p:spTgt spid="23"/>
+                                        </p:tgtEl>
+                                      </p:cBhvr>
+                                    </p:animEffect>
+                                    <p:anim calcmode="lin" valueType="num">
+                                      <p:cBhvr>
+                                        <p:cTn id="91" dur="250" fill="hold"/>
+                                        <p:tgtEl>
+                                          <p:spTgt spid="23"/>
+                                        </p:tgtEl>
+                                        <p:attrNameLst>
+                                          <p:attrName>ppt_x</p:attrName>
+                                        </p:attrNameLst>
+                                      </p:cBhvr>
+                                      <p:tavLst>
+                                        <p:tav tm="0">
+                                          <p:val>
+                                            <p:strVal val="#ppt_x"/>
+                                          </p:val>
+                                        </p:tav>
+                                        <p:tav tm="100000">
+                                          <p:val>
+                                            <p:strVal val="#ppt_x"/>
+                                          </p:val>
+                                        </p:tav>
+                                      </p:tavLst>
+                                    </p:anim>
+                                    <p:anim calcmode="lin" valueType="num">
+                                      <p:cBhvr>
+                                        <p:cTn id="92" dur="250" fill="hold"/>
+                                        <p:tgtEl>
+                                          <p:spTgt spid="23"/>
+                                        </p:tgtEl>
+                                        <p:attrNameLst>
+                                          <p:attrName>ppt_y</p:attrName>
+                                        </p:attrNameLst>
+                                      </p:cBhvr>
+                                      <p:tavLst>
+                                        <p:tav tm="0">
+                                          <p:val>
+                                            <p:strVal val="#ppt_y+.1"/>
+                                          </p:val>
+                                        </p:tav>
+                                        <p:tav tm="100000">
+                                          <p:val>
+                                            <p:strVal val="#ppt_y"/>
+                                          </p:val>
+                                        </p:tav>
+                                      </p:tavLst>
+                                    </p:anim>
+                                  </p:childTnLst>
+                                </p:cTn>
+                              </p:par>
+                            </p:childTnLst>
+                          </p:cTn>
+                        </p:par>
                       </p:childTnLst>
                     </p:cTn>
                   </p:par>
@@ -26193,11 +29376,27 @@
         </p:cTn>
       </p:par>
     </p:tnLst>
+    <p:bldLst>
+      <p:bldP spid="10" grpId="0" animBg="1"/>
+      <p:bldP spid="11" grpId="0" animBg="1"/>
+      <p:bldP spid="12" grpId="0" animBg="1"/>
+      <p:bldP spid="13" grpId="0" animBg="1"/>
+      <p:bldP spid="14" grpId="0" animBg="1"/>
+      <p:bldP spid="15" grpId="0" animBg="1"/>
+      <p:bldP spid="16" grpId="0" animBg="1"/>
+      <p:bldP spid="17" grpId="0"/>
+      <p:bldP spid="18" grpId="0" animBg="1"/>
+      <p:bldP spid="19" grpId="0"/>
+      <p:bldP spid="20" grpId="0" animBg="1"/>
+      <p:bldP spid="21" grpId="0"/>
+      <p:bldP spid="22" grpId="0" animBg="1"/>
+      <p:bldP spid="23" grpId="0"/>
+    </p:bldLst>
   </p:timing>
 </p:sld>
 </file>
 
-<file path=ppt/slides/slide24.xml><?xml version="1.0" encoding="utf-8"?>
+<file path=ppt/slides/slide25.xml><?xml version="1.0" encoding="utf-8"?>
 <p:sld xmlns:a="http://schemas.openxmlformats.org/drawingml/2006/main" xmlns:r="http://schemas.openxmlformats.org/officeDocument/2006/relationships" xmlns:p="http://schemas.openxmlformats.org/presentationml/2006/main">
   <p:cSld>
     <p:spTree>
@@ -27872,7 +31071,7 @@
 </p:sld>
 </file>
 
-<file path=ppt/slides/slide25.xml><?xml version="1.0" encoding="utf-8"?>
+<file path=ppt/slides/slide26.xml><?xml version="1.0" encoding="utf-8"?>
 <p:sld xmlns:a="http://schemas.openxmlformats.org/drawingml/2006/main" xmlns:r="http://schemas.openxmlformats.org/officeDocument/2006/relationships" xmlns:p="http://schemas.openxmlformats.org/presentationml/2006/main">
   <p:cSld>
     <p:spTree>
@@ -28377,7 +31576,7 @@
 </p:sld>
 </file>
 
-<file path=ppt/slides/slide26.xml><?xml version="1.0" encoding="utf-8"?>
+<file path=ppt/slides/slide27.xml><?xml version="1.0" encoding="utf-8"?>
 <p:sld xmlns:a="http://schemas.openxmlformats.org/drawingml/2006/main" xmlns:r="http://schemas.openxmlformats.org/officeDocument/2006/relationships" xmlns:p="http://schemas.openxmlformats.org/presentationml/2006/main">
   <p:cSld>
     <p:spTree>
@@ -28586,7 +31785,7 @@
                   <a:latin typeface="微软雅黑" panose="020B0503020204020204" pitchFamily="34" charset="-122"/>
                   <a:ea typeface="微软雅黑" panose="020B0503020204020204" pitchFamily="34" charset="-122"/>
                 </a:rPr>
-                <a:t>4</a:t>
+                <a:t>5</a:t>
               </a:r>
               <a:endParaRPr lang="zh-CN" altLang="en-US" sz="5400" b="1" dirty="0">
                 <a:solidFill>
@@ -28856,7 +32055,7 @@
 </p:sld>
 </file>
 
-<file path=ppt/slides/slide27.xml><?xml version="1.0" encoding="utf-8"?>
+<file path=ppt/slides/slide28.xml><?xml version="1.0" encoding="utf-8"?>
 <p:sld xmlns:a="http://schemas.openxmlformats.org/drawingml/2006/main" xmlns:r="http://schemas.openxmlformats.org/officeDocument/2006/relationships" xmlns:p="http://schemas.openxmlformats.org/presentationml/2006/main">
   <p:cSld>
     <p:spTree>
@@ -29065,7 +32264,7 @@
                   <a:latin typeface="微软雅黑" panose="020B0503020204020204" pitchFamily="34" charset="-122"/>
                   <a:ea typeface="微软雅黑" panose="020B0503020204020204" pitchFamily="34" charset="-122"/>
                 </a:rPr>
-                <a:t>4</a:t>
+                <a:t>5</a:t>
               </a:r>
               <a:endParaRPr lang="zh-CN" altLang="en-US" sz="5400" b="1" dirty="0">
                 <a:solidFill>
@@ -29335,1681 +32534,6 @@
 </p:sld>
 </file>
 
-<file path=ppt/slides/slide28.xml><?xml version="1.0" encoding="utf-8"?>
-<p:sld xmlns:a="http://schemas.openxmlformats.org/drawingml/2006/main" xmlns:r="http://schemas.openxmlformats.org/officeDocument/2006/relationships" xmlns:p="http://schemas.openxmlformats.org/presentationml/2006/main">
-  <p:cSld>
-    <p:spTree>
-      <p:nvGrpSpPr>
-        <p:cNvPr id="1" name=""/>
-        <p:cNvGrpSpPr/>
-        <p:nvPr/>
-      </p:nvGrpSpPr>
-      <p:grpSpPr>
-        <a:xfrm>
-          <a:off x="0" y="0"/>
-          <a:ext cx="0" cy="0"/>
-          <a:chOff x="0" y="0"/>
-          <a:chExt cx="0" cy="0"/>
-        </a:xfrm>
-      </p:grpSpPr>
-      <p:pic>
-        <p:nvPicPr>
-          <p:cNvPr id="9" name="图片 8">
-            <a:extLst>
-              <a:ext uri="{FF2B5EF4-FFF2-40B4-BE49-F238E27FC236}">
-                <a16:creationId xmlns:a16="http://schemas.microsoft.com/office/drawing/2014/main" id="{216A7B83-B7C0-4F4C-94CC-150681C0EF08}"/>
-              </a:ext>
-            </a:extLst>
-          </p:cNvPr>
-          <p:cNvPicPr>
-            <a:picLocks noChangeAspect="1"/>
-          </p:cNvPicPr>
-          <p:nvPr/>
-        </p:nvPicPr>
-        <p:blipFill>
-          <a:blip r:embed="rId3">
-            <a:extLst>
-              <a:ext uri="{28A0092B-C50C-407E-A947-70E740481C1C}">
-                <a14:useLocalDpi xmlns:a14="http://schemas.microsoft.com/office/drawing/2010/main" val="0"/>
-              </a:ext>
-            </a:extLst>
-          </a:blip>
-          <a:stretch>
-            <a:fillRect/>
-          </a:stretch>
-        </p:blipFill>
-        <p:spPr>
-          <a:xfrm flipH="1">
-            <a:off x="0" y="0"/>
-            <a:ext cx="12192000" cy="6858000"/>
-          </a:xfrm>
-          <a:prstGeom prst="rect">
-            <a:avLst/>
-          </a:prstGeom>
-        </p:spPr>
-      </p:pic>
-      <p:grpSp>
-        <p:nvGrpSpPr>
-          <p:cNvPr id="10" name="组合 9">
-            <a:extLst>
-              <a:ext uri="{FF2B5EF4-FFF2-40B4-BE49-F238E27FC236}">
-                <a16:creationId xmlns:a16="http://schemas.microsoft.com/office/drawing/2014/main" id="{558CC3F4-24F2-4D71-8114-35FBC57E409E}"/>
-              </a:ext>
-            </a:extLst>
-          </p:cNvPr>
-          <p:cNvGrpSpPr/>
-          <p:nvPr/>
-        </p:nvGrpSpPr>
-        <p:grpSpPr>
-          <a:xfrm>
-            <a:off x="2483545" y="1880707"/>
-            <a:ext cx="4348468" cy="1203355"/>
-            <a:chOff x="6081486" y="800550"/>
-            <a:chExt cx="4348468" cy="1203355"/>
-          </a:xfrm>
-        </p:grpSpPr>
-        <p:sp>
-          <p:nvSpPr>
-            <p:cNvPr id="11" name="文本框 10">
-              <a:extLst>
-                <a:ext uri="{FF2B5EF4-FFF2-40B4-BE49-F238E27FC236}">
-                  <a16:creationId xmlns:a16="http://schemas.microsoft.com/office/drawing/2014/main" id="{D9B3EB80-36BA-4B82-862B-A9E9A822B277}"/>
-                </a:ext>
-              </a:extLst>
-            </p:cNvPr>
-            <p:cNvSpPr txBox="1"/>
-            <p:nvPr/>
-          </p:nvSpPr>
-          <p:spPr>
-            <a:xfrm>
-              <a:off x="6124654" y="800550"/>
-              <a:ext cx="4305300" cy="584775"/>
-            </a:xfrm>
-            <a:prstGeom prst="rect">
-              <a:avLst/>
-            </a:prstGeom>
-            <a:noFill/>
-            <a:effectLst/>
-          </p:spPr>
-          <p:txBody>
-            <a:bodyPr wrap="square" rtlCol="0">
-              <a:spAutoFit/>
-            </a:bodyPr>
-            <a:lstStyle/>
-            <a:p>
-              <a:r>
-                <a:rPr lang="en-US" altLang="zh-CN" sz="3200" dirty="0">
-                  <a:solidFill>
-                    <a:srgbClr val="55C0AF"/>
-                  </a:solidFill>
-                  <a:latin typeface="微软雅黑" panose="020B0503020204020204" pitchFamily="34" charset="-122"/>
-                  <a:ea typeface="微软雅黑" panose="020B0503020204020204" pitchFamily="34" charset="-122"/>
-                </a:rPr>
-                <a:t>Project Introduction</a:t>
-              </a:r>
-              <a:endParaRPr lang="zh-CN" altLang="en-US" sz="3200" dirty="0">
-                <a:solidFill>
-                  <a:srgbClr val="55C0AF"/>
-                </a:solidFill>
-                <a:latin typeface="微软雅黑" panose="020B0503020204020204" pitchFamily="34" charset="-122"/>
-                <a:ea typeface="微软雅黑" panose="020B0503020204020204" pitchFamily="34" charset="-122"/>
-              </a:endParaRPr>
-            </a:p>
-          </p:txBody>
-        </p:sp>
-        <p:sp>
-          <p:nvSpPr>
-            <p:cNvPr id="12" name="文本框 11">
-              <a:extLst>
-                <a:ext uri="{FF2B5EF4-FFF2-40B4-BE49-F238E27FC236}">
-                  <a16:creationId xmlns:a16="http://schemas.microsoft.com/office/drawing/2014/main" id="{CC083D12-B503-4B67-8D8D-9790679E284D}"/>
-                </a:ext>
-              </a:extLst>
-            </p:cNvPr>
-            <p:cNvSpPr txBox="1"/>
-            <p:nvPr/>
-          </p:nvSpPr>
-          <p:spPr>
-            <a:xfrm>
-              <a:off x="6081486" y="1296019"/>
-              <a:ext cx="3837214" cy="707886"/>
-            </a:xfrm>
-            <a:prstGeom prst="rect">
-              <a:avLst/>
-            </a:prstGeom>
-            <a:noFill/>
-          </p:spPr>
-          <p:txBody>
-            <a:bodyPr wrap="square" rtlCol="0">
-              <a:spAutoFit/>
-            </a:bodyPr>
-            <a:lstStyle/>
-            <a:p>
-              <a:r>
-                <a:rPr lang="zh-CN" altLang="en-US" sz="4000" b="1" spc="600" dirty="0">
-                  <a:solidFill>
-                    <a:srgbClr val="113F4E"/>
-                  </a:solidFill>
-                  <a:latin typeface="微软雅黑" panose="020B0503020204020204" pitchFamily="34" charset="-122"/>
-                  <a:ea typeface="微软雅黑" panose="020B0503020204020204" pitchFamily="34" charset="-122"/>
-                </a:rPr>
-                <a:t>成功项目展示</a:t>
-              </a:r>
-            </a:p>
-          </p:txBody>
-        </p:sp>
-      </p:grpSp>
-      <p:sp>
-        <p:nvSpPr>
-          <p:cNvPr id="14" name="TextBox 11">
-            <a:extLst>
-              <a:ext uri="{FF2B5EF4-FFF2-40B4-BE49-F238E27FC236}">
-                <a16:creationId xmlns:a16="http://schemas.microsoft.com/office/drawing/2014/main" id="{8EE96092-36FE-4DFD-9E61-ECD689D45072}"/>
-              </a:ext>
-            </a:extLst>
-          </p:cNvPr>
-          <p:cNvSpPr txBox="1"/>
-          <p:nvPr/>
-        </p:nvSpPr>
-        <p:spPr>
-          <a:xfrm>
-            <a:off x="2490254" y="3227114"/>
-            <a:ext cx="1764586" cy="246221"/>
-          </a:xfrm>
-          <a:prstGeom prst="rect">
-            <a:avLst/>
-          </a:prstGeom>
-          <a:noFill/>
-        </p:spPr>
-        <p:txBody>
-          <a:bodyPr wrap="none" lIns="0" tIns="0" rIns="0" bIns="0" rtlCol="0">
-            <a:spAutoFit/>
-          </a:bodyPr>
-          <a:lstStyle/>
-          <a:p>
-            <a:pPr marL="121918" lvl="1" indent="-121918">
-              <a:buFont typeface="Arial" panose="020B0604020202020204" pitchFamily="34" charset="0"/>
-              <a:buChar char="•"/>
-            </a:pPr>
-            <a:r>
-              <a:rPr lang="zh-CN" altLang="en-US" sz="1600" dirty="0">
-                <a:solidFill>
-                  <a:schemeClr val="bg1">
-                    <a:lumMod val="50000"/>
-                  </a:schemeClr>
-                </a:solidFill>
-                <a:latin typeface="微软雅黑" panose="020B0503020204020204" pitchFamily="34" charset="-122"/>
-                <a:ea typeface="微软雅黑" panose="020B0503020204020204" pitchFamily="34" charset="-122"/>
-                <a:cs typeface="+mn-ea"/>
-                <a:sym typeface="Arial" panose="020B0604020202020204" pitchFamily="34" charset="0"/>
-              </a:rPr>
-              <a:t>添加相关标题文字</a:t>
-            </a:r>
-            <a:endParaRPr lang="en-US" altLang="zh-CN" sz="1600" dirty="0">
-              <a:solidFill>
-                <a:schemeClr val="bg1">
-                  <a:lumMod val="50000"/>
-                </a:schemeClr>
-              </a:solidFill>
-              <a:latin typeface="微软雅黑" panose="020B0503020204020204" pitchFamily="34" charset="-122"/>
-              <a:ea typeface="微软雅黑" panose="020B0503020204020204" pitchFamily="34" charset="-122"/>
-              <a:sym typeface="Arial" panose="020B0604020202020204" pitchFamily="34" charset="0"/>
-            </a:endParaRPr>
-          </a:p>
-        </p:txBody>
-      </p:sp>
-      <p:sp>
-        <p:nvSpPr>
-          <p:cNvPr id="15" name="TextBox 11">
-            <a:extLst>
-              <a:ext uri="{FF2B5EF4-FFF2-40B4-BE49-F238E27FC236}">
-                <a16:creationId xmlns:a16="http://schemas.microsoft.com/office/drawing/2014/main" id="{C52F75FA-67AC-4FFC-99C8-2846E819F0A4}"/>
-              </a:ext>
-            </a:extLst>
-          </p:cNvPr>
-          <p:cNvSpPr txBox="1"/>
-          <p:nvPr/>
-        </p:nvSpPr>
-        <p:spPr>
-          <a:xfrm>
-            <a:off x="4619679" y="3216205"/>
-            <a:ext cx="1764586" cy="246221"/>
-          </a:xfrm>
-          <a:prstGeom prst="rect">
-            <a:avLst/>
-          </a:prstGeom>
-          <a:noFill/>
-        </p:spPr>
-        <p:txBody>
-          <a:bodyPr wrap="none" lIns="0" tIns="0" rIns="0" bIns="0" rtlCol="0">
-            <a:spAutoFit/>
-          </a:bodyPr>
-          <a:lstStyle/>
-          <a:p>
-            <a:pPr marL="121918" lvl="1" indent="-121918">
-              <a:buFont typeface="Arial" panose="020B0604020202020204" pitchFamily="34" charset="0"/>
-              <a:buChar char="•"/>
-            </a:pPr>
-            <a:r>
-              <a:rPr lang="zh-CN" altLang="en-US" sz="1600" dirty="0">
-                <a:solidFill>
-                  <a:schemeClr val="bg1">
-                    <a:lumMod val="50000"/>
-                  </a:schemeClr>
-                </a:solidFill>
-                <a:latin typeface="微软雅黑" panose="020B0503020204020204" pitchFamily="34" charset="-122"/>
-                <a:ea typeface="微软雅黑" panose="020B0503020204020204" pitchFamily="34" charset="-122"/>
-                <a:cs typeface="+mn-ea"/>
-                <a:sym typeface="Arial" panose="020B0604020202020204" pitchFamily="34" charset="0"/>
-              </a:rPr>
-              <a:t>添加相关标题文字</a:t>
-            </a:r>
-            <a:endParaRPr lang="en-US" altLang="zh-CN" sz="1600" dirty="0">
-              <a:solidFill>
-                <a:schemeClr val="bg1">
-                  <a:lumMod val="50000"/>
-                </a:schemeClr>
-              </a:solidFill>
-              <a:latin typeface="微软雅黑" panose="020B0503020204020204" pitchFamily="34" charset="-122"/>
-              <a:ea typeface="微软雅黑" panose="020B0503020204020204" pitchFamily="34" charset="-122"/>
-              <a:sym typeface="Arial" panose="020B0604020202020204" pitchFamily="34" charset="0"/>
-            </a:endParaRPr>
-          </a:p>
-        </p:txBody>
-      </p:sp>
-      <p:sp>
-        <p:nvSpPr>
-          <p:cNvPr id="16" name="TextBox 11">
-            <a:extLst>
-              <a:ext uri="{FF2B5EF4-FFF2-40B4-BE49-F238E27FC236}">
-                <a16:creationId xmlns:a16="http://schemas.microsoft.com/office/drawing/2014/main" id="{5FE7E229-E19E-4D8C-A382-50F740B53646}"/>
-              </a:ext>
-            </a:extLst>
-          </p:cNvPr>
-          <p:cNvSpPr txBox="1"/>
-          <p:nvPr/>
-        </p:nvSpPr>
-        <p:spPr>
-          <a:xfrm>
-            <a:off x="2501604" y="3667175"/>
-            <a:ext cx="1764586" cy="246221"/>
-          </a:xfrm>
-          <a:prstGeom prst="rect">
-            <a:avLst/>
-          </a:prstGeom>
-          <a:noFill/>
-        </p:spPr>
-        <p:txBody>
-          <a:bodyPr wrap="none" lIns="0" tIns="0" rIns="0" bIns="0" rtlCol="0">
-            <a:spAutoFit/>
-          </a:bodyPr>
-          <a:lstStyle/>
-          <a:p>
-            <a:pPr marL="121918" lvl="1" indent="-121918">
-              <a:buFont typeface="Arial" panose="020B0604020202020204" pitchFamily="34" charset="0"/>
-              <a:buChar char="•"/>
-            </a:pPr>
-            <a:r>
-              <a:rPr lang="zh-CN" altLang="en-US" sz="1600" dirty="0">
-                <a:solidFill>
-                  <a:schemeClr val="bg1">
-                    <a:lumMod val="50000"/>
-                  </a:schemeClr>
-                </a:solidFill>
-                <a:latin typeface="微软雅黑" panose="020B0503020204020204" pitchFamily="34" charset="-122"/>
-                <a:ea typeface="微软雅黑" panose="020B0503020204020204" pitchFamily="34" charset="-122"/>
-                <a:cs typeface="+mn-ea"/>
-                <a:sym typeface="Arial" panose="020B0604020202020204" pitchFamily="34" charset="0"/>
-              </a:rPr>
-              <a:t>添加相关标题文字</a:t>
-            </a:r>
-            <a:endParaRPr lang="en-US" altLang="zh-CN" sz="1600" dirty="0">
-              <a:solidFill>
-                <a:schemeClr val="bg1">
-                  <a:lumMod val="50000"/>
-                </a:schemeClr>
-              </a:solidFill>
-              <a:latin typeface="微软雅黑" panose="020B0503020204020204" pitchFamily="34" charset="-122"/>
-              <a:ea typeface="微软雅黑" panose="020B0503020204020204" pitchFamily="34" charset="-122"/>
-              <a:sym typeface="Arial" panose="020B0604020202020204" pitchFamily="34" charset="0"/>
-            </a:endParaRPr>
-          </a:p>
-        </p:txBody>
-      </p:sp>
-      <p:sp>
-        <p:nvSpPr>
-          <p:cNvPr id="17" name="TextBox 11">
-            <a:extLst>
-              <a:ext uri="{FF2B5EF4-FFF2-40B4-BE49-F238E27FC236}">
-                <a16:creationId xmlns:a16="http://schemas.microsoft.com/office/drawing/2014/main" id="{6CC70E26-8889-4C11-81DE-7687DF288BA4}"/>
-              </a:ext>
-            </a:extLst>
-          </p:cNvPr>
-          <p:cNvSpPr txBox="1"/>
-          <p:nvPr/>
-        </p:nvSpPr>
-        <p:spPr>
-          <a:xfrm>
-            <a:off x="4584443" y="3667176"/>
-            <a:ext cx="1764586" cy="246221"/>
-          </a:xfrm>
-          <a:prstGeom prst="rect">
-            <a:avLst/>
-          </a:prstGeom>
-          <a:noFill/>
-        </p:spPr>
-        <p:txBody>
-          <a:bodyPr wrap="none" lIns="0" tIns="0" rIns="0" bIns="0" rtlCol="0">
-            <a:spAutoFit/>
-          </a:bodyPr>
-          <a:lstStyle/>
-          <a:p>
-            <a:pPr marL="121918" lvl="1" indent="-121918">
-              <a:buFont typeface="Arial" panose="020B0604020202020204" pitchFamily="34" charset="0"/>
-              <a:buChar char="•"/>
-            </a:pPr>
-            <a:r>
-              <a:rPr lang="zh-CN" altLang="en-US" sz="1600" dirty="0">
-                <a:solidFill>
-                  <a:schemeClr val="bg1">
-                    <a:lumMod val="50000"/>
-                  </a:schemeClr>
-                </a:solidFill>
-                <a:latin typeface="微软雅黑" panose="020B0503020204020204" pitchFamily="34" charset="-122"/>
-                <a:ea typeface="微软雅黑" panose="020B0503020204020204" pitchFamily="34" charset="-122"/>
-                <a:cs typeface="+mn-ea"/>
-                <a:sym typeface="Arial" panose="020B0604020202020204" pitchFamily="34" charset="0"/>
-              </a:rPr>
-              <a:t>添加相关标题文字</a:t>
-            </a:r>
-            <a:endParaRPr lang="en-US" altLang="zh-CN" sz="1600" dirty="0">
-              <a:solidFill>
-                <a:schemeClr val="bg1">
-                  <a:lumMod val="50000"/>
-                </a:schemeClr>
-              </a:solidFill>
-              <a:latin typeface="微软雅黑" panose="020B0503020204020204" pitchFamily="34" charset="-122"/>
-              <a:ea typeface="微软雅黑" panose="020B0503020204020204" pitchFamily="34" charset="-122"/>
-              <a:sym typeface="Arial" panose="020B0604020202020204" pitchFamily="34" charset="0"/>
-            </a:endParaRPr>
-          </a:p>
-        </p:txBody>
-      </p:sp>
-      <p:grpSp>
-        <p:nvGrpSpPr>
-          <p:cNvPr id="25" name="组合 24">
-            <a:extLst>
-              <a:ext uri="{FF2B5EF4-FFF2-40B4-BE49-F238E27FC236}">
-                <a16:creationId xmlns:a16="http://schemas.microsoft.com/office/drawing/2014/main" id="{11225281-4BDF-4421-9A8E-AA44C7DA140D}"/>
-              </a:ext>
-            </a:extLst>
-          </p:cNvPr>
-          <p:cNvGrpSpPr/>
-          <p:nvPr/>
-        </p:nvGrpSpPr>
-        <p:grpSpPr>
-          <a:xfrm>
-            <a:off x="977864" y="2081525"/>
-            <a:ext cx="1126328" cy="1243276"/>
-            <a:chOff x="589078" y="2173649"/>
-            <a:chExt cx="1126328" cy="1243276"/>
-          </a:xfrm>
-        </p:grpSpPr>
-        <p:grpSp>
-          <p:nvGrpSpPr>
-            <p:cNvPr id="23" name="组合 22">
-              <a:extLst>
-                <a:ext uri="{FF2B5EF4-FFF2-40B4-BE49-F238E27FC236}">
-                  <a16:creationId xmlns:a16="http://schemas.microsoft.com/office/drawing/2014/main" id="{B8247F47-19E5-4E6A-8867-3423F2E7AEAE}"/>
-                </a:ext>
-              </a:extLst>
-            </p:cNvPr>
-            <p:cNvGrpSpPr/>
-            <p:nvPr/>
-          </p:nvGrpSpPr>
-          <p:grpSpPr>
-            <a:xfrm>
-              <a:off x="589078" y="2173649"/>
-              <a:ext cx="1126328" cy="1243276"/>
-              <a:chOff x="1950418" y="3368985"/>
-              <a:chExt cx="432211" cy="477089"/>
-            </a:xfrm>
-          </p:grpSpPr>
-          <p:sp>
-            <p:nvSpPr>
-              <p:cNvPr id="21" name="矩形 20">
-                <a:extLst>
-                  <a:ext uri="{FF2B5EF4-FFF2-40B4-BE49-F238E27FC236}">
-                    <a16:creationId xmlns:a16="http://schemas.microsoft.com/office/drawing/2014/main" id="{1DFAF6ED-F573-463F-B0F6-4885B32E8488}"/>
-                  </a:ext>
-                </a:extLst>
-              </p:cNvPr>
-              <p:cNvSpPr/>
-              <p:nvPr/>
-            </p:nvSpPr>
-            <p:spPr>
-              <a:xfrm>
-                <a:off x="1950418" y="3368985"/>
-                <a:ext cx="353961" cy="353960"/>
-              </a:xfrm>
-              <a:prstGeom prst="rect">
-                <a:avLst/>
-              </a:prstGeom>
-              <a:solidFill>
-                <a:srgbClr val="113F4E"/>
-              </a:solidFill>
-              <a:ln>
-                <a:noFill/>
-              </a:ln>
-            </p:spPr>
-            <p:style>
-              <a:lnRef idx="2">
-                <a:schemeClr val="accent1">
-                  <a:shade val="50000"/>
-                </a:schemeClr>
-              </a:lnRef>
-              <a:fillRef idx="1">
-                <a:schemeClr val="accent1"/>
-              </a:fillRef>
-              <a:effectRef idx="0">
-                <a:schemeClr val="accent1"/>
-              </a:effectRef>
-              <a:fontRef idx="minor">
-                <a:schemeClr val="lt1"/>
-              </a:fontRef>
-            </p:style>
-            <p:txBody>
-              <a:bodyPr rtlCol="0" anchor="ctr"/>
-              <a:lstStyle/>
-              <a:p>
-                <a:pPr algn="ctr"/>
-                <a:endParaRPr lang="zh-CN" altLang="en-US" dirty="0">
-                  <a:latin typeface="微软雅黑" panose="020B0503020204020204" pitchFamily="34" charset="-122"/>
-                  <a:ea typeface="微软雅黑" panose="020B0503020204020204" pitchFamily="34" charset="-122"/>
-                </a:endParaRPr>
-              </a:p>
-            </p:txBody>
-          </p:sp>
-          <p:sp>
-            <p:nvSpPr>
-              <p:cNvPr id="22" name="矩形 21">
-                <a:extLst>
-                  <a:ext uri="{FF2B5EF4-FFF2-40B4-BE49-F238E27FC236}">
-                    <a16:creationId xmlns:a16="http://schemas.microsoft.com/office/drawing/2014/main" id="{C9455EE8-908B-4D3E-81B2-AFC27CF43C63}"/>
-                  </a:ext>
-                </a:extLst>
-              </p:cNvPr>
-              <p:cNvSpPr/>
-              <p:nvPr/>
-            </p:nvSpPr>
-            <p:spPr>
-              <a:xfrm>
-                <a:off x="2082519" y="3545965"/>
-                <a:ext cx="300110" cy="300109"/>
-              </a:xfrm>
-              <a:prstGeom prst="rect">
-                <a:avLst/>
-              </a:prstGeom>
-              <a:solidFill>
-                <a:srgbClr val="55C0AF"/>
-              </a:solidFill>
-              <a:ln>
-                <a:noFill/>
-              </a:ln>
-            </p:spPr>
-            <p:style>
-              <a:lnRef idx="2">
-                <a:schemeClr val="accent1">
-                  <a:shade val="50000"/>
-                </a:schemeClr>
-              </a:lnRef>
-              <a:fillRef idx="1">
-                <a:schemeClr val="accent1"/>
-              </a:fillRef>
-              <a:effectRef idx="0">
-                <a:schemeClr val="accent1"/>
-              </a:effectRef>
-              <a:fontRef idx="minor">
-                <a:schemeClr val="lt1"/>
-              </a:fontRef>
-            </p:style>
-            <p:txBody>
-              <a:bodyPr rtlCol="0" anchor="ctr"/>
-              <a:lstStyle/>
-              <a:p>
-                <a:pPr algn="ctr"/>
-                <a:endParaRPr lang="zh-CN" altLang="en-US" dirty="0">
-                  <a:latin typeface="微软雅黑" panose="020B0503020204020204" pitchFamily="34" charset="-122"/>
-                  <a:ea typeface="微软雅黑" panose="020B0503020204020204" pitchFamily="34" charset="-122"/>
-                </a:endParaRPr>
-              </a:p>
-            </p:txBody>
-          </p:sp>
-        </p:grpSp>
-        <p:sp>
-          <p:nvSpPr>
-            <p:cNvPr id="24" name="文本框 23">
-              <a:extLst>
-                <a:ext uri="{FF2B5EF4-FFF2-40B4-BE49-F238E27FC236}">
-                  <a16:creationId xmlns:a16="http://schemas.microsoft.com/office/drawing/2014/main" id="{D4CDD749-5E1D-4D14-861D-8AB76BB9010E}"/>
-                </a:ext>
-              </a:extLst>
-            </p:cNvPr>
-            <p:cNvSpPr txBox="1"/>
-            <p:nvPr/>
-          </p:nvSpPr>
-          <p:spPr>
-            <a:xfrm>
-              <a:off x="907668" y="2220553"/>
-              <a:ext cx="611065" cy="923330"/>
-            </a:xfrm>
-            <a:prstGeom prst="rect">
-              <a:avLst/>
-            </a:prstGeom>
-            <a:noFill/>
-          </p:spPr>
-          <p:txBody>
-            <a:bodyPr wrap="none" rtlCol="0">
-              <a:spAutoFit/>
-              <a:scene3d>
-                <a:camera prst="orthographicFront"/>
-                <a:lightRig rig="threePt" dir="t"/>
-              </a:scene3d>
-              <a:sp3d contourW="12700"/>
-            </a:bodyPr>
-            <a:lstStyle/>
-            <a:p>
-              <a:r>
-                <a:rPr lang="en-US" altLang="zh-CN" sz="5400" b="1" dirty="0">
-                  <a:solidFill>
-                    <a:schemeClr val="bg1"/>
-                  </a:solidFill>
-                  <a:latin typeface="微软雅黑" panose="020B0503020204020204" pitchFamily="34" charset="-122"/>
-                  <a:ea typeface="微软雅黑" panose="020B0503020204020204" pitchFamily="34" charset="-122"/>
-                </a:rPr>
-                <a:t>3</a:t>
-              </a:r>
-              <a:endParaRPr lang="zh-CN" altLang="en-US" sz="5400" b="1" dirty="0">
-                <a:solidFill>
-                  <a:schemeClr val="bg1"/>
-                </a:solidFill>
-                <a:latin typeface="微软雅黑" panose="020B0503020204020204" pitchFamily="34" charset="-122"/>
-                <a:ea typeface="微软雅黑" panose="020B0503020204020204" pitchFamily="34" charset="-122"/>
-              </a:endParaRPr>
-            </a:p>
-          </p:txBody>
-        </p:sp>
-      </p:grpSp>
-    </p:spTree>
-    <p:extLst>
-      <p:ext uri="{BB962C8B-B14F-4D97-AF65-F5344CB8AC3E}">
-        <p14:creationId xmlns:p14="http://schemas.microsoft.com/office/powerpoint/2010/main" val="3245184952"/>
-      </p:ext>
-    </p:extLst>
-  </p:cSld>
-  <p:clrMapOvr>
-    <a:masterClrMapping/>
-  </p:clrMapOvr>
-  <p:transition spd="slow">
-    <p:push dir="u"/>
-  </p:transition>
-  <mc:AlternateContent xmlns:mc="http://schemas.openxmlformats.org/markup-compatibility/2006" xmlns:p14="http://schemas.microsoft.com/office/powerpoint/2010/main">
-    <mc:Choice Requires="p14">
-      <p:timing>
-        <p:tnLst>
-          <p:par>
-            <p:cTn id="1" dur="indefinite" restart="never" nodeType="tmRoot">
-              <p:childTnLst>
-                <p:seq concurrent="1" nextAc="seek">
-                  <p:cTn id="2" dur="indefinite" nodeType="mainSeq">
-                    <p:childTnLst>
-                      <p:par>
-                        <p:cTn id="3" fill="hold">
-                          <p:stCondLst>
-                            <p:cond delay="indefinite"/>
-                            <p:cond evt="onBegin" delay="0">
-                              <p:tn val="2"/>
-                            </p:cond>
-                          </p:stCondLst>
-                          <p:childTnLst>
-                            <p:par>
-                              <p:cTn id="4" fill="hold">
-                                <p:stCondLst>
-                                  <p:cond delay="0"/>
-                                </p:stCondLst>
-                                <p:childTnLst>
-                                  <p:par>
-                                    <p:cTn id="5" presetID="16" presetClass="entr" presetSubtype="21" fill="hold" nodeType="withEffect">
-                                      <p:stCondLst>
-                                        <p:cond delay="0"/>
-                                      </p:stCondLst>
-                                      <p:childTnLst>
-                                        <p:set>
-                                          <p:cBhvr>
-                                            <p:cTn id="6" dur="1" fill="hold">
-                                              <p:stCondLst>
-                                                <p:cond delay="0"/>
-                                              </p:stCondLst>
-                                            </p:cTn>
-                                            <p:tgtEl>
-                                              <p:spTgt spid="9"/>
-                                            </p:tgtEl>
-                                            <p:attrNameLst>
-                                              <p:attrName>style.visibility</p:attrName>
-                                            </p:attrNameLst>
-                                          </p:cBhvr>
-                                          <p:to>
-                                            <p:strVal val="visible"/>
-                                          </p:to>
-                                        </p:set>
-                                        <p:animEffect transition="in" filter="barn(inVertical)">
-                                          <p:cBhvr>
-                                            <p:cTn id="7" dur="750"/>
-                                            <p:tgtEl>
-                                              <p:spTgt spid="9"/>
-                                            </p:tgtEl>
-                                          </p:cBhvr>
-                                        </p:animEffect>
-                                      </p:childTnLst>
-                                    </p:cTn>
-                                  </p:par>
-                                </p:childTnLst>
-                              </p:cTn>
-                            </p:par>
-                            <p:par>
-                              <p:cTn id="8" fill="hold">
-                                <p:stCondLst>
-                                  <p:cond delay="750"/>
-                                </p:stCondLst>
-                                <p:childTnLst>
-                                  <p:par>
-                                    <p:cTn id="9" presetID="2" presetClass="entr" presetSubtype="8" fill="hold" nodeType="afterEffect">
-                                      <p:stCondLst>
-                                        <p:cond delay="0"/>
-                                      </p:stCondLst>
-                                      <p:childTnLst>
-                                        <p:set>
-                                          <p:cBhvr>
-                                            <p:cTn id="10" dur="1" fill="hold">
-                                              <p:stCondLst>
-                                                <p:cond delay="0"/>
-                                              </p:stCondLst>
-                                            </p:cTn>
-                                            <p:tgtEl>
-                                              <p:spTgt spid="25"/>
-                                            </p:tgtEl>
-                                            <p:attrNameLst>
-                                              <p:attrName>style.visibility</p:attrName>
-                                            </p:attrNameLst>
-                                          </p:cBhvr>
-                                          <p:to>
-                                            <p:strVal val="visible"/>
-                                          </p:to>
-                                        </p:set>
-                                        <p:anim calcmode="lin" valueType="num">
-                                          <p:cBhvr additive="base">
-                                            <p:cTn id="11" dur="500" fill="hold"/>
-                                            <p:tgtEl>
-                                              <p:spTgt spid="25"/>
-                                            </p:tgtEl>
-                                            <p:attrNameLst>
-                                              <p:attrName>ppt_x</p:attrName>
-                                            </p:attrNameLst>
-                                          </p:cBhvr>
-                                          <p:tavLst>
-                                            <p:tav tm="0">
-                                              <p:val>
-                                                <p:strVal val="0-#ppt_w/2"/>
-                                              </p:val>
-                                            </p:tav>
-                                            <p:tav tm="100000">
-                                              <p:val>
-                                                <p:strVal val="#ppt_x"/>
-                                              </p:val>
-                                            </p:tav>
-                                          </p:tavLst>
-                                        </p:anim>
-                                        <p:anim calcmode="lin" valueType="num">
-                                          <p:cBhvr additive="base">
-                                            <p:cTn id="12" dur="500" fill="hold"/>
-                                            <p:tgtEl>
-                                              <p:spTgt spid="25"/>
-                                            </p:tgtEl>
-                                            <p:attrNameLst>
-                                              <p:attrName>ppt_y</p:attrName>
-                                            </p:attrNameLst>
-                                          </p:cBhvr>
-                                          <p:tavLst>
-                                            <p:tav tm="0">
-                                              <p:val>
-                                                <p:strVal val="#ppt_y"/>
-                                              </p:val>
-                                            </p:tav>
-                                            <p:tav tm="100000">
-                                              <p:val>
-                                                <p:strVal val="#ppt_y"/>
-                                              </p:val>
-                                            </p:tav>
-                                          </p:tavLst>
-                                        </p:anim>
-                                      </p:childTnLst>
-                                    </p:cTn>
-                                  </p:par>
-                                </p:childTnLst>
-                              </p:cTn>
-                            </p:par>
-                            <p:par>
-                              <p:cTn id="13" fill="hold">
-                                <p:stCondLst>
-                                  <p:cond delay="1250"/>
-                                </p:stCondLst>
-                                <p:childTnLst>
-                                  <p:par>
-                                    <p:cTn id="14" presetID="2" presetClass="entr" presetSubtype="1" fill="hold" nodeType="afterEffect" p14:presetBounceEnd="54000">
-                                      <p:stCondLst>
-                                        <p:cond delay="0"/>
-                                      </p:stCondLst>
-                                      <p:childTnLst>
-                                        <p:set>
-                                          <p:cBhvr>
-                                            <p:cTn id="15" dur="1" fill="hold">
-                                              <p:stCondLst>
-                                                <p:cond delay="0"/>
-                                              </p:stCondLst>
-                                            </p:cTn>
-                                            <p:tgtEl>
-                                              <p:spTgt spid="10"/>
-                                            </p:tgtEl>
-                                            <p:attrNameLst>
-                                              <p:attrName>style.visibility</p:attrName>
-                                            </p:attrNameLst>
-                                          </p:cBhvr>
-                                          <p:to>
-                                            <p:strVal val="visible"/>
-                                          </p:to>
-                                        </p:set>
-                                        <p:anim calcmode="lin" valueType="num" p14:bounceEnd="54000">
-                                          <p:cBhvr additive="base">
-                                            <p:cTn id="16" dur="750" fill="hold"/>
-                                            <p:tgtEl>
-                                              <p:spTgt spid="10"/>
-                                            </p:tgtEl>
-                                            <p:attrNameLst>
-                                              <p:attrName>ppt_x</p:attrName>
-                                            </p:attrNameLst>
-                                          </p:cBhvr>
-                                          <p:tavLst>
-                                            <p:tav tm="0">
-                                              <p:val>
-                                                <p:strVal val="#ppt_x"/>
-                                              </p:val>
-                                            </p:tav>
-                                            <p:tav tm="100000">
-                                              <p:val>
-                                                <p:strVal val="#ppt_x"/>
-                                              </p:val>
-                                            </p:tav>
-                                          </p:tavLst>
-                                        </p:anim>
-                                        <p:anim calcmode="lin" valueType="num" p14:bounceEnd="54000">
-                                          <p:cBhvr additive="base">
-                                            <p:cTn id="17" dur="750" fill="hold"/>
-                                            <p:tgtEl>
-                                              <p:spTgt spid="10"/>
-                                            </p:tgtEl>
-                                            <p:attrNameLst>
-                                              <p:attrName>ppt_y</p:attrName>
-                                            </p:attrNameLst>
-                                          </p:cBhvr>
-                                          <p:tavLst>
-                                            <p:tav tm="0">
-                                              <p:val>
-                                                <p:strVal val="0-#ppt_h/2"/>
-                                              </p:val>
-                                            </p:tav>
-                                            <p:tav tm="100000">
-                                              <p:val>
-                                                <p:strVal val="#ppt_y"/>
-                                              </p:val>
-                                            </p:tav>
-                                          </p:tavLst>
-                                        </p:anim>
-                                      </p:childTnLst>
-                                    </p:cTn>
-                                  </p:par>
-                                </p:childTnLst>
-                              </p:cTn>
-                            </p:par>
-                            <p:par>
-                              <p:cTn id="18" fill="hold">
-                                <p:stCondLst>
-                                  <p:cond delay="2000"/>
-                                </p:stCondLst>
-                                <p:childTnLst>
-                                  <p:par>
-                                    <p:cTn id="19" presetID="12" presetClass="entr" presetSubtype="8" fill="hold" grpId="0" nodeType="afterEffect">
-                                      <p:stCondLst>
-                                        <p:cond delay="0"/>
-                                      </p:stCondLst>
-                                      <p:childTnLst>
-                                        <p:set>
-                                          <p:cBhvr>
-                                            <p:cTn id="20" dur="1" fill="hold">
-                                              <p:stCondLst>
-                                                <p:cond delay="0"/>
-                                              </p:stCondLst>
-                                            </p:cTn>
-                                            <p:tgtEl>
-                                              <p:spTgt spid="14"/>
-                                            </p:tgtEl>
-                                            <p:attrNameLst>
-                                              <p:attrName>style.visibility</p:attrName>
-                                            </p:attrNameLst>
-                                          </p:cBhvr>
-                                          <p:to>
-                                            <p:strVal val="visible"/>
-                                          </p:to>
-                                        </p:set>
-                                        <p:anim calcmode="lin" valueType="num">
-                                          <p:cBhvr additive="base">
-                                            <p:cTn id="21" dur="500"/>
-                                            <p:tgtEl>
-                                              <p:spTgt spid="14"/>
-                                            </p:tgtEl>
-                                            <p:attrNameLst>
-                                              <p:attrName>ppt_x</p:attrName>
-                                            </p:attrNameLst>
-                                          </p:cBhvr>
-                                          <p:tavLst>
-                                            <p:tav tm="0">
-                                              <p:val>
-                                                <p:strVal val="#ppt_x-#ppt_w*1.125000"/>
-                                              </p:val>
-                                            </p:tav>
-                                            <p:tav tm="100000">
-                                              <p:val>
-                                                <p:strVal val="#ppt_x"/>
-                                              </p:val>
-                                            </p:tav>
-                                          </p:tavLst>
-                                        </p:anim>
-                                        <p:animEffect transition="in" filter="wipe(right)">
-                                          <p:cBhvr>
-                                            <p:cTn id="22" dur="500"/>
-                                            <p:tgtEl>
-                                              <p:spTgt spid="14"/>
-                                            </p:tgtEl>
-                                          </p:cBhvr>
-                                        </p:animEffect>
-                                      </p:childTnLst>
-                                    </p:cTn>
-                                  </p:par>
-                                </p:childTnLst>
-                              </p:cTn>
-                            </p:par>
-                            <p:par>
-                              <p:cTn id="23" fill="hold">
-                                <p:stCondLst>
-                                  <p:cond delay="2500"/>
-                                </p:stCondLst>
-                                <p:childTnLst>
-                                  <p:par>
-                                    <p:cTn id="24" presetID="12" presetClass="entr" presetSubtype="8" fill="hold" grpId="0" nodeType="afterEffect">
-                                      <p:stCondLst>
-                                        <p:cond delay="0"/>
-                                      </p:stCondLst>
-                                      <p:childTnLst>
-                                        <p:set>
-                                          <p:cBhvr>
-                                            <p:cTn id="25" dur="1" fill="hold">
-                                              <p:stCondLst>
-                                                <p:cond delay="0"/>
-                                              </p:stCondLst>
-                                            </p:cTn>
-                                            <p:tgtEl>
-                                              <p:spTgt spid="15"/>
-                                            </p:tgtEl>
-                                            <p:attrNameLst>
-                                              <p:attrName>style.visibility</p:attrName>
-                                            </p:attrNameLst>
-                                          </p:cBhvr>
-                                          <p:to>
-                                            <p:strVal val="visible"/>
-                                          </p:to>
-                                        </p:set>
-                                        <p:anim calcmode="lin" valueType="num">
-                                          <p:cBhvr additive="base">
-                                            <p:cTn id="26" dur="500"/>
-                                            <p:tgtEl>
-                                              <p:spTgt spid="15"/>
-                                            </p:tgtEl>
-                                            <p:attrNameLst>
-                                              <p:attrName>ppt_x</p:attrName>
-                                            </p:attrNameLst>
-                                          </p:cBhvr>
-                                          <p:tavLst>
-                                            <p:tav tm="0">
-                                              <p:val>
-                                                <p:strVal val="#ppt_x-#ppt_w*1.125000"/>
-                                              </p:val>
-                                            </p:tav>
-                                            <p:tav tm="100000">
-                                              <p:val>
-                                                <p:strVal val="#ppt_x"/>
-                                              </p:val>
-                                            </p:tav>
-                                          </p:tavLst>
-                                        </p:anim>
-                                        <p:animEffect transition="in" filter="wipe(right)">
-                                          <p:cBhvr>
-                                            <p:cTn id="27" dur="500"/>
-                                            <p:tgtEl>
-                                              <p:spTgt spid="15"/>
-                                            </p:tgtEl>
-                                          </p:cBhvr>
-                                        </p:animEffect>
-                                      </p:childTnLst>
-                                    </p:cTn>
-                                  </p:par>
-                                </p:childTnLst>
-                              </p:cTn>
-                            </p:par>
-                            <p:par>
-                              <p:cTn id="28" fill="hold">
-                                <p:stCondLst>
-                                  <p:cond delay="3000"/>
-                                </p:stCondLst>
-                                <p:childTnLst>
-                                  <p:par>
-                                    <p:cTn id="29" presetID="12" presetClass="entr" presetSubtype="8" fill="hold" grpId="0" nodeType="afterEffect">
-                                      <p:stCondLst>
-                                        <p:cond delay="0"/>
-                                      </p:stCondLst>
-                                      <p:childTnLst>
-                                        <p:set>
-                                          <p:cBhvr>
-                                            <p:cTn id="30" dur="1" fill="hold">
-                                              <p:stCondLst>
-                                                <p:cond delay="0"/>
-                                              </p:stCondLst>
-                                            </p:cTn>
-                                            <p:tgtEl>
-                                              <p:spTgt spid="16"/>
-                                            </p:tgtEl>
-                                            <p:attrNameLst>
-                                              <p:attrName>style.visibility</p:attrName>
-                                            </p:attrNameLst>
-                                          </p:cBhvr>
-                                          <p:to>
-                                            <p:strVal val="visible"/>
-                                          </p:to>
-                                        </p:set>
-                                        <p:anim calcmode="lin" valueType="num">
-                                          <p:cBhvr additive="base">
-                                            <p:cTn id="31" dur="500"/>
-                                            <p:tgtEl>
-                                              <p:spTgt spid="16"/>
-                                            </p:tgtEl>
-                                            <p:attrNameLst>
-                                              <p:attrName>ppt_x</p:attrName>
-                                            </p:attrNameLst>
-                                          </p:cBhvr>
-                                          <p:tavLst>
-                                            <p:tav tm="0">
-                                              <p:val>
-                                                <p:strVal val="#ppt_x-#ppt_w*1.125000"/>
-                                              </p:val>
-                                            </p:tav>
-                                            <p:tav tm="100000">
-                                              <p:val>
-                                                <p:strVal val="#ppt_x"/>
-                                              </p:val>
-                                            </p:tav>
-                                          </p:tavLst>
-                                        </p:anim>
-                                        <p:animEffect transition="in" filter="wipe(right)">
-                                          <p:cBhvr>
-                                            <p:cTn id="32" dur="500"/>
-                                            <p:tgtEl>
-                                              <p:spTgt spid="16"/>
-                                            </p:tgtEl>
-                                          </p:cBhvr>
-                                        </p:animEffect>
-                                      </p:childTnLst>
-                                    </p:cTn>
-                                  </p:par>
-                                </p:childTnLst>
-                              </p:cTn>
-                            </p:par>
-                            <p:par>
-                              <p:cTn id="33" fill="hold">
-                                <p:stCondLst>
-                                  <p:cond delay="3500"/>
-                                </p:stCondLst>
-                                <p:childTnLst>
-                                  <p:par>
-                                    <p:cTn id="34" presetID="12" presetClass="entr" presetSubtype="8" fill="hold" grpId="0" nodeType="afterEffect">
-                                      <p:stCondLst>
-                                        <p:cond delay="0"/>
-                                      </p:stCondLst>
-                                      <p:childTnLst>
-                                        <p:set>
-                                          <p:cBhvr>
-                                            <p:cTn id="35" dur="1" fill="hold">
-                                              <p:stCondLst>
-                                                <p:cond delay="0"/>
-                                              </p:stCondLst>
-                                            </p:cTn>
-                                            <p:tgtEl>
-                                              <p:spTgt spid="17"/>
-                                            </p:tgtEl>
-                                            <p:attrNameLst>
-                                              <p:attrName>style.visibility</p:attrName>
-                                            </p:attrNameLst>
-                                          </p:cBhvr>
-                                          <p:to>
-                                            <p:strVal val="visible"/>
-                                          </p:to>
-                                        </p:set>
-                                        <p:anim calcmode="lin" valueType="num">
-                                          <p:cBhvr additive="base">
-                                            <p:cTn id="36" dur="500"/>
-                                            <p:tgtEl>
-                                              <p:spTgt spid="17"/>
-                                            </p:tgtEl>
-                                            <p:attrNameLst>
-                                              <p:attrName>ppt_x</p:attrName>
-                                            </p:attrNameLst>
-                                          </p:cBhvr>
-                                          <p:tavLst>
-                                            <p:tav tm="0">
-                                              <p:val>
-                                                <p:strVal val="#ppt_x-#ppt_w*1.125000"/>
-                                              </p:val>
-                                            </p:tav>
-                                            <p:tav tm="100000">
-                                              <p:val>
-                                                <p:strVal val="#ppt_x"/>
-                                              </p:val>
-                                            </p:tav>
-                                          </p:tavLst>
-                                        </p:anim>
-                                        <p:animEffect transition="in" filter="wipe(right)">
-                                          <p:cBhvr>
-                                            <p:cTn id="37" dur="500"/>
-                                            <p:tgtEl>
-                                              <p:spTgt spid="17"/>
-                                            </p:tgtEl>
-                                          </p:cBhvr>
-                                        </p:animEffect>
-                                      </p:childTnLst>
-                                    </p:cTn>
-                                  </p:par>
-                                </p:childTnLst>
-                              </p:cTn>
-                            </p:par>
-                          </p:childTnLst>
-                        </p:cTn>
-                      </p:par>
-                    </p:childTnLst>
-                  </p:cTn>
-                  <p:prevCondLst>
-                    <p:cond evt="onPrev" delay="0">
-                      <p:tgtEl>
-                        <p:sldTgt/>
-                      </p:tgtEl>
-                    </p:cond>
-                  </p:prevCondLst>
-                  <p:nextCondLst>
-                    <p:cond evt="onNext" delay="0">
-                      <p:tgtEl>
-                        <p:sldTgt/>
-                      </p:tgtEl>
-                    </p:cond>
-                  </p:nextCondLst>
-                </p:seq>
-              </p:childTnLst>
-            </p:cTn>
-          </p:par>
-        </p:tnLst>
-        <p:bldLst>
-          <p:bldP spid="14" grpId="0"/>
-          <p:bldP spid="15" grpId="0"/>
-          <p:bldP spid="16" grpId="0"/>
-          <p:bldP spid="17" grpId="0"/>
-        </p:bldLst>
-      </p:timing>
-    </mc:Choice>
-    <mc:Fallback xmlns="">
-      <p:timing>
-        <p:tnLst>
-          <p:par>
-            <p:cTn id="1" dur="indefinite" restart="never" nodeType="tmRoot">
-              <p:childTnLst>
-                <p:seq concurrent="1" nextAc="seek">
-                  <p:cTn id="2" dur="indefinite" nodeType="mainSeq">
-                    <p:childTnLst>
-                      <p:par>
-                        <p:cTn id="3" fill="hold">
-                          <p:stCondLst>
-                            <p:cond delay="indefinite"/>
-                            <p:cond evt="onBegin" delay="0">
-                              <p:tn val="2"/>
-                            </p:cond>
-                          </p:stCondLst>
-                          <p:childTnLst>
-                            <p:par>
-                              <p:cTn id="4" fill="hold">
-                                <p:stCondLst>
-                                  <p:cond delay="0"/>
-                                </p:stCondLst>
-                                <p:childTnLst>
-                                  <p:par>
-                                    <p:cTn id="5" presetID="16" presetClass="entr" presetSubtype="21" fill="hold" nodeType="withEffect">
-                                      <p:stCondLst>
-                                        <p:cond delay="0"/>
-                                      </p:stCondLst>
-                                      <p:childTnLst>
-                                        <p:set>
-                                          <p:cBhvr>
-                                            <p:cTn id="6" dur="1" fill="hold">
-                                              <p:stCondLst>
-                                                <p:cond delay="0"/>
-                                              </p:stCondLst>
-                                            </p:cTn>
-                                            <p:tgtEl>
-                                              <p:spTgt spid="9"/>
-                                            </p:tgtEl>
-                                            <p:attrNameLst>
-                                              <p:attrName>style.visibility</p:attrName>
-                                            </p:attrNameLst>
-                                          </p:cBhvr>
-                                          <p:to>
-                                            <p:strVal val="visible"/>
-                                          </p:to>
-                                        </p:set>
-                                        <p:animEffect transition="in" filter="barn(inVertical)">
-                                          <p:cBhvr>
-                                            <p:cTn id="7" dur="750"/>
-                                            <p:tgtEl>
-                                              <p:spTgt spid="9"/>
-                                            </p:tgtEl>
-                                          </p:cBhvr>
-                                        </p:animEffect>
-                                      </p:childTnLst>
-                                    </p:cTn>
-                                  </p:par>
-                                </p:childTnLst>
-                              </p:cTn>
-                            </p:par>
-                            <p:par>
-                              <p:cTn id="8" fill="hold">
-                                <p:stCondLst>
-                                  <p:cond delay="750"/>
-                                </p:stCondLst>
-                                <p:childTnLst>
-                                  <p:par>
-                                    <p:cTn id="9" presetID="2" presetClass="entr" presetSubtype="8" fill="hold" nodeType="afterEffect">
-                                      <p:stCondLst>
-                                        <p:cond delay="0"/>
-                                      </p:stCondLst>
-                                      <p:childTnLst>
-                                        <p:set>
-                                          <p:cBhvr>
-                                            <p:cTn id="10" dur="1" fill="hold">
-                                              <p:stCondLst>
-                                                <p:cond delay="0"/>
-                                              </p:stCondLst>
-                                            </p:cTn>
-                                            <p:tgtEl>
-                                              <p:spTgt spid="25"/>
-                                            </p:tgtEl>
-                                            <p:attrNameLst>
-                                              <p:attrName>style.visibility</p:attrName>
-                                            </p:attrNameLst>
-                                          </p:cBhvr>
-                                          <p:to>
-                                            <p:strVal val="visible"/>
-                                          </p:to>
-                                        </p:set>
-                                        <p:anim calcmode="lin" valueType="num">
-                                          <p:cBhvr additive="base">
-                                            <p:cTn id="11" dur="500" fill="hold"/>
-                                            <p:tgtEl>
-                                              <p:spTgt spid="25"/>
-                                            </p:tgtEl>
-                                            <p:attrNameLst>
-                                              <p:attrName>ppt_x</p:attrName>
-                                            </p:attrNameLst>
-                                          </p:cBhvr>
-                                          <p:tavLst>
-                                            <p:tav tm="0">
-                                              <p:val>
-                                                <p:strVal val="0-#ppt_w/2"/>
-                                              </p:val>
-                                            </p:tav>
-                                            <p:tav tm="100000">
-                                              <p:val>
-                                                <p:strVal val="#ppt_x"/>
-                                              </p:val>
-                                            </p:tav>
-                                          </p:tavLst>
-                                        </p:anim>
-                                        <p:anim calcmode="lin" valueType="num">
-                                          <p:cBhvr additive="base">
-                                            <p:cTn id="12" dur="500" fill="hold"/>
-                                            <p:tgtEl>
-                                              <p:spTgt spid="25"/>
-                                            </p:tgtEl>
-                                            <p:attrNameLst>
-                                              <p:attrName>ppt_y</p:attrName>
-                                            </p:attrNameLst>
-                                          </p:cBhvr>
-                                          <p:tavLst>
-                                            <p:tav tm="0">
-                                              <p:val>
-                                                <p:strVal val="#ppt_y"/>
-                                              </p:val>
-                                            </p:tav>
-                                            <p:tav tm="100000">
-                                              <p:val>
-                                                <p:strVal val="#ppt_y"/>
-                                              </p:val>
-                                            </p:tav>
-                                          </p:tavLst>
-                                        </p:anim>
-                                      </p:childTnLst>
-                                    </p:cTn>
-                                  </p:par>
-                                </p:childTnLst>
-                              </p:cTn>
-                            </p:par>
-                            <p:par>
-                              <p:cTn id="13" fill="hold">
-                                <p:stCondLst>
-                                  <p:cond delay="1250"/>
-                                </p:stCondLst>
-                                <p:childTnLst>
-                                  <p:par>
-                                    <p:cTn id="14" presetID="2" presetClass="entr" presetSubtype="1" fill="hold" nodeType="afterEffect">
-                                      <p:stCondLst>
-                                        <p:cond delay="0"/>
-                                      </p:stCondLst>
-                                      <p:childTnLst>
-                                        <p:set>
-                                          <p:cBhvr>
-                                            <p:cTn id="15" dur="1" fill="hold">
-                                              <p:stCondLst>
-                                                <p:cond delay="0"/>
-                                              </p:stCondLst>
-                                            </p:cTn>
-                                            <p:tgtEl>
-                                              <p:spTgt spid="10"/>
-                                            </p:tgtEl>
-                                            <p:attrNameLst>
-                                              <p:attrName>style.visibility</p:attrName>
-                                            </p:attrNameLst>
-                                          </p:cBhvr>
-                                          <p:to>
-                                            <p:strVal val="visible"/>
-                                          </p:to>
-                                        </p:set>
-                                        <p:anim calcmode="lin" valueType="num">
-                                          <p:cBhvr additive="base">
-                                            <p:cTn id="16" dur="750" fill="hold"/>
-                                            <p:tgtEl>
-                                              <p:spTgt spid="10"/>
-                                            </p:tgtEl>
-                                            <p:attrNameLst>
-                                              <p:attrName>ppt_x</p:attrName>
-                                            </p:attrNameLst>
-                                          </p:cBhvr>
-                                          <p:tavLst>
-                                            <p:tav tm="0">
-                                              <p:val>
-                                                <p:strVal val="#ppt_x"/>
-                                              </p:val>
-                                            </p:tav>
-                                            <p:tav tm="100000">
-                                              <p:val>
-                                                <p:strVal val="#ppt_x"/>
-                                              </p:val>
-                                            </p:tav>
-                                          </p:tavLst>
-                                        </p:anim>
-                                        <p:anim calcmode="lin" valueType="num">
-                                          <p:cBhvr additive="base">
-                                            <p:cTn id="17" dur="750" fill="hold"/>
-                                            <p:tgtEl>
-                                              <p:spTgt spid="10"/>
-                                            </p:tgtEl>
-                                            <p:attrNameLst>
-                                              <p:attrName>ppt_y</p:attrName>
-                                            </p:attrNameLst>
-                                          </p:cBhvr>
-                                          <p:tavLst>
-                                            <p:tav tm="0">
-                                              <p:val>
-                                                <p:strVal val="0-#ppt_h/2"/>
-                                              </p:val>
-                                            </p:tav>
-                                            <p:tav tm="100000">
-                                              <p:val>
-                                                <p:strVal val="#ppt_y"/>
-                                              </p:val>
-                                            </p:tav>
-                                          </p:tavLst>
-                                        </p:anim>
-                                      </p:childTnLst>
-                                    </p:cTn>
-                                  </p:par>
-                                </p:childTnLst>
-                              </p:cTn>
-                            </p:par>
-                            <p:par>
-                              <p:cTn id="18" fill="hold">
-                                <p:stCondLst>
-                                  <p:cond delay="2000"/>
-                                </p:stCondLst>
-                                <p:childTnLst>
-                                  <p:par>
-                                    <p:cTn id="19" presetID="12" presetClass="entr" presetSubtype="8" fill="hold" grpId="0" nodeType="afterEffect">
-                                      <p:stCondLst>
-                                        <p:cond delay="0"/>
-                                      </p:stCondLst>
-                                      <p:childTnLst>
-                                        <p:set>
-                                          <p:cBhvr>
-                                            <p:cTn id="20" dur="1" fill="hold">
-                                              <p:stCondLst>
-                                                <p:cond delay="0"/>
-                                              </p:stCondLst>
-                                            </p:cTn>
-                                            <p:tgtEl>
-                                              <p:spTgt spid="14"/>
-                                            </p:tgtEl>
-                                            <p:attrNameLst>
-                                              <p:attrName>style.visibility</p:attrName>
-                                            </p:attrNameLst>
-                                          </p:cBhvr>
-                                          <p:to>
-                                            <p:strVal val="visible"/>
-                                          </p:to>
-                                        </p:set>
-                                        <p:anim calcmode="lin" valueType="num">
-                                          <p:cBhvr additive="base">
-                                            <p:cTn id="21" dur="500"/>
-                                            <p:tgtEl>
-                                              <p:spTgt spid="14"/>
-                                            </p:tgtEl>
-                                            <p:attrNameLst>
-                                              <p:attrName>ppt_x</p:attrName>
-                                            </p:attrNameLst>
-                                          </p:cBhvr>
-                                          <p:tavLst>
-                                            <p:tav tm="0">
-                                              <p:val>
-                                                <p:strVal val="#ppt_x-#ppt_w*1.125000"/>
-                                              </p:val>
-                                            </p:tav>
-                                            <p:tav tm="100000">
-                                              <p:val>
-                                                <p:strVal val="#ppt_x"/>
-                                              </p:val>
-                                            </p:tav>
-                                          </p:tavLst>
-                                        </p:anim>
-                                        <p:animEffect transition="in" filter="wipe(right)">
-                                          <p:cBhvr>
-                                            <p:cTn id="22" dur="500"/>
-                                            <p:tgtEl>
-                                              <p:spTgt spid="14"/>
-                                            </p:tgtEl>
-                                          </p:cBhvr>
-                                        </p:animEffect>
-                                      </p:childTnLst>
-                                    </p:cTn>
-                                  </p:par>
-                                </p:childTnLst>
-                              </p:cTn>
-                            </p:par>
-                            <p:par>
-                              <p:cTn id="23" fill="hold">
-                                <p:stCondLst>
-                                  <p:cond delay="2500"/>
-                                </p:stCondLst>
-                                <p:childTnLst>
-                                  <p:par>
-                                    <p:cTn id="24" presetID="12" presetClass="entr" presetSubtype="8" fill="hold" grpId="0" nodeType="afterEffect">
-                                      <p:stCondLst>
-                                        <p:cond delay="0"/>
-                                      </p:stCondLst>
-                                      <p:childTnLst>
-                                        <p:set>
-                                          <p:cBhvr>
-                                            <p:cTn id="25" dur="1" fill="hold">
-                                              <p:stCondLst>
-                                                <p:cond delay="0"/>
-                                              </p:stCondLst>
-                                            </p:cTn>
-                                            <p:tgtEl>
-                                              <p:spTgt spid="15"/>
-                                            </p:tgtEl>
-                                            <p:attrNameLst>
-                                              <p:attrName>style.visibility</p:attrName>
-                                            </p:attrNameLst>
-                                          </p:cBhvr>
-                                          <p:to>
-                                            <p:strVal val="visible"/>
-                                          </p:to>
-                                        </p:set>
-                                        <p:anim calcmode="lin" valueType="num">
-                                          <p:cBhvr additive="base">
-                                            <p:cTn id="26" dur="500"/>
-                                            <p:tgtEl>
-                                              <p:spTgt spid="15"/>
-                                            </p:tgtEl>
-                                            <p:attrNameLst>
-                                              <p:attrName>ppt_x</p:attrName>
-                                            </p:attrNameLst>
-                                          </p:cBhvr>
-                                          <p:tavLst>
-                                            <p:tav tm="0">
-                                              <p:val>
-                                                <p:strVal val="#ppt_x-#ppt_w*1.125000"/>
-                                              </p:val>
-                                            </p:tav>
-                                            <p:tav tm="100000">
-                                              <p:val>
-                                                <p:strVal val="#ppt_x"/>
-                                              </p:val>
-                                            </p:tav>
-                                          </p:tavLst>
-                                        </p:anim>
-                                        <p:animEffect transition="in" filter="wipe(right)">
-                                          <p:cBhvr>
-                                            <p:cTn id="27" dur="500"/>
-                                            <p:tgtEl>
-                                              <p:spTgt spid="15"/>
-                                            </p:tgtEl>
-                                          </p:cBhvr>
-                                        </p:animEffect>
-                                      </p:childTnLst>
-                                    </p:cTn>
-                                  </p:par>
-                                </p:childTnLst>
-                              </p:cTn>
-                            </p:par>
-                            <p:par>
-                              <p:cTn id="28" fill="hold">
-                                <p:stCondLst>
-                                  <p:cond delay="3000"/>
-                                </p:stCondLst>
-                                <p:childTnLst>
-                                  <p:par>
-                                    <p:cTn id="29" presetID="12" presetClass="entr" presetSubtype="8" fill="hold" grpId="0" nodeType="afterEffect">
-                                      <p:stCondLst>
-                                        <p:cond delay="0"/>
-                                      </p:stCondLst>
-                                      <p:childTnLst>
-                                        <p:set>
-                                          <p:cBhvr>
-                                            <p:cTn id="30" dur="1" fill="hold">
-                                              <p:stCondLst>
-                                                <p:cond delay="0"/>
-                                              </p:stCondLst>
-                                            </p:cTn>
-                                            <p:tgtEl>
-                                              <p:spTgt spid="16"/>
-                                            </p:tgtEl>
-                                            <p:attrNameLst>
-                                              <p:attrName>style.visibility</p:attrName>
-                                            </p:attrNameLst>
-                                          </p:cBhvr>
-                                          <p:to>
-                                            <p:strVal val="visible"/>
-                                          </p:to>
-                                        </p:set>
-                                        <p:anim calcmode="lin" valueType="num">
-                                          <p:cBhvr additive="base">
-                                            <p:cTn id="31" dur="500"/>
-                                            <p:tgtEl>
-                                              <p:spTgt spid="16"/>
-                                            </p:tgtEl>
-                                            <p:attrNameLst>
-                                              <p:attrName>ppt_x</p:attrName>
-                                            </p:attrNameLst>
-                                          </p:cBhvr>
-                                          <p:tavLst>
-                                            <p:tav tm="0">
-                                              <p:val>
-                                                <p:strVal val="#ppt_x-#ppt_w*1.125000"/>
-                                              </p:val>
-                                            </p:tav>
-                                            <p:tav tm="100000">
-                                              <p:val>
-                                                <p:strVal val="#ppt_x"/>
-                                              </p:val>
-                                            </p:tav>
-                                          </p:tavLst>
-                                        </p:anim>
-                                        <p:animEffect transition="in" filter="wipe(right)">
-                                          <p:cBhvr>
-                                            <p:cTn id="32" dur="500"/>
-                                            <p:tgtEl>
-                                              <p:spTgt spid="16"/>
-                                            </p:tgtEl>
-                                          </p:cBhvr>
-                                        </p:animEffect>
-                                      </p:childTnLst>
-                                    </p:cTn>
-                                  </p:par>
-                                </p:childTnLst>
-                              </p:cTn>
-                            </p:par>
-                            <p:par>
-                              <p:cTn id="33" fill="hold">
-                                <p:stCondLst>
-                                  <p:cond delay="3500"/>
-                                </p:stCondLst>
-                                <p:childTnLst>
-                                  <p:par>
-                                    <p:cTn id="34" presetID="12" presetClass="entr" presetSubtype="8" fill="hold" grpId="0" nodeType="afterEffect">
-                                      <p:stCondLst>
-                                        <p:cond delay="0"/>
-                                      </p:stCondLst>
-                                      <p:childTnLst>
-                                        <p:set>
-                                          <p:cBhvr>
-                                            <p:cTn id="35" dur="1" fill="hold">
-                                              <p:stCondLst>
-                                                <p:cond delay="0"/>
-                                              </p:stCondLst>
-                                            </p:cTn>
-                                            <p:tgtEl>
-                                              <p:spTgt spid="17"/>
-                                            </p:tgtEl>
-                                            <p:attrNameLst>
-                                              <p:attrName>style.visibility</p:attrName>
-                                            </p:attrNameLst>
-                                          </p:cBhvr>
-                                          <p:to>
-                                            <p:strVal val="visible"/>
-                                          </p:to>
-                                        </p:set>
-                                        <p:anim calcmode="lin" valueType="num">
-                                          <p:cBhvr additive="base">
-                                            <p:cTn id="36" dur="500"/>
-                                            <p:tgtEl>
-                                              <p:spTgt spid="17"/>
-                                            </p:tgtEl>
-                                            <p:attrNameLst>
-                                              <p:attrName>ppt_x</p:attrName>
-                                            </p:attrNameLst>
-                                          </p:cBhvr>
-                                          <p:tavLst>
-                                            <p:tav tm="0">
-                                              <p:val>
-                                                <p:strVal val="#ppt_x-#ppt_w*1.125000"/>
-                                              </p:val>
-                                            </p:tav>
-                                            <p:tav tm="100000">
-                                              <p:val>
-                                                <p:strVal val="#ppt_x"/>
-                                              </p:val>
-                                            </p:tav>
-                                          </p:tavLst>
-                                        </p:anim>
-                                        <p:animEffect transition="in" filter="wipe(right)">
-                                          <p:cBhvr>
-                                            <p:cTn id="37" dur="500"/>
-                                            <p:tgtEl>
-                                              <p:spTgt spid="17"/>
-                                            </p:tgtEl>
-                                          </p:cBhvr>
-                                        </p:animEffect>
-                                      </p:childTnLst>
-                                    </p:cTn>
-                                  </p:par>
-                                </p:childTnLst>
-                              </p:cTn>
-                            </p:par>
-                          </p:childTnLst>
-                        </p:cTn>
-                      </p:par>
-                    </p:childTnLst>
-                  </p:cTn>
-                  <p:prevCondLst>
-                    <p:cond evt="onPrev" delay="0">
-                      <p:tgtEl>
-                        <p:sldTgt/>
-                      </p:tgtEl>
-                    </p:cond>
-                  </p:prevCondLst>
-                  <p:nextCondLst>
-                    <p:cond evt="onNext" delay="0">
-                      <p:tgtEl>
-                        <p:sldTgt/>
-                      </p:tgtEl>
-                    </p:cond>
-                  </p:nextCondLst>
-                </p:seq>
-              </p:childTnLst>
-            </p:cTn>
-          </p:par>
-        </p:tnLst>
-        <p:bldLst>
-          <p:bldP spid="14" grpId="0"/>
-          <p:bldP spid="15" grpId="0"/>
-          <p:bldP spid="16" grpId="0"/>
-          <p:bldP spid="17" grpId="0"/>
-        </p:bldLst>
-      </p:timing>
-    </mc:Fallback>
-  </mc:AlternateContent>
-</p:sld>
-</file>
-
 <file path=ppt/slides/slide29.xml><?xml version="1.0" encoding="utf-8"?>
 <p:sld xmlns:a="http://schemas.openxmlformats.org/drawingml/2006/main" xmlns:r="http://schemas.openxmlformats.org/officeDocument/2006/relationships" xmlns:p="http://schemas.openxmlformats.org/presentationml/2006/main">
   <p:cSld>
@@ -31174,97 +32698,7 @@
                 <a:latin typeface="微软雅黑" panose="020B0503020204020204" pitchFamily="34" charset="-122"/>
                 <a:ea typeface="微软雅黑" panose="020B0503020204020204" pitchFamily="34" charset="-122"/>
               </a:rPr>
-              <a:t>通用于计划总结</a:t>
-            </a:r>
-            <a:r>
-              <a:rPr lang="en-US" altLang="zh-CN" sz="1400" spc="600" dirty="0">
-                <a:solidFill>
-                  <a:srgbClr val="113F4E"/>
-                </a:solidFill>
-                <a:latin typeface="微软雅黑" panose="020B0503020204020204" pitchFamily="34" charset="-122"/>
-                <a:ea typeface="微软雅黑" panose="020B0503020204020204" pitchFamily="34" charset="-122"/>
-              </a:rPr>
-              <a:t>/</a:t>
-            </a:r>
-            <a:r>
-              <a:rPr lang="zh-CN" altLang="en-US" sz="1400" spc="600" dirty="0">
-                <a:solidFill>
-                  <a:srgbClr val="113F4E"/>
-                </a:solidFill>
-                <a:latin typeface="微软雅黑" panose="020B0503020204020204" pitchFamily="34" charset="-122"/>
-                <a:ea typeface="微软雅黑" panose="020B0503020204020204" pitchFamily="34" charset="-122"/>
-              </a:rPr>
-              <a:t>工作汇报</a:t>
-            </a:r>
-            <a:r>
-              <a:rPr lang="en-US" altLang="zh-CN" sz="1400" spc="600" dirty="0">
-                <a:solidFill>
-                  <a:srgbClr val="113F4E"/>
-                </a:solidFill>
-                <a:latin typeface="微软雅黑" panose="020B0503020204020204" pitchFamily="34" charset="-122"/>
-                <a:ea typeface="微软雅黑" panose="020B0503020204020204" pitchFamily="34" charset="-122"/>
-              </a:rPr>
-              <a:t>/</a:t>
-            </a:r>
-            <a:r>
-              <a:rPr lang="zh-CN" altLang="en-US" sz="1400" spc="600" dirty="0">
-                <a:solidFill>
-                  <a:srgbClr val="113F4E"/>
-                </a:solidFill>
-                <a:latin typeface="微软雅黑" panose="020B0503020204020204" pitchFamily="34" charset="-122"/>
-                <a:ea typeface="微软雅黑" panose="020B0503020204020204" pitchFamily="34" charset="-122"/>
-              </a:rPr>
-              <a:t>述职报告等</a:t>
-            </a:r>
-          </a:p>
-        </p:txBody>
-      </p:sp>
-      <p:sp>
-        <p:nvSpPr>
-          <p:cNvPr id="11" name="矩形 10">
-            <a:extLst>
-              <a:ext uri="{FF2B5EF4-FFF2-40B4-BE49-F238E27FC236}">
-                <a16:creationId xmlns:a16="http://schemas.microsoft.com/office/drawing/2014/main" id="{8DC0D187-3325-49DD-BD3E-986CB9BE955A}"/>
-              </a:ext>
-            </a:extLst>
-          </p:cNvPr>
-          <p:cNvSpPr/>
-          <p:nvPr/>
-        </p:nvSpPr>
-        <p:spPr>
-          <a:xfrm>
-            <a:off x="6303281" y="3625838"/>
-            <a:ext cx="5770769" cy="436017"/>
-          </a:xfrm>
-          <a:prstGeom prst="rect">
-            <a:avLst/>
-          </a:prstGeom>
-        </p:spPr>
-        <p:txBody>
-          <a:bodyPr wrap="square">
-            <a:spAutoFit/>
-            <a:scene3d>
-              <a:camera prst="orthographicFront"/>
-              <a:lightRig rig="threePt" dir="t"/>
-            </a:scene3d>
-            <a:sp3d contourW="12700"/>
-          </a:bodyPr>
-          <a:lstStyle/>
-          <a:p>
-            <a:pPr>
-              <a:lnSpc>
-                <a:spcPct val="200000"/>
-              </a:lnSpc>
-            </a:pPr>
-            <a:r>
-              <a:rPr lang="en-US" altLang="zh-CN" sz="600" spc="300" dirty="0">
-                <a:solidFill>
-                  <a:srgbClr val="113F4E"/>
-                </a:solidFill>
-                <a:latin typeface="微软雅黑" panose="020B0503020204020204" pitchFamily="34" charset="-122"/>
-                <a:ea typeface="微软雅黑" panose="020B0503020204020204" pitchFamily="34" charset="-122"/>
-              </a:rPr>
-              <a:t>There are moments in life when you miss someone so much that you just want to pick them from your dreams and hug them for real! </a:t>
+              <a:t>冯博 林英琮 应圆中 吴泽成</a:t>
             </a:r>
           </a:p>
         </p:txBody>
@@ -31328,15 +32762,8 @@
                 <a:latin typeface="微软雅黑" panose="020B0503020204020204" pitchFamily="34" charset="-122"/>
                 <a:ea typeface="微软雅黑" panose="020B0503020204020204" pitchFamily="34" charset="-122"/>
               </a:rPr>
-              <a:t>YOURE NAME</a:t>
+              <a:t>TEAM FLY</a:t>
             </a:r>
-            <a:endParaRPr lang="zh-CN" altLang="en-US" sz="1400" dirty="0">
-              <a:solidFill>
-                <a:schemeClr val="bg1"/>
-              </a:solidFill>
-              <a:latin typeface="微软雅黑" panose="020B0503020204020204" pitchFamily="34" charset="-122"/>
-              <a:ea typeface="微软雅黑" panose="020B0503020204020204" pitchFamily="34" charset="-122"/>
-            </a:endParaRPr>
           </a:p>
         </p:txBody>
       </p:sp>
@@ -31355,7 +32782,7 @@
         <p:spPr>
           <a:xfrm>
             <a:off x="6273133" y="1109299"/>
-            <a:ext cx="2717411" cy="1323439"/>
+            <a:ext cx="1905073" cy="1323439"/>
           </a:xfrm>
           <a:prstGeom prst="rect">
             <a:avLst/>
@@ -31375,42 +32802,12 @@
             <a:r>
               <a:rPr lang="en-US" altLang="zh-CN" sz="8000" b="1" dirty="0">
                 <a:solidFill>
-                  <a:srgbClr val="113F4E"/>
-                </a:solidFill>
-                <a:latin typeface="微软雅黑" panose="020B0503020204020204" pitchFamily="34" charset="-122"/>
-                <a:ea typeface="微软雅黑" panose="020B0503020204020204" pitchFamily="34" charset="-122"/>
-              </a:rPr>
-              <a:t>2</a:t>
-            </a:r>
-            <a:r>
-              <a:rPr lang="en-US" altLang="zh-CN" sz="8000" b="1" dirty="0">
-                <a:solidFill>
                   <a:srgbClr val="55C0AF"/>
                 </a:solidFill>
                 <a:latin typeface="微软雅黑" panose="020B0503020204020204" pitchFamily="34" charset="-122"/>
                 <a:ea typeface="微软雅黑" panose="020B0503020204020204" pitchFamily="34" charset="-122"/>
               </a:rPr>
-              <a:t>0</a:t>
-            </a:r>
-            <a:r>
-              <a:rPr lang="en-US" altLang="zh-CN" sz="8000" b="1" dirty="0">
-                <a:solidFill>
-                  <a:srgbClr val="113F4E"/>
-                </a:solidFill>
-                <a:latin typeface="微软雅黑" panose="020B0503020204020204" pitchFamily="34" charset="-122"/>
-                <a:ea typeface="微软雅黑" panose="020B0503020204020204" pitchFamily="34" charset="-122"/>
-              </a:rPr>
-              <a:t>1</a:t>
-            </a:r>
-            <a:r>
-              <a:rPr lang="en-US" altLang="zh-CN" sz="8000" b="1" dirty="0">
-                <a:solidFill>
-                  <a:srgbClr val="55C0AF"/>
-                </a:solidFill>
-                <a:latin typeface="微软雅黑" panose="020B0503020204020204" pitchFamily="34" charset="-122"/>
-                <a:ea typeface="微软雅黑" panose="020B0503020204020204" pitchFamily="34" charset="-122"/>
-              </a:rPr>
-              <a:t>9</a:t>
+              <a:t>FLY</a:t>
             </a:r>
             <a:endParaRPr lang="zh-CN" altLang="en-US" sz="8000" b="1" dirty="0">
               <a:solidFill>
@@ -31481,7 +32878,7 @@
                 <a:latin typeface="微软雅黑" panose="020B0503020204020204" pitchFamily="34" charset="-122"/>
                 <a:ea typeface="微软雅黑" panose="020B0503020204020204" pitchFamily="34" charset="-122"/>
               </a:rPr>
-              <a:t>2019.3.24</a:t>
+              <a:t>2019. 4</a:t>
             </a:r>
             <a:endParaRPr lang="zh-CN" altLang="en-US" sz="1400" dirty="0">
               <a:solidFill>
@@ -31699,7 +33096,7 @@
                             </p:stCondLst>
                             <p:childTnLst>
                               <p:par>
-                                <p:cTn id="18" presetID="14" presetClass="entr" presetSubtype="10" fill="hold" grpId="0" nodeType="afterEffect">
+                                <p:cTn id="18" presetID="22" presetClass="entr" presetSubtype="8" fill="hold" grpId="0" nodeType="afterEffect">
                                   <p:stCondLst>
                                     <p:cond delay="0"/>
                                   </p:stCondLst>
@@ -31707,50 +33104,6 @@
                                     <p:set>
                                       <p:cBhvr>
                                         <p:cTn id="19" dur="1" fill="hold">
-                                          <p:stCondLst>
-                                            <p:cond delay="0"/>
-                                          </p:stCondLst>
-                                        </p:cTn>
-                                        <p:tgtEl>
-                                          <p:spTgt spid="11"/>
-                                        </p:tgtEl>
-                                        <p:attrNameLst>
-                                          <p:attrName>style.visibility</p:attrName>
-                                        </p:attrNameLst>
-                                      </p:cBhvr>
-                                      <p:to>
-                                        <p:strVal val="visible"/>
-                                      </p:to>
-                                    </p:set>
-                                    <p:animEffect transition="in" filter="randombar(horizontal)">
-                                      <p:cBhvr>
-                                        <p:cTn id="20" dur="500"/>
-                                        <p:tgtEl>
-                                          <p:spTgt spid="11"/>
-                                        </p:tgtEl>
-                                      </p:cBhvr>
-                                    </p:animEffect>
-                                  </p:childTnLst>
-                                </p:cTn>
-                              </p:par>
-                            </p:childTnLst>
-                          </p:cTn>
-                        </p:par>
-                        <p:par>
-                          <p:cTn id="21" fill="hold">
-                            <p:stCondLst>
-                              <p:cond delay="2250"/>
-                            </p:stCondLst>
-                            <p:childTnLst>
-                              <p:par>
-                                <p:cTn id="22" presetID="22" presetClass="entr" presetSubtype="8" fill="hold" grpId="0" nodeType="afterEffect">
-                                  <p:stCondLst>
-                                    <p:cond delay="0"/>
-                                  </p:stCondLst>
-                                  <p:childTnLst>
-                                    <p:set>
-                                      <p:cBhvr>
-                                        <p:cTn id="23" dur="1" fill="hold">
                                           <p:stCondLst>
                                             <p:cond delay="0"/>
                                           </p:stCondLst>
@@ -31768,7 +33121,7 @@
                                     </p:set>
                                     <p:animEffect transition="in" filter="wipe(left)">
                                       <p:cBhvr>
-                                        <p:cTn id="24" dur="500"/>
+                                        <p:cTn id="20" dur="500"/>
                                         <p:tgtEl>
                                           <p:spTgt spid="13"/>
                                         </p:tgtEl>
@@ -31781,20 +33134,20 @@
                           </p:cTn>
                         </p:par>
                         <p:par>
-                          <p:cTn id="25" fill="hold">
+                          <p:cTn id="21" fill="hold">
                             <p:stCondLst>
-                              <p:cond delay="2750"/>
+                              <p:cond delay="2250"/>
                             </p:stCondLst>
                             <p:childTnLst>
                               <p:par>
-                                <p:cTn id="26" presetID="47" presetClass="entr" presetSubtype="0" fill="hold" grpId="0" nodeType="afterEffect">
+                                <p:cTn id="22" presetID="47" presetClass="entr" presetSubtype="0" fill="hold" grpId="0" nodeType="afterEffect">
                                   <p:stCondLst>
                                     <p:cond delay="0"/>
                                   </p:stCondLst>
                                   <p:childTnLst>
                                     <p:set>
                                       <p:cBhvr>
-                                        <p:cTn id="27" dur="1" fill="hold">
+                                        <p:cTn id="23" dur="1" fill="hold">
                                           <p:stCondLst>
                                             <p:cond delay="0"/>
                                           </p:stCondLst>
@@ -31812,7 +33165,7 @@
                                     </p:set>
                                     <p:animEffect transition="in" filter="fade">
                                       <p:cBhvr>
-                                        <p:cTn id="28" dur="1000"/>
+                                        <p:cTn id="24" dur="1000"/>
                                         <p:tgtEl>
                                           <p:spTgt spid="12"/>
                                         </p:tgtEl>
@@ -31820,7 +33173,7 @@
                                     </p:animEffect>
                                     <p:anim calcmode="lin" valueType="num">
                                       <p:cBhvr>
-                                        <p:cTn id="29" dur="1000" fill="hold"/>
+                                        <p:cTn id="25" dur="1000" fill="hold"/>
                                         <p:tgtEl>
                                           <p:spTgt spid="12"/>
                                         </p:tgtEl>
@@ -31843,7 +33196,7 @@
                                     </p:anim>
                                     <p:anim calcmode="lin" valueType="num">
                                       <p:cBhvr>
-                                        <p:cTn id="30" dur="1000" fill="hold"/>
+                                        <p:cTn id="26" dur="1000" fill="hold"/>
                                         <p:tgtEl>
                                           <p:spTgt spid="12"/>
                                         </p:tgtEl>
@@ -31871,20 +33224,20 @@
                           </p:cTn>
                         </p:par>
                         <p:par>
-                          <p:cTn id="31" fill="hold">
+                          <p:cTn id="27" fill="hold">
                             <p:stCondLst>
-                              <p:cond delay="3750"/>
+                              <p:cond delay="3250"/>
                             </p:stCondLst>
                             <p:childTnLst>
                               <p:par>
-                                <p:cTn id="32" presetID="47" presetClass="entr" presetSubtype="0" fill="hold" grpId="0" nodeType="afterEffect">
+                                <p:cTn id="28" presetID="47" presetClass="entr" presetSubtype="0" fill="hold" grpId="0" nodeType="afterEffect">
                                   <p:stCondLst>
                                     <p:cond delay="0"/>
                                   </p:stCondLst>
                                   <p:childTnLst>
                                     <p:set>
                                       <p:cBhvr>
-                                        <p:cTn id="33" dur="1" fill="hold">
+                                        <p:cTn id="29" dur="1" fill="hold">
                                           <p:stCondLst>
                                             <p:cond delay="0"/>
                                           </p:stCondLst>
@@ -31902,7 +33255,7 @@
                                     </p:set>
                                     <p:animEffect transition="in" filter="fade">
                                       <p:cBhvr>
-                                        <p:cTn id="34" dur="1000"/>
+                                        <p:cTn id="30" dur="1000"/>
                                         <p:tgtEl>
                                           <p:spTgt spid="14"/>
                                         </p:tgtEl>
@@ -31910,7 +33263,7 @@
                                     </p:animEffect>
                                     <p:anim calcmode="lin" valueType="num">
                                       <p:cBhvr>
-                                        <p:cTn id="35" dur="1000" fill="hold"/>
+                                        <p:cTn id="31" dur="1000" fill="hold"/>
                                         <p:tgtEl>
                                           <p:spTgt spid="14"/>
                                         </p:tgtEl>
@@ -31933,7 +33286,7 @@
                                     </p:anim>
                                     <p:anim calcmode="lin" valueType="num">
                                       <p:cBhvr>
-                                        <p:cTn id="36" dur="1000" fill="hold"/>
+                                        <p:cTn id="32" dur="1000" fill="hold"/>
                                         <p:tgtEl>
                                           <p:spTgt spid="14"/>
                                         </p:tgtEl>
@@ -31987,7 +33340,6 @@
     <p:bldLst>
       <p:bldP spid="9" grpId="0"/>
       <p:bldP spid="10" grpId="0"/>
-      <p:bldP spid="11" grpId="0"/>
       <p:bldP spid="12" grpId="0" animBg="1"/>
       <p:bldP spid="13" grpId="0"/>
       <p:bldP spid="14" grpId="0" animBg="1"/>

--- a/fly_ppt.pptx
+++ b/fly_ppt.pptx
@@ -19,19 +19,19 @@
     <p:sldId id="292" r:id="rId10"/>
     <p:sldId id="303" r:id="rId11"/>
     <p:sldId id="294" r:id="rId12"/>
-    <p:sldId id="316" r:id="rId13"/>
-    <p:sldId id="295" r:id="rId14"/>
-    <p:sldId id="296" r:id="rId15"/>
-    <p:sldId id="313" r:id="rId16"/>
-    <p:sldId id="297" r:id="rId17"/>
-    <p:sldId id="298" r:id="rId18"/>
-    <p:sldId id="299" r:id="rId19"/>
-    <p:sldId id="300" r:id="rId20"/>
-    <p:sldId id="301" r:id="rId21"/>
-    <p:sldId id="314" r:id="rId22"/>
-    <p:sldId id="315" r:id="rId23"/>
-    <p:sldId id="308" r:id="rId24"/>
-    <p:sldId id="310" r:id="rId25"/>
+    <p:sldId id="295" r:id="rId13"/>
+    <p:sldId id="296" r:id="rId14"/>
+    <p:sldId id="313" r:id="rId15"/>
+    <p:sldId id="297" r:id="rId16"/>
+    <p:sldId id="298" r:id="rId17"/>
+    <p:sldId id="299" r:id="rId18"/>
+    <p:sldId id="300" r:id="rId19"/>
+    <p:sldId id="301" r:id="rId20"/>
+    <p:sldId id="314" r:id="rId21"/>
+    <p:sldId id="315" r:id="rId22"/>
+    <p:sldId id="308" r:id="rId23"/>
+    <p:sldId id="317" r:id="rId24"/>
+    <p:sldId id="318" r:id="rId25"/>
     <p:sldId id="305" r:id="rId26"/>
     <p:sldId id="306" r:id="rId27"/>
     <p:sldId id="307" r:id="rId28"/>
@@ -246,7 +246,7 @@
             <a:fld id="{3CC73A6B-BB26-4B12-BFB8-2B873AE12267}" type="datetimeFigureOut">
               <a:rPr lang="zh-CN" altLang="en-US" smtClean="0"/>
               <a:pPr/>
-              <a:t>2019/4/17</a:t>
+              <a:t>2019/4/18</a:t>
             </a:fld>
             <a:endParaRPr lang="zh-CN" altLang="en-US" dirty="0"/>
           </a:p>
@@ -732,7 +732,7 @@
           <a:bodyPr/>
           <a:lstStyle/>
           <a:p>
-            <a:endParaRPr lang="zh-CN" altLang="en-US"/>
+            <a:endParaRPr lang="zh-CN" altLang="en-US" dirty="0"/>
           </a:p>
         </p:txBody>
       </p:sp>
@@ -816,7 +816,7 @@
           <a:bodyPr/>
           <a:lstStyle/>
           <a:p>
-            <a:endParaRPr lang="zh-CN" altLang="en-US"/>
+            <a:endParaRPr lang="zh-CN" altLang="en-US" dirty="0"/>
           </a:p>
         </p:txBody>
       </p:sp>
@@ -846,7 +846,7 @@
     </p:spTree>
     <p:extLst>
       <p:ext uri="{BB962C8B-B14F-4D97-AF65-F5344CB8AC3E}">
-        <p14:creationId xmlns:p14="http://schemas.microsoft.com/office/powerpoint/2010/main" val="1572656552"/>
+        <p14:creationId xmlns:p14="http://schemas.microsoft.com/office/powerpoint/2010/main" val="2552903595"/>
       </p:ext>
     </p:extLst>
   </p:cSld>
@@ -930,7 +930,7 @@
     </p:spTree>
     <p:extLst>
       <p:ext uri="{BB962C8B-B14F-4D97-AF65-F5344CB8AC3E}">
-        <p14:creationId xmlns:p14="http://schemas.microsoft.com/office/powerpoint/2010/main" val="2552903595"/>
+        <p14:creationId xmlns:p14="http://schemas.microsoft.com/office/powerpoint/2010/main" val="1937190421"/>
       </p:ext>
     </p:extLst>
   </p:cSld>
@@ -941,90 +941,6 @@
 </file>
 
 <file path=ppt/notesSlides/notesSlide14.xml><?xml version="1.0" encoding="utf-8"?>
-<p:notes xmlns:a="http://schemas.openxmlformats.org/drawingml/2006/main" xmlns:r="http://schemas.openxmlformats.org/officeDocument/2006/relationships" xmlns:p="http://schemas.openxmlformats.org/presentationml/2006/main">
-  <p:cSld>
-    <p:spTree>
-      <p:nvGrpSpPr>
-        <p:cNvPr id="1" name=""/>
-        <p:cNvGrpSpPr/>
-        <p:nvPr/>
-      </p:nvGrpSpPr>
-      <p:grpSpPr>
-        <a:xfrm>
-          <a:off x="0" y="0"/>
-          <a:ext cx="0" cy="0"/>
-          <a:chOff x="0" y="0"/>
-          <a:chExt cx="0" cy="0"/>
-        </a:xfrm>
-      </p:grpSpPr>
-      <p:sp>
-        <p:nvSpPr>
-          <p:cNvPr id="2" name="幻灯片图像占位符 1"/>
-          <p:cNvSpPr>
-            <a:spLocks noGrp="1" noRot="1" noChangeAspect="1"/>
-          </p:cNvSpPr>
-          <p:nvPr>
-            <p:ph type="sldImg"/>
-          </p:nvPr>
-        </p:nvSpPr>
-        <p:spPr/>
-      </p:sp>
-      <p:sp>
-        <p:nvSpPr>
-          <p:cNvPr id="3" name="备注占位符 2"/>
-          <p:cNvSpPr>
-            <a:spLocks noGrp="1"/>
-          </p:cNvSpPr>
-          <p:nvPr>
-            <p:ph type="body" idx="1"/>
-          </p:nvPr>
-        </p:nvSpPr>
-        <p:spPr/>
-        <p:txBody>
-          <a:bodyPr/>
-          <a:lstStyle/>
-          <a:p>
-            <a:endParaRPr lang="zh-CN" altLang="en-US"/>
-          </a:p>
-        </p:txBody>
-      </p:sp>
-      <p:sp>
-        <p:nvSpPr>
-          <p:cNvPr id="4" name="灯片编号占位符 3"/>
-          <p:cNvSpPr>
-            <a:spLocks noGrp="1"/>
-          </p:cNvSpPr>
-          <p:nvPr>
-            <p:ph type="sldNum" sz="quarter" idx="10"/>
-          </p:nvPr>
-        </p:nvSpPr>
-        <p:spPr/>
-        <p:txBody>
-          <a:bodyPr/>
-          <a:lstStyle/>
-          <a:p>
-            <a:fld id="{2E5701FA-A99B-4EA7-BD9A-49A04217BC0C}" type="slidenum">
-              <a:rPr lang="zh-CN" altLang="en-US" smtClean="0"/>
-              <a:t>14</a:t>
-            </a:fld>
-            <a:endParaRPr lang="zh-CN" altLang="en-US"/>
-          </a:p>
-        </p:txBody>
-      </p:sp>
-    </p:spTree>
-    <p:extLst>
-      <p:ext uri="{BB962C8B-B14F-4D97-AF65-F5344CB8AC3E}">
-        <p14:creationId xmlns:p14="http://schemas.microsoft.com/office/powerpoint/2010/main" val="1937190421"/>
-      </p:ext>
-    </p:extLst>
-  </p:cSld>
-  <p:clrMapOvr>
-    <a:masterClrMapping/>
-  </p:clrMapOvr>
-</p:notes>
-</file>
-
-<file path=ppt/notesSlides/notesSlide15.xml><?xml version="1.0" encoding="utf-8"?>
 <p:notes xmlns:a="http://schemas.openxmlformats.org/drawingml/2006/main" xmlns:r="http://schemas.openxmlformats.org/officeDocument/2006/relationships" xmlns:p="http://schemas.openxmlformats.org/presentationml/2006/main">
   <p:cSld>
     <p:spTree>
@@ -1092,7 +1008,7 @@
           <a:p>
             <a:fld id="{2E5701FA-A99B-4EA7-BD9A-49A04217BC0C}" type="slidenum">
               <a:rPr lang="zh-CN" altLang="en-US" smtClean="0"/>
-              <a:t>15</a:t>
+              <a:t>14</a:t>
             </a:fld>
             <a:endParaRPr lang="zh-CN" altLang="en-US"/>
           </a:p>
@@ -1111,7 +1027,7 @@
 </p:notes>
 </file>
 
-<file path=ppt/notesSlides/notesSlide16.xml><?xml version="1.0" encoding="utf-8"?>
+<file path=ppt/notesSlides/notesSlide15.xml><?xml version="1.0" encoding="utf-8"?>
 <p:notes xmlns:a="http://schemas.openxmlformats.org/drawingml/2006/main" xmlns:r="http://schemas.openxmlformats.org/officeDocument/2006/relationships" xmlns:p="http://schemas.openxmlformats.org/presentationml/2006/main">
   <p:cSld>
     <p:spTree>
@@ -1176,7 +1092,7 @@
           <a:p>
             <a:fld id="{2E5701FA-A99B-4EA7-BD9A-49A04217BC0C}" type="slidenum">
               <a:rPr lang="zh-CN" altLang="en-US" smtClean="0"/>
-              <a:t>16</a:t>
+              <a:t>15</a:t>
             </a:fld>
             <a:endParaRPr lang="zh-CN" altLang="en-US"/>
           </a:p>
@@ -1195,7 +1111,7 @@
 </p:notes>
 </file>
 
-<file path=ppt/notesSlides/notesSlide17.xml><?xml version="1.0" encoding="utf-8"?>
+<file path=ppt/notesSlides/notesSlide16.xml><?xml version="1.0" encoding="utf-8"?>
 <p:notes xmlns:a="http://schemas.openxmlformats.org/drawingml/2006/main" xmlns:r="http://schemas.openxmlformats.org/officeDocument/2006/relationships" xmlns:p="http://schemas.openxmlformats.org/presentationml/2006/main">
   <p:cSld>
     <p:spTree>
@@ -1260,6 +1176,90 @@
           <a:p>
             <a:fld id="{2E5701FA-A99B-4EA7-BD9A-49A04217BC0C}" type="slidenum">
               <a:rPr lang="zh-CN" altLang="en-US" smtClean="0"/>
+              <a:t>16</a:t>
+            </a:fld>
+            <a:endParaRPr lang="zh-CN" altLang="en-US"/>
+          </a:p>
+        </p:txBody>
+      </p:sp>
+    </p:spTree>
+    <p:extLst>
+      <p:ext uri="{BB962C8B-B14F-4D97-AF65-F5344CB8AC3E}">
+        <p14:creationId xmlns:p14="http://schemas.microsoft.com/office/powerpoint/2010/main" val="3503833472"/>
+      </p:ext>
+    </p:extLst>
+  </p:cSld>
+  <p:clrMapOvr>
+    <a:masterClrMapping/>
+  </p:clrMapOvr>
+</p:notes>
+</file>
+
+<file path=ppt/notesSlides/notesSlide17.xml><?xml version="1.0" encoding="utf-8"?>
+<p:notes xmlns:a="http://schemas.openxmlformats.org/drawingml/2006/main" xmlns:r="http://schemas.openxmlformats.org/officeDocument/2006/relationships" xmlns:p="http://schemas.openxmlformats.org/presentationml/2006/main">
+  <p:cSld>
+    <p:spTree>
+      <p:nvGrpSpPr>
+        <p:cNvPr id="1" name=""/>
+        <p:cNvGrpSpPr/>
+        <p:nvPr/>
+      </p:nvGrpSpPr>
+      <p:grpSpPr>
+        <a:xfrm>
+          <a:off x="0" y="0"/>
+          <a:ext cx="0" cy="0"/>
+          <a:chOff x="0" y="0"/>
+          <a:chExt cx="0" cy="0"/>
+        </a:xfrm>
+      </p:grpSpPr>
+      <p:sp>
+        <p:nvSpPr>
+          <p:cNvPr id="2" name="幻灯片图像占位符 1"/>
+          <p:cNvSpPr>
+            <a:spLocks noGrp="1" noRot="1" noChangeAspect="1"/>
+          </p:cNvSpPr>
+          <p:nvPr>
+            <p:ph type="sldImg"/>
+          </p:nvPr>
+        </p:nvSpPr>
+        <p:spPr/>
+      </p:sp>
+      <p:sp>
+        <p:nvSpPr>
+          <p:cNvPr id="3" name="备注占位符 2"/>
+          <p:cNvSpPr>
+            <a:spLocks noGrp="1"/>
+          </p:cNvSpPr>
+          <p:nvPr>
+            <p:ph type="body" idx="1"/>
+          </p:nvPr>
+        </p:nvSpPr>
+        <p:spPr/>
+        <p:txBody>
+          <a:bodyPr/>
+          <a:lstStyle/>
+          <a:p>
+            <a:endParaRPr lang="zh-CN" altLang="en-US"/>
+          </a:p>
+        </p:txBody>
+      </p:sp>
+      <p:sp>
+        <p:nvSpPr>
+          <p:cNvPr id="4" name="灯片编号占位符 3"/>
+          <p:cNvSpPr>
+            <a:spLocks noGrp="1"/>
+          </p:cNvSpPr>
+          <p:nvPr>
+            <p:ph type="sldNum" sz="quarter" idx="10"/>
+          </p:nvPr>
+        </p:nvSpPr>
+        <p:spPr/>
+        <p:txBody>
+          <a:bodyPr/>
+          <a:lstStyle/>
+          <a:p>
+            <a:fld id="{2E5701FA-A99B-4EA7-BD9A-49A04217BC0C}" type="slidenum">
+              <a:rPr lang="zh-CN" altLang="en-US" smtClean="0"/>
               <a:t>17</a:t>
             </a:fld>
             <a:endParaRPr lang="zh-CN" altLang="en-US"/>
@@ -1269,7 +1269,7 @@
     </p:spTree>
     <p:extLst>
       <p:ext uri="{BB962C8B-B14F-4D97-AF65-F5344CB8AC3E}">
-        <p14:creationId xmlns:p14="http://schemas.microsoft.com/office/powerpoint/2010/main" val="3503833472"/>
+        <p14:creationId xmlns:p14="http://schemas.microsoft.com/office/powerpoint/2010/main" val="362731310"/>
       </p:ext>
     </p:extLst>
   </p:cSld>
@@ -1353,7 +1353,7 @@
     </p:spTree>
     <p:extLst>
       <p:ext uri="{BB962C8B-B14F-4D97-AF65-F5344CB8AC3E}">
-        <p14:creationId xmlns:p14="http://schemas.microsoft.com/office/powerpoint/2010/main" val="362731310"/>
+        <p14:creationId xmlns:p14="http://schemas.microsoft.com/office/powerpoint/2010/main" val="1917995284"/>
       </p:ext>
     </p:extLst>
   </p:cSld>
@@ -1437,7 +1437,7 @@
     </p:spTree>
     <p:extLst>
       <p:ext uri="{BB962C8B-B14F-4D97-AF65-F5344CB8AC3E}">
-        <p14:creationId xmlns:p14="http://schemas.microsoft.com/office/powerpoint/2010/main" val="1917995284"/>
+        <p14:creationId xmlns:p14="http://schemas.microsoft.com/office/powerpoint/2010/main" val="4199338714"/>
       </p:ext>
     </p:extLst>
   </p:cSld>
@@ -1605,7 +1605,7 @@
     </p:spTree>
     <p:extLst>
       <p:ext uri="{BB962C8B-B14F-4D97-AF65-F5344CB8AC3E}">
-        <p14:creationId xmlns:p14="http://schemas.microsoft.com/office/powerpoint/2010/main" val="4199338714"/>
+        <p14:creationId xmlns:p14="http://schemas.microsoft.com/office/powerpoint/2010/main" val="3220478995"/>
       </p:ext>
     </p:extLst>
   </p:cSld>
@@ -1689,7 +1689,7 @@
     </p:spTree>
     <p:extLst>
       <p:ext uri="{BB962C8B-B14F-4D97-AF65-F5344CB8AC3E}">
-        <p14:creationId xmlns:p14="http://schemas.microsoft.com/office/powerpoint/2010/main" val="3220478995"/>
+        <p14:creationId xmlns:p14="http://schemas.microsoft.com/office/powerpoint/2010/main" val="1530897611"/>
       </p:ext>
     </p:extLst>
   </p:cSld>
@@ -1773,7 +1773,7 @@
     </p:spTree>
     <p:extLst>
       <p:ext uri="{BB962C8B-B14F-4D97-AF65-F5344CB8AC3E}">
-        <p14:creationId xmlns:p14="http://schemas.microsoft.com/office/powerpoint/2010/main" val="1530897611"/>
+        <p14:creationId xmlns:p14="http://schemas.microsoft.com/office/powerpoint/2010/main" val="3537488346"/>
       </p:ext>
     </p:extLst>
   </p:cSld>
@@ -1857,7 +1857,7 @@
     </p:spTree>
     <p:extLst>
       <p:ext uri="{BB962C8B-B14F-4D97-AF65-F5344CB8AC3E}">
-        <p14:creationId xmlns:p14="http://schemas.microsoft.com/office/powerpoint/2010/main" val="3537488346"/>
+        <p14:creationId xmlns:p14="http://schemas.microsoft.com/office/powerpoint/2010/main" val="4163092942"/>
       </p:ext>
     </p:extLst>
   </p:cSld>
@@ -1941,7 +1941,7 @@
     </p:spTree>
     <p:extLst>
       <p:ext uri="{BB962C8B-B14F-4D97-AF65-F5344CB8AC3E}">
-        <p14:creationId xmlns:p14="http://schemas.microsoft.com/office/powerpoint/2010/main" val="1956055946"/>
+        <p14:creationId xmlns:p14="http://schemas.microsoft.com/office/powerpoint/2010/main" val="552807309"/>
       </p:ext>
     </p:extLst>
   </p:cSld>
@@ -3106,7 +3106,7 @@
           <a:p>
             <a:fld id="{F86BAB08-D03A-4FEF-8092-001CB785BBAB}" type="datetimeFigureOut">
               <a:rPr lang="zh-CN" altLang="en-US" smtClean="0"/>
-              <a:t>2019/4/17</a:t>
+              <a:t>2019/4/18</a:t>
             </a:fld>
             <a:endParaRPr lang="zh-CN" altLang="en-US"/>
           </a:p>
@@ -3307,7 +3307,7 @@
           <a:p>
             <a:fld id="{F86BAB08-D03A-4FEF-8092-001CB785BBAB}" type="datetimeFigureOut">
               <a:rPr lang="zh-CN" altLang="en-US" smtClean="0"/>
-              <a:t>2019/4/17</a:t>
+              <a:t>2019/4/18</a:t>
             </a:fld>
             <a:endParaRPr lang="zh-CN" altLang="en-US"/>
           </a:p>
@@ -3518,7 +3518,7 @@
           <a:p>
             <a:fld id="{F86BAB08-D03A-4FEF-8092-001CB785BBAB}" type="datetimeFigureOut">
               <a:rPr lang="zh-CN" altLang="en-US" smtClean="0"/>
-              <a:t>2019/4/17</a:t>
+              <a:t>2019/4/18</a:t>
             </a:fld>
             <a:endParaRPr lang="zh-CN" altLang="en-US"/>
           </a:p>
@@ -3719,7 +3719,7 @@
           <a:p>
             <a:fld id="{F86BAB08-D03A-4FEF-8092-001CB785BBAB}" type="datetimeFigureOut">
               <a:rPr lang="zh-CN" altLang="en-US" smtClean="0"/>
-              <a:t>2019/4/17</a:t>
+              <a:t>2019/4/18</a:t>
             </a:fld>
             <a:endParaRPr lang="zh-CN" altLang="en-US"/>
           </a:p>
@@ -3997,7 +3997,7 @@
           <a:p>
             <a:fld id="{F86BAB08-D03A-4FEF-8092-001CB785BBAB}" type="datetimeFigureOut">
               <a:rPr lang="zh-CN" altLang="en-US" smtClean="0"/>
-              <a:t>2019/4/17</a:t>
+              <a:t>2019/4/18</a:t>
             </a:fld>
             <a:endParaRPr lang="zh-CN" altLang="en-US"/>
           </a:p>
@@ -4265,7 +4265,7 @@
           <a:p>
             <a:fld id="{F86BAB08-D03A-4FEF-8092-001CB785BBAB}" type="datetimeFigureOut">
               <a:rPr lang="zh-CN" altLang="en-US" smtClean="0"/>
-              <a:t>2019/4/17</a:t>
+              <a:t>2019/4/18</a:t>
             </a:fld>
             <a:endParaRPr lang="zh-CN" altLang="en-US"/>
           </a:p>
@@ -4680,7 +4680,7 @@
           <a:p>
             <a:fld id="{F86BAB08-D03A-4FEF-8092-001CB785BBAB}" type="datetimeFigureOut">
               <a:rPr lang="zh-CN" altLang="en-US" smtClean="0"/>
-              <a:t>2019/4/17</a:t>
+              <a:t>2019/4/18</a:t>
             </a:fld>
             <a:endParaRPr lang="zh-CN" altLang="en-US"/>
           </a:p>
@@ -4824,7 +4824,7 @@
           <a:p>
             <a:fld id="{F86BAB08-D03A-4FEF-8092-001CB785BBAB}" type="datetimeFigureOut">
               <a:rPr lang="zh-CN" altLang="en-US" smtClean="0"/>
-              <a:t>2019/4/17</a:t>
+              <a:t>2019/4/18</a:t>
             </a:fld>
             <a:endParaRPr lang="zh-CN" altLang="en-US"/>
           </a:p>
@@ -4940,7 +4940,7 @@
           <a:p>
             <a:fld id="{F86BAB08-D03A-4FEF-8092-001CB785BBAB}" type="datetimeFigureOut">
               <a:rPr lang="zh-CN" altLang="en-US" smtClean="0"/>
-              <a:t>2019/4/17</a:t>
+              <a:t>2019/4/18</a:t>
             </a:fld>
             <a:endParaRPr lang="zh-CN" altLang="en-US"/>
           </a:p>
@@ -5254,7 +5254,7 @@
           <a:p>
             <a:fld id="{F86BAB08-D03A-4FEF-8092-001CB785BBAB}" type="datetimeFigureOut">
               <a:rPr lang="zh-CN" altLang="en-US" smtClean="0"/>
-              <a:t>2019/4/17</a:t>
+              <a:t>2019/4/18</a:t>
             </a:fld>
             <a:endParaRPr lang="zh-CN" altLang="en-US"/>
           </a:p>
@@ -5545,7 +5545,7 @@
           <a:p>
             <a:fld id="{F86BAB08-D03A-4FEF-8092-001CB785BBAB}" type="datetimeFigureOut">
               <a:rPr lang="zh-CN" altLang="en-US" smtClean="0"/>
-              <a:t>2019/4/17</a:t>
+              <a:t>2019/4/18</a:t>
             </a:fld>
             <a:endParaRPr lang="zh-CN" altLang="en-US"/>
           </a:p>
@@ -5795,7 +5795,7 @@
             <a:fld id="{F86BAB08-D03A-4FEF-8092-001CB785BBAB}" type="datetimeFigureOut">
               <a:rPr lang="zh-CN" altLang="en-US" smtClean="0"/>
               <a:pPr/>
-              <a:t>2019/4/17</a:t>
+              <a:t>2019/4/18</a:t>
             </a:fld>
             <a:endParaRPr lang="zh-CN" altLang="en-US" dirty="0"/>
           </a:p>
@@ -8816,7 +8816,7 @@
                             </p:stCondLst>
                             <p:childTnLst>
                               <p:par>
-                                <p:cTn id="42" presetID="22" presetClass="entr" presetSubtype="8" fill="hold" grpId="0" nodeType="afterEffect">
+                                <p:cTn id="42" presetID="2" presetClass="entr" presetSubtype="4" fill="hold" grpId="0" nodeType="afterEffect">
                                   <p:stCondLst>
                                     <p:cond delay="0"/>
                                   </p:stCondLst>
@@ -8824,6 +8824,88 @@
                                     <p:set>
                                       <p:cBhvr>
                                         <p:cTn id="43" dur="1" fill="hold">
+                                          <p:stCondLst>
+                                            <p:cond delay="0"/>
+                                          </p:stCondLst>
+                                        </p:cTn>
+                                        <p:tgtEl>
+                                          <p:spTgt spid="2"/>
+                                        </p:tgtEl>
+                                        <p:attrNameLst>
+                                          <p:attrName>style.visibility</p:attrName>
+                                        </p:attrNameLst>
+                                      </p:cBhvr>
+                                      <p:to>
+                                        <p:strVal val="visible"/>
+                                      </p:to>
+                                    </p:set>
+                                    <p:anim calcmode="lin" valueType="num">
+                                      <p:cBhvr additive="base">
+                                        <p:cTn id="44" dur="500" fill="hold"/>
+                                        <p:tgtEl>
+                                          <p:spTgt spid="2"/>
+                                        </p:tgtEl>
+                                        <p:attrNameLst>
+                                          <p:attrName>ppt_x</p:attrName>
+                                        </p:attrNameLst>
+                                      </p:cBhvr>
+                                      <p:tavLst>
+                                        <p:tav tm="0">
+                                          <p:val>
+                                            <p:strVal val="#ppt_x"/>
+                                          </p:val>
+                                        </p:tav>
+                                        <p:tav tm="100000">
+                                          <p:val>
+                                            <p:strVal val="#ppt_x"/>
+                                          </p:val>
+                                        </p:tav>
+                                      </p:tavLst>
+                                    </p:anim>
+                                    <p:anim calcmode="lin" valueType="num">
+                                      <p:cBhvr additive="base">
+                                        <p:cTn id="45" dur="500" fill="hold"/>
+                                        <p:tgtEl>
+                                          <p:spTgt spid="2"/>
+                                        </p:tgtEl>
+                                        <p:attrNameLst>
+                                          <p:attrName>ppt_y</p:attrName>
+                                        </p:attrNameLst>
+                                      </p:cBhvr>
+                                      <p:tavLst>
+                                        <p:tav tm="0">
+                                          <p:val>
+                                            <p:strVal val="1+#ppt_h/2"/>
+                                          </p:val>
+                                        </p:tav>
+                                        <p:tav tm="100000">
+                                          <p:val>
+                                            <p:strVal val="#ppt_y"/>
+                                          </p:val>
+                                        </p:tav>
+                                      </p:tavLst>
+                                    </p:anim>
+                                  </p:childTnLst>
+                                </p:cTn>
+                              </p:par>
+                            </p:childTnLst>
+                          </p:cTn>
+                        </p:par>
+                        <p:par>
+                          <p:cTn id="46" fill="hold">
+                            <p:stCondLst>
+                              <p:cond delay="3500"/>
+                            </p:stCondLst>
+                            <p:childTnLst>
+                              <p:par>
+                                <p:cTn id="47" presetID="22" presetClass="entr" presetSubtype="8" fill="hold" grpId="0" nodeType="afterEffect">
+                                  <p:stCondLst>
+                                    <p:cond delay="0"/>
+                                  </p:stCondLst>
+                                  <p:childTnLst>
+                                    <p:set>
+                                      <p:cBhvr>
+                                        <p:cTn id="48" dur="1" fill="hold">
                                           <p:stCondLst>
                                             <p:cond delay="0"/>
                                           </p:stCondLst>
@@ -8841,7 +8923,7 @@
                                     </p:set>
                                     <p:animEffect transition="in" filter="wipe(left)">
                                       <p:cBhvr>
-                                        <p:cTn id="44" dur="500"/>
+                                        <p:cTn id="49" dur="500"/>
                                         <p:tgtEl>
                                           <p:spTgt spid="44"/>
                                         </p:tgtEl>
@@ -8854,20 +8936,20 @@
                           </p:cTn>
                         </p:par>
                         <p:par>
-                          <p:cTn id="45" fill="hold">
+                          <p:cTn id="50" fill="hold">
                             <p:stCondLst>
-                              <p:cond delay="3500"/>
+                              <p:cond delay="4000"/>
                             </p:stCondLst>
                             <p:childTnLst>
                               <p:par>
-                                <p:cTn id="46" presetID="10" presetClass="entr" presetSubtype="0" fill="hold" grpId="0" nodeType="afterEffect">
+                                <p:cTn id="51" presetID="10" presetClass="entr" presetSubtype="0" fill="hold" grpId="0" nodeType="afterEffect">
                                   <p:stCondLst>
                                     <p:cond delay="0"/>
                                   </p:stCondLst>
                                   <p:childTnLst>
                                     <p:set>
                                       <p:cBhvr>
-                                        <p:cTn id="47" dur="1" fill="hold">
+                                        <p:cTn id="52" dur="1" fill="hold">
                                           <p:stCondLst>
                                             <p:cond delay="0"/>
                                           </p:stCondLst>
@@ -8885,7 +8967,7 @@
                                     </p:set>
                                     <p:animEffect transition="in" filter="fade">
                                       <p:cBhvr>
-                                        <p:cTn id="48" dur="500"/>
+                                        <p:cTn id="53" dur="500"/>
                                         <p:tgtEl>
                                           <p:spTgt spid="45"/>
                                         </p:tgtEl>
@@ -8895,14 +8977,14 @@
                                 </p:cTn>
                               </p:par>
                               <p:par>
-                                <p:cTn id="49" presetID="10" presetClass="entr" presetSubtype="0" fill="hold" nodeType="withEffect">
+                                <p:cTn id="54" presetID="10" presetClass="entr" presetSubtype="0" fill="hold" nodeType="withEffect">
                                   <p:stCondLst>
                                     <p:cond delay="0"/>
                                   </p:stCondLst>
                                   <p:childTnLst>
                                     <p:set>
                                       <p:cBhvr>
-                                        <p:cTn id="50" dur="1" fill="hold">
+                                        <p:cTn id="55" dur="1" fill="hold">
                                           <p:stCondLst>
                                             <p:cond delay="0"/>
                                           </p:stCondLst>
@@ -8920,7 +9002,7 @@
                                     </p:set>
                                     <p:animEffect transition="in" filter="fade">
                                       <p:cBhvr>
-                                        <p:cTn id="51" dur="500"/>
+                                        <p:cTn id="56" dur="500"/>
                                         <p:tgtEl>
                                           <p:spTgt spid="48"/>
                                         </p:tgtEl>
@@ -8964,6 +9046,7 @@
       <p:bldP spid="39" grpId="0" animBg="1"/>
       <p:bldP spid="41" grpId="0" animBg="1"/>
       <p:bldP spid="42" grpId="0" animBg="1"/>
+      <p:bldP spid="2" grpId="0" animBg="1"/>
       <p:bldP spid="44" grpId="0" animBg="1"/>
       <p:bldP spid="45" grpId="0" animBg="1"/>
     </p:bldLst>
@@ -9275,41 +9358,36 @@
           </a:p>
         </p:txBody>
       </p:sp>
-      <p:sp>
-        <p:nvSpPr>
-          <p:cNvPr id="3" name="文本框 2">
+      <p:pic>
+        <p:nvPicPr>
+          <p:cNvPr id="4" name="图片 3">
             <a:extLst>
               <a:ext uri="{FF2B5EF4-FFF2-40B4-BE49-F238E27FC236}">
-                <a16:creationId xmlns:a16="http://schemas.microsoft.com/office/drawing/2014/main" id="{A995E4FE-523F-4B4F-96B0-9254F683E177}"/>
+                <a16:creationId xmlns:a16="http://schemas.microsoft.com/office/drawing/2014/main" id="{8ACC4812-A843-45AD-B4A3-1DAE5AC3907C}"/>
               </a:ext>
             </a:extLst>
           </p:cNvPr>
-          <p:cNvSpPr txBox="1"/>
+          <p:cNvPicPr>
+            <a:picLocks noChangeAspect="1"/>
+          </p:cNvPicPr>
           <p:nvPr/>
-        </p:nvSpPr>
+        </p:nvPicPr>
+        <p:blipFill>
+          <a:blip r:embed="rId3"/>
+          <a:stretch>
+            <a:fillRect/>
+          </a:stretch>
+        </p:blipFill>
         <p:spPr>
           <a:xfrm>
-            <a:off x="2459718" y="1525614"/>
-            <a:ext cx="4886325" cy="369332"/>
+            <a:off x="349622" y="1145181"/>
+            <a:ext cx="11492753" cy="5608703"/>
           </a:xfrm>
           <a:prstGeom prst="rect">
             <a:avLst/>
           </a:prstGeom>
-          <a:noFill/>
         </p:spPr>
-        <p:txBody>
-          <a:bodyPr wrap="square" rtlCol="0">
-            <a:spAutoFit/>
-          </a:bodyPr>
-          <a:lstStyle/>
-          <a:p>
-            <a:r>
-              <a:rPr lang="zh-CN" altLang="en-US" dirty="0"/>
-              <a:t>大屏图片</a:t>
-            </a:r>
-          </a:p>
-        </p:txBody>
-      </p:sp>
+      </p:pic>
     </p:spTree>
     <p:extLst>
       <p:ext uri="{BB962C8B-B14F-4D97-AF65-F5344CB8AC3E}">
@@ -9425,425 +9503,33 @@
                       </p:childTnLst>
                     </p:cTn>
                   </p:par>
-                </p:childTnLst>
-              </p:cTn>
-              <p:prevCondLst>
-                <p:cond evt="onPrev" delay="0">
-                  <p:tgtEl>
-                    <p:sldTgt/>
-                  </p:tgtEl>
-                </p:cond>
-              </p:prevCondLst>
-              <p:nextCondLst>
-                <p:cond evt="onNext" delay="0">
-                  <p:tgtEl>
-                    <p:sldTgt/>
-                  </p:tgtEl>
-                </p:cond>
-              </p:nextCondLst>
-            </p:seq>
-          </p:childTnLst>
-        </p:cTn>
-      </p:par>
-    </p:tnLst>
-  </p:timing>
-</p:sld>
-</file>
-
-<file path=ppt/slides/slide12.xml><?xml version="1.0" encoding="utf-8"?>
-<p:sld xmlns:a="http://schemas.openxmlformats.org/drawingml/2006/main" xmlns:r="http://schemas.openxmlformats.org/officeDocument/2006/relationships" xmlns:p="http://schemas.openxmlformats.org/presentationml/2006/main">
-  <p:cSld>
-    <p:spTree>
-      <p:nvGrpSpPr>
-        <p:cNvPr id="1" name=""/>
-        <p:cNvGrpSpPr/>
-        <p:nvPr/>
-      </p:nvGrpSpPr>
-      <p:grpSpPr>
-        <a:xfrm>
-          <a:off x="0" y="0"/>
-          <a:ext cx="0" cy="0"/>
-          <a:chOff x="0" y="0"/>
-          <a:chExt cx="0" cy="0"/>
-        </a:xfrm>
-      </p:grpSpPr>
-      <p:grpSp>
-        <p:nvGrpSpPr>
-          <p:cNvPr id="66" name="组合 65">
-            <a:extLst>
-              <a:ext uri="{FF2B5EF4-FFF2-40B4-BE49-F238E27FC236}">
-                <a16:creationId xmlns:a16="http://schemas.microsoft.com/office/drawing/2014/main" id="{B31FD9ED-7842-4841-B4B0-418CF745A783}"/>
-              </a:ext>
-            </a:extLst>
-          </p:cNvPr>
-          <p:cNvGrpSpPr/>
-          <p:nvPr/>
-        </p:nvGrpSpPr>
-        <p:grpSpPr>
-          <a:xfrm>
-            <a:off x="304800" y="160072"/>
-            <a:ext cx="845855" cy="957897"/>
-            <a:chOff x="589078" y="2173649"/>
-            <a:chExt cx="1147751" cy="1299782"/>
-          </a:xfrm>
-        </p:grpSpPr>
-        <p:grpSp>
-          <p:nvGrpSpPr>
-            <p:cNvPr id="67" name="组合 66">
-              <a:extLst>
-                <a:ext uri="{FF2B5EF4-FFF2-40B4-BE49-F238E27FC236}">
-                  <a16:creationId xmlns:a16="http://schemas.microsoft.com/office/drawing/2014/main" id="{0BD90A63-9952-49ED-B2B0-2B31B16BB931}"/>
-                </a:ext>
-              </a:extLst>
-            </p:cNvPr>
-            <p:cNvGrpSpPr/>
-            <p:nvPr/>
-          </p:nvGrpSpPr>
-          <p:grpSpPr>
-            <a:xfrm>
-              <a:off x="589078" y="2173649"/>
-              <a:ext cx="1126328" cy="1243276"/>
-              <a:chOff x="1950418" y="3368985"/>
-              <a:chExt cx="432211" cy="477089"/>
-            </a:xfrm>
-          </p:grpSpPr>
-          <p:sp>
-            <p:nvSpPr>
-              <p:cNvPr id="69" name="矩形 68">
-                <a:extLst>
-                  <a:ext uri="{FF2B5EF4-FFF2-40B4-BE49-F238E27FC236}">
-                    <a16:creationId xmlns:a16="http://schemas.microsoft.com/office/drawing/2014/main" id="{B1E5FD5B-14E1-4B5B-BE71-760E05D7D0EF}"/>
-                  </a:ext>
-                </a:extLst>
-              </p:cNvPr>
-              <p:cNvSpPr/>
-              <p:nvPr/>
-            </p:nvSpPr>
-            <p:spPr>
-              <a:xfrm>
-                <a:off x="1950418" y="3368985"/>
-                <a:ext cx="353961" cy="353960"/>
-              </a:xfrm>
-              <a:prstGeom prst="rect">
-                <a:avLst/>
-              </a:prstGeom>
-              <a:solidFill>
-                <a:srgbClr val="113F4E"/>
-              </a:solidFill>
-              <a:ln>
-                <a:noFill/>
-              </a:ln>
-            </p:spPr>
-            <p:style>
-              <a:lnRef idx="2">
-                <a:schemeClr val="accent1">
-                  <a:shade val="50000"/>
-                </a:schemeClr>
-              </a:lnRef>
-              <a:fillRef idx="1">
-                <a:schemeClr val="accent1"/>
-              </a:fillRef>
-              <a:effectRef idx="0">
-                <a:schemeClr val="accent1"/>
-              </a:effectRef>
-              <a:fontRef idx="minor">
-                <a:schemeClr val="lt1"/>
-              </a:fontRef>
-            </p:style>
-            <p:txBody>
-              <a:bodyPr rtlCol="0" anchor="ctr"/>
-              <a:lstStyle/>
-              <a:p>
-                <a:pPr algn="ctr"/>
-                <a:endParaRPr lang="zh-CN" altLang="en-US" dirty="0">
-                  <a:latin typeface="微软雅黑" panose="020B0503020204020204" pitchFamily="34" charset="-122"/>
-                  <a:ea typeface="微软雅黑" panose="020B0503020204020204" pitchFamily="34" charset="-122"/>
-                </a:endParaRPr>
-              </a:p>
-            </p:txBody>
-          </p:sp>
-          <p:sp>
-            <p:nvSpPr>
-              <p:cNvPr id="70" name="矩形 69">
-                <a:extLst>
-                  <a:ext uri="{FF2B5EF4-FFF2-40B4-BE49-F238E27FC236}">
-                    <a16:creationId xmlns:a16="http://schemas.microsoft.com/office/drawing/2014/main" id="{8B8C661E-BD30-43C2-A433-B33E8C99A3CC}"/>
-                  </a:ext>
-                </a:extLst>
-              </p:cNvPr>
-              <p:cNvSpPr/>
-              <p:nvPr/>
-            </p:nvSpPr>
-            <p:spPr>
-              <a:xfrm>
-                <a:off x="2082519" y="3545965"/>
-                <a:ext cx="300110" cy="300109"/>
-              </a:xfrm>
-              <a:prstGeom prst="rect">
-                <a:avLst/>
-              </a:prstGeom>
-              <a:solidFill>
-                <a:srgbClr val="55C0AF"/>
-              </a:solidFill>
-              <a:ln>
-                <a:noFill/>
-              </a:ln>
-            </p:spPr>
-            <p:style>
-              <a:lnRef idx="2">
-                <a:schemeClr val="accent1">
-                  <a:shade val="50000"/>
-                </a:schemeClr>
-              </a:lnRef>
-              <a:fillRef idx="1">
-                <a:schemeClr val="accent1"/>
-              </a:fillRef>
-              <a:effectRef idx="0">
-                <a:schemeClr val="accent1"/>
-              </a:effectRef>
-              <a:fontRef idx="minor">
-                <a:schemeClr val="lt1"/>
-              </a:fontRef>
-            </p:style>
-            <p:txBody>
-              <a:bodyPr rtlCol="0" anchor="ctr"/>
-              <a:lstStyle/>
-              <a:p>
-                <a:pPr algn="ctr"/>
-                <a:endParaRPr lang="zh-CN" altLang="en-US" dirty="0">
-                  <a:latin typeface="微软雅黑" panose="020B0503020204020204" pitchFamily="34" charset="-122"/>
-                  <a:ea typeface="微软雅黑" panose="020B0503020204020204" pitchFamily="34" charset="-122"/>
-                </a:endParaRPr>
-              </a:p>
-            </p:txBody>
-          </p:sp>
-        </p:grpSp>
-        <p:sp>
-          <p:nvSpPr>
-            <p:cNvPr id="68" name="文本框 67">
-              <a:extLst>
-                <a:ext uri="{FF2B5EF4-FFF2-40B4-BE49-F238E27FC236}">
-                  <a16:creationId xmlns:a16="http://schemas.microsoft.com/office/drawing/2014/main" id="{5431DB3F-2B9E-471B-B83A-3AA3318295DF}"/>
-                </a:ext>
-              </a:extLst>
-            </p:cNvPr>
-            <p:cNvSpPr txBox="1"/>
-            <p:nvPr/>
-          </p:nvSpPr>
-          <p:spPr>
-            <a:xfrm>
-              <a:off x="907667" y="2220553"/>
-              <a:ext cx="829162" cy="1252878"/>
-            </a:xfrm>
-            <a:prstGeom prst="rect">
-              <a:avLst/>
-            </a:prstGeom>
-            <a:noFill/>
-          </p:spPr>
-          <p:txBody>
-            <a:bodyPr wrap="none" rtlCol="0">
-              <a:spAutoFit/>
-              <a:scene3d>
-                <a:camera prst="orthographicFront"/>
-                <a:lightRig rig="threePt" dir="t"/>
-              </a:scene3d>
-              <a:sp3d contourW="12700"/>
-            </a:bodyPr>
-            <a:lstStyle/>
-            <a:p>
-              <a:r>
-                <a:rPr lang="en-US" altLang="zh-CN" sz="5400" b="1" dirty="0">
-                  <a:solidFill>
-                    <a:schemeClr val="bg1"/>
-                  </a:solidFill>
-                  <a:latin typeface="微软雅黑" panose="020B0503020204020204" pitchFamily="34" charset="-122"/>
-                  <a:ea typeface="微软雅黑" panose="020B0503020204020204" pitchFamily="34" charset="-122"/>
-                </a:rPr>
-                <a:t>2</a:t>
-              </a:r>
-              <a:endParaRPr lang="zh-CN" altLang="en-US" sz="5400" b="1" dirty="0">
-                <a:solidFill>
-                  <a:schemeClr val="bg1"/>
-                </a:solidFill>
-                <a:latin typeface="微软雅黑" panose="020B0503020204020204" pitchFamily="34" charset="-122"/>
-                <a:ea typeface="微软雅黑" panose="020B0503020204020204" pitchFamily="34" charset="-122"/>
-              </a:endParaRPr>
-            </a:p>
-          </p:txBody>
-        </p:sp>
-      </p:grpSp>
-      <p:sp>
-        <p:nvSpPr>
-          <p:cNvPr id="71" name="文本框 70">
-            <a:extLst>
-              <a:ext uri="{FF2B5EF4-FFF2-40B4-BE49-F238E27FC236}">
-                <a16:creationId xmlns:a16="http://schemas.microsoft.com/office/drawing/2014/main" id="{56BFCEC6-22CE-4CDA-8267-8F8302C26831}"/>
-              </a:ext>
-            </a:extLst>
-          </p:cNvPr>
-          <p:cNvSpPr txBox="1"/>
-          <p:nvPr/>
-        </p:nvSpPr>
-        <p:spPr>
-          <a:xfrm>
-            <a:off x="1360280" y="101279"/>
-            <a:ext cx="4735719" cy="584775"/>
-          </a:xfrm>
-          <a:prstGeom prst="rect">
-            <a:avLst/>
-          </a:prstGeom>
-          <a:noFill/>
-        </p:spPr>
-        <p:txBody>
-          <a:bodyPr wrap="square" rtlCol="0">
-            <a:spAutoFit/>
-          </a:bodyPr>
-          <a:lstStyle/>
-          <a:p>
-            <a:r>
-              <a:rPr lang="zh-CN" altLang="en-US" sz="3200" b="1" spc="600" dirty="0">
-                <a:solidFill>
-                  <a:schemeClr val="bg1">
-                    <a:lumMod val="65000"/>
-                  </a:schemeClr>
-                </a:solidFill>
-                <a:latin typeface="微软雅黑" panose="020B0503020204020204" pitchFamily="34" charset="-122"/>
-                <a:ea typeface="微软雅黑" panose="020B0503020204020204" pitchFamily="34" charset="-122"/>
-              </a:rPr>
-              <a:t>问题分析与解决方案</a:t>
-            </a:r>
-          </a:p>
-        </p:txBody>
-      </p:sp>
-      <p:sp>
-        <p:nvSpPr>
-          <p:cNvPr id="72" name="文本框 71">
-            <a:extLst>
-              <a:ext uri="{FF2B5EF4-FFF2-40B4-BE49-F238E27FC236}">
-                <a16:creationId xmlns:a16="http://schemas.microsoft.com/office/drawing/2014/main" id="{E996CA8F-8C12-4E6B-85BC-8B54AEFEB0D7}"/>
-              </a:ext>
-            </a:extLst>
-          </p:cNvPr>
-          <p:cNvSpPr txBox="1"/>
-          <p:nvPr/>
-        </p:nvSpPr>
-        <p:spPr>
-          <a:xfrm>
-            <a:off x="1365618" y="674947"/>
-            <a:ext cx="5511431" cy="461665"/>
-          </a:xfrm>
-          <a:prstGeom prst="rect">
-            <a:avLst/>
-          </a:prstGeom>
-          <a:noFill/>
-        </p:spPr>
-        <p:txBody>
-          <a:bodyPr wrap="square" rtlCol="0">
-            <a:spAutoFit/>
-          </a:bodyPr>
-          <a:lstStyle/>
-          <a:p>
-            <a:r>
-              <a:rPr lang="zh-CN" altLang="en-US" sz="2400" b="1" dirty="0">
-                <a:solidFill>
-                  <a:srgbClr val="55C0AF"/>
-                </a:solidFill>
-              </a:rPr>
-              <a:t>统计分析模块</a:t>
-            </a:r>
-          </a:p>
-        </p:txBody>
-      </p:sp>
-      <p:sp>
-        <p:nvSpPr>
-          <p:cNvPr id="3" name="文本框 2">
-            <a:extLst>
-              <a:ext uri="{FF2B5EF4-FFF2-40B4-BE49-F238E27FC236}">
-                <a16:creationId xmlns:a16="http://schemas.microsoft.com/office/drawing/2014/main" id="{A995E4FE-523F-4B4F-96B0-9254F683E177}"/>
-              </a:ext>
-            </a:extLst>
-          </p:cNvPr>
-          <p:cNvSpPr txBox="1"/>
-          <p:nvPr/>
-        </p:nvSpPr>
-        <p:spPr>
-          <a:xfrm>
-            <a:off x="4316186" y="2195286"/>
-            <a:ext cx="4886325" cy="369332"/>
-          </a:xfrm>
-          <a:prstGeom prst="rect">
-            <a:avLst/>
-          </a:prstGeom>
-          <a:noFill/>
-        </p:spPr>
-        <p:txBody>
-          <a:bodyPr wrap="square" rtlCol="0">
-            <a:spAutoFit/>
-          </a:bodyPr>
-          <a:lstStyle/>
-          <a:p>
-            <a:r>
-              <a:rPr lang="zh-CN" altLang="en-US" dirty="0"/>
-              <a:t>统计图表*</a:t>
-            </a:r>
-            <a:r>
-              <a:rPr lang="en-US" altLang="zh-CN" dirty="0"/>
-              <a:t>6</a:t>
-            </a:r>
-          </a:p>
-        </p:txBody>
-      </p:sp>
-    </p:spTree>
-    <p:extLst>
-      <p:ext uri="{BB962C8B-B14F-4D97-AF65-F5344CB8AC3E}">
-        <p14:creationId xmlns:p14="http://schemas.microsoft.com/office/powerpoint/2010/main" val="3677884695"/>
-      </p:ext>
-    </p:extLst>
-  </p:cSld>
-  <p:clrMapOvr>
-    <a:masterClrMapping/>
-  </p:clrMapOvr>
-  <p:transition spd="slow">
-    <p:push dir="u"/>
-  </p:transition>
-  <p:timing>
-    <p:tnLst>
-      <p:par>
-        <p:cTn id="1" dur="indefinite" restart="never" nodeType="tmRoot">
-          <p:childTnLst>
-            <p:seq concurrent="1" nextAc="seek">
-              <p:cTn id="2" dur="indefinite" nodeType="mainSeq">
-                <p:childTnLst>
                   <p:par>
-                    <p:cTn id="3" fill="hold">
+                    <p:cTn id="9" fill="hold">
                       <p:stCondLst>
                         <p:cond delay="indefinite"/>
-                        <p:cond evt="onBegin" delay="0">
-                          <p:tn val="2"/>
-                        </p:cond>
                       </p:stCondLst>
                       <p:childTnLst>
                         <p:par>
-                          <p:cTn id="4" fill="hold">
+                          <p:cTn id="10" fill="hold">
                             <p:stCondLst>
                               <p:cond delay="0"/>
                             </p:stCondLst>
                             <p:childTnLst>
                               <p:par>
-                                <p:cTn id="5" presetID="2" presetClass="entr" presetSubtype="8" fill="hold" nodeType="afterEffect">
+                                <p:cTn id="11" presetID="10" presetClass="entr" presetSubtype="0" fill="hold" nodeType="clickEffect">
                                   <p:stCondLst>
                                     <p:cond delay="0"/>
                                   </p:stCondLst>
                                   <p:childTnLst>
                                     <p:set>
                                       <p:cBhvr>
-                                        <p:cTn id="6" dur="1" fill="hold">
+                                        <p:cTn id="12" dur="1" fill="hold">
                                           <p:stCondLst>
                                             <p:cond delay="0"/>
                                           </p:stCondLst>
                                         </p:cTn>
                                         <p:tgtEl>
-                                          <p:spTgt spid="66"/>
+                                          <p:spTgt spid="4"/>
                                         </p:tgtEl>
                                         <p:attrNameLst>
                                           <p:attrName>style.visibility</p:attrName>
@@ -9853,52 +9539,67 @@
                                         <p:strVal val="visible"/>
                                       </p:to>
                                     </p:set>
-                                    <p:anim calcmode="lin" valueType="num">
-                                      <p:cBhvr additive="base">
-                                        <p:cTn id="7" dur="500" fill="hold"/>
+                                    <p:animEffect transition="in" filter="fade">
+                                      <p:cBhvr>
+                                        <p:cTn id="13" dur="500"/>
                                         <p:tgtEl>
-                                          <p:spTgt spid="66"/>
+                                          <p:spTgt spid="4"/>
+                                        </p:tgtEl>
+                                      </p:cBhvr>
+                                    </p:animEffect>
+                                  </p:childTnLst>
+                                </p:cTn>
+                              </p:par>
+                            </p:childTnLst>
+                          </p:cTn>
+                        </p:par>
+                      </p:childTnLst>
+                    </p:cTn>
+                  </p:par>
+                  <p:par>
+                    <p:cTn id="14" fill="hold">
+                      <p:stCondLst>
+                        <p:cond delay="indefinite"/>
+                      </p:stCondLst>
+                      <p:childTnLst>
+                        <p:par>
+                          <p:cTn id="15" fill="hold">
+                            <p:stCondLst>
+                              <p:cond delay="0"/>
+                            </p:stCondLst>
+                            <p:childTnLst>
+                              <p:par>
+                                <p:cTn id="16" presetID="10" presetClass="exit" presetSubtype="0" fill="hold" nodeType="clickEffect">
+                                  <p:stCondLst>
+                                    <p:cond delay="0"/>
+                                  </p:stCondLst>
+                                  <p:childTnLst>
+                                    <p:animEffect transition="out" filter="fade">
+                                      <p:cBhvr>
+                                        <p:cTn id="17" dur="500"/>
+                                        <p:tgtEl>
+                                          <p:spTgt spid="4"/>
+                                        </p:tgtEl>
+                                      </p:cBhvr>
+                                    </p:animEffect>
+                                    <p:set>
+                                      <p:cBhvr>
+                                        <p:cTn id="18" dur="1" fill="hold">
+                                          <p:stCondLst>
+                                            <p:cond delay="499"/>
+                                          </p:stCondLst>
+                                        </p:cTn>
+                                        <p:tgtEl>
+                                          <p:spTgt spid="4"/>
                                         </p:tgtEl>
                                         <p:attrNameLst>
-                                          <p:attrName>ppt_x</p:attrName>
+                                          <p:attrName>style.visibility</p:attrName>
                                         </p:attrNameLst>
                                       </p:cBhvr>
-                                      <p:tavLst>
-                                        <p:tav tm="0">
-                                          <p:val>
-                                            <p:strVal val="0-#ppt_w/2"/>
-                                          </p:val>
-                                        </p:tav>
-                                        <p:tav tm="100000">
-                                          <p:val>
-                                            <p:strVal val="#ppt_x"/>
-                                          </p:val>
-                                        </p:tav>
-                                      </p:tavLst>
-                                    </p:anim>
-                                    <p:anim calcmode="lin" valueType="num">
-                                      <p:cBhvr additive="base">
-                                        <p:cTn id="8" dur="500" fill="hold"/>
-                                        <p:tgtEl>
-                                          <p:spTgt spid="66"/>
-                                        </p:tgtEl>
-                                        <p:attrNameLst>
-                                          <p:attrName>ppt_y</p:attrName>
-                                        </p:attrNameLst>
-                                      </p:cBhvr>
-                                      <p:tavLst>
-                                        <p:tav tm="0">
-                                          <p:val>
-                                            <p:strVal val="#ppt_y"/>
-                                          </p:val>
-                                        </p:tav>
-                                        <p:tav tm="100000">
-                                          <p:val>
-                                            <p:strVal val="#ppt_y"/>
-                                          </p:val>
-                                        </p:tav>
-                                      </p:tavLst>
-                                    </p:anim>
+                                      <p:to>
+                                        <p:strVal val="hidden"/>
+                                      </p:to>
+                                    </p:set>
                                   </p:childTnLst>
                                 </p:cTn>
                               </p:par>
@@ -9933,7 +9634,7 @@
 </p:sld>
 </file>
 
-<file path=ppt/slides/slide13.xml><?xml version="1.0" encoding="utf-8"?>
+<file path=ppt/slides/slide12.xml><?xml version="1.0" encoding="utf-8"?>
 <p:sld xmlns:a="http://schemas.openxmlformats.org/drawingml/2006/main" xmlns:r="http://schemas.openxmlformats.org/officeDocument/2006/relationships" xmlns:p="http://schemas.openxmlformats.org/presentationml/2006/main">
   <p:cSld>
     <p:spTree>
@@ -10412,7 +10113,7 @@
 </p:sld>
 </file>
 
-<file path=ppt/slides/slide14.xml><?xml version="1.0" encoding="utf-8"?>
+<file path=ppt/slides/slide13.xml><?xml version="1.0" encoding="utf-8"?>
 <p:sld xmlns:a="http://schemas.openxmlformats.org/drawingml/2006/main" xmlns:r="http://schemas.openxmlformats.org/officeDocument/2006/relationships" xmlns:p="http://schemas.openxmlformats.org/presentationml/2006/main">
   <p:cSld>
     <p:spTree>
@@ -12087,7 +11788,7 @@
 </p:sld>
 </file>
 
-<file path=ppt/slides/slide15.xml><?xml version="1.0" encoding="utf-8"?>
+<file path=ppt/slides/slide14.xml><?xml version="1.0" encoding="utf-8"?>
 <p:sld xmlns:a="http://schemas.openxmlformats.org/drawingml/2006/main" xmlns:r="http://schemas.openxmlformats.org/officeDocument/2006/relationships" xmlns:p="http://schemas.openxmlformats.org/presentationml/2006/main">
   <p:cSld>
     <p:spTree>
@@ -13065,7 +12766,7 @@
 </p:sld>
 </file>
 
-<file path=ppt/slides/slide16.xml><?xml version="1.0" encoding="utf-8"?>
+<file path=ppt/slides/slide15.xml><?xml version="1.0" encoding="utf-8"?>
 <p:sld xmlns:a="http://schemas.openxmlformats.org/drawingml/2006/main" xmlns:r="http://schemas.openxmlformats.org/officeDocument/2006/relationships" xmlns:p="http://schemas.openxmlformats.org/presentationml/2006/main">
   <p:cSld>
     <p:spTree>
@@ -14804,7 +14505,7 @@
 </p:sld>
 </file>
 
-<file path=ppt/slides/slide17.xml><?xml version="1.0" encoding="utf-8"?>
+<file path=ppt/slides/slide16.xml><?xml version="1.0" encoding="utf-8"?>
 <p:sld xmlns:a="http://schemas.openxmlformats.org/drawingml/2006/main" xmlns:r="http://schemas.openxmlformats.org/officeDocument/2006/relationships" xmlns:p="http://schemas.openxmlformats.org/presentationml/2006/main">
   <p:cSld>
     <p:spTree>
@@ -17382,7 +17083,7 @@
 </p:sld>
 </file>
 
-<file path=ppt/slides/slide18.xml><?xml version="1.0" encoding="utf-8"?>
+<file path=ppt/slides/slide17.xml><?xml version="1.0" encoding="utf-8"?>
 <p:sld xmlns:a="http://schemas.openxmlformats.org/drawingml/2006/main" xmlns:r="http://schemas.openxmlformats.org/officeDocument/2006/relationships" xmlns:p="http://schemas.openxmlformats.org/presentationml/2006/main">
   <p:cSld>
     <p:spTree>
@@ -18205,7 +17906,7 @@
 </p:sld>
 </file>
 
-<file path=ppt/slides/slide19.xml><?xml version="1.0" encoding="utf-8"?>
+<file path=ppt/slides/slide18.xml><?xml version="1.0" encoding="utf-8"?>
 <p:sld xmlns:a="http://schemas.openxmlformats.org/drawingml/2006/main" xmlns:r="http://schemas.openxmlformats.org/officeDocument/2006/relationships" xmlns:p="http://schemas.openxmlformats.org/presentationml/2006/main">
   <p:cSld>
     <p:spTree>
@@ -18839,6 +18540,689 @@
                                         </p:tav>
                                       </p:tavLst>
                                     </p:anim>
+                                  </p:childTnLst>
+                                </p:cTn>
+                              </p:par>
+                            </p:childTnLst>
+                          </p:cTn>
+                        </p:par>
+                      </p:childTnLst>
+                    </p:cTn>
+                  </p:par>
+                </p:childTnLst>
+              </p:cTn>
+              <p:prevCondLst>
+                <p:cond evt="onPrev" delay="0">
+                  <p:tgtEl>
+                    <p:sldTgt/>
+                  </p:tgtEl>
+                </p:cond>
+              </p:prevCondLst>
+              <p:nextCondLst>
+                <p:cond evt="onNext" delay="0">
+                  <p:tgtEl>
+                    <p:sldTgt/>
+                  </p:tgtEl>
+                </p:cond>
+              </p:nextCondLst>
+            </p:seq>
+          </p:childTnLst>
+        </p:cTn>
+      </p:par>
+    </p:tnLst>
+  </p:timing>
+</p:sld>
+</file>
+
+<file path=ppt/slides/slide19.xml><?xml version="1.0" encoding="utf-8"?>
+<p:sld xmlns:a="http://schemas.openxmlformats.org/drawingml/2006/main" xmlns:r="http://schemas.openxmlformats.org/officeDocument/2006/relationships" xmlns:p="http://schemas.openxmlformats.org/presentationml/2006/main">
+  <p:cSld>
+    <p:spTree>
+      <p:nvGrpSpPr>
+        <p:cNvPr id="1" name=""/>
+        <p:cNvGrpSpPr/>
+        <p:nvPr/>
+      </p:nvGrpSpPr>
+      <p:grpSpPr>
+        <a:xfrm>
+          <a:off x="0" y="0"/>
+          <a:ext cx="0" cy="0"/>
+          <a:chOff x="0" y="0"/>
+          <a:chExt cx="0" cy="0"/>
+        </a:xfrm>
+      </p:grpSpPr>
+      <p:grpSp>
+        <p:nvGrpSpPr>
+          <p:cNvPr id="66" name="组合 65">
+            <a:extLst>
+              <a:ext uri="{FF2B5EF4-FFF2-40B4-BE49-F238E27FC236}">
+                <a16:creationId xmlns:a16="http://schemas.microsoft.com/office/drawing/2014/main" id="{B31FD9ED-7842-4841-B4B0-418CF745A783}"/>
+              </a:ext>
+            </a:extLst>
+          </p:cNvPr>
+          <p:cNvGrpSpPr/>
+          <p:nvPr/>
+        </p:nvGrpSpPr>
+        <p:grpSpPr>
+          <a:xfrm>
+            <a:off x="304800" y="160072"/>
+            <a:ext cx="845855" cy="957897"/>
+            <a:chOff x="589078" y="2173649"/>
+            <a:chExt cx="1147751" cy="1299782"/>
+          </a:xfrm>
+        </p:grpSpPr>
+        <p:grpSp>
+          <p:nvGrpSpPr>
+            <p:cNvPr id="67" name="组合 66">
+              <a:extLst>
+                <a:ext uri="{FF2B5EF4-FFF2-40B4-BE49-F238E27FC236}">
+                  <a16:creationId xmlns:a16="http://schemas.microsoft.com/office/drawing/2014/main" id="{0BD90A63-9952-49ED-B2B0-2B31B16BB931}"/>
+                </a:ext>
+              </a:extLst>
+            </p:cNvPr>
+            <p:cNvGrpSpPr/>
+            <p:nvPr/>
+          </p:nvGrpSpPr>
+          <p:grpSpPr>
+            <a:xfrm>
+              <a:off x="589078" y="2173649"/>
+              <a:ext cx="1126328" cy="1243276"/>
+              <a:chOff x="1950418" y="3368985"/>
+              <a:chExt cx="432211" cy="477089"/>
+            </a:xfrm>
+          </p:grpSpPr>
+          <p:sp>
+            <p:nvSpPr>
+              <p:cNvPr id="69" name="矩形 68">
+                <a:extLst>
+                  <a:ext uri="{FF2B5EF4-FFF2-40B4-BE49-F238E27FC236}">
+                    <a16:creationId xmlns:a16="http://schemas.microsoft.com/office/drawing/2014/main" id="{B1E5FD5B-14E1-4B5B-BE71-760E05D7D0EF}"/>
+                  </a:ext>
+                </a:extLst>
+              </p:cNvPr>
+              <p:cNvSpPr/>
+              <p:nvPr/>
+            </p:nvSpPr>
+            <p:spPr>
+              <a:xfrm>
+                <a:off x="1950418" y="3368985"/>
+                <a:ext cx="353961" cy="353960"/>
+              </a:xfrm>
+              <a:prstGeom prst="rect">
+                <a:avLst/>
+              </a:prstGeom>
+              <a:solidFill>
+                <a:srgbClr val="113F4E"/>
+              </a:solidFill>
+              <a:ln>
+                <a:noFill/>
+              </a:ln>
+            </p:spPr>
+            <p:style>
+              <a:lnRef idx="2">
+                <a:schemeClr val="accent1">
+                  <a:shade val="50000"/>
+                </a:schemeClr>
+              </a:lnRef>
+              <a:fillRef idx="1">
+                <a:schemeClr val="accent1"/>
+              </a:fillRef>
+              <a:effectRef idx="0">
+                <a:schemeClr val="accent1"/>
+              </a:effectRef>
+              <a:fontRef idx="minor">
+                <a:schemeClr val="lt1"/>
+              </a:fontRef>
+            </p:style>
+            <p:txBody>
+              <a:bodyPr rtlCol="0" anchor="ctr"/>
+              <a:lstStyle/>
+              <a:p>
+                <a:pPr algn="ctr"/>
+                <a:endParaRPr lang="zh-CN" altLang="en-US" dirty="0">
+                  <a:latin typeface="微软雅黑" panose="020B0503020204020204" pitchFamily="34" charset="-122"/>
+                  <a:ea typeface="微软雅黑" panose="020B0503020204020204" pitchFamily="34" charset="-122"/>
+                </a:endParaRPr>
+              </a:p>
+            </p:txBody>
+          </p:sp>
+          <p:sp>
+            <p:nvSpPr>
+              <p:cNvPr id="70" name="矩形 69">
+                <a:extLst>
+                  <a:ext uri="{FF2B5EF4-FFF2-40B4-BE49-F238E27FC236}">
+                    <a16:creationId xmlns:a16="http://schemas.microsoft.com/office/drawing/2014/main" id="{8B8C661E-BD30-43C2-A433-B33E8C99A3CC}"/>
+                  </a:ext>
+                </a:extLst>
+              </p:cNvPr>
+              <p:cNvSpPr/>
+              <p:nvPr/>
+            </p:nvSpPr>
+            <p:spPr>
+              <a:xfrm>
+                <a:off x="2082519" y="3545965"/>
+                <a:ext cx="300110" cy="300109"/>
+              </a:xfrm>
+              <a:prstGeom prst="rect">
+                <a:avLst/>
+              </a:prstGeom>
+              <a:solidFill>
+                <a:srgbClr val="55C0AF"/>
+              </a:solidFill>
+              <a:ln>
+                <a:noFill/>
+              </a:ln>
+            </p:spPr>
+            <p:style>
+              <a:lnRef idx="2">
+                <a:schemeClr val="accent1">
+                  <a:shade val="50000"/>
+                </a:schemeClr>
+              </a:lnRef>
+              <a:fillRef idx="1">
+                <a:schemeClr val="accent1"/>
+              </a:fillRef>
+              <a:effectRef idx="0">
+                <a:schemeClr val="accent1"/>
+              </a:effectRef>
+              <a:fontRef idx="minor">
+                <a:schemeClr val="lt1"/>
+              </a:fontRef>
+            </p:style>
+            <p:txBody>
+              <a:bodyPr rtlCol="0" anchor="ctr"/>
+              <a:lstStyle/>
+              <a:p>
+                <a:pPr algn="ctr"/>
+                <a:endParaRPr lang="zh-CN" altLang="en-US" dirty="0">
+                  <a:latin typeface="微软雅黑" panose="020B0503020204020204" pitchFamily="34" charset="-122"/>
+                  <a:ea typeface="微软雅黑" panose="020B0503020204020204" pitchFamily="34" charset="-122"/>
+                </a:endParaRPr>
+              </a:p>
+            </p:txBody>
+          </p:sp>
+        </p:grpSp>
+        <p:sp>
+          <p:nvSpPr>
+            <p:cNvPr id="68" name="文本框 67">
+              <a:extLst>
+                <a:ext uri="{FF2B5EF4-FFF2-40B4-BE49-F238E27FC236}">
+                  <a16:creationId xmlns:a16="http://schemas.microsoft.com/office/drawing/2014/main" id="{5431DB3F-2B9E-471B-B83A-3AA3318295DF}"/>
+                </a:ext>
+              </a:extLst>
+            </p:cNvPr>
+            <p:cNvSpPr txBox="1"/>
+            <p:nvPr/>
+          </p:nvSpPr>
+          <p:spPr>
+            <a:xfrm>
+              <a:off x="907667" y="2220553"/>
+              <a:ext cx="829162" cy="1252878"/>
+            </a:xfrm>
+            <a:prstGeom prst="rect">
+              <a:avLst/>
+            </a:prstGeom>
+            <a:noFill/>
+          </p:spPr>
+          <p:txBody>
+            <a:bodyPr wrap="none" rtlCol="0">
+              <a:spAutoFit/>
+              <a:scene3d>
+                <a:camera prst="orthographicFront"/>
+                <a:lightRig rig="threePt" dir="t"/>
+              </a:scene3d>
+              <a:sp3d contourW="12700"/>
+            </a:bodyPr>
+            <a:lstStyle/>
+            <a:p>
+              <a:r>
+                <a:rPr lang="en-US" altLang="zh-CN" sz="5400" b="1" dirty="0">
+                  <a:solidFill>
+                    <a:schemeClr val="bg1"/>
+                  </a:solidFill>
+                  <a:latin typeface="微软雅黑" panose="020B0503020204020204" pitchFamily="34" charset="-122"/>
+                  <a:ea typeface="微软雅黑" panose="020B0503020204020204" pitchFamily="34" charset="-122"/>
+                </a:rPr>
+                <a:t>3</a:t>
+              </a:r>
+              <a:endParaRPr lang="zh-CN" altLang="en-US" sz="5400" b="1" dirty="0">
+                <a:solidFill>
+                  <a:schemeClr val="bg1"/>
+                </a:solidFill>
+                <a:latin typeface="微软雅黑" panose="020B0503020204020204" pitchFamily="34" charset="-122"/>
+                <a:ea typeface="微软雅黑" panose="020B0503020204020204" pitchFamily="34" charset="-122"/>
+              </a:endParaRPr>
+            </a:p>
+          </p:txBody>
+        </p:sp>
+      </p:grpSp>
+      <p:sp>
+        <p:nvSpPr>
+          <p:cNvPr id="71" name="文本框 70">
+            <a:extLst>
+              <a:ext uri="{FF2B5EF4-FFF2-40B4-BE49-F238E27FC236}">
+                <a16:creationId xmlns:a16="http://schemas.microsoft.com/office/drawing/2014/main" id="{56BFCEC6-22CE-4CDA-8267-8F8302C26831}"/>
+              </a:ext>
+            </a:extLst>
+          </p:cNvPr>
+          <p:cNvSpPr txBox="1"/>
+          <p:nvPr/>
+        </p:nvSpPr>
+        <p:spPr>
+          <a:xfrm>
+            <a:off x="1360280" y="101279"/>
+            <a:ext cx="4735719" cy="584775"/>
+          </a:xfrm>
+          <a:prstGeom prst="rect">
+            <a:avLst/>
+          </a:prstGeom>
+          <a:noFill/>
+        </p:spPr>
+        <p:txBody>
+          <a:bodyPr wrap="square" rtlCol="0">
+            <a:spAutoFit/>
+          </a:bodyPr>
+          <a:lstStyle/>
+          <a:p>
+            <a:r>
+              <a:rPr lang="zh-CN" altLang="en-US" sz="3200" b="1" spc="600" dirty="0">
+                <a:solidFill>
+                  <a:schemeClr val="bg1">
+                    <a:lumMod val="65000"/>
+                  </a:schemeClr>
+                </a:solidFill>
+                <a:latin typeface="微软雅黑" panose="020B0503020204020204" pitchFamily="34" charset="-122"/>
+                <a:ea typeface="微软雅黑" panose="020B0503020204020204" pitchFamily="34" charset="-122"/>
+              </a:rPr>
+              <a:t>项目创新</a:t>
+            </a:r>
+          </a:p>
+        </p:txBody>
+      </p:sp>
+      <p:sp>
+        <p:nvSpPr>
+          <p:cNvPr id="72" name="文本框 71">
+            <a:extLst>
+              <a:ext uri="{FF2B5EF4-FFF2-40B4-BE49-F238E27FC236}">
+                <a16:creationId xmlns:a16="http://schemas.microsoft.com/office/drawing/2014/main" id="{E996CA8F-8C12-4E6B-85BC-8B54AEFEB0D7}"/>
+              </a:ext>
+            </a:extLst>
+          </p:cNvPr>
+          <p:cNvSpPr txBox="1"/>
+          <p:nvPr/>
+        </p:nvSpPr>
+        <p:spPr>
+          <a:xfrm>
+            <a:off x="1365619" y="674947"/>
+            <a:ext cx="4092206" cy="461665"/>
+          </a:xfrm>
+          <a:prstGeom prst="rect">
+            <a:avLst/>
+          </a:prstGeom>
+          <a:noFill/>
+        </p:spPr>
+        <p:txBody>
+          <a:bodyPr wrap="square" rtlCol="0">
+            <a:spAutoFit/>
+          </a:bodyPr>
+          <a:lstStyle/>
+          <a:p>
+            <a:r>
+              <a:rPr lang="zh-CN" altLang="en-US" sz="2400" b="1" dirty="0">
+                <a:solidFill>
+                  <a:srgbClr val="55C0AF"/>
+                </a:solidFill>
+              </a:rPr>
+              <a:t>增强模型</a:t>
+            </a:r>
+          </a:p>
+        </p:txBody>
+      </p:sp>
+      <p:sp>
+        <p:nvSpPr>
+          <p:cNvPr id="5" name="文本框 4">
+            <a:extLst>
+              <a:ext uri="{FF2B5EF4-FFF2-40B4-BE49-F238E27FC236}">
+                <a16:creationId xmlns:a16="http://schemas.microsoft.com/office/drawing/2014/main" id="{FDB7C7F8-18FB-4FD7-8A6D-40107351D2ED}"/>
+              </a:ext>
+            </a:extLst>
+          </p:cNvPr>
+          <p:cNvSpPr txBox="1"/>
+          <p:nvPr/>
+        </p:nvSpPr>
+        <p:spPr>
+          <a:xfrm>
+            <a:off x="2863538" y="4664990"/>
+            <a:ext cx="7865533" cy="369332"/>
+          </a:xfrm>
+          <a:prstGeom prst="rect">
+            <a:avLst/>
+          </a:prstGeom>
+          <a:noFill/>
+        </p:spPr>
+        <p:txBody>
+          <a:bodyPr wrap="square" rtlCol="0">
+            <a:spAutoFit/>
+          </a:bodyPr>
+          <a:lstStyle/>
+          <a:p>
+            <a:r>
+              <a:rPr lang="zh-CN" altLang="en-US" b="1" dirty="0">
+                <a:solidFill>
+                  <a:srgbClr val="113F4E"/>
+                </a:solidFill>
+              </a:rPr>
+              <a:t>识别模型</a:t>
+            </a:r>
+            <a:r>
+              <a:rPr lang="en-US" altLang="zh-CN" b="1" dirty="0">
+                <a:solidFill>
+                  <a:srgbClr val="113F4E"/>
+                </a:solidFill>
+              </a:rPr>
+              <a:t>93%</a:t>
+            </a:r>
+            <a:r>
+              <a:rPr lang="zh-CN" altLang="en-US" b="1" dirty="0">
+                <a:solidFill>
+                  <a:srgbClr val="113F4E"/>
+                </a:solidFill>
+              </a:rPr>
+              <a:t>的准确率，</a:t>
+            </a:r>
+            <a:r>
+              <a:rPr lang="en-US" altLang="zh-CN" b="1" dirty="0">
+                <a:solidFill>
+                  <a:srgbClr val="113F4E"/>
+                </a:solidFill>
+              </a:rPr>
+              <a:t>10000</a:t>
+            </a:r>
+            <a:r>
+              <a:rPr lang="zh-CN" altLang="en-US" b="1" dirty="0">
+                <a:solidFill>
+                  <a:srgbClr val="113F4E"/>
+                </a:solidFill>
+              </a:rPr>
+              <a:t>条会有</a:t>
+            </a:r>
+            <a:r>
+              <a:rPr lang="en-US" altLang="zh-CN" b="1" dirty="0">
+                <a:solidFill>
+                  <a:srgbClr val="113F4E"/>
+                </a:solidFill>
+              </a:rPr>
+              <a:t>700</a:t>
+            </a:r>
+            <a:r>
+              <a:rPr lang="zh-CN" altLang="en-US" b="1" dirty="0">
+                <a:solidFill>
+                  <a:srgbClr val="113F4E"/>
+                </a:solidFill>
+              </a:rPr>
+              <a:t>条出错，如何改善？</a:t>
+            </a:r>
+          </a:p>
+        </p:txBody>
+      </p:sp>
+      <p:grpSp>
+        <p:nvGrpSpPr>
+          <p:cNvPr id="14" name="组合 13">
+            <a:extLst>
+              <a:ext uri="{FF2B5EF4-FFF2-40B4-BE49-F238E27FC236}">
+                <a16:creationId xmlns:a16="http://schemas.microsoft.com/office/drawing/2014/main" id="{2BB8463D-FD61-43B1-B66F-AD33ABFA260A}"/>
+              </a:ext>
+            </a:extLst>
+          </p:cNvPr>
+          <p:cNvGrpSpPr/>
+          <p:nvPr/>
+        </p:nvGrpSpPr>
+        <p:grpSpPr>
+          <a:xfrm>
+            <a:off x="2863538" y="2731747"/>
+            <a:ext cx="6191680" cy="1157440"/>
+            <a:chOff x="1541767" y="5381576"/>
+            <a:chExt cx="2729353" cy="612000"/>
+          </a:xfrm>
+        </p:grpSpPr>
+        <p:sp>
+          <p:nvSpPr>
+            <p:cNvPr id="15" name="圆角矩形 20">
+              <a:extLst>
+                <a:ext uri="{FF2B5EF4-FFF2-40B4-BE49-F238E27FC236}">
+                  <a16:creationId xmlns:a16="http://schemas.microsoft.com/office/drawing/2014/main" id="{FCBD76C9-7E30-4B89-AE98-32CD54729436}"/>
+                </a:ext>
+              </a:extLst>
+            </p:cNvPr>
+            <p:cNvSpPr/>
+            <p:nvPr/>
+          </p:nvSpPr>
+          <p:spPr>
+            <a:xfrm>
+              <a:off x="1541767" y="5381576"/>
+              <a:ext cx="2729353" cy="612000"/>
+            </a:xfrm>
+            <a:prstGeom prst="roundRect">
+              <a:avLst/>
+            </a:prstGeom>
+            <a:solidFill>
+              <a:srgbClr val="D9D9D9">
+                <a:alpha val="50196"/>
+              </a:srgbClr>
+            </a:solidFill>
+            <a:ln>
+              <a:noFill/>
+            </a:ln>
+          </p:spPr>
+          <p:style>
+            <a:lnRef idx="2">
+              <a:schemeClr val="accent1">
+                <a:shade val="50000"/>
+              </a:schemeClr>
+            </a:lnRef>
+            <a:fillRef idx="1">
+              <a:schemeClr val="accent1"/>
+            </a:fillRef>
+            <a:effectRef idx="0">
+              <a:schemeClr val="accent1"/>
+            </a:effectRef>
+            <a:fontRef idx="minor">
+              <a:schemeClr val="lt1"/>
+            </a:fontRef>
+          </p:style>
+          <p:txBody>
+            <a:bodyPr rtlCol="0" anchor="ctr"/>
+            <a:lstStyle/>
+            <a:p>
+              <a:pPr algn="ctr"/>
+              <a:endParaRPr lang="zh-CN" altLang="en-US" sz="1400" dirty="0">
+                <a:latin typeface="+mj-ea"/>
+                <a:ea typeface="+mj-ea"/>
+              </a:endParaRPr>
+            </a:p>
+          </p:txBody>
+        </p:sp>
+        <p:sp>
+          <p:nvSpPr>
+            <p:cNvPr id="16" name="矩形 15">
+              <a:extLst>
+                <a:ext uri="{FF2B5EF4-FFF2-40B4-BE49-F238E27FC236}">
+                  <a16:creationId xmlns:a16="http://schemas.microsoft.com/office/drawing/2014/main" id="{4C980941-4311-452A-8EB9-ADB5D63EB612}"/>
+                </a:ext>
+              </a:extLst>
+            </p:cNvPr>
+            <p:cNvSpPr/>
+            <p:nvPr/>
+          </p:nvSpPr>
+          <p:spPr>
+            <a:xfrm>
+              <a:off x="1887248" y="5549249"/>
+              <a:ext cx="2158838" cy="276654"/>
+            </a:xfrm>
+            <a:prstGeom prst="rect">
+              <a:avLst/>
+            </a:prstGeom>
+          </p:spPr>
+          <p:txBody>
+            <a:bodyPr wrap="square">
+              <a:spAutoFit/>
+            </a:bodyPr>
+            <a:lstStyle/>
+            <a:p>
+              <a:pPr algn="ctr"/>
+              <a:r>
+                <a:rPr lang="zh-CN" altLang="en-US" sz="2800" b="1" dirty="0">
+                  <a:solidFill>
+                    <a:srgbClr val="113F4E"/>
+                  </a:solidFill>
+                </a:rPr>
+                <a:t>投诉类别判断出错、如何解决？</a:t>
+              </a:r>
+            </a:p>
+          </p:txBody>
+        </p:sp>
+      </p:grpSp>
+    </p:spTree>
+    <p:extLst>
+      <p:ext uri="{BB962C8B-B14F-4D97-AF65-F5344CB8AC3E}">
+        <p14:creationId xmlns:p14="http://schemas.microsoft.com/office/powerpoint/2010/main" val="2531453227"/>
+      </p:ext>
+    </p:extLst>
+  </p:cSld>
+  <p:clrMapOvr>
+    <a:masterClrMapping/>
+  </p:clrMapOvr>
+  <p:transition spd="slow">
+    <p:push dir="u"/>
+  </p:transition>
+  <p:timing>
+    <p:tnLst>
+      <p:par>
+        <p:cTn id="1" dur="indefinite" restart="never" nodeType="tmRoot">
+          <p:childTnLst>
+            <p:seq concurrent="1" nextAc="seek">
+              <p:cTn id="2" dur="indefinite" nodeType="mainSeq">
+                <p:childTnLst>
+                  <p:par>
+                    <p:cTn id="3" fill="hold">
+                      <p:stCondLst>
+                        <p:cond delay="indefinite"/>
+                        <p:cond evt="onBegin" delay="0">
+                          <p:tn val="2"/>
+                        </p:cond>
+                      </p:stCondLst>
+                      <p:childTnLst>
+                        <p:par>
+                          <p:cTn id="4" fill="hold">
+                            <p:stCondLst>
+                              <p:cond delay="0"/>
+                            </p:stCondLst>
+                            <p:childTnLst>
+                              <p:par>
+                                <p:cTn id="5" presetID="2" presetClass="entr" presetSubtype="8" fill="hold" nodeType="afterEffect">
+                                  <p:stCondLst>
+                                    <p:cond delay="0"/>
+                                  </p:stCondLst>
+                                  <p:childTnLst>
+                                    <p:set>
+                                      <p:cBhvr>
+                                        <p:cTn id="6" dur="1" fill="hold">
+                                          <p:stCondLst>
+                                            <p:cond delay="0"/>
+                                          </p:stCondLst>
+                                        </p:cTn>
+                                        <p:tgtEl>
+                                          <p:spTgt spid="66"/>
+                                        </p:tgtEl>
+                                        <p:attrNameLst>
+                                          <p:attrName>style.visibility</p:attrName>
+                                        </p:attrNameLst>
+                                      </p:cBhvr>
+                                      <p:to>
+                                        <p:strVal val="visible"/>
+                                      </p:to>
+                                    </p:set>
+                                    <p:anim calcmode="lin" valueType="num">
+                                      <p:cBhvr additive="base">
+                                        <p:cTn id="7" dur="500" fill="hold"/>
+                                        <p:tgtEl>
+                                          <p:spTgt spid="66"/>
+                                        </p:tgtEl>
+                                        <p:attrNameLst>
+                                          <p:attrName>ppt_x</p:attrName>
+                                        </p:attrNameLst>
+                                      </p:cBhvr>
+                                      <p:tavLst>
+                                        <p:tav tm="0">
+                                          <p:val>
+                                            <p:strVal val="0-#ppt_w/2"/>
+                                          </p:val>
+                                        </p:tav>
+                                        <p:tav tm="100000">
+                                          <p:val>
+                                            <p:strVal val="#ppt_x"/>
+                                          </p:val>
+                                        </p:tav>
+                                      </p:tavLst>
+                                    </p:anim>
+                                    <p:anim calcmode="lin" valueType="num">
+                                      <p:cBhvr additive="base">
+                                        <p:cTn id="8" dur="500" fill="hold"/>
+                                        <p:tgtEl>
+                                          <p:spTgt spid="66"/>
+                                        </p:tgtEl>
+                                        <p:attrNameLst>
+                                          <p:attrName>ppt_y</p:attrName>
+                                        </p:attrNameLst>
+                                      </p:cBhvr>
+                                      <p:tavLst>
+                                        <p:tav tm="0">
+                                          <p:val>
+                                            <p:strVal val="#ppt_y"/>
+                                          </p:val>
+                                        </p:tav>
+                                        <p:tav tm="100000">
+                                          <p:val>
+                                            <p:strVal val="#ppt_y"/>
+                                          </p:val>
+                                        </p:tav>
+                                      </p:tavLst>
+                                    </p:anim>
+                                  </p:childTnLst>
+                                </p:cTn>
+                              </p:par>
+                              <p:par>
+                                <p:cTn id="9" presetID="10" presetClass="entr" presetSubtype="0" fill="hold" nodeType="withEffect">
+                                  <p:stCondLst>
+                                    <p:cond delay="0"/>
+                                  </p:stCondLst>
+                                  <p:childTnLst>
+                                    <p:set>
+                                      <p:cBhvr>
+                                        <p:cTn id="10" dur="1" fill="hold">
+                                          <p:stCondLst>
+                                            <p:cond delay="0"/>
+                                          </p:stCondLst>
+                                        </p:cTn>
+                                        <p:tgtEl>
+                                          <p:spTgt spid="14"/>
+                                        </p:tgtEl>
+                                        <p:attrNameLst>
+                                          <p:attrName>style.visibility</p:attrName>
+                                        </p:attrNameLst>
+                                      </p:cBhvr>
+                                      <p:to>
+                                        <p:strVal val="visible"/>
+                                      </p:to>
+                                    </p:set>
+                                    <p:animEffect transition="in" filter="fade">
+                                      <p:cBhvr>
+                                        <p:cTn id="11" dur="500"/>
+                                        <p:tgtEl>
+                                          <p:spTgt spid="14"/>
+                                        </p:tgtEl>
+                                      </p:cBhvr>
+                                    </p:animEffect>
                                   </p:childTnLst>
                                 </p:cTn>
                               </p:par>
@@ -20934,689 +21318,6 @@
           </a:p>
         </p:txBody>
       </p:sp>
-      <p:sp>
-        <p:nvSpPr>
-          <p:cNvPr id="5" name="文本框 4">
-            <a:extLst>
-              <a:ext uri="{FF2B5EF4-FFF2-40B4-BE49-F238E27FC236}">
-                <a16:creationId xmlns:a16="http://schemas.microsoft.com/office/drawing/2014/main" id="{FDB7C7F8-18FB-4FD7-8A6D-40107351D2ED}"/>
-              </a:ext>
-            </a:extLst>
-          </p:cNvPr>
-          <p:cNvSpPr txBox="1"/>
-          <p:nvPr/>
-        </p:nvSpPr>
-        <p:spPr>
-          <a:xfrm>
-            <a:off x="2863538" y="4664990"/>
-            <a:ext cx="7865533" cy="369332"/>
-          </a:xfrm>
-          <a:prstGeom prst="rect">
-            <a:avLst/>
-          </a:prstGeom>
-          <a:noFill/>
-        </p:spPr>
-        <p:txBody>
-          <a:bodyPr wrap="square" rtlCol="0">
-            <a:spAutoFit/>
-          </a:bodyPr>
-          <a:lstStyle/>
-          <a:p>
-            <a:r>
-              <a:rPr lang="zh-CN" altLang="en-US" b="1" dirty="0">
-                <a:solidFill>
-                  <a:srgbClr val="113F4E"/>
-                </a:solidFill>
-              </a:rPr>
-              <a:t>识别模型</a:t>
-            </a:r>
-            <a:r>
-              <a:rPr lang="en-US" altLang="zh-CN" b="1" dirty="0">
-                <a:solidFill>
-                  <a:srgbClr val="113F4E"/>
-                </a:solidFill>
-              </a:rPr>
-              <a:t>93%</a:t>
-            </a:r>
-            <a:r>
-              <a:rPr lang="zh-CN" altLang="en-US" b="1" dirty="0">
-                <a:solidFill>
-                  <a:srgbClr val="113F4E"/>
-                </a:solidFill>
-              </a:rPr>
-              <a:t>的准确率，</a:t>
-            </a:r>
-            <a:r>
-              <a:rPr lang="en-US" altLang="zh-CN" b="1" dirty="0">
-                <a:solidFill>
-                  <a:srgbClr val="113F4E"/>
-                </a:solidFill>
-              </a:rPr>
-              <a:t>10000</a:t>
-            </a:r>
-            <a:r>
-              <a:rPr lang="zh-CN" altLang="en-US" b="1" dirty="0">
-                <a:solidFill>
-                  <a:srgbClr val="113F4E"/>
-                </a:solidFill>
-              </a:rPr>
-              <a:t>条会有</a:t>
-            </a:r>
-            <a:r>
-              <a:rPr lang="en-US" altLang="zh-CN" b="1" dirty="0">
-                <a:solidFill>
-                  <a:srgbClr val="113F4E"/>
-                </a:solidFill>
-              </a:rPr>
-              <a:t>700</a:t>
-            </a:r>
-            <a:r>
-              <a:rPr lang="zh-CN" altLang="en-US" b="1" dirty="0">
-                <a:solidFill>
-                  <a:srgbClr val="113F4E"/>
-                </a:solidFill>
-              </a:rPr>
-              <a:t>条出错，如何改善？</a:t>
-            </a:r>
-          </a:p>
-        </p:txBody>
-      </p:sp>
-      <p:grpSp>
-        <p:nvGrpSpPr>
-          <p:cNvPr id="14" name="组合 13">
-            <a:extLst>
-              <a:ext uri="{FF2B5EF4-FFF2-40B4-BE49-F238E27FC236}">
-                <a16:creationId xmlns:a16="http://schemas.microsoft.com/office/drawing/2014/main" id="{2BB8463D-FD61-43B1-B66F-AD33ABFA260A}"/>
-              </a:ext>
-            </a:extLst>
-          </p:cNvPr>
-          <p:cNvGrpSpPr/>
-          <p:nvPr/>
-        </p:nvGrpSpPr>
-        <p:grpSpPr>
-          <a:xfrm>
-            <a:off x="2863538" y="2731747"/>
-            <a:ext cx="6191680" cy="1157440"/>
-            <a:chOff x="1541767" y="5381576"/>
-            <a:chExt cx="2729353" cy="612000"/>
-          </a:xfrm>
-        </p:grpSpPr>
-        <p:sp>
-          <p:nvSpPr>
-            <p:cNvPr id="15" name="圆角矩形 20">
-              <a:extLst>
-                <a:ext uri="{FF2B5EF4-FFF2-40B4-BE49-F238E27FC236}">
-                  <a16:creationId xmlns:a16="http://schemas.microsoft.com/office/drawing/2014/main" id="{FCBD76C9-7E30-4B89-AE98-32CD54729436}"/>
-                </a:ext>
-              </a:extLst>
-            </p:cNvPr>
-            <p:cNvSpPr/>
-            <p:nvPr/>
-          </p:nvSpPr>
-          <p:spPr>
-            <a:xfrm>
-              <a:off x="1541767" y="5381576"/>
-              <a:ext cx="2729353" cy="612000"/>
-            </a:xfrm>
-            <a:prstGeom prst="roundRect">
-              <a:avLst/>
-            </a:prstGeom>
-            <a:solidFill>
-              <a:srgbClr val="D9D9D9">
-                <a:alpha val="50196"/>
-              </a:srgbClr>
-            </a:solidFill>
-            <a:ln>
-              <a:noFill/>
-            </a:ln>
-          </p:spPr>
-          <p:style>
-            <a:lnRef idx="2">
-              <a:schemeClr val="accent1">
-                <a:shade val="50000"/>
-              </a:schemeClr>
-            </a:lnRef>
-            <a:fillRef idx="1">
-              <a:schemeClr val="accent1"/>
-            </a:fillRef>
-            <a:effectRef idx="0">
-              <a:schemeClr val="accent1"/>
-            </a:effectRef>
-            <a:fontRef idx="minor">
-              <a:schemeClr val="lt1"/>
-            </a:fontRef>
-          </p:style>
-          <p:txBody>
-            <a:bodyPr rtlCol="0" anchor="ctr"/>
-            <a:lstStyle/>
-            <a:p>
-              <a:pPr algn="ctr"/>
-              <a:endParaRPr lang="zh-CN" altLang="en-US" sz="1400" dirty="0">
-                <a:latin typeface="+mj-ea"/>
-                <a:ea typeface="+mj-ea"/>
-              </a:endParaRPr>
-            </a:p>
-          </p:txBody>
-        </p:sp>
-        <p:sp>
-          <p:nvSpPr>
-            <p:cNvPr id="16" name="矩形 15">
-              <a:extLst>
-                <a:ext uri="{FF2B5EF4-FFF2-40B4-BE49-F238E27FC236}">
-                  <a16:creationId xmlns:a16="http://schemas.microsoft.com/office/drawing/2014/main" id="{4C980941-4311-452A-8EB9-ADB5D63EB612}"/>
-                </a:ext>
-              </a:extLst>
-            </p:cNvPr>
-            <p:cNvSpPr/>
-            <p:nvPr/>
-          </p:nvSpPr>
-          <p:spPr>
-            <a:xfrm>
-              <a:off x="1887248" y="5549249"/>
-              <a:ext cx="2158838" cy="276654"/>
-            </a:xfrm>
-            <a:prstGeom prst="rect">
-              <a:avLst/>
-            </a:prstGeom>
-          </p:spPr>
-          <p:txBody>
-            <a:bodyPr wrap="square">
-              <a:spAutoFit/>
-            </a:bodyPr>
-            <a:lstStyle/>
-            <a:p>
-              <a:pPr algn="ctr"/>
-              <a:r>
-                <a:rPr lang="zh-CN" altLang="en-US" sz="2800" b="1" dirty="0">
-                  <a:solidFill>
-                    <a:srgbClr val="113F4E"/>
-                  </a:solidFill>
-                </a:rPr>
-                <a:t>投诉类别判断出错、如何解决？</a:t>
-              </a:r>
-            </a:p>
-          </p:txBody>
-        </p:sp>
-      </p:grpSp>
-    </p:spTree>
-    <p:extLst>
-      <p:ext uri="{BB962C8B-B14F-4D97-AF65-F5344CB8AC3E}">
-        <p14:creationId xmlns:p14="http://schemas.microsoft.com/office/powerpoint/2010/main" val="2531453227"/>
-      </p:ext>
-    </p:extLst>
-  </p:cSld>
-  <p:clrMapOvr>
-    <a:masterClrMapping/>
-  </p:clrMapOvr>
-  <p:transition spd="slow">
-    <p:push dir="u"/>
-  </p:transition>
-  <p:timing>
-    <p:tnLst>
-      <p:par>
-        <p:cTn id="1" dur="indefinite" restart="never" nodeType="tmRoot">
-          <p:childTnLst>
-            <p:seq concurrent="1" nextAc="seek">
-              <p:cTn id="2" dur="indefinite" nodeType="mainSeq">
-                <p:childTnLst>
-                  <p:par>
-                    <p:cTn id="3" fill="hold">
-                      <p:stCondLst>
-                        <p:cond delay="indefinite"/>
-                        <p:cond evt="onBegin" delay="0">
-                          <p:tn val="2"/>
-                        </p:cond>
-                      </p:stCondLst>
-                      <p:childTnLst>
-                        <p:par>
-                          <p:cTn id="4" fill="hold">
-                            <p:stCondLst>
-                              <p:cond delay="0"/>
-                            </p:stCondLst>
-                            <p:childTnLst>
-                              <p:par>
-                                <p:cTn id="5" presetID="2" presetClass="entr" presetSubtype="8" fill="hold" nodeType="afterEffect">
-                                  <p:stCondLst>
-                                    <p:cond delay="0"/>
-                                  </p:stCondLst>
-                                  <p:childTnLst>
-                                    <p:set>
-                                      <p:cBhvr>
-                                        <p:cTn id="6" dur="1" fill="hold">
-                                          <p:stCondLst>
-                                            <p:cond delay="0"/>
-                                          </p:stCondLst>
-                                        </p:cTn>
-                                        <p:tgtEl>
-                                          <p:spTgt spid="66"/>
-                                        </p:tgtEl>
-                                        <p:attrNameLst>
-                                          <p:attrName>style.visibility</p:attrName>
-                                        </p:attrNameLst>
-                                      </p:cBhvr>
-                                      <p:to>
-                                        <p:strVal val="visible"/>
-                                      </p:to>
-                                    </p:set>
-                                    <p:anim calcmode="lin" valueType="num">
-                                      <p:cBhvr additive="base">
-                                        <p:cTn id="7" dur="500" fill="hold"/>
-                                        <p:tgtEl>
-                                          <p:spTgt spid="66"/>
-                                        </p:tgtEl>
-                                        <p:attrNameLst>
-                                          <p:attrName>ppt_x</p:attrName>
-                                        </p:attrNameLst>
-                                      </p:cBhvr>
-                                      <p:tavLst>
-                                        <p:tav tm="0">
-                                          <p:val>
-                                            <p:strVal val="0-#ppt_w/2"/>
-                                          </p:val>
-                                        </p:tav>
-                                        <p:tav tm="100000">
-                                          <p:val>
-                                            <p:strVal val="#ppt_x"/>
-                                          </p:val>
-                                        </p:tav>
-                                      </p:tavLst>
-                                    </p:anim>
-                                    <p:anim calcmode="lin" valueType="num">
-                                      <p:cBhvr additive="base">
-                                        <p:cTn id="8" dur="500" fill="hold"/>
-                                        <p:tgtEl>
-                                          <p:spTgt spid="66"/>
-                                        </p:tgtEl>
-                                        <p:attrNameLst>
-                                          <p:attrName>ppt_y</p:attrName>
-                                        </p:attrNameLst>
-                                      </p:cBhvr>
-                                      <p:tavLst>
-                                        <p:tav tm="0">
-                                          <p:val>
-                                            <p:strVal val="#ppt_y"/>
-                                          </p:val>
-                                        </p:tav>
-                                        <p:tav tm="100000">
-                                          <p:val>
-                                            <p:strVal val="#ppt_y"/>
-                                          </p:val>
-                                        </p:tav>
-                                      </p:tavLst>
-                                    </p:anim>
-                                  </p:childTnLst>
-                                </p:cTn>
-                              </p:par>
-                              <p:par>
-                                <p:cTn id="9" presetID="10" presetClass="entr" presetSubtype="0" fill="hold" nodeType="withEffect">
-                                  <p:stCondLst>
-                                    <p:cond delay="0"/>
-                                  </p:stCondLst>
-                                  <p:childTnLst>
-                                    <p:set>
-                                      <p:cBhvr>
-                                        <p:cTn id="10" dur="1" fill="hold">
-                                          <p:stCondLst>
-                                            <p:cond delay="0"/>
-                                          </p:stCondLst>
-                                        </p:cTn>
-                                        <p:tgtEl>
-                                          <p:spTgt spid="14"/>
-                                        </p:tgtEl>
-                                        <p:attrNameLst>
-                                          <p:attrName>style.visibility</p:attrName>
-                                        </p:attrNameLst>
-                                      </p:cBhvr>
-                                      <p:to>
-                                        <p:strVal val="visible"/>
-                                      </p:to>
-                                    </p:set>
-                                    <p:animEffect transition="in" filter="fade">
-                                      <p:cBhvr>
-                                        <p:cTn id="11" dur="500"/>
-                                        <p:tgtEl>
-                                          <p:spTgt spid="14"/>
-                                        </p:tgtEl>
-                                      </p:cBhvr>
-                                    </p:animEffect>
-                                  </p:childTnLst>
-                                </p:cTn>
-                              </p:par>
-                            </p:childTnLst>
-                          </p:cTn>
-                        </p:par>
-                      </p:childTnLst>
-                    </p:cTn>
-                  </p:par>
-                </p:childTnLst>
-              </p:cTn>
-              <p:prevCondLst>
-                <p:cond evt="onPrev" delay="0">
-                  <p:tgtEl>
-                    <p:sldTgt/>
-                  </p:tgtEl>
-                </p:cond>
-              </p:prevCondLst>
-              <p:nextCondLst>
-                <p:cond evt="onNext" delay="0">
-                  <p:tgtEl>
-                    <p:sldTgt/>
-                  </p:tgtEl>
-                </p:cond>
-              </p:nextCondLst>
-            </p:seq>
-          </p:childTnLst>
-        </p:cTn>
-      </p:par>
-    </p:tnLst>
-  </p:timing>
-</p:sld>
-</file>
-
-<file path=ppt/slides/slide21.xml><?xml version="1.0" encoding="utf-8"?>
-<p:sld xmlns:a="http://schemas.openxmlformats.org/drawingml/2006/main" xmlns:r="http://schemas.openxmlformats.org/officeDocument/2006/relationships" xmlns:p="http://schemas.openxmlformats.org/presentationml/2006/main">
-  <p:cSld>
-    <p:spTree>
-      <p:nvGrpSpPr>
-        <p:cNvPr id="1" name=""/>
-        <p:cNvGrpSpPr/>
-        <p:nvPr/>
-      </p:nvGrpSpPr>
-      <p:grpSpPr>
-        <a:xfrm>
-          <a:off x="0" y="0"/>
-          <a:ext cx="0" cy="0"/>
-          <a:chOff x="0" y="0"/>
-          <a:chExt cx="0" cy="0"/>
-        </a:xfrm>
-      </p:grpSpPr>
-      <p:grpSp>
-        <p:nvGrpSpPr>
-          <p:cNvPr id="66" name="组合 65">
-            <a:extLst>
-              <a:ext uri="{FF2B5EF4-FFF2-40B4-BE49-F238E27FC236}">
-                <a16:creationId xmlns:a16="http://schemas.microsoft.com/office/drawing/2014/main" id="{B31FD9ED-7842-4841-B4B0-418CF745A783}"/>
-              </a:ext>
-            </a:extLst>
-          </p:cNvPr>
-          <p:cNvGrpSpPr/>
-          <p:nvPr/>
-        </p:nvGrpSpPr>
-        <p:grpSpPr>
-          <a:xfrm>
-            <a:off x="304800" y="160072"/>
-            <a:ext cx="845855" cy="957897"/>
-            <a:chOff x="589078" y="2173649"/>
-            <a:chExt cx="1147751" cy="1299782"/>
-          </a:xfrm>
-        </p:grpSpPr>
-        <p:grpSp>
-          <p:nvGrpSpPr>
-            <p:cNvPr id="67" name="组合 66">
-              <a:extLst>
-                <a:ext uri="{FF2B5EF4-FFF2-40B4-BE49-F238E27FC236}">
-                  <a16:creationId xmlns:a16="http://schemas.microsoft.com/office/drawing/2014/main" id="{0BD90A63-9952-49ED-B2B0-2B31B16BB931}"/>
-                </a:ext>
-              </a:extLst>
-            </p:cNvPr>
-            <p:cNvGrpSpPr/>
-            <p:nvPr/>
-          </p:nvGrpSpPr>
-          <p:grpSpPr>
-            <a:xfrm>
-              <a:off x="589078" y="2173649"/>
-              <a:ext cx="1126328" cy="1243276"/>
-              <a:chOff x="1950418" y="3368985"/>
-              <a:chExt cx="432211" cy="477089"/>
-            </a:xfrm>
-          </p:grpSpPr>
-          <p:sp>
-            <p:nvSpPr>
-              <p:cNvPr id="69" name="矩形 68">
-                <a:extLst>
-                  <a:ext uri="{FF2B5EF4-FFF2-40B4-BE49-F238E27FC236}">
-                    <a16:creationId xmlns:a16="http://schemas.microsoft.com/office/drawing/2014/main" id="{B1E5FD5B-14E1-4B5B-BE71-760E05D7D0EF}"/>
-                  </a:ext>
-                </a:extLst>
-              </p:cNvPr>
-              <p:cNvSpPr/>
-              <p:nvPr/>
-            </p:nvSpPr>
-            <p:spPr>
-              <a:xfrm>
-                <a:off x="1950418" y="3368985"/>
-                <a:ext cx="353961" cy="353960"/>
-              </a:xfrm>
-              <a:prstGeom prst="rect">
-                <a:avLst/>
-              </a:prstGeom>
-              <a:solidFill>
-                <a:srgbClr val="113F4E"/>
-              </a:solidFill>
-              <a:ln>
-                <a:noFill/>
-              </a:ln>
-            </p:spPr>
-            <p:style>
-              <a:lnRef idx="2">
-                <a:schemeClr val="accent1">
-                  <a:shade val="50000"/>
-                </a:schemeClr>
-              </a:lnRef>
-              <a:fillRef idx="1">
-                <a:schemeClr val="accent1"/>
-              </a:fillRef>
-              <a:effectRef idx="0">
-                <a:schemeClr val="accent1"/>
-              </a:effectRef>
-              <a:fontRef idx="minor">
-                <a:schemeClr val="lt1"/>
-              </a:fontRef>
-            </p:style>
-            <p:txBody>
-              <a:bodyPr rtlCol="0" anchor="ctr"/>
-              <a:lstStyle/>
-              <a:p>
-                <a:pPr algn="ctr"/>
-                <a:endParaRPr lang="zh-CN" altLang="en-US" dirty="0">
-                  <a:latin typeface="微软雅黑" panose="020B0503020204020204" pitchFamily="34" charset="-122"/>
-                  <a:ea typeface="微软雅黑" panose="020B0503020204020204" pitchFamily="34" charset="-122"/>
-                </a:endParaRPr>
-              </a:p>
-            </p:txBody>
-          </p:sp>
-          <p:sp>
-            <p:nvSpPr>
-              <p:cNvPr id="70" name="矩形 69">
-                <a:extLst>
-                  <a:ext uri="{FF2B5EF4-FFF2-40B4-BE49-F238E27FC236}">
-                    <a16:creationId xmlns:a16="http://schemas.microsoft.com/office/drawing/2014/main" id="{8B8C661E-BD30-43C2-A433-B33E8C99A3CC}"/>
-                  </a:ext>
-                </a:extLst>
-              </p:cNvPr>
-              <p:cNvSpPr/>
-              <p:nvPr/>
-            </p:nvSpPr>
-            <p:spPr>
-              <a:xfrm>
-                <a:off x="2082519" y="3545965"/>
-                <a:ext cx="300110" cy="300109"/>
-              </a:xfrm>
-              <a:prstGeom prst="rect">
-                <a:avLst/>
-              </a:prstGeom>
-              <a:solidFill>
-                <a:srgbClr val="55C0AF"/>
-              </a:solidFill>
-              <a:ln>
-                <a:noFill/>
-              </a:ln>
-            </p:spPr>
-            <p:style>
-              <a:lnRef idx="2">
-                <a:schemeClr val="accent1">
-                  <a:shade val="50000"/>
-                </a:schemeClr>
-              </a:lnRef>
-              <a:fillRef idx="1">
-                <a:schemeClr val="accent1"/>
-              </a:fillRef>
-              <a:effectRef idx="0">
-                <a:schemeClr val="accent1"/>
-              </a:effectRef>
-              <a:fontRef idx="minor">
-                <a:schemeClr val="lt1"/>
-              </a:fontRef>
-            </p:style>
-            <p:txBody>
-              <a:bodyPr rtlCol="0" anchor="ctr"/>
-              <a:lstStyle/>
-              <a:p>
-                <a:pPr algn="ctr"/>
-                <a:endParaRPr lang="zh-CN" altLang="en-US" dirty="0">
-                  <a:latin typeface="微软雅黑" panose="020B0503020204020204" pitchFamily="34" charset="-122"/>
-                  <a:ea typeface="微软雅黑" panose="020B0503020204020204" pitchFamily="34" charset="-122"/>
-                </a:endParaRPr>
-              </a:p>
-            </p:txBody>
-          </p:sp>
-        </p:grpSp>
-        <p:sp>
-          <p:nvSpPr>
-            <p:cNvPr id="68" name="文本框 67">
-              <a:extLst>
-                <a:ext uri="{FF2B5EF4-FFF2-40B4-BE49-F238E27FC236}">
-                  <a16:creationId xmlns:a16="http://schemas.microsoft.com/office/drawing/2014/main" id="{5431DB3F-2B9E-471B-B83A-3AA3318295DF}"/>
-                </a:ext>
-              </a:extLst>
-            </p:cNvPr>
-            <p:cNvSpPr txBox="1"/>
-            <p:nvPr/>
-          </p:nvSpPr>
-          <p:spPr>
-            <a:xfrm>
-              <a:off x="907667" y="2220553"/>
-              <a:ext cx="829162" cy="1252878"/>
-            </a:xfrm>
-            <a:prstGeom prst="rect">
-              <a:avLst/>
-            </a:prstGeom>
-            <a:noFill/>
-          </p:spPr>
-          <p:txBody>
-            <a:bodyPr wrap="none" rtlCol="0">
-              <a:spAutoFit/>
-              <a:scene3d>
-                <a:camera prst="orthographicFront"/>
-                <a:lightRig rig="threePt" dir="t"/>
-              </a:scene3d>
-              <a:sp3d contourW="12700"/>
-            </a:bodyPr>
-            <a:lstStyle/>
-            <a:p>
-              <a:r>
-                <a:rPr lang="en-US" altLang="zh-CN" sz="5400" b="1" dirty="0">
-                  <a:solidFill>
-                    <a:schemeClr val="bg1"/>
-                  </a:solidFill>
-                  <a:latin typeface="微软雅黑" panose="020B0503020204020204" pitchFamily="34" charset="-122"/>
-                  <a:ea typeface="微软雅黑" panose="020B0503020204020204" pitchFamily="34" charset="-122"/>
-                </a:rPr>
-                <a:t>3</a:t>
-              </a:r>
-              <a:endParaRPr lang="zh-CN" altLang="en-US" sz="5400" b="1" dirty="0">
-                <a:solidFill>
-                  <a:schemeClr val="bg1"/>
-                </a:solidFill>
-                <a:latin typeface="微软雅黑" panose="020B0503020204020204" pitchFamily="34" charset="-122"/>
-                <a:ea typeface="微软雅黑" panose="020B0503020204020204" pitchFamily="34" charset="-122"/>
-              </a:endParaRPr>
-            </a:p>
-          </p:txBody>
-        </p:sp>
-      </p:grpSp>
-      <p:sp>
-        <p:nvSpPr>
-          <p:cNvPr id="71" name="文本框 70">
-            <a:extLst>
-              <a:ext uri="{FF2B5EF4-FFF2-40B4-BE49-F238E27FC236}">
-                <a16:creationId xmlns:a16="http://schemas.microsoft.com/office/drawing/2014/main" id="{56BFCEC6-22CE-4CDA-8267-8F8302C26831}"/>
-              </a:ext>
-            </a:extLst>
-          </p:cNvPr>
-          <p:cNvSpPr txBox="1"/>
-          <p:nvPr/>
-        </p:nvSpPr>
-        <p:spPr>
-          <a:xfrm>
-            <a:off x="1360280" y="101279"/>
-            <a:ext cx="4735719" cy="584775"/>
-          </a:xfrm>
-          <a:prstGeom prst="rect">
-            <a:avLst/>
-          </a:prstGeom>
-          <a:noFill/>
-        </p:spPr>
-        <p:txBody>
-          <a:bodyPr wrap="square" rtlCol="0">
-            <a:spAutoFit/>
-          </a:bodyPr>
-          <a:lstStyle/>
-          <a:p>
-            <a:r>
-              <a:rPr lang="zh-CN" altLang="en-US" sz="3200" b="1" spc="600" dirty="0">
-                <a:solidFill>
-                  <a:schemeClr val="bg1">
-                    <a:lumMod val="65000"/>
-                  </a:schemeClr>
-                </a:solidFill>
-                <a:latin typeface="微软雅黑" panose="020B0503020204020204" pitchFamily="34" charset="-122"/>
-                <a:ea typeface="微软雅黑" panose="020B0503020204020204" pitchFamily="34" charset="-122"/>
-              </a:rPr>
-              <a:t>项目创新</a:t>
-            </a:r>
-          </a:p>
-        </p:txBody>
-      </p:sp>
-      <p:sp>
-        <p:nvSpPr>
-          <p:cNvPr id="72" name="文本框 71">
-            <a:extLst>
-              <a:ext uri="{FF2B5EF4-FFF2-40B4-BE49-F238E27FC236}">
-                <a16:creationId xmlns:a16="http://schemas.microsoft.com/office/drawing/2014/main" id="{E996CA8F-8C12-4E6B-85BC-8B54AEFEB0D7}"/>
-              </a:ext>
-            </a:extLst>
-          </p:cNvPr>
-          <p:cNvSpPr txBox="1"/>
-          <p:nvPr/>
-        </p:nvSpPr>
-        <p:spPr>
-          <a:xfrm>
-            <a:off x="1365619" y="674947"/>
-            <a:ext cx="4092206" cy="461665"/>
-          </a:xfrm>
-          <a:prstGeom prst="rect">
-            <a:avLst/>
-          </a:prstGeom>
-          <a:noFill/>
-        </p:spPr>
-        <p:txBody>
-          <a:bodyPr wrap="square" rtlCol="0">
-            <a:spAutoFit/>
-          </a:bodyPr>
-          <a:lstStyle/>
-          <a:p>
-            <a:r>
-              <a:rPr lang="zh-CN" altLang="en-US" sz="2400" b="1" dirty="0">
-                <a:solidFill>
-                  <a:srgbClr val="55C0AF"/>
-                </a:solidFill>
-              </a:rPr>
-              <a:t>增强模型</a:t>
-            </a:r>
-          </a:p>
-        </p:txBody>
-      </p:sp>
       <p:grpSp>
         <p:nvGrpSpPr>
           <p:cNvPr id="14" name="组合 13">
@@ -22583,7 +22284,7 @@
 </p:sld>
 </file>
 
-<file path=ppt/slides/slide22.xml><?xml version="1.0" encoding="utf-8"?>
+<file path=ppt/slides/slide21.xml><?xml version="1.0" encoding="utf-8"?>
 <p:sld xmlns:a="http://schemas.openxmlformats.org/drawingml/2006/main" xmlns:r="http://schemas.openxmlformats.org/officeDocument/2006/relationships" xmlns:p="http://schemas.openxmlformats.org/presentationml/2006/main">
   <p:cSld>
     <p:spTree>
@@ -24940,7 +24641,7 @@
 </p:sld>
 </file>
 
-<file path=ppt/slides/slide23.xml><?xml version="1.0" encoding="utf-8"?>
+<file path=ppt/slides/slide22.xml><?xml version="1.0" encoding="utf-8"?>
 <p:sld xmlns:a="http://schemas.openxmlformats.org/drawingml/2006/main" xmlns:r="http://schemas.openxmlformats.org/officeDocument/2006/relationships" xmlns:p="http://schemas.openxmlformats.org/presentationml/2006/main">
   <p:cSld>
     <p:spTree>
@@ -26105,6 +25806,3037 @@
 </p:sld>
 </file>
 
+<file path=ppt/slides/slide23.xml><?xml version="1.0" encoding="utf-8"?>
+<p:sld xmlns:a="http://schemas.openxmlformats.org/drawingml/2006/main" xmlns:r="http://schemas.openxmlformats.org/officeDocument/2006/relationships" xmlns:p="http://schemas.openxmlformats.org/presentationml/2006/main">
+  <p:cSld>
+    <p:spTree>
+      <p:nvGrpSpPr>
+        <p:cNvPr id="1" name=""/>
+        <p:cNvGrpSpPr/>
+        <p:nvPr/>
+      </p:nvGrpSpPr>
+      <p:grpSpPr>
+        <a:xfrm>
+          <a:off x="0" y="0"/>
+          <a:ext cx="0" cy="0"/>
+          <a:chOff x="0" y="0"/>
+          <a:chExt cx="0" cy="0"/>
+        </a:xfrm>
+      </p:grpSpPr>
+      <p:grpSp>
+        <p:nvGrpSpPr>
+          <p:cNvPr id="66" name="组合 65">
+            <a:extLst>
+              <a:ext uri="{FF2B5EF4-FFF2-40B4-BE49-F238E27FC236}">
+                <a16:creationId xmlns:a16="http://schemas.microsoft.com/office/drawing/2014/main" id="{B31FD9ED-7842-4841-B4B0-418CF745A783}"/>
+              </a:ext>
+            </a:extLst>
+          </p:cNvPr>
+          <p:cNvGrpSpPr/>
+          <p:nvPr/>
+        </p:nvGrpSpPr>
+        <p:grpSpPr>
+          <a:xfrm>
+            <a:off x="304800" y="160072"/>
+            <a:ext cx="845855" cy="957897"/>
+            <a:chOff x="589078" y="2173649"/>
+            <a:chExt cx="1147751" cy="1299782"/>
+          </a:xfrm>
+        </p:grpSpPr>
+        <p:grpSp>
+          <p:nvGrpSpPr>
+            <p:cNvPr id="67" name="组合 66">
+              <a:extLst>
+                <a:ext uri="{FF2B5EF4-FFF2-40B4-BE49-F238E27FC236}">
+                  <a16:creationId xmlns:a16="http://schemas.microsoft.com/office/drawing/2014/main" id="{0BD90A63-9952-49ED-B2B0-2B31B16BB931}"/>
+                </a:ext>
+              </a:extLst>
+            </p:cNvPr>
+            <p:cNvGrpSpPr/>
+            <p:nvPr/>
+          </p:nvGrpSpPr>
+          <p:grpSpPr>
+            <a:xfrm>
+              <a:off x="589078" y="2173649"/>
+              <a:ext cx="1126328" cy="1243276"/>
+              <a:chOff x="1950418" y="3368985"/>
+              <a:chExt cx="432211" cy="477089"/>
+            </a:xfrm>
+          </p:grpSpPr>
+          <p:sp>
+            <p:nvSpPr>
+              <p:cNvPr id="69" name="矩形 68">
+                <a:extLst>
+                  <a:ext uri="{FF2B5EF4-FFF2-40B4-BE49-F238E27FC236}">
+                    <a16:creationId xmlns:a16="http://schemas.microsoft.com/office/drawing/2014/main" id="{B1E5FD5B-14E1-4B5B-BE71-760E05D7D0EF}"/>
+                  </a:ext>
+                </a:extLst>
+              </p:cNvPr>
+              <p:cNvSpPr/>
+              <p:nvPr/>
+            </p:nvSpPr>
+            <p:spPr>
+              <a:xfrm>
+                <a:off x="1950418" y="3368985"/>
+                <a:ext cx="353961" cy="353960"/>
+              </a:xfrm>
+              <a:prstGeom prst="rect">
+                <a:avLst/>
+              </a:prstGeom>
+              <a:solidFill>
+                <a:srgbClr val="113F4E"/>
+              </a:solidFill>
+              <a:ln>
+                <a:noFill/>
+              </a:ln>
+            </p:spPr>
+            <p:style>
+              <a:lnRef idx="2">
+                <a:schemeClr val="accent1">
+                  <a:shade val="50000"/>
+                </a:schemeClr>
+              </a:lnRef>
+              <a:fillRef idx="1">
+                <a:schemeClr val="accent1"/>
+              </a:fillRef>
+              <a:effectRef idx="0">
+                <a:schemeClr val="accent1"/>
+              </a:effectRef>
+              <a:fontRef idx="minor">
+                <a:schemeClr val="lt1"/>
+              </a:fontRef>
+            </p:style>
+            <p:txBody>
+              <a:bodyPr rtlCol="0" anchor="ctr"/>
+              <a:lstStyle/>
+              <a:p>
+                <a:pPr algn="ctr"/>
+                <a:endParaRPr lang="zh-CN" altLang="en-US" dirty="0">
+                  <a:latin typeface="微软雅黑" panose="020B0503020204020204" pitchFamily="34" charset="-122"/>
+                  <a:ea typeface="微软雅黑" panose="020B0503020204020204" pitchFamily="34" charset="-122"/>
+                </a:endParaRPr>
+              </a:p>
+            </p:txBody>
+          </p:sp>
+          <p:sp>
+            <p:nvSpPr>
+              <p:cNvPr id="70" name="矩形 69">
+                <a:extLst>
+                  <a:ext uri="{FF2B5EF4-FFF2-40B4-BE49-F238E27FC236}">
+                    <a16:creationId xmlns:a16="http://schemas.microsoft.com/office/drawing/2014/main" id="{8B8C661E-BD30-43C2-A433-B33E8C99A3CC}"/>
+                  </a:ext>
+                </a:extLst>
+              </p:cNvPr>
+              <p:cNvSpPr/>
+              <p:nvPr/>
+            </p:nvSpPr>
+            <p:spPr>
+              <a:xfrm>
+                <a:off x="2082519" y="3545965"/>
+                <a:ext cx="300110" cy="300109"/>
+              </a:xfrm>
+              <a:prstGeom prst="rect">
+                <a:avLst/>
+              </a:prstGeom>
+              <a:solidFill>
+                <a:srgbClr val="55C0AF"/>
+              </a:solidFill>
+              <a:ln>
+                <a:noFill/>
+              </a:ln>
+            </p:spPr>
+            <p:style>
+              <a:lnRef idx="2">
+                <a:schemeClr val="accent1">
+                  <a:shade val="50000"/>
+                </a:schemeClr>
+              </a:lnRef>
+              <a:fillRef idx="1">
+                <a:schemeClr val="accent1"/>
+              </a:fillRef>
+              <a:effectRef idx="0">
+                <a:schemeClr val="accent1"/>
+              </a:effectRef>
+              <a:fontRef idx="minor">
+                <a:schemeClr val="lt1"/>
+              </a:fontRef>
+            </p:style>
+            <p:txBody>
+              <a:bodyPr rtlCol="0" anchor="ctr"/>
+              <a:lstStyle/>
+              <a:p>
+                <a:pPr algn="ctr"/>
+                <a:endParaRPr lang="zh-CN" altLang="en-US" dirty="0">
+                  <a:latin typeface="微软雅黑" panose="020B0503020204020204" pitchFamily="34" charset="-122"/>
+                  <a:ea typeface="微软雅黑" panose="020B0503020204020204" pitchFamily="34" charset="-122"/>
+                </a:endParaRPr>
+              </a:p>
+            </p:txBody>
+          </p:sp>
+        </p:grpSp>
+        <p:sp>
+          <p:nvSpPr>
+            <p:cNvPr id="68" name="文本框 67">
+              <a:extLst>
+                <a:ext uri="{FF2B5EF4-FFF2-40B4-BE49-F238E27FC236}">
+                  <a16:creationId xmlns:a16="http://schemas.microsoft.com/office/drawing/2014/main" id="{5431DB3F-2B9E-471B-B83A-3AA3318295DF}"/>
+                </a:ext>
+              </a:extLst>
+            </p:cNvPr>
+            <p:cNvSpPr txBox="1"/>
+            <p:nvPr/>
+          </p:nvSpPr>
+          <p:spPr>
+            <a:xfrm>
+              <a:off x="907667" y="2220553"/>
+              <a:ext cx="829162" cy="1252878"/>
+            </a:xfrm>
+            <a:prstGeom prst="rect">
+              <a:avLst/>
+            </a:prstGeom>
+            <a:noFill/>
+          </p:spPr>
+          <p:txBody>
+            <a:bodyPr wrap="none" rtlCol="0">
+              <a:spAutoFit/>
+              <a:scene3d>
+                <a:camera prst="orthographicFront"/>
+                <a:lightRig rig="threePt" dir="t"/>
+              </a:scene3d>
+              <a:sp3d contourW="12700"/>
+            </a:bodyPr>
+            <a:lstStyle/>
+            <a:p>
+              <a:r>
+                <a:rPr lang="en-US" altLang="zh-CN" sz="5400" b="1" dirty="0">
+                  <a:solidFill>
+                    <a:schemeClr val="bg1"/>
+                  </a:solidFill>
+                  <a:latin typeface="微软雅黑" panose="020B0503020204020204" pitchFamily="34" charset="-122"/>
+                  <a:ea typeface="微软雅黑" panose="020B0503020204020204" pitchFamily="34" charset="-122"/>
+                </a:rPr>
+                <a:t>4</a:t>
+              </a:r>
+              <a:endParaRPr lang="zh-CN" altLang="en-US" sz="5400" b="1" dirty="0">
+                <a:solidFill>
+                  <a:schemeClr val="bg1"/>
+                </a:solidFill>
+                <a:latin typeface="微软雅黑" panose="020B0503020204020204" pitchFamily="34" charset="-122"/>
+                <a:ea typeface="微软雅黑" panose="020B0503020204020204" pitchFamily="34" charset="-122"/>
+              </a:endParaRPr>
+            </a:p>
+          </p:txBody>
+        </p:sp>
+      </p:grpSp>
+      <p:sp>
+        <p:nvSpPr>
+          <p:cNvPr id="71" name="文本框 70">
+            <a:extLst>
+              <a:ext uri="{FF2B5EF4-FFF2-40B4-BE49-F238E27FC236}">
+                <a16:creationId xmlns:a16="http://schemas.microsoft.com/office/drawing/2014/main" id="{56BFCEC6-22CE-4CDA-8267-8F8302C26831}"/>
+              </a:ext>
+            </a:extLst>
+          </p:cNvPr>
+          <p:cNvSpPr txBox="1"/>
+          <p:nvPr/>
+        </p:nvSpPr>
+        <p:spPr>
+          <a:xfrm>
+            <a:off x="1360280" y="101279"/>
+            <a:ext cx="4735719" cy="584775"/>
+          </a:xfrm>
+          <a:prstGeom prst="rect">
+            <a:avLst/>
+          </a:prstGeom>
+          <a:noFill/>
+        </p:spPr>
+        <p:txBody>
+          <a:bodyPr wrap="square" rtlCol="0">
+            <a:spAutoFit/>
+          </a:bodyPr>
+          <a:lstStyle/>
+          <a:p>
+            <a:r>
+              <a:rPr lang="zh-CN" altLang="en-US" sz="3200" b="1" spc="600" dirty="0">
+                <a:solidFill>
+                  <a:schemeClr val="bg1">
+                    <a:lumMod val="65000"/>
+                  </a:schemeClr>
+                </a:solidFill>
+                <a:latin typeface="微软雅黑" panose="020B0503020204020204" pitchFamily="34" charset="-122"/>
+                <a:ea typeface="微软雅黑" panose="020B0503020204020204" pitchFamily="34" charset="-122"/>
+              </a:rPr>
+              <a:t>技术总结</a:t>
+            </a:r>
+          </a:p>
+        </p:txBody>
+      </p:sp>
+      <p:sp>
+        <p:nvSpPr>
+          <p:cNvPr id="72" name="文本框 71">
+            <a:extLst>
+              <a:ext uri="{FF2B5EF4-FFF2-40B4-BE49-F238E27FC236}">
+                <a16:creationId xmlns:a16="http://schemas.microsoft.com/office/drawing/2014/main" id="{E996CA8F-8C12-4E6B-85BC-8B54AEFEB0D7}"/>
+              </a:ext>
+            </a:extLst>
+          </p:cNvPr>
+          <p:cNvSpPr txBox="1"/>
+          <p:nvPr/>
+        </p:nvSpPr>
+        <p:spPr>
+          <a:xfrm>
+            <a:off x="1365619" y="674947"/>
+            <a:ext cx="4092206" cy="461665"/>
+          </a:xfrm>
+          <a:prstGeom prst="rect">
+            <a:avLst/>
+          </a:prstGeom>
+          <a:noFill/>
+        </p:spPr>
+        <p:txBody>
+          <a:bodyPr wrap="square" rtlCol="0">
+            <a:spAutoFit/>
+          </a:bodyPr>
+          <a:lstStyle/>
+          <a:p>
+            <a:r>
+              <a:rPr lang="zh-CN" altLang="en-US" sz="2400" b="1" dirty="0">
+                <a:solidFill>
+                  <a:srgbClr val="55C0AF"/>
+                </a:solidFill>
+              </a:rPr>
+              <a:t>结构</a:t>
+            </a:r>
+          </a:p>
+        </p:txBody>
+      </p:sp>
+      <p:grpSp>
+        <p:nvGrpSpPr>
+          <p:cNvPr id="24" name="组合 23">
+            <a:extLst>
+              <a:ext uri="{FF2B5EF4-FFF2-40B4-BE49-F238E27FC236}">
+                <a16:creationId xmlns:a16="http://schemas.microsoft.com/office/drawing/2014/main" id="{8DE11B4D-AD1E-4FBC-916B-489133657D87}"/>
+              </a:ext>
+            </a:extLst>
+          </p:cNvPr>
+          <p:cNvGrpSpPr/>
+          <p:nvPr/>
+        </p:nvGrpSpPr>
+        <p:grpSpPr>
+          <a:xfrm>
+            <a:off x="3411722" y="101279"/>
+            <a:ext cx="7865878" cy="6415844"/>
+            <a:chOff x="1896176" y="385429"/>
+            <a:chExt cx="8095899" cy="7300345"/>
+          </a:xfrm>
+        </p:grpSpPr>
+        <p:grpSp>
+          <p:nvGrpSpPr>
+            <p:cNvPr id="25" name="组合 24">
+              <a:extLst>
+                <a:ext uri="{FF2B5EF4-FFF2-40B4-BE49-F238E27FC236}">
+                  <a16:creationId xmlns:a16="http://schemas.microsoft.com/office/drawing/2014/main" id="{B1617483-119D-4854-88AE-73E183E54179}"/>
+                </a:ext>
+              </a:extLst>
+            </p:cNvPr>
+            <p:cNvGrpSpPr/>
+            <p:nvPr/>
+          </p:nvGrpSpPr>
+          <p:grpSpPr>
+            <a:xfrm>
+              <a:off x="1896176" y="1337913"/>
+              <a:ext cx="8094845" cy="6347861"/>
+              <a:chOff x="1896176" y="1337913"/>
+              <a:chExt cx="8094845" cy="6347861"/>
+            </a:xfrm>
+          </p:grpSpPr>
+          <p:grpSp>
+            <p:nvGrpSpPr>
+              <p:cNvPr id="35" name="组合 34">
+                <a:extLst>
+                  <a:ext uri="{FF2B5EF4-FFF2-40B4-BE49-F238E27FC236}">
+                    <a16:creationId xmlns:a16="http://schemas.microsoft.com/office/drawing/2014/main" id="{EADA1552-D092-48EF-94EE-142E843CD19D}"/>
+                  </a:ext>
+                </a:extLst>
+              </p:cNvPr>
+              <p:cNvGrpSpPr/>
+              <p:nvPr/>
+            </p:nvGrpSpPr>
+            <p:grpSpPr>
+              <a:xfrm>
+                <a:off x="1896176" y="1337913"/>
+                <a:ext cx="8094845" cy="6347861"/>
+                <a:chOff x="1896176" y="510139"/>
+                <a:chExt cx="8094845" cy="6347861"/>
+              </a:xfrm>
+            </p:grpSpPr>
+            <p:grpSp>
+              <p:nvGrpSpPr>
+                <p:cNvPr id="37" name="组合 36">
+                  <a:extLst>
+                    <a:ext uri="{FF2B5EF4-FFF2-40B4-BE49-F238E27FC236}">
+                      <a16:creationId xmlns:a16="http://schemas.microsoft.com/office/drawing/2014/main" id="{9DFF84B3-0950-48BC-9AF7-6FCDBD01DA52}"/>
+                    </a:ext>
+                  </a:extLst>
+                </p:cNvPr>
+                <p:cNvGrpSpPr/>
+                <p:nvPr/>
+              </p:nvGrpSpPr>
+              <p:grpSpPr>
+                <a:xfrm>
+                  <a:off x="1896176" y="1438282"/>
+                  <a:ext cx="8094845" cy="5419718"/>
+                  <a:chOff x="1773800" y="600931"/>
+                  <a:chExt cx="9237500" cy="6184756"/>
+                </a:xfrm>
+              </p:grpSpPr>
+              <p:grpSp>
+                <p:nvGrpSpPr>
+                  <p:cNvPr id="46" name="组合 45">
+                    <a:extLst>
+                      <a:ext uri="{FF2B5EF4-FFF2-40B4-BE49-F238E27FC236}">
+                        <a16:creationId xmlns:a16="http://schemas.microsoft.com/office/drawing/2014/main" id="{21F1B39C-B27E-40AF-87AE-92AE87C67AF5}"/>
+                      </a:ext>
+                    </a:extLst>
+                  </p:cNvPr>
+                  <p:cNvGrpSpPr/>
+                  <p:nvPr/>
+                </p:nvGrpSpPr>
+                <p:grpSpPr>
+                  <a:xfrm>
+                    <a:off x="1773800" y="5636238"/>
+                    <a:ext cx="9237500" cy="1149449"/>
+                    <a:chOff x="782397" y="5097223"/>
+                    <a:chExt cx="9237500" cy="1149449"/>
+                  </a:xfrm>
+                </p:grpSpPr>
+                <p:sp>
+                  <p:nvSpPr>
+                    <p:cNvPr id="82" name="圆角矩形 6">
+                      <a:extLst>
+                        <a:ext uri="{FF2B5EF4-FFF2-40B4-BE49-F238E27FC236}">
+                          <a16:creationId xmlns:a16="http://schemas.microsoft.com/office/drawing/2014/main" id="{90CA3905-9E8C-4F26-963A-7B83D19CF6F8}"/>
+                        </a:ext>
+                      </a:extLst>
+                    </p:cNvPr>
+                    <p:cNvSpPr/>
+                    <p:nvPr/>
+                  </p:nvSpPr>
+                  <p:spPr>
+                    <a:xfrm>
+                      <a:off x="2414566" y="5097223"/>
+                      <a:ext cx="7605331" cy="1149449"/>
+                    </a:xfrm>
+                    <a:prstGeom prst="roundRect">
+                      <a:avLst/>
+                    </a:prstGeom>
+                    <a:solidFill>
+                      <a:srgbClr val="00B0F0">
+                        <a:alpha val="54000"/>
+                      </a:srgbClr>
+                    </a:solidFill>
+                    <a:ln>
+                      <a:noFill/>
+                    </a:ln>
+                  </p:spPr>
+                  <p:style>
+                    <a:lnRef idx="2">
+                      <a:schemeClr val="accent1">
+                        <a:shade val="50000"/>
+                      </a:schemeClr>
+                    </a:lnRef>
+                    <a:fillRef idx="1">
+                      <a:schemeClr val="accent1"/>
+                    </a:fillRef>
+                    <a:effectRef idx="0">
+                      <a:schemeClr val="accent1"/>
+                    </a:effectRef>
+                    <a:fontRef idx="minor">
+                      <a:schemeClr val="lt1"/>
+                    </a:fontRef>
+                  </p:style>
+                  <p:txBody>
+                    <a:bodyPr rot="0" spcFirstLastPara="0" vertOverflow="overflow" horzOverflow="overflow" vert="horz" wrap="square" lIns="91440" tIns="45720" rIns="91440" bIns="45720" numCol="1" spcCol="0" rtlCol="0" fromWordArt="0" anchor="ctr" anchorCtr="0" forceAA="0" compatLnSpc="1">
+                      <a:prstTxWarp prst="textNoShape">
+                        <a:avLst/>
+                      </a:prstTxWarp>
+                      <a:noAutofit/>
+                    </a:bodyPr>
+                    <a:lstStyle/>
+                    <a:p>
+                      <a:pPr algn="ctr"/>
+                      <a:endParaRPr lang="zh-CN" altLang="en-US" sz="1400"/>
+                    </a:p>
+                  </p:txBody>
+                </p:sp>
+                <p:sp>
+                  <p:nvSpPr>
+                    <p:cNvPr id="83" name="矩形 82">
+                      <a:extLst>
+                        <a:ext uri="{FF2B5EF4-FFF2-40B4-BE49-F238E27FC236}">
+                          <a16:creationId xmlns:a16="http://schemas.microsoft.com/office/drawing/2014/main" id="{B359A8B2-1C0D-4DA5-9972-0C8D0076827F}"/>
+                        </a:ext>
+                      </a:extLst>
+                    </p:cNvPr>
+                    <p:cNvSpPr/>
+                    <p:nvPr/>
+                  </p:nvSpPr>
+                  <p:spPr>
+                    <a:xfrm>
+                      <a:off x="3157086" y="5447899"/>
+                      <a:ext cx="1673557" cy="448098"/>
+                    </a:xfrm>
+                    <a:prstGeom prst="rect">
+                      <a:avLst/>
+                    </a:prstGeom>
+                    <a:ln w="25400"/>
+                  </p:spPr>
+                  <p:style>
+                    <a:lnRef idx="2">
+                      <a:schemeClr val="dk1"/>
+                    </a:lnRef>
+                    <a:fillRef idx="1">
+                      <a:schemeClr val="lt1"/>
+                    </a:fillRef>
+                    <a:effectRef idx="0">
+                      <a:schemeClr val="dk1"/>
+                    </a:effectRef>
+                    <a:fontRef idx="minor">
+                      <a:schemeClr val="dk1"/>
+                    </a:fontRef>
+                  </p:style>
+                  <p:txBody>
+                    <a:bodyPr rtlCol="0" anchor="ctr"/>
+                    <a:lstStyle/>
+                    <a:p>
+                      <a:pPr algn="ctr"/>
+                      <a:r>
+                        <a:rPr lang="zh-CN" altLang="en-US" sz="1400" dirty="0"/>
+                        <a:t>阿里云主机</a:t>
+                      </a:r>
+                    </a:p>
+                  </p:txBody>
+                </p:sp>
+                <p:sp>
+                  <p:nvSpPr>
+                    <p:cNvPr id="84" name="矩形 83">
+                      <a:extLst>
+                        <a:ext uri="{FF2B5EF4-FFF2-40B4-BE49-F238E27FC236}">
+                          <a16:creationId xmlns:a16="http://schemas.microsoft.com/office/drawing/2014/main" id="{EF5A2BE9-2C18-49EF-A1DF-68EB2E1B718F}"/>
+                        </a:ext>
+                      </a:extLst>
+                    </p:cNvPr>
+                    <p:cNvSpPr/>
+                    <p:nvPr/>
+                  </p:nvSpPr>
+                  <p:spPr>
+                    <a:xfrm>
+                      <a:off x="5162349" y="5447899"/>
+                      <a:ext cx="1673557" cy="448098"/>
+                    </a:xfrm>
+                    <a:prstGeom prst="rect">
+                      <a:avLst/>
+                    </a:prstGeom>
+                    <a:ln w="25400"/>
+                  </p:spPr>
+                  <p:style>
+                    <a:lnRef idx="2">
+                      <a:schemeClr val="dk1"/>
+                    </a:lnRef>
+                    <a:fillRef idx="1">
+                      <a:schemeClr val="lt1"/>
+                    </a:fillRef>
+                    <a:effectRef idx="0">
+                      <a:schemeClr val="dk1"/>
+                    </a:effectRef>
+                    <a:fontRef idx="minor">
+                      <a:schemeClr val="dk1"/>
+                    </a:fontRef>
+                  </p:style>
+                  <p:txBody>
+                    <a:bodyPr rtlCol="0" anchor="ctr"/>
+                    <a:lstStyle/>
+                    <a:p>
+                      <a:pPr algn="ctr"/>
+                      <a:r>
+                        <a:rPr lang="zh-CN" altLang="en-US" sz="1400" dirty="0"/>
+                        <a:t>独立服务器</a:t>
+                      </a:r>
+                    </a:p>
+                  </p:txBody>
+                </p:sp>
+                <p:sp>
+                  <p:nvSpPr>
+                    <p:cNvPr id="85" name="矩形 84">
+                      <a:extLst>
+                        <a:ext uri="{FF2B5EF4-FFF2-40B4-BE49-F238E27FC236}">
+                          <a16:creationId xmlns:a16="http://schemas.microsoft.com/office/drawing/2014/main" id="{9C9CA5C6-BE5C-485E-B389-62185335D4D2}"/>
+                        </a:ext>
+                      </a:extLst>
+                    </p:cNvPr>
+                    <p:cNvSpPr/>
+                    <p:nvPr/>
+                  </p:nvSpPr>
+                  <p:spPr>
+                    <a:xfrm>
+                      <a:off x="7167612" y="5447899"/>
+                      <a:ext cx="1673557" cy="448098"/>
+                    </a:xfrm>
+                    <a:prstGeom prst="rect">
+                      <a:avLst/>
+                    </a:prstGeom>
+                    <a:ln w="25400"/>
+                  </p:spPr>
+                  <p:style>
+                    <a:lnRef idx="2">
+                      <a:schemeClr val="dk1"/>
+                    </a:lnRef>
+                    <a:fillRef idx="1">
+                      <a:schemeClr val="lt1"/>
+                    </a:fillRef>
+                    <a:effectRef idx="0">
+                      <a:schemeClr val="dk1"/>
+                    </a:effectRef>
+                    <a:fontRef idx="minor">
+                      <a:schemeClr val="dk1"/>
+                    </a:fontRef>
+                  </p:style>
+                  <p:txBody>
+                    <a:bodyPr rtlCol="0" anchor="ctr"/>
+                    <a:lstStyle/>
+                    <a:p>
+                      <a:pPr algn="ctr"/>
+                      <a:r>
+                        <a:rPr lang="zh-CN" altLang="en-US" sz="1400" dirty="0"/>
+                        <a:t>第三方虚拟机</a:t>
+                      </a:r>
+                    </a:p>
+                  </p:txBody>
+                </p:sp>
+                <p:sp>
+                  <p:nvSpPr>
+                    <p:cNvPr id="86" name="文本框 85">
+                      <a:extLst>
+                        <a:ext uri="{FF2B5EF4-FFF2-40B4-BE49-F238E27FC236}">
+                          <a16:creationId xmlns:a16="http://schemas.microsoft.com/office/drawing/2014/main" id="{5509F063-1C73-4CDF-BB24-79C6BE6B7F18}"/>
+                        </a:ext>
+                      </a:extLst>
+                    </p:cNvPr>
+                    <p:cNvSpPr txBox="1"/>
+                    <p:nvPr/>
+                  </p:nvSpPr>
+                  <p:spPr>
+                    <a:xfrm>
+                      <a:off x="782397" y="5487281"/>
+                      <a:ext cx="1260910" cy="402964"/>
+                    </a:xfrm>
+                    <a:prstGeom prst="rect">
+                      <a:avLst/>
+                    </a:prstGeom>
+                    <a:noFill/>
+                  </p:spPr>
+                  <p:txBody>
+                    <a:bodyPr wrap="square" rtlCol="0">
+                      <a:spAutoFit/>
+                    </a:bodyPr>
+                    <a:lstStyle/>
+                    <a:p>
+                      <a:r>
+                        <a:rPr lang="zh-CN" altLang="en-US" sz="1400" b="1" dirty="0"/>
+                        <a:t>运行环境</a:t>
+                      </a:r>
+                    </a:p>
+                  </p:txBody>
+                </p:sp>
+              </p:grpSp>
+              <p:grpSp>
+                <p:nvGrpSpPr>
+                  <p:cNvPr id="47" name="组合 46">
+                    <a:extLst>
+                      <a:ext uri="{FF2B5EF4-FFF2-40B4-BE49-F238E27FC236}">
+                        <a16:creationId xmlns:a16="http://schemas.microsoft.com/office/drawing/2014/main" id="{C8C1F937-6A90-4706-99C0-8B177B778C0F}"/>
+                      </a:ext>
+                    </a:extLst>
+                  </p:cNvPr>
+                  <p:cNvGrpSpPr/>
+                  <p:nvPr/>
+                </p:nvGrpSpPr>
+                <p:grpSpPr>
+                  <a:xfrm>
+                    <a:off x="1855614" y="3888605"/>
+                    <a:ext cx="9155686" cy="1396957"/>
+                    <a:chOff x="1855613" y="3549636"/>
+                    <a:chExt cx="9155686" cy="1396957"/>
+                  </a:xfrm>
+                </p:grpSpPr>
+                <p:sp>
+                  <p:nvSpPr>
+                    <p:cNvPr id="77" name="圆角矩形 12">
+                      <a:extLst>
+                        <a:ext uri="{FF2B5EF4-FFF2-40B4-BE49-F238E27FC236}">
+                          <a16:creationId xmlns:a16="http://schemas.microsoft.com/office/drawing/2014/main" id="{212C7D48-0420-4031-B702-ED5A22D3C138}"/>
+                        </a:ext>
+                      </a:extLst>
+                    </p:cNvPr>
+                    <p:cNvSpPr/>
+                    <p:nvPr/>
+                  </p:nvSpPr>
+                  <p:spPr>
+                    <a:xfrm>
+                      <a:off x="3405968" y="3549636"/>
+                      <a:ext cx="7605331" cy="1396957"/>
+                    </a:xfrm>
+                    <a:prstGeom prst="roundRect">
+                      <a:avLst/>
+                    </a:prstGeom>
+                    <a:ln>
+                      <a:noFill/>
+                    </a:ln>
+                  </p:spPr>
+                  <p:style>
+                    <a:lnRef idx="2">
+                      <a:schemeClr val="accent1">
+                        <a:shade val="50000"/>
+                      </a:schemeClr>
+                    </a:lnRef>
+                    <a:fillRef idx="1">
+                      <a:schemeClr val="accent1"/>
+                    </a:fillRef>
+                    <a:effectRef idx="0">
+                      <a:schemeClr val="accent1"/>
+                    </a:effectRef>
+                    <a:fontRef idx="minor">
+                      <a:schemeClr val="lt1"/>
+                    </a:fontRef>
+                  </p:style>
+                  <p:txBody>
+                    <a:bodyPr rot="0" spcFirstLastPara="0" vertOverflow="overflow" horzOverflow="overflow" vert="horz" wrap="square" lIns="91440" tIns="45720" rIns="91440" bIns="45720" numCol="1" spcCol="0" rtlCol="0" fromWordArt="0" anchor="ctr" anchorCtr="0" forceAA="0" compatLnSpc="1">
+                      <a:prstTxWarp prst="textNoShape">
+                        <a:avLst/>
+                      </a:prstTxWarp>
+                      <a:noAutofit/>
+                    </a:bodyPr>
+                    <a:lstStyle/>
+                    <a:p>
+                      <a:pPr algn="ctr"/>
+                      <a:endParaRPr lang="zh-CN" altLang="en-US" sz="1400"/>
+                    </a:p>
+                  </p:txBody>
+                </p:sp>
+                <p:sp>
+                  <p:nvSpPr>
+                    <p:cNvPr id="78" name="流程图: 磁盘 77">
+                      <a:extLst>
+                        <a:ext uri="{FF2B5EF4-FFF2-40B4-BE49-F238E27FC236}">
+                          <a16:creationId xmlns:a16="http://schemas.microsoft.com/office/drawing/2014/main" id="{DF076A40-327B-4612-9508-3F6B1D3814EE}"/>
+                        </a:ext>
+                      </a:extLst>
+                    </p:cNvPr>
+                    <p:cNvSpPr/>
+                    <p:nvPr/>
+                  </p:nvSpPr>
+                  <p:spPr>
+                    <a:xfrm>
+                      <a:off x="6603529" y="3684393"/>
+                      <a:ext cx="774000" cy="1152000"/>
+                    </a:xfrm>
+                    <a:prstGeom prst="flowChartMagneticDisk">
+                      <a:avLst/>
+                    </a:prstGeom>
+                    <a:solidFill>
+                      <a:schemeClr val="bg1">
+                        <a:lumMod val="85000"/>
+                      </a:schemeClr>
+                    </a:solidFill>
+                    <a:ln w="25400">
+                      <a:solidFill>
+                        <a:schemeClr val="tx1"/>
+                      </a:solidFill>
+                    </a:ln>
+                  </p:spPr>
+                  <p:style>
+                    <a:lnRef idx="2">
+                      <a:schemeClr val="accent1">
+                        <a:shade val="50000"/>
+                      </a:schemeClr>
+                    </a:lnRef>
+                    <a:fillRef idx="1">
+                      <a:schemeClr val="accent1"/>
+                    </a:fillRef>
+                    <a:effectRef idx="0">
+                      <a:schemeClr val="accent1"/>
+                    </a:effectRef>
+                    <a:fontRef idx="minor">
+                      <a:schemeClr val="lt1"/>
+                    </a:fontRef>
+                  </p:style>
+                  <p:txBody>
+                    <a:bodyPr rot="0" spcFirstLastPara="0" vertOverflow="overflow" horzOverflow="overflow" vert="horz" wrap="square" lIns="91440" tIns="45720" rIns="91440" bIns="45720" numCol="1" spcCol="0" rtlCol="0" fromWordArt="0" anchor="ctr" anchorCtr="0" forceAA="0" compatLnSpc="1">
+                      <a:prstTxWarp prst="textNoShape">
+                        <a:avLst/>
+                      </a:prstTxWarp>
+                      <a:noAutofit/>
+                    </a:bodyPr>
+                    <a:lstStyle/>
+                    <a:p>
+                      <a:pPr algn="ctr"/>
+                      <a:r>
+                        <a:rPr lang="en-US" altLang="zh-CN" sz="1400" dirty="0">
+                          <a:solidFill>
+                            <a:schemeClr val="tx1"/>
+                          </a:solidFill>
+                        </a:rPr>
+                        <a:t>My SQL</a:t>
+                      </a:r>
+                      <a:endParaRPr lang="zh-CN" altLang="en-US" sz="1400" dirty="0">
+                        <a:solidFill>
+                          <a:schemeClr val="tx1"/>
+                        </a:solidFill>
+                      </a:endParaRPr>
+                    </a:p>
+                  </p:txBody>
+                </p:sp>
+                <p:sp>
+                  <p:nvSpPr>
+                    <p:cNvPr id="79" name="流程图: 磁盘 78">
+                      <a:extLst>
+                        <a:ext uri="{FF2B5EF4-FFF2-40B4-BE49-F238E27FC236}">
+                          <a16:creationId xmlns:a16="http://schemas.microsoft.com/office/drawing/2014/main" id="{B326E482-8726-4542-B320-652D520FBA91}"/>
+                        </a:ext>
+                      </a:extLst>
+                    </p:cNvPr>
+                    <p:cNvSpPr/>
+                    <p:nvPr/>
+                  </p:nvSpPr>
+                  <p:spPr>
+                    <a:xfrm>
+                      <a:off x="8608792" y="3684393"/>
+                      <a:ext cx="774000" cy="1152000"/>
+                    </a:xfrm>
+                    <a:prstGeom prst="flowChartMagneticDisk">
+                      <a:avLst/>
+                    </a:prstGeom>
+                    <a:solidFill>
+                      <a:schemeClr val="bg1">
+                        <a:lumMod val="65000"/>
+                      </a:schemeClr>
+                    </a:solidFill>
+                    <a:ln w="25400">
+                      <a:solidFill>
+                        <a:schemeClr val="tx1"/>
+                      </a:solidFill>
+                    </a:ln>
+                  </p:spPr>
+                  <p:style>
+                    <a:lnRef idx="2">
+                      <a:schemeClr val="accent1">
+                        <a:shade val="50000"/>
+                      </a:schemeClr>
+                    </a:lnRef>
+                    <a:fillRef idx="1">
+                      <a:schemeClr val="accent1"/>
+                    </a:fillRef>
+                    <a:effectRef idx="0">
+                      <a:schemeClr val="accent1"/>
+                    </a:effectRef>
+                    <a:fontRef idx="minor">
+                      <a:schemeClr val="lt1"/>
+                    </a:fontRef>
+                  </p:style>
+                  <p:txBody>
+                    <a:bodyPr rot="0" spcFirstLastPara="0" vertOverflow="overflow" horzOverflow="overflow" vert="horz" wrap="square" lIns="91440" tIns="45720" rIns="91440" bIns="45720" numCol="1" spcCol="0" rtlCol="0" fromWordArt="0" anchor="ctr" anchorCtr="0" forceAA="0" compatLnSpc="1">
+                      <a:prstTxWarp prst="textNoShape">
+                        <a:avLst/>
+                      </a:prstTxWarp>
+                      <a:noAutofit/>
+                    </a:bodyPr>
+                    <a:lstStyle/>
+                    <a:p>
+                      <a:pPr algn="ctr"/>
+                      <a:r>
+                        <a:rPr lang="en-US" altLang="zh-CN" sz="1400" dirty="0" err="1">
+                          <a:solidFill>
+                            <a:schemeClr val="tx1"/>
+                          </a:solidFill>
+                        </a:rPr>
+                        <a:t>Redis</a:t>
+                      </a:r>
+                      <a:endParaRPr lang="zh-CN" altLang="en-US" sz="1400" dirty="0">
+                        <a:solidFill>
+                          <a:schemeClr val="tx1"/>
+                        </a:solidFill>
+                      </a:endParaRPr>
+                    </a:p>
+                  </p:txBody>
+                </p:sp>
+                <p:sp>
+                  <p:nvSpPr>
+                    <p:cNvPr id="80" name="流程图: 磁盘 79">
+                      <a:extLst>
+                        <a:ext uri="{FF2B5EF4-FFF2-40B4-BE49-F238E27FC236}">
+                          <a16:creationId xmlns:a16="http://schemas.microsoft.com/office/drawing/2014/main" id="{79852769-9793-4CF1-A9D8-64822D3F3647}"/>
+                        </a:ext>
+                      </a:extLst>
+                    </p:cNvPr>
+                    <p:cNvSpPr/>
+                    <p:nvPr/>
+                  </p:nvSpPr>
+                  <p:spPr>
+                    <a:xfrm>
+                      <a:off x="4602351" y="3684393"/>
+                      <a:ext cx="774000" cy="1152000"/>
+                    </a:xfrm>
+                    <a:prstGeom prst="flowChartMagneticDisk">
+                      <a:avLst/>
+                    </a:prstGeom>
+                    <a:solidFill>
+                      <a:schemeClr val="bg2"/>
+                    </a:solidFill>
+                    <a:ln w="25400">
+                      <a:solidFill>
+                        <a:schemeClr val="tx1"/>
+                      </a:solidFill>
+                    </a:ln>
+                  </p:spPr>
+                  <p:style>
+                    <a:lnRef idx="2">
+                      <a:schemeClr val="accent1">
+                        <a:shade val="50000"/>
+                      </a:schemeClr>
+                    </a:lnRef>
+                    <a:fillRef idx="1">
+                      <a:schemeClr val="accent1"/>
+                    </a:fillRef>
+                    <a:effectRef idx="0">
+                      <a:schemeClr val="accent1"/>
+                    </a:effectRef>
+                    <a:fontRef idx="minor">
+                      <a:schemeClr val="lt1"/>
+                    </a:fontRef>
+                  </p:style>
+                  <p:txBody>
+                    <a:bodyPr rot="0" spcFirstLastPara="0" vertOverflow="overflow" horzOverflow="overflow" vert="horz" wrap="square" lIns="91440" tIns="45720" rIns="91440" bIns="45720" numCol="1" spcCol="0" rtlCol="0" fromWordArt="0" anchor="ctr" anchorCtr="0" forceAA="0" compatLnSpc="1">
+                      <a:prstTxWarp prst="textNoShape">
+                        <a:avLst/>
+                      </a:prstTxWarp>
+                      <a:noAutofit/>
+                    </a:bodyPr>
+                    <a:lstStyle/>
+                    <a:p>
+                      <a:pPr algn="ctr"/>
+                      <a:r>
+                        <a:rPr lang="en-US" altLang="zh-CN" sz="1400" dirty="0">
+                          <a:solidFill>
+                            <a:schemeClr val="tx1"/>
+                          </a:solidFill>
+                        </a:rPr>
+                        <a:t>My SQL</a:t>
+                      </a:r>
+                      <a:endParaRPr lang="zh-CN" altLang="en-US" sz="1400" dirty="0">
+                        <a:solidFill>
+                          <a:schemeClr val="tx1"/>
+                        </a:solidFill>
+                      </a:endParaRPr>
+                    </a:p>
+                  </p:txBody>
+                </p:sp>
+                <p:sp>
+                  <p:nvSpPr>
+                    <p:cNvPr id="81" name="文本框 80">
+                      <a:extLst>
+                        <a:ext uri="{FF2B5EF4-FFF2-40B4-BE49-F238E27FC236}">
+                          <a16:creationId xmlns:a16="http://schemas.microsoft.com/office/drawing/2014/main" id="{F119F69F-EBF0-42B2-BB00-09AEDDAAFAD3}"/>
+                        </a:ext>
+                      </a:extLst>
+                    </p:cNvPr>
+                    <p:cNvSpPr txBox="1"/>
+                    <p:nvPr/>
+                  </p:nvSpPr>
+                  <p:spPr>
+                    <a:xfrm>
+                      <a:off x="1855613" y="4104602"/>
+                      <a:ext cx="1097279" cy="402964"/>
+                    </a:xfrm>
+                    <a:prstGeom prst="rect">
+                      <a:avLst/>
+                    </a:prstGeom>
+                    <a:noFill/>
+                  </p:spPr>
+                  <p:txBody>
+                    <a:bodyPr wrap="square" rtlCol="0">
+                      <a:spAutoFit/>
+                    </a:bodyPr>
+                    <a:lstStyle/>
+                    <a:p>
+                      <a:r>
+                        <a:rPr lang="zh-CN" altLang="en-US" sz="1400" b="1" dirty="0"/>
+                        <a:t>数据库</a:t>
+                      </a:r>
+                      <a:endParaRPr lang="en-US" altLang="zh-CN" sz="1400" b="1" dirty="0"/>
+                    </a:p>
+                  </p:txBody>
+                </p:sp>
+              </p:grpSp>
+              <p:sp>
+                <p:nvSpPr>
+                  <p:cNvPr id="48" name="下箭头 18">
+                    <a:extLst>
+                      <a:ext uri="{FF2B5EF4-FFF2-40B4-BE49-F238E27FC236}">
+                        <a16:creationId xmlns:a16="http://schemas.microsoft.com/office/drawing/2014/main" id="{FBEEC650-E62C-4F2F-9D10-0958C4E23D29}"/>
+                      </a:ext>
+                    </a:extLst>
+                  </p:cNvPr>
+                  <p:cNvSpPr/>
+                  <p:nvPr/>
+                </p:nvSpPr>
+                <p:spPr>
+                  <a:xfrm>
+                    <a:off x="6636492" y="5303521"/>
+                    <a:ext cx="708076" cy="336884"/>
+                  </a:xfrm>
+                  <a:prstGeom prst="downArrow">
+                    <a:avLst/>
+                  </a:prstGeom>
+                  <a:ln>
+                    <a:noFill/>
+                  </a:ln>
+                </p:spPr>
+                <p:style>
+                  <a:lnRef idx="2">
+                    <a:schemeClr val="accent1">
+                      <a:shade val="50000"/>
+                    </a:schemeClr>
+                  </a:lnRef>
+                  <a:fillRef idx="1">
+                    <a:schemeClr val="accent1"/>
+                  </a:fillRef>
+                  <a:effectRef idx="0">
+                    <a:schemeClr val="accent1"/>
+                  </a:effectRef>
+                  <a:fontRef idx="minor">
+                    <a:schemeClr val="lt1"/>
+                  </a:fontRef>
+                </p:style>
+                <p:txBody>
+                  <a:bodyPr rot="0" spcFirstLastPara="0" vertOverflow="overflow" horzOverflow="overflow" vert="horz" wrap="square" lIns="91440" tIns="45720" rIns="91440" bIns="45720" numCol="1" spcCol="0" rtlCol="0" fromWordArt="0" anchor="ctr" anchorCtr="0" forceAA="0" compatLnSpc="1">
+                    <a:prstTxWarp prst="textNoShape">
+                      <a:avLst/>
+                    </a:prstTxWarp>
+                    <a:noAutofit/>
+                  </a:bodyPr>
+                  <a:lstStyle/>
+                  <a:p>
+                    <a:pPr algn="ctr"/>
+                    <a:endParaRPr lang="zh-CN" altLang="en-US" sz="1400"/>
+                  </a:p>
+                </p:txBody>
+              </p:sp>
+              <p:grpSp>
+                <p:nvGrpSpPr>
+                  <p:cNvPr id="49" name="组合 48">
+                    <a:extLst>
+                      <a:ext uri="{FF2B5EF4-FFF2-40B4-BE49-F238E27FC236}">
+                        <a16:creationId xmlns:a16="http://schemas.microsoft.com/office/drawing/2014/main" id="{CB5E6B90-E8B4-4D81-BBEA-20A5CFBD21E5}"/>
+                      </a:ext>
+                    </a:extLst>
+                  </p:cNvPr>
+                  <p:cNvGrpSpPr/>
+                  <p:nvPr/>
+                </p:nvGrpSpPr>
+                <p:grpSpPr>
+                  <a:xfrm>
+                    <a:off x="1855614" y="2244768"/>
+                    <a:ext cx="7394264" cy="1299411"/>
+                    <a:chOff x="1855614" y="2244768"/>
+                    <a:chExt cx="7394264" cy="1299411"/>
+                  </a:xfrm>
+                </p:grpSpPr>
+                <p:sp>
+                  <p:nvSpPr>
+                    <p:cNvPr id="62" name="圆角矩形 19">
+                      <a:extLst>
+                        <a:ext uri="{FF2B5EF4-FFF2-40B4-BE49-F238E27FC236}">
+                          <a16:creationId xmlns:a16="http://schemas.microsoft.com/office/drawing/2014/main" id="{AD12AF8C-84D0-41D1-B873-5C918F14FE81}"/>
+                        </a:ext>
+                      </a:extLst>
+                    </p:cNvPr>
+                    <p:cNvSpPr/>
+                    <p:nvPr/>
+                  </p:nvSpPr>
+                  <p:spPr>
+                    <a:xfrm>
+                      <a:off x="3405969" y="2244768"/>
+                      <a:ext cx="5843909" cy="1299411"/>
+                    </a:xfrm>
+                    <a:prstGeom prst="roundRect">
+                      <a:avLst/>
+                    </a:prstGeom>
+                    <a:solidFill>
+                      <a:srgbClr val="76FD99"/>
+                    </a:solidFill>
+                    <a:ln>
+                      <a:noFill/>
+                    </a:ln>
+                  </p:spPr>
+                  <p:style>
+                    <a:lnRef idx="2">
+                      <a:schemeClr val="accent1">
+                        <a:shade val="50000"/>
+                      </a:schemeClr>
+                    </a:lnRef>
+                    <a:fillRef idx="1">
+                      <a:schemeClr val="accent1"/>
+                    </a:fillRef>
+                    <a:effectRef idx="0">
+                      <a:schemeClr val="accent1"/>
+                    </a:effectRef>
+                    <a:fontRef idx="minor">
+                      <a:schemeClr val="lt1"/>
+                    </a:fontRef>
+                  </p:style>
+                  <p:txBody>
+                    <a:bodyPr rot="0" spcFirstLastPara="0" vertOverflow="overflow" horzOverflow="overflow" vert="horz" wrap="square" lIns="91440" tIns="45720" rIns="91440" bIns="45720" numCol="1" spcCol="0" rtlCol="0" fromWordArt="0" anchor="ctr" anchorCtr="0" forceAA="0" compatLnSpc="1">
+                      <a:prstTxWarp prst="textNoShape">
+                        <a:avLst/>
+                      </a:prstTxWarp>
+                      <a:noAutofit/>
+                    </a:bodyPr>
+                    <a:lstStyle/>
+                    <a:p>
+                      <a:pPr algn="ctr"/>
+                      <a:endParaRPr lang="zh-CN" altLang="en-US" sz="1400"/>
+                    </a:p>
+                  </p:txBody>
+                </p:sp>
+                <p:sp>
+                  <p:nvSpPr>
+                    <p:cNvPr id="63" name="矩形 62">
+                      <a:extLst>
+                        <a:ext uri="{FF2B5EF4-FFF2-40B4-BE49-F238E27FC236}">
+                          <a16:creationId xmlns:a16="http://schemas.microsoft.com/office/drawing/2014/main" id="{FBE4593D-86F0-4A34-8D8A-BBE038A0D03C}"/>
+                        </a:ext>
+                      </a:extLst>
+                    </p:cNvPr>
+                    <p:cNvSpPr/>
+                    <p:nvPr/>
+                  </p:nvSpPr>
+                  <p:spPr>
+                    <a:xfrm>
+                      <a:off x="3765573" y="2388625"/>
+                      <a:ext cx="1610779" cy="448098"/>
+                    </a:xfrm>
+                    <a:prstGeom prst="rect">
+                      <a:avLst/>
+                    </a:prstGeom>
+                    <a:ln w="25400"/>
+                  </p:spPr>
+                  <p:style>
+                    <a:lnRef idx="2">
+                      <a:schemeClr val="dk1"/>
+                    </a:lnRef>
+                    <a:fillRef idx="1">
+                      <a:schemeClr val="lt1"/>
+                    </a:fillRef>
+                    <a:effectRef idx="0">
+                      <a:schemeClr val="dk1"/>
+                    </a:effectRef>
+                    <a:fontRef idx="minor">
+                      <a:schemeClr val="dk1"/>
+                    </a:fontRef>
+                  </p:style>
+                  <p:txBody>
+                    <a:bodyPr rtlCol="0" anchor="ctr"/>
+                    <a:lstStyle/>
+                    <a:p>
+                      <a:pPr algn="ctr"/>
+                      <a:r>
+                        <a:rPr lang="zh-CN" altLang="en-US" sz="1400" dirty="0"/>
+                        <a:t>存储过程</a:t>
+                      </a:r>
+                    </a:p>
+                  </p:txBody>
+                </p:sp>
+                <p:sp>
+                  <p:nvSpPr>
+                    <p:cNvPr id="64" name="矩形 63">
+                      <a:extLst>
+                        <a:ext uri="{FF2B5EF4-FFF2-40B4-BE49-F238E27FC236}">
+                          <a16:creationId xmlns:a16="http://schemas.microsoft.com/office/drawing/2014/main" id="{936D338B-9AC5-4D8C-8757-6B79BFF7B0B1}"/>
+                        </a:ext>
+                      </a:extLst>
+                    </p:cNvPr>
+                    <p:cNvSpPr/>
+                    <p:nvPr/>
+                  </p:nvSpPr>
+                  <p:spPr>
+                    <a:xfrm>
+                      <a:off x="3765573" y="2973177"/>
+                      <a:ext cx="1610780" cy="448098"/>
+                    </a:xfrm>
+                    <a:prstGeom prst="rect">
+                      <a:avLst/>
+                    </a:prstGeom>
+                    <a:ln w="25400"/>
+                  </p:spPr>
+                  <p:style>
+                    <a:lnRef idx="2">
+                      <a:schemeClr val="dk1"/>
+                    </a:lnRef>
+                    <a:fillRef idx="1">
+                      <a:schemeClr val="lt1"/>
+                    </a:fillRef>
+                    <a:effectRef idx="0">
+                      <a:schemeClr val="dk1"/>
+                    </a:effectRef>
+                    <a:fontRef idx="minor">
+                      <a:schemeClr val="dk1"/>
+                    </a:fontRef>
+                  </p:style>
+                  <p:txBody>
+                    <a:bodyPr rtlCol="0" anchor="ctr"/>
+                    <a:lstStyle/>
+                    <a:p>
+                      <a:pPr algn="ctr"/>
+                      <a:r>
+                        <a:rPr lang="zh-CN" altLang="en-US" sz="1400" dirty="0"/>
+                        <a:t>事务</a:t>
+                      </a:r>
+                    </a:p>
+                  </p:txBody>
+                </p:sp>
+                <p:sp>
+                  <p:nvSpPr>
+                    <p:cNvPr id="65" name="矩形 64">
+                      <a:extLst>
+                        <a:ext uri="{FF2B5EF4-FFF2-40B4-BE49-F238E27FC236}">
+                          <a16:creationId xmlns:a16="http://schemas.microsoft.com/office/drawing/2014/main" id="{6BD1C462-EE00-44B7-93A9-5BDC39B52056}"/>
+                        </a:ext>
+                      </a:extLst>
+                    </p:cNvPr>
+                    <p:cNvSpPr/>
+                    <p:nvPr/>
+                  </p:nvSpPr>
+                  <p:spPr>
+                    <a:xfrm>
+                      <a:off x="5543218" y="2388625"/>
+                      <a:ext cx="1610779" cy="448098"/>
+                    </a:xfrm>
+                    <a:prstGeom prst="rect">
+                      <a:avLst/>
+                    </a:prstGeom>
+                    <a:ln w="25400"/>
+                  </p:spPr>
+                  <p:style>
+                    <a:lnRef idx="2">
+                      <a:schemeClr val="dk1"/>
+                    </a:lnRef>
+                    <a:fillRef idx="1">
+                      <a:schemeClr val="lt1"/>
+                    </a:fillRef>
+                    <a:effectRef idx="0">
+                      <a:schemeClr val="dk1"/>
+                    </a:effectRef>
+                    <a:fontRef idx="minor">
+                      <a:schemeClr val="dk1"/>
+                    </a:fontRef>
+                  </p:style>
+                  <p:txBody>
+                    <a:bodyPr rtlCol="0" anchor="ctr"/>
+                    <a:lstStyle/>
+                    <a:p>
+                      <a:pPr algn="ctr"/>
+                      <a:r>
+                        <a:rPr lang="zh-CN" altLang="en-US" sz="1400" dirty="0"/>
+                        <a:t>数据缓存</a:t>
+                      </a:r>
+                    </a:p>
+                  </p:txBody>
+                </p:sp>
+                <p:sp>
+                  <p:nvSpPr>
+                    <p:cNvPr id="73" name="矩形 72">
+                      <a:extLst>
+                        <a:ext uri="{FF2B5EF4-FFF2-40B4-BE49-F238E27FC236}">
+                          <a16:creationId xmlns:a16="http://schemas.microsoft.com/office/drawing/2014/main" id="{C36409D3-AB52-4392-B61C-0CC636E3A8F6}"/>
+                        </a:ext>
+                      </a:extLst>
+                    </p:cNvPr>
+                    <p:cNvSpPr/>
+                    <p:nvPr/>
+                  </p:nvSpPr>
+                  <p:spPr>
+                    <a:xfrm>
+                      <a:off x="5543218" y="2973177"/>
+                      <a:ext cx="1610780" cy="448098"/>
+                    </a:xfrm>
+                    <a:prstGeom prst="rect">
+                      <a:avLst/>
+                    </a:prstGeom>
+                    <a:ln w="25400"/>
+                  </p:spPr>
+                  <p:style>
+                    <a:lnRef idx="2">
+                      <a:schemeClr val="dk1"/>
+                    </a:lnRef>
+                    <a:fillRef idx="1">
+                      <a:schemeClr val="lt1"/>
+                    </a:fillRef>
+                    <a:effectRef idx="0">
+                      <a:schemeClr val="dk1"/>
+                    </a:effectRef>
+                    <a:fontRef idx="minor">
+                      <a:schemeClr val="dk1"/>
+                    </a:fontRef>
+                  </p:style>
+                  <p:txBody>
+                    <a:bodyPr rtlCol="0" anchor="ctr"/>
+                    <a:lstStyle/>
+                    <a:p>
+                      <a:pPr algn="ctr"/>
+                      <a:r>
+                        <a:rPr lang="zh-CN" altLang="en-US" sz="1400" dirty="0"/>
+                        <a:t>读写数据库</a:t>
+                      </a:r>
+                    </a:p>
+                  </p:txBody>
+                </p:sp>
+                <p:sp>
+                  <p:nvSpPr>
+                    <p:cNvPr id="74" name="矩形 73">
+                      <a:extLst>
+                        <a:ext uri="{FF2B5EF4-FFF2-40B4-BE49-F238E27FC236}">
+                          <a16:creationId xmlns:a16="http://schemas.microsoft.com/office/drawing/2014/main" id="{36A9F0C8-322F-4614-9983-BE787AD31797}"/>
+                        </a:ext>
+                      </a:extLst>
+                    </p:cNvPr>
+                    <p:cNvSpPr/>
+                    <p:nvPr/>
+                  </p:nvSpPr>
+                  <p:spPr>
+                    <a:xfrm>
+                      <a:off x="7320862" y="2388625"/>
+                      <a:ext cx="1610779" cy="448098"/>
+                    </a:xfrm>
+                    <a:prstGeom prst="rect">
+                      <a:avLst/>
+                    </a:prstGeom>
+                    <a:ln w="25400"/>
+                  </p:spPr>
+                  <p:style>
+                    <a:lnRef idx="2">
+                      <a:schemeClr val="dk1"/>
+                    </a:lnRef>
+                    <a:fillRef idx="1">
+                      <a:schemeClr val="lt1"/>
+                    </a:fillRef>
+                    <a:effectRef idx="0">
+                      <a:schemeClr val="dk1"/>
+                    </a:effectRef>
+                    <a:fontRef idx="minor">
+                      <a:schemeClr val="dk1"/>
+                    </a:fontRef>
+                  </p:style>
+                  <p:txBody>
+                    <a:bodyPr rtlCol="0" anchor="ctr"/>
+                    <a:lstStyle/>
+                    <a:p>
+                      <a:pPr algn="ctr"/>
+                      <a:r>
+                        <a:rPr lang="zh-CN" altLang="en-US" sz="1400" dirty="0"/>
+                        <a:t>自定义函数</a:t>
+                      </a:r>
+                    </a:p>
+                  </p:txBody>
+                </p:sp>
+                <p:sp>
+                  <p:nvSpPr>
+                    <p:cNvPr id="75" name="矩形 74">
+                      <a:extLst>
+                        <a:ext uri="{FF2B5EF4-FFF2-40B4-BE49-F238E27FC236}">
+                          <a16:creationId xmlns:a16="http://schemas.microsoft.com/office/drawing/2014/main" id="{37D198DE-D911-47F4-AA24-363A3B53DDA5}"/>
+                        </a:ext>
+                      </a:extLst>
+                    </p:cNvPr>
+                    <p:cNvSpPr/>
+                    <p:nvPr/>
+                  </p:nvSpPr>
+                  <p:spPr>
+                    <a:xfrm>
+                      <a:off x="7320862" y="2973177"/>
+                      <a:ext cx="1610780" cy="448098"/>
+                    </a:xfrm>
+                    <a:prstGeom prst="rect">
+                      <a:avLst/>
+                    </a:prstGeom>
+                    <a:ln w="25400"/>
+                  </p:spPr>
+                  <p:style>
+                    <a:lnRef idx="2">
+                      <a:schemeClr val="dk1"/>
+                    </a:lnRef>
+                    <a:fillRef idx="1">
+                      <a:schemeClr val="lt1"/>
+                    </a:fillRef>
+                    <a:effectRef idx="0">
+                      <a:schemeClr val="dk1"/>
+                    </a:effectRef>
+                    <a:fontRef idx="minor">
+                      <a:schemeClr val="dk1"/>
+                    </a:fontRef>
+                  </p:style>
+                  <p:txBody>
+                    <a:bodyPr rtlCol="0" anchor="ctr"/>
+                    <a:lstStyle/>
+                    <a:p>
+                      <a:pPr algn="ctr"/>
+                      <a:r>
+                        <a:rPr lang="en-US" altLang="zh-CN" sz="1400" dirty="0"/>
+                        <a:t>… …</a:t>
+                      </a:r>
+                      <a:endParaRPr lang="zh-CN" altLang="en-US" sz="1400" dirty="0"/>
+                    </a:p>
+                  </p:txBody>
+                </p:sp>
+                <p:sp>
+                  <p:nvSpPr>
+                    <p:cNvPr id="76" name="文本框 75">
+                      <a:extLst>
+                        <a:ext uri="{FF2B5EF4-FFF2-40B4-BE49-F238E27FC236}">
+                          <a16:creationId xmlns:a16="http://schemas.microsoft.com/office/drawing/2014/main" id="{4297CC42-7B14-4E34-ACF4-48A97483C936}"/>
+                        </a:ext>
+                      </a:extLst>
+                    </p:cNvPr>
+                    <p:cNvSpPr txBox="1"/>
+                    <p:nvPr/>
+                  </p:nvSpPr>
+                  <p:spPr>
+                    <a:xfrm>
+                      <a:off x="1855614" y="2709807"/>
+                      <a:ext cx="1097281" cy="402964"/>
+                    </a:xfrm>
+                    <a:prstGeom prst="rect">
+                      <a:avLst/>
+                    </a:prstGeom>
+                    <a:noFill/>
+                  </p:spPr>
+                  <p:txBody>
+                    <a:bodyPr wrap="square" rtlCol="0">
+                      <a:spAutoFit/>
+                    </a:bodyPr>
+                    <a:lstStyle/>
+                    <a:p>
+                      <a:r>
+                        <a:rPr lang="zh-CN" altLang="en-US" sz="1400" b="1" dirty="0"/>
+                        <a:t>数据层</a:t>
+                      </a:r>
+                    </a:p>
+                  </p:txBody>
+                </p:sp>
+              </p:grpSp>
+              <p:grpSp>
+                <p:nvGrpSpPr>
+                  <p:cNvPr id="50" name="组合 49">
+                    <a:extLst>
+                      <a:ext uri="{FF2B5EF4-FFF2-40B4-BE49-F238E27FC236}">
+                        <a16:creationId xmlns:a16="http://schemas.microsoft.com/office/drawing/2014/main" id="{189057E2-6373-4956-89E1-561C77370520}"/>
+                      </a:ext>
+                    </a:extLst>
+                  </p:cNvPr>
+                  <p:cNvGrpSpPr/>
+                  <p:nvPr/>
+                </p:nvGrpSpPr>
+                <p:grpSpPr>
+                  <a:xfrm>
+                    <a:off x="1855614" y="600931"/>
+                    <a:ext cx="7394264" cy="1299411"/>
+                    <a:chOff x="1855614" y="2244768"/>
+                    <a:chExt cx="7394264" cy="1299411"/>
+                  </a:xfrm>
+                </p:grpSpPr>
+                <p:sp>
+                  <p:nvSpPr>
+                    <p:cNvPr id="54" name="圆角矩形 34">
+                      <a:extLst>
+                        <a:ext uri="{FF2B5EF4-FFF2-40B4-BE49-F238E27FC236}">
+                          <a16:creationId xmlns:a16="http://schemas.microsoft.com/office/drawing/2014/main" id="{F1379C2C-2F36-4DA9-8265-CC323850F0D4}"/>
+                        </a:ext>
+                      </a:extLst>
+                    </p:cNvPr>
+                    <p:cNvSpPr/>
+                    <p:nvPr/>
+                  </p:nvSpPr>
+                  <p:spPr>
+                    <a:xfrm>
+                      <a:off x="3405969" y="2244768"/>
+                      <a:ext cx="5843909" cy="1299411"/>
+                    </a:xfrm>
+                    <a:prstGeom prst="roundRect">
+                      <a:avLst/>
+                    </a:prstGeom>
+                    <a:solidFill>
+                      <a:srgbClr val="74FD9B"/>
+                    </a:solidFill>
+                    <a:ln>
+                      <a:noFill/>
+                    </a:ln>
+                  </p:spPr>
+                  <p:style>
+                    <a:lnRef idx="2">
+                      <a:schemeClr val="accent1">
+                        <a:shade val="50000"/>
+                      </a:schemeClr>
+                    </a:lnRef>
+                    <a:fillRef idx="1">
+                      <a:schemeClr val="accent1"/>
+                    </a:fillRef>
+                    <a:effectRef idx="0">
+                      <a:schemeClr val="accent1"/>
+                    </a:effectRef>
+                    <a:fontRef idx="minor">
+                      <a:schemeClr val="lt1"/>
+                    </a:fontRef>
+                  </p:style>
+                  <p:txBody>
+                    <a:bodyPr rot="0" spcFirstLastPara="0" vertOverflow="overflow" horzOverflow="overflow" vert="horz" wrap="square" lIns="91440" tIns="45720" rIns="91440" bIns="45720" numCol="1" spcCol="0" rtlCol="0" fromWordArt="0" anchor="ctr" anchorCtr="0" forceAA="0" compatLnSpc="1">
+                      <a:prstTxWarp prst="textNoShape">
+                        <a:avLst/>
+                      </a:prstTxWarp>
+                      <a:noAutofit/>
+                    </a:bodyPr>
+                    <a:lstStyle/>
+                    <a:p>
+                      <a:pPr algn="ctr"/>
+                      <a:endParaRPr lang="zh-CN" altLang="en-US" sz="1400"/>
+                    </a:p>
+                  </p:txBody>
+                </p:sp>
+                <p:sp>
+                  <p:nvSpPr>
+                    <p:cNvPr id="55" name="矩形 54">
+                      <a:extLst>
+                        <a:ext uri="{FF2B5EF4-FFF2-40B4-BE49-F238E27FC236}">
+                          <a16:creationId xmlns:a16="http://schemas.microsoft.com/office/drawing/2014/main" id="{BC94AA69-0514-475B-B7CA-31BD45E483A1}"/>
+                        </a:ext>
+                      </a:extLst>
+                    </p:cNvPr>
+                    <p:cNvSpPr/>
+                    <p:nvPr/>
+                  </p:nvSpPr>
+                  <p:spPr>
+                    <a:xfrm>
+                      <a:off x="3765573" y="2388625"/>
+                      <a:ext cx="1610779" cy="448098"/>
+                    </a:xfrm>
+                    <a:prstGeom prst="rect">
+                      <a:avLst/>
+                    </a:prstGeom>
+                    <a:ln w="25400"/>
+                  </p:spPr>
+                  <p:style>
+                    <a:lnRef idx="2">
+                      <a:schemeClr val="dk1"/>
+                    </a:lnRef>
+                    <a:fillRef idx="1">
+                      <a:schemeClr val="lt1"/>
+                    </a:fillRef>
+                    <a:effectRef idx="0">
+                      <a:schemeClr val="dk1"/>
+                    </a:effectRef>
+                    <a:fontRef idx="minor">
+                      <a:schemeClr val="dk1"/>
+                    </a:fontRef>
+                  </p:style>
+                  <p:txBody>
+                    <a:bodyPr rtlCol="0" anchor="ctr"/>
+                    <a:lstStyle/>
+                    <a:p>
+                      <a:pPr algn="ctr"/>
+                      <a:r>
+                        <a:rPr lang="zh-CN" altLang="en-US" sz="1400" dirty="0"/>
+                        <a:t>内容管理</a:t>
+                      </a:r>
+                    </a:p>
+                  </p:txBody>
+                </p:sp>
+                <p:sp>
+                  <p:nvSpPr>
+                    <p:cNvPr id="56" name="矩形 55">
+                      <a:extLst>
+                        <a:ext uri="{FF2B5EF4-FFF2-40B4-BE49-F238E27FC236}">
+                          <a16:creationId xmlns:a16="http://schemas.microsoft.com/office/drawing/2014/main" id="{C591B4CA-7034-449B-A71D-950576E4C515}"/>
+                        </a:ext>
+                      </a:extLst>
+                    </p:cNvPr>
+                    <p:cNvSpPr/>
+                    <p:nvPr/>
+                  </p:nvSpPr>
+                  <p:spPr>
+                    <a:xfrm>
+                      <a:off x="3765573" y="2973177"/>
+                      <a:ext cx="1610780" cy="448098"/>
+                    </a:xfrm>
+                    <a:prstGeom prst="rect">
+                      <a:avLst/>
+                    </a:prstGeom>
+                    <a:ln w="25400"/>
+                  </p:spPr>
+                  <p:style>
+                    <a:lnRef idx="2">
+                      <a:schemeClr val="dk1"/>
+                    </a:lnRef>
+                    <a:fillRef idx="1">
+                      <a:schemeClr val="lt1"/>
+                    </a:fillRef>
+                    <a:effectRef idx="0">
+                      <a:schemeClr val="dk1"/>
+                    </a:effectRef>
+                    <a:fontRef idx="minor">
+                      <a:schemeClr val="dk1"/>
+                    </a:fontRef>
+                  </p:style>
+                  <p:txBody>
+                    <a:bodyPr rtlCol="0" anchor="ctr"/>
+                    <a:lstStyle/>
+                    <a:p>
+                      <a:pPr algn="ctr"/>
+                      <a:r>
+                        <a:rPr lang="zh-CN" altLang="en-US" sz="1400" dirty="0"/>
+                        <a:t>统计报表</a:t>
+                      </a:r>
+                    </a:p>
+                  </p:txBody>
+                </p:sp>
+                <p:sp>
+                  <p:nvSpPr>
+                    <p:cNvPr id="57" name="矩形 56">
+                      <a:extLst>
+                        <a:ext uri="{FF2B5EF4-FFF2-40B4-BE49-F238E27FC236}">
+                          <a16:creationId xmlns:a16="http://schemas.microsoft.com/office/drawing/2014/main" id="{891CDB7E-8199-475B-A81F-A24C0A244E5B}"/>
+                        </a:ext>
+                      </a:extLst>
+                    </p:cNvPr>
+                    <p:cNvSpPr/>
+                    <p:nvPr/>
+                  </p:nvSpPr>
+                  <p:spPr>
+                    <a:xfrm>
+                      <a:off x="5543218" y="2388625"/>
+                      <a:ext cx="1610779" cy="448098"/>
+                    </a:xfrm>
+                    <a:prstGeom prst="rect">
+                      <a:avLst/>
+                    </a:prstGeom>
+                    <a:ln w="25400"/>
+                  </p:spPr>
+                  <p:style>
+                    <a:lnRef idx="2">
+                      <a:schemeClr val="dk1"/>
+                    </a:lnRef>
+                    <a:fillRef idx="1">
+                      <a:schemeClr val="lt1"/>
+                    </a:fillRef>
+                    <a:effectRef idx="0">
+                      <a:schemeClr val="dk1"/>
+                    </a:effectRef>
+                    <a:fontRef idx="minor">
+                      <a:schemeClr val="dk1"/>
+                    </a:fontRef>
+                  </p:style>
+                  <p:txBody>
+                    <a:bodyPr rtlCol="0" anchor="ctr"/>
+                    <a:lstStyle/>
+                    <a:p>
+                      <a:pPr algn="ctr"/>
+                      <a:r>
+                        <a:rPr lang="zh-CN" altLang="en-US" sz="1400" dirty="0"/>
+                        <a:t>用户管理</a:t>
+                      </a:r>
+                    </a:p>
+                  </p:txBody>
+                </p:sp>
+                <p:sp>
+                  <p:nvSpPr>
+                    <p:cNvPr id="58" name="矩形 57">
+                      <a:extLst>
+                        <a:ext uri="{FF2B5EF4-FFF2-40B4-BE49-F238E27FC236}">
+                          <a16:creationId xmlns:a16="http://schemas.microsoft.com/office/drawing/2014/main" id="{93C58188-463F-4BA0-8A61-58E8B2A7CA0D}"/>
+                        </a:ext>
+                      </a:extLst>
+                    </p:cNvPr>
+                    <p:cNvSpPr/>
+                    <p:nvPr/>
+                  </p:nvSpPr>
+                  <p:spPr>
+                    <a:xfrm>
+                      <a:off x="5543218" y="2973177"/>
+                      <a:ext cx="1610780" cy="448098"/>
+                    </a:xfrm>
+                    <a:prstGeom prst="rect">
+                      <a:avLst/>
+                    </a:prstGeom>
+                    <a:ln w="25400"/>
+                  </p:spPr>
+                  <p:style>
+                    <a:lnRef idx="2">
+                      <a:schemeClr val="dk1"/>
+                    </a:lnRef>
+                    <a:fillRef idx="1">
+                      <a:schemeClr val="lt1"/>
+                    </a:fillRef>
+                    <a:effectRef idx="0">
+                      <a:schemeClr val="dk1"/>
+                    </a:effectRef>
+                    <a:fontRef idx="minor">
+                      <a:schemeClr val="dk1"/>
+                    </a:fontRef>
+                  </p:style>
+                  <p:txBody>
+                    <a:bodyPr rtlCol="0" anchor="ctr"/>
+                    <a:lstStyle/>
+                    <a:p>
+                      <a:pPr algn="ctr"/>
+                      <a:r>
+                        <a:rPr lang="zh-CN" altLang="en-US" sz="1400" dirty="0"/>
+                        <a:t>系统日志</a:t>
+                      </a:r>
+                    </a:p>
+                  </p:txBody>
+                </p:sp>
+                <p:sp>
+                  <p:nvSpPr>
+                    <p:cNvPr id="59" name="矩形 58">
+                      <a:extLst>
+                        <a:ext uri="{FF2B5EF4-FFF2-40B4-BE49-F238E27FC236}">
+                          <a16:creationId xmlns:a16="http://schemas.microsoft.com/office/drawing/2014/main" id="{65020684-54EA-4CF7-B251-D0510DA8CE8E}"/>
+                        </a:ext>
+                      </a:extLst>
+                    </p:cNvPr>
+                    <p:cNvSpPr/>
+                    <p:nvPr/>
+                  </p:nvSpPr>
+                  <p:spPr>
+                    <a:xfrm>
+                      <a:off x="7320862" y="2388625"/>
+                      <a:ext cx="1610779" cy="448098"/>
+                    </a:xfrm>
+                    <a:prstGeom prst="rect">
+                      <a:avLst/>
+                    </a:prstGeom>
+                    <a:ln w="25400"/>
+                  </p:spPr>
+                  <p:style>
+                    <a:lnRef idx="2">
+                      <a:schemeClr val="dk1"/>
+                    </a:lnRef>
+                    <a:fillRef idx="1">
+                      <a:schemeClr val="lt1"/>
+                    </a:fillRef>
+                    <a:effectRef idx="0">
+                      <a:schemeClr val="dk1"/>
+                    </a:effectRef>
+                    <a:fontRef idx="minor">
+                      <a:schemeClr val="dk1"/>
+                    </a:fontRef>
+                  </p:style>
+                  <p:txBody>
+                    <a:bodyPr rtlCol="0" anchor="ctr"/>
+                    <a:lstStyle/>
+                    <a:p>
+                      <a:pPr algn="ctr"/>
+                      <a:r>
+                        <a:rPr lang="zh-CN" altLang="en-US" sz="1400" dirty="0"/>
+                        <a:t>系统设置</a:t>
+                      </a:r>
+                    </a:p>
+                  </p:txBody>
+                </p:sp>
+                <p:sp>
+                  <p:nvSpPr>
+                    <p:cNvPr id="60" name="矩形 59">
+                      <a:extLst>
+                        <a:ext uri="{FF2B5EF4-FFF2-40B4-BE49-F238E27FC236}">
+                          <a16:creationId xmlns:a16="http://schemas.microsoft.com/office/drawing/2014/main" id="{9BFE6D5B-6720-47FE-B7B1-A97553AD3019}"/>
+                        </a:ext>
+                      </a:extLst>
+                    </p:cNvPr>
+                    <p:cNvSpPr/>
+                    <p:nvPr/>
+                  </p:nvSpPr>
+                  <p:spPr>
+                    <a:xfrm>
+                      <a:off x="7320862" y="2973177"/>
+                      <a:ext cx="1610780" cy="448098"/>
+                    </a:xfrm>
+                    <a:prstGeom prst="rect">
+                      <a:avLst/>
+                    </a:prstGeom>
+                    <a:ln w="25400"/>
+                  </p:spPr>
+                  <p:style>
+                    <a:lnRef idx="2">
+                      <a:schemeClr val="dk1"/>
+                    </a:lnRef>
+                    <a:fillRef idx="1">
+                      <a:schemeClr val="lt1"/>
+                    </a:fillRef>
+                    <a:effectRef idx="0">
+                      <a:schemeClr val="dk1"/>
+                    </a:effectRef>
+                    <a:fontRef idx="minor">
+                      <a:schemeClr val="dk1"/>
+                    </a:fontRef>
+                  </p:style>
+                  <p:txBody>
+                    <a:bodyPr rtlCol="0" anchor="ctr"/>
+                    <a:lstStyle/>
+                    <a:p>
+                      <a:pPr algn="ctr"/>
+                      <a:r>
+                        <a:rPr lang="en-US" altLang="zh-CN" sz="1400" dirty="0"/>
+                        <a:t>… …</a:t>
+                      </a:r>
+                      <a:endParaRPr lang="zh-CN" altLang="en-US" sz="1400" dirty="0"/>
+                    </a:p>
+                  </p:txBody>
+                </p:sp>
+                <p:sp>
+                  <p:nvSpPr>
+                    <p:cNvPr id="61" name="文本框 60">
+                      <a:extLst>
+                        <a:ext uri="{FF2B5EF4-FFF2-40B4-BE49-F238E27FC236}">
+                          <a16:creationId xmlns:a16="http://schemas.microsoft.com/office/drawing/2014/main" id="{F061C1D9-B782-452C-A317-B44A6B6A9174}"/>
+                        </a:ext>
+                      </a:extLst>
+                    </p:cNvPr>
+                    <p:cNvSpPr txBox="1"/>
+                    <p:nvPr/>
+                  </p:nvSpPr>
+                  <p:spPr>
+                    <a:xfrm>
+                      <a:off x="1855614" y="2709807"/>
+                      <a:ext cx="1097281" cy="402964"/>
+                    </a:xfrm>
+                    <a:prstGeom prst="rect">
+                      <a:avLst/>
+                    </a:prstGeom>
+                    <a:noFill/>
+                  </p:spPr>
+                  <p:txBody>
+                    <a:bodyPr wrap="square" rtlCol="0">
+                      <a:spAutoFit/>
+                    </a:bodyPr>
+                    <a:lstStyle/>
+                    <a:p>
+                      <a:r>
+                        <a:rPr lang="zh-CN" altLang="en-US" sz="1400" b="1" dirty="0"/>
+                        <a:t>数据层</a:t>
+                      </a:r>
+                    </a:p>
+                  </p:txBody>
+                </p:sp>
+              </p:grpSp>
+              <p:sp>
+                <p:nvSpPr>
+                  <p:cNvPr id="51" name="下箭头 42">
+                    <a:extLst>
+                      <a:ext uri="{FF2B5EF4-FFF2-40B4-BE49-F238E27FC236}">
+                        <a16:creationId xmlns:a16="http://schemas.microsoft.com/office/drawing/2014/main" id="{08C5FB8C-B3F3-4762-9902-20C8397685BE}"/>
+                      </a:ext>
+                    </a:extLst>
+                  </p:cNvPr>
+                  <p:cNvSpPr/>
+                  <p:nvPr/>
+                </p:nvSpPr>
+                <p:spPr>
+                  <a:xfrm>
+                    <a:off x="6040343" y="3551721"/>
+                    <a:ext cx="708076" cy="336884"/>
+                  </a:xfrm>
+                  <a:prstGeom prst="downArrow">
+                    <a:avLst/>
+                  </a:prstGeom>
+                  <a:solidFill>
+                    <a:srgbClr val="74FD9B"/>
+                  </a:solidFill>
+                  <a:ln>
+                    <a:noFill/>
+                  </a:ln>
+                </p:spPr>
+                <p:style>
+                  <a:lnRef idx="2">
+                    <a:schemeClr val="accent1">
+                      <a:shade val="50000"/>
+                    </a:schemeClr>
+                  </a:lnRef>
+                  <a:fillRef idx="1">
+                    <a:schemeClr val="accent1"/>
+                  </a:fillRef>
+                  <a:effectRef idx="0">
+                    <a:schemeClr val="accent1"/>
+                  </a:effectRef>
+                  <a:fontRef idx="minor">
+                    <a:schemeClr val="lt1"/>
+                  </a:fontRef>
+                </p:style>
+                <p:txBody>
+                  <a:bodyPr rot="0" spcFirstLastPara="0" vertOverflow="overflow" horzOverflow="overflow" vert="horz" wrap="square" lIns="91440" tIns="45720" rIns="91440" bIns="45720" numCol="1" spcCol="0" rtlCol="0" fromWordArt="0" anchor="ctr" anchorCtr="0" forceAA="0" compatLnSpc="1">
+                    <a:prstTxWarp prst="textNoShape">
+                      <a:avLst/>
+                    </a:prstTxWarp>
+                    <a:noAutofit/>
+                  </a:bodyPr>
+                  <a:lstStyle/>
+                  <a:p>
+                    <a:pPr algn="ctr"/>
+                    <a:endParaRPr lang="zh-CN" altLang="en-US" sz="1400"/>
+                  </a:p>
+                </p:txBody>
+              </p:sp>
+              <p:sp>
+                <p:nvSpPr>
+                  <p:cNvPr id="52" name="下箭头 43">
+                    <a:extLst>
+                      <a:ext uri="{FF2B5EF4-FFF2-40B4-BE49-F238E27FC236}">
+                        <a16:creationId xmlns:a16="http://schemas.microsoft.com/office/drawing/2014/main" id="{3C51FE4D-83AE-4B33-B479-66A8E1B021E0}"/>
+                      </a:ext>
+                    </a:extLst>
+                  </p:cNvPr>
+                  <p:cNvSpPr/>
+                  <p:nvPr/>
+                </p:nvSpPr>
+                <p:spPr>
+                  <a:xfrm>
+                    <a:off x="6040343" y="1915287"/>
+                    <a:ext cx="708076" cy="336884"/>
+                  </a:xfrm>
+                  <a:prstGeom prst="downArrow">
+                    <a:avLst/>
+                  </a:prstGeom>
+                  <a:solidFill>
+                    <a:srgbClr val="74FD9B"/>
+                  </a:solidFill>
+                  <a:ln>
+                    <a:noFill/>
+                  </a:ln>
+                </p:spPr>
+                <p:style>
+                  <a:lnRef idx="2">
+                    <a:schemeClr val="accent1">
+                      <a:shade val="50000"/>
+                    </a:schemeClr>
+                  </a:lnRef>
+                  <a:fillRef idx="1">
+                    <a:schemeClr val="accent1"/>
+                  </a:fillRef>
+                  <a:effectRef idx="0">
+                    <a:schemeClr val="accent1"/>
+                  </a:effectRef>
+                  <a:fontRef idx="minor">
+                    <a:schemeClr val="lt1"/>
+                  </a:fontRef>
+                </p:style>
+                <p:txBody>
+                  <a:bodyPr rot="0" spcFirstLastPara="0" vertOverflow="overflow" horzOverflow="overflow" vert="horz" wrap="square" lIns="91440" tIns="45720" rIns="91440" bIns="45720" numCol="1" spcCol="0" rtlCol="0" fromWordArt="0" anchor="ctr" anchorCtr="0" forceAA="0" compatLnSpc="1">
+                    <a:prstTxWarp prst="textNoShape">
+                      <a:avLst/>
+                    </a:prstTxWarp>
+                    <a:noAutofit/>
+                  </a:bodyPr>
+                  <a:lstStyle/>
+                  <a:p>
+                    <a:pPr algn="ctr"/>
+                    <a:endParaRPr lang="zh-CN" altLang="en-US" sz="1400"/>
+                  </a:p>
+                </p:txBody>
+              </p:sp>
+              <p:sp>
+                <p:nvSpPr>
+                  <p:cNvPr id="53" name="圆角矩形 44">
+                    <a:extLst>
+                      <a:ext uri="{FF2B5EF4-FFF2-40B4-BE49-F238E27FC236}">
+                        <a16:creationId xmlns:a16="http://schemas.microsoft.com/office/drawing/2014/main" id="{616BCC77-229C-45A8-9DD7-78AA0D9406DA}"/>
+                      </a:ext>
+                    </a:extLst>
+                  </p:cNvPr>
+                  <p:cNvSpPr/>
+                  <p:nvPr/>
+                </p:nvSpPr>
+                <p:spPr>
+                  <a:xfrm>
+                    <a:off x="9416742" y="600931"/>
+                    <a:ext cx="656356" cy="2936998"/>
+                  </a:xfrm>
+                  <a:prstGeom prst="roundRect">
+                    <a:avLst/>
+                  </a:prstGeom>
+                  <a:solidFill>
+                    <a:srgbClr val="BDFD97"/>
+                  </a:solidFill>
+                  <a:ln>
+                    <a:noFill/>
+                  </a:ln>
+                </p:spPr>
+                <p:style>
+                  <a:lnRef idx="2">
+                    <a:schemeClr val="accent1">
+                      <a:shade val="50000"/>
+                    </a:schemeClr>
+                  </a:lnRef>
+                  <a:fillRef idx="1">
+                    <a:schemeClr val="accent1"/>
+                  </a:fillRef>
+                  <a:effectRef idx="0">
+                    <a:schemeClr val="accent1"/>
+                  </a:effectRef>
+                  <a:fontRef idx="minor">
+                    <a:schemeClr val="lt1"/>
+                  </a:fontRef>
+                </p:style>
+                <p:txBody>
+                  <a:bodyPr rot="0" spcFirstLastPara="0" vertOverflow="overflow" horzOverflow="overflow" vert="horz" wrap="square" lIns="91440" tIns="45720" rIns="91440" bIns="45720" numCol="1" spcCol="0" rtlCol="0" fromWordArt="0" anchor="ctr" anchorCtr="0" forceAA="0" compatLnSpc="1">
+                    <a:prstTxWarp prst="textNoShape">
+                      <a:avLst/>
+                    </a:prstTxWarp>
+                    <a:noAutofit/>
+                  </a:bodyPr>
+                  <a:lstStyle/>
+                  <a:p>
+                    <a:pPr algn="ctr"/>
+                    <a:r>
+                      <a:rPr lang="zh-CN" altLang="en-US" sz="1400" dirty="0">
+                        <a:solidFill>
+                          <a:schemeClr val="tx1"/>
+                        </a:solidFill>
+                      </a:rPr>
+                      <a:t>日志记录</a:t>
+                    </a:r>
+                  </a:p>
+                </p:txBody>
+              </p:sp>
+            </p:grpSp>
+            <p:grpSp>
+              <p:nvGrpSpPr>
+                <p:cNvPr id="38" name="组合 37">
+                  <a:extLst>
+                    <a:ext uri="{FF2B5EF4-FFF2-40B4-BE49-F238E27FC236}">
+                      <a16:creationId xmlns:a16="http://schemas.microsoft.com/office/drawing/2014/main" id="{1181E1D1-9064-45B1-B209-83C2E22CB4BB}"/>
+                    </a:ext>
+                  </a:extLst>
+                </p:cNvPr>
+                <p:cNvGrpSpPr/>
+                <p:nvPr/>
+              </p:nvGrpSpPr>
+              <p:grpSpPr>
+                <a:xfrm>
+                  <a:off x="3324340" y="510139"/>
+                  <a:ext cx="5844532" cy="620844"/>
+                  <a:chOff x="3326450" y="540689"/>
+                  <a:chExt cx="5844532" cy="620844"/>
+                </a:xfrm>
+              </p:grpSpPr>
+              <p:sp>
+                <p:nvSpPr>
+                  <p:cNvPr id="40" name="圆角矩形 50">
+                    <a:extLst>
+                      <a:ext uri="{FF2B5EF4-FFF2-40B4-BE49-F238E27FC236}">
+                        <a16:creationId xmlns:a16="http://schemas.microsoft.com/office/drawing/2014/main" id="{E7BEC963-F818-46EC-9957-E1E9286507EF}"/>
+                      </a:ext>
+                    </a:extLst>
+                  </p:cNvPr>
+                  <p:cNvSpPr/>
+                  <p:nvPr/>
+                </p:nvSpPr>
+                <p:spPr>
+                  <a:xfrm>
+                    <a:off x="5266769" y="540689"/>
+                    <a:ext cx="3904213" cy="620844"/>
+                  </a:xfrm>
+                  <a:prstGeom prst="roundRect">
+                    <a:avLst/>
+                  </a:prstGeom>
+                  <a:solidFill>
+                    <a:srgbClr val="FCCA92"/>
+                  </a:solidFill>
+                  <a:ln>
+                    <a:noFill/>
+                  </a:ln>
+                </p:spPr>
+                <p:style>
+                  <a:lnRef idx="2">
+                    <a:schemeClr val="accent1">
+                      <a:shade val="50000"/>
+                    </a:schemeClr>
+                  </a:lnRef>
+                  <a:fillRef idx="1">
+                    <a:schemeClr val="accent1"/>
+                  </a:fillRef>
+                  <a:effectRef idx="0">
+                    <a:schemeClr val="accent1"/>
+                  </a:effectRef>
+                  <a:fontRef idx="minor">
+                    <a:schemeClr val="lt1"/>
+                  </a:fontRef>
+                </p:style>
+                <p:txBody>
+                  <a:bodyPr rot="0" spcFirstLastPara="0" vertOverflow="overflow" horzOverflow="overflow" vert="horz" wrap="square" lIns="91440" tIns="45720" rIns="91440" bIns="45720" numCol="1" spcCol="0" rtlCol="0" fromWordArt="0" anchor="ctr" anchorCtr="0" forceAA="0" compatLnSpc="1">
+                    <a:prstTxWarp prst="textNoShape">
+                      <a:avLst/>
+                    </a:prstTxWarp>
+                    <a:noAutofit/>
+                  </a:bodyPr>
+                  <a:lstStyle/>
+                  <a:p>
+                    <a:pPr algn="ctr"/>
+                    <a:endParaRPr lang="zh-CN" altLang="en-US" sz="1400"/>
+                  </a:p>
+                </p:txBody>
+              </p:sp>
+              <p:sp>
+                <p:nvSpPr>
+                  <p:cNvPr id="41" name="圆角矩形 47">
+                    <a:extLst>
+                      <a:ext uri="{FF2B5EF4-FFF2-40B4-BE49-F238E27FC236}">
+                        <a16:creationId xmlns:a16="http://schemas.microsoft.com/office/drawing/2014/main" id="{3D21B301-F5DC-4469-A660-77EF809E048B}"/>
+                      </a:ext>
+                    </a:extLst>
+                  </p:cNvPr>
+                  <p:cNvSpPr/>
+                  <p:nvPr/>
+                </p:nvSpPr>
+                <p:spPr>
+                  <a:xfrm>
+                    <a:off x="3326450" y="540689"/>
+                    <a:ext cx="1791984" cy="620844"/>
+                  </a:xfrm>
+                  <a:prstGeom prst="roundRect">
+                    <a:avLst/>
+                  </a:prstGeom>
+                  <a:solidFill>
+                    <a:srgbClr val="FCCA92"/>
+                  </a:solidFill>
+                  <a:ln>
+                    <a:noFill/>
+                  </a:ln>
+                </p:spPr>
+                <p:style>
+                  <a:lnRef idx="2">
+                    <a:schemeClr val="accent1">
+                      <a:shade val="50000"/>
+                    </a:schemeClr>
+                  </a:lnRef>
+                  <a:fillRef idx="1">
+                    <a:schemeClr val="accent1"/>
+                  </a:fillRef>
+                  <a:effectRef idx="0">
+                    <a:schemeClr val="accent1"/>
+                  </a:effectRef>
+                  <a:fontRef idx="minor">
+                    <a:schemeClr val="lt1"/>
+                  </a:fontRef>
+                </p:style>
+                <p:txBody>
+                  <a:bodyPr rot="0" spcFirstLastPara="0" vertOverflow="overflow" horzOverflow="overflow" vert="horz" wrap="square" lIns="91440" tIns="45720" rIns="91440" bIns="45720" numCol="1" spcCol="0" rtlCol="0" fromWordArt="0" anchor="ctr" anchorCtr="0" forceAA="0" compatLnSpc="1">
+                    <a:prstTxWarp prst="textNoShape">
+                      <a:avLst/>
+                    </a:prstTxWarp>
+                    <a:noAutofit/>
+                  </a:bodyPr>
+                  <a:lstStyle/>
+                  <a:p>
+                    <a:pPr algn="ctr"/>
+                    <a:endParaRPr lang="zh-CN" altLang="en-US" sz="1400"/>
+                  </a:p>
+                </p:txBody>
+              </p:sp>
+              <p:sp>
+                <p:nvSpPr>
+                  <p:cNvPr id="42" name="矩形 41">
+                    <a:extLst>
+                      <a:ext uri="{FF2B5EF4-FFF2-40B4-BE49-F238E27FC236}">
+                        <a16:creationId xmlns:a16="http://schemas.microsoft.com/office/drawing/2014/main" id="{97013653-42AE-4464-A28E-11755AB71B3C}"/>
+                      </a:ext>
+                    </a:extLst>
+                  </p:cNvPr>
+                  <p:cNvSpPr/>
+                  <p:nvPr/>
+                </p:nvSpPr>
+                <p:spPr>
+                  <a:xfrm>
+                    <a:off x="6546709" y="656187"/>
+                    <a:ext cx="1100381" cy="392669"/>
+                  </a:xfrm>
+                  <a:prstGeom prst="rect">
+                    <a:avLst/>
+                  </a:prstGeom>
+                  <a:ln w="25400"/>
+                </p:spPr>
+                <p:style>
+                  <a:lnRef idx="2">
+                    <a:schemeClr val="dk1"/>
+                  </a:lnRef>
+                  <a:fillRef idx="1">
+                    <a:schemeClr val="lt1"/>
+                  </a:fillRef>
+                  <a:effectRef idx="0">
+                    <a:schemeClr val="dk1"/>
+                  </a:effectRef>
+                  <a:fontRef idx="minor">
+                    <a:schemeClr val="dk1"/>
+                  </a:fontRef>
+                </p:style>
+                <p:txBody>
+                  <a:bodyPr rtlCol="0" anchor="ctr"/>
+                  <a:lstStyle/>
+                  <a:p>
+                    <a:pPr algn="ctr"/>
+                    <a:r>
+                      <a:rPr lang="en-US" altLang="zh-CN" sz="1400" dirty="0"/>
+                      <a:t>POST</a:t>
+                    </a:r>
+                    <a:r>
+                      <a:rPr lang="zh-CN" altLang="en-US" sz="1400" dirty="0"/>
+                      <a:t>请求</a:t>
+                    </a:r>
+                  </a:p>
+                </p:txBody>
+              </p:sp>
+              <p:sp>
+                <p:nvSpPr>
+                  <p:cNvPr id="43" name="矩形 42">
+                    <a:extLst>
+                      <a:ext uri="{FF2B5EF4-FFF2-40B4-BE49-F238E27FC236}">
+                        <a16:creationId xmlns:a16="http://schemas.microsoft.com/office/drawing/2014/main" id="{3E325736-D2F4-49BC-A5F6-E77B4337B24D}"/>
+                      </a:ext>
+                    </a:extLst>
+                  </p:cNvPr>
+                  <p:cNvSpPr/>
+                  <p:nvPr/>
+                </p:nvSpPr>
+                <p:spPr>
+                  <a:xfrm>
+                    <a:off x="7798230" y="656058"/>
+                    <a:ext cx="1100381" cy="392669"/>
+                  </a:xfrm>
+                  <a:prstGeom prst="rect">
+                    <a:avLst/>
+                  </a:prstGeom>
+                  <a:ln w="25400"/>
+                </p:spPr>
+                <p:style>
+                  <a:lnRef idx="2">
+                    <a:schemeClr val="dk1"/>
+                  </a:lnRef>
+                  <a:fillRef idx="1">
+                    <a:schemeClr val="lt1"/>
+                  </a:fillRef>
+                  <a:effectRef idx="0">
+                    <a:schemeClr val="dk1"/>
+                  </a:effectRef>
+                  <a:fontRef idx="minor">
+                    <a:schemeClr val="dk1"/>
+                  </a:fontRef>
+                </p:style>
+                <p:txBody>
+                  <a:bodyPr rtlCol="0" anchor="ctr"/>
+                  <a:lstStyle/>
+                  <a:p>
+                    <a:pPr algn="ctr"/>
+                    <a:r>
+                      <a:rPr lang="en-US" altLang="zh-CN" sz="1400" dirty="0"/>
+                      <a:t>Get</a:t>
+                    </a:r>
+                    <a:r>
+                      <a:rPr lang="zh-CN" altLang="en-US" sz="1400" dirty="0"/>
+                      <a:t>请求</a:t>
+                    </a:r>
+                    <a:endParaRPr lang="en-US" altLang="zh-CN" sz="1400" dirty="0"/>
+                  </a:p>
+                </p:txBody>
+              </p:sp>
+              <p:sp>
+                <p:nvSpPr>
+                  <p:cNvPr id="44" name="文本框 43">
+                    <a:extLst>
+                      <a:ext uri="{FF2B5EF4-FFF2-40B4-BE49-F238E27FC236}">
+                        <a16:creationId xmlns:a16="http://schemas.microsoft.com/office/drawing/2014/main" id="{5C6D2A61-21FE-4EEC-BCDF-588A1FDC1A6D}"/>
+                      </a:ext>
+                    </a:extLst>
+                  </p:cNvPr>
+                  <p:cNvSpPr txBox="1"/>
+                  <p:nvPr/>
+                </p:nvSpPr>
+                <p:spPr>
+                  <a:xfrm>
+                    <a:off x="5390133" y="681834"/>
+                    <a:ext cx="1034138" cy="353118"/>
+                  </a:xfrm>
+                  <a:prstGeom prst="rect">
+                    <a:avLst/>
+                  </a:prstGeom>
+                  <a:noFill/>
+                </p:spPr>
+                <p:txBody>
+                  <a:bodyPr wrap="square" rtlCol="0">
+                    <a:spAutoFit/>
+                  </a:bodyPr>
+                  <a:lstStyle/>
+                  <a:p>
+                    <a:r>
+                      <a:rPr lang="en-US" altLang="zh-CN" sz="1400" dirty="0"/>
+                      <a:t>Ajax</a:t>
+                    </a:r>
+                    <a:r>
+                      <a:rPr lang="zh-CN" altLang="en-US" sz="1400" dirty="0"/>
+                      <a:t>交互</a:t>
+                    </a:r>
+                  </a:p>
+                </p:txBody>
+              </p:sp>
+              <p:sp>
+                <p:nvSpPr>
+                  <p:cNvPr id="45" name="文本框 44">
+                    <a:extLst>
+                      <a:ext uri="{FF2B5EF4-FFF2-40B4-BE49-F238E27FC236}">
+                        <a16:creationId xmlns:a16="http://schemas.microsoft.com/office/drawing/2014/main" id="{E563806C-CBF8-4E80-9392-3213111EECD6}"/>
+                      </a:ext>
+                    </a:extLst>
+                  </p:cNvPr>
+                  <p:cNvSpPr txBox="1"/>
+                  <p:nvPr/>
+                </p:nvSpPr>
+                <p:spPr>
+                  <a:xfrm>
+                    <a:off x="3555362" y="681834"/>
+                    <a:ext cx="1439036" cy="359511"/>
+                  </a:xfrm>
+                  <a:prstGeom prst="rect">
+                    <a:avLst/>
+                  </a:prstGeom>
+                  <a:noFill/>
+                </p:spPr>
+                <p:txBody>
+                  <a:bodyPr wrap="square" rtlCol="0">
+                    <a:spAutoFit/>
+                  </a:bodyPr>
+                  <a:lstStyle/>
+                  <a:p>
+                    <a:r>
+                      <a:rPr lang="zh-CN" altLang="en-US" sz="1400" dirty="0"/>
+                      <a:t>模板引擎渲染</a:t>
+                    </a:r>
+                  </a:p>
+                </p:txBody>
+              </p:sp>
+            </p:grpSp>
+            <p:sp>
+              <p:nvSpPr>
+                <p:cNvPr id="39" name="圆角矩形 55">
+                  <a:extLst>
+                    <a:ext uri="{FF2B5EF4-FFF2-40B4-BE49-F238E27FC236}">
+                      <a16:creationId xmlns:a16="http://schemas.microsoft.com/office/drawing/2014/main" id="{B1F9463F-BCAD-4632-B9F6-805A1A60BB5C}"/>
+                    </a:ext>
+                  </a:extLst>
+                </p:cNvPr>
+                <p:cNvSpPr/>
+                <p:nvPr/>
+              </p:nvSpPr>
+              <p:spPr>
+                <a:xfrm>
+                  <a:off x="9403882" y="510139"/>
+                  <a:ext cx="587139" cy="3513927"/>
+                </a:xfrm>
+                <a:prstGeom prst="roundRect">
+                  <a:avLst/>
+                </a:prstGeom>
+                <a:solidFill>
+                  <a:srgbClr val="FB958F"/>
+                </a:solidFill>
+                <a:ln>
+                  <a:noFill/>
+                </a:ln>
+              </p:spPr>
+              <p:style>
+                <a:lnRef idx="2">
+                  <a:schemeClr val="accent1">
+                    <a:shade val="50000"/>
+                  </a:schemeClr>
+                </a:lnRef>
+                <a:fillRef idx="1">
+                  <a:schemeClr val="accent1"/>
+                </a:fillRef>
+                <a:effectRef idx="0">
+                  <a:schemeClr val="accent1"/>
+                </a:effectRef>
+                <a:fontRef idx="minor">
+                  <a:schemeClr val="lt1"/>
+                </a:fontRef>
+              </p:style>
+              <p:txBody>
+                <a:bodyPr rot="0" spcFirstLastPara="0" vertOverflow="overflow" horzOverflow="overflow" vert="horz" wrap="square" lIns="91440" tIns="45720" rIns="91440" bIns="45720" numCol="1" spcCol="0" rtlCol="0" fromWordArt="0" anchor="ctr" anchorCtr="0" forceAA="0" compatLnSpc="1">
+                  <a:prstTxWarp prst="textNoShape">
+                    <a:avLst/>
+                  </a:prstTxWarp>
+                  <a:noAutofit/>
+                </a:bodyPr>
+                <a:lstStyle/>
+                <a:p>
+                  <a:pPr algn="ctr"/>
+                  <a:r>
+                    <a:rPr lang="zh-CN" altLang="en-US" sz="1400" dirty="0">
+                      <a:solidFill>
+                        <a:schemeClr val="tx1"/>
+                      </a:solidFill>
+                    </a:rPr>
+                    <a:t>权限控制</a:t>
+                  </a:r>
+                </a:p>
+              </p:txBody>
+            </p:sp>
+          </p:grpSp>
+          <p:sp>
+            <p:nvSpPr>
+              <p:cNvPr id="36" name="文本框 35">
+                <a:extLst>
+                  <a:ext uri="{FF2B5EF4-FFF2-40B4-BE49-F238E27FC236}">
+                    <a16:creationId xmlns:a16="http://schemas.microsoft.com/office/drawing/2014/main" id="{D1550D74-3B25-4E51-AF81-C3F6B526AB30}"/>
+                  </a:ext>
+                </a:extLst>
+              </p:cNvPr>
+              <p:cNvSpPr txBox="1"/>
+              <p:nvPr/>
+            </p:nvSpPr>
+            <p:spPr>
+              <a:xfrm>
+                <a:off x="1986522" y="1479429"/>
+                <a:ext cx="915162" cy="353118"/>
+              </a:xfrm>
+              <a:prstGeom prst="rect">
+                <a:avLst/>
+              </a:prstGeom>
+              <a:noFill/>
+            </p:spPr>
+            <p:txBody>
+              <a:bodyPr wrap="square" rtlCol="0">
+                <a:spAutoFit/>
+              </a:bodyPr>
+              <a:lstStyle/>
+              <a:p>
+                <a:r>
+                  <a:rPr lang="zh-CN" altLang="en-US" sz="1400" b="1" dirty="0"/>
+                  <a:t>展示层</a:t>
+                </a:r>
+              </a:p>
+            </p:txBody>
+          </p:sp>
+        </p:grpSp>
+        <p:sp>
+          <p:nvSpPr>
+            <p:cNvPr id="26" name="圆角矩形 59">
+              <a:extLst>
+                <a:ext uri="{FF2B5EF4-FFF2-40B4-BE49-F238E27FC236}">
+                  <a16:creationId xmlns:a16="http://schemas.microsoft.com/office/drawing/2014/main" id="{DC477593-51D0-456E-9C95-4C5FA0D1A4AA}"/>
+                </a:ext>
+              </a:extLst>
+            </p:cNvPr>
+            <p:cNvSpPr/>
+            <p:nvPr/>
+          </p:nvSpPr>
+          <p:spPr>
+            <a:xfrm>
+              <a:off x="3325394" y="385429"/>
+              <a:ext cx="6666681" cy="664854"/>
+            </a:xfrm>
+            <a:prstGeom prst="roundRect">
+              <a:avLst/>
+            </a:prstGeom>
+            <a:solidFill>
+              <a:srgbClr val="74FDD1"/>
+            </a:solidFill>
+            <a:ln>
+              <a:noFill/>
+            </a:ln>
+          </p:spPr>
+          <p:style>
+            <a:lnRef idx="2">
+              <a:schemeClr val="accent1">
+                <a:shade val="50000"/>
+              </a:schemeClr>
+            </a:lnRef>
+            <a:fillRef idx="1">
+              <a:schemeClr val="accent1"/>
+            </a:fillRef>
+            <a:effectRef idx="0">
+              <a:schemeClr val="accent1"/>
+            </a:effectRef>
+            <a:fontRef idx="minor">
+              <a:schemeClr val="lt1"/>
+            </a:fontRef>
+          </p:style>
+          <p:txBody>
+            <a:bodyPr rot="0" spcFirstLastPara="0" vertOverflow="overflow" horzOverflow="overflow" vert="horz" wrap="square" lIns="91440" tIns="45720" rIns="91440" bIns="45720" numCol="1" spcCol="0" rtlCol="0" fromWordArt="0" anchor="ctr" anchorCtr="0" forceAA="0" compatLnSpc="1">
+              <a:prstTxWarp prst="textNoShape">
+                <a:avLst/>
+              </a:prstTxWarp>
+              <a:noAutofit/>
+            </a:bodyPr>
+            <a:lstStyle/>
+            <a:p>
+              <a:pPr algn="ctr"/>
+              <a:endParaRPr lang="zh-CN" altLang="en-US" sz="1400"/>
+            </a:p>
+          </p:txBody>
+        </p:sp>
+        <p:sp>
+          <p:nvSpPr>
+            <p:cNvPr id="27" name="矩形 26">
+              <a:extLst>
+                <a:ext uri="{FF2B5EF4-FFF2-40B4-BE49-F238E27FC236}">
+                  <a16:creationId xmlns:a16="http://schemas.microsoft.com/office/drawing/2014/main" id="{42312D54-5D4F-45D8-B40E-E5BEB29D16E1}"/>
+                </a:ext>
+              </a:extLst>
+            </p:cNvPr>
+            <p:cNvSpPr/>
+            <p:nvPr/>
+          </p:nvSpPr>
+          <p:spPr>
+            <a:xfrm>
+              <a:off x="3536751" y="528656"/>
+              <a:ext cx="1411530" cy="392669"/>
+            </a:xfrm>
+            <a:prstGeom prst="rect">
+              <a:avLst/>
+            </a:prstGeom>
+            <a:ln w="25400"/>
+          </p:spPr>
+          <p:style>
+            <a:lnRef idx="2">
+              <a:schemeClr val="dk1"/>
+            </a:lnRef>
+            <a:fillRef idx="1">
+              <a:schemeClr val="lt1"/>
+            </a:fillRef>
+            <a:effectRef idx="0">
+              <a:schemeClr val="dk1"/>
+            </a:effectRef>
+            <a:fontRef idx="minor">
+              <a:schemeClr val="dk1"/>
+            </a:fontRef>
+          </p:style>
+          <p:txBody>
+            <a:bodyPr rtlCol="0" anchor="ctr"/>
+            <a:lstStyle/>
+            <a:p>
+              <a:pPr algn="ctr"/>
+              <a:r>
+                <a:rPr lang="en-US" altLang="zh-CN" sz="1400" dirty="0"/>
+                <a:t>HTML5 + CSS</a:t>
+              </a:r>
+              <a:endParaRPr lang="zh-CN" altLang="en-US" sz="1400" dirty="0"/>
+            </a:p>
+          </p:txBody>
+        </p:sp>
+        <p:sp>
+          <p:nvSpPr>
+            <p:cNvPr id="28" name="矩形 27">
+              <a:extLst>
+                <a:ext uri="{FF2B5EF4-FFF2-40B4-BE49-F238E27FC236}">
+                  <a16:creationId xmlns:a16="http://schemas.microsoft.com/office/drawing/2014/main" id="{3EBAD102-9C5A-496B-95E0-E27E67F511B0}"/>
+                </a:ext>
+              </a:extLst>
+            </p:cNvPr>
+            <p:cNvSpPr/>
+            <p:nvPr/>
+          </p:nvSpPr>
+          <p:spPr>
+            <a:xfrm>
+              <a:off x="5094506" y="528656"/>
+              <a:ext cx="1411530" cy="392669"/>
+            </a:xfrm>
+            <a:prstGeom prst="rect">
+              <a:avLst/>
+            </a:prstGeom>
+            <a:ln w="25400"/>
+          </p:spPr>
+          <p:style>
+            <a:lnRef idx="2">
+              <a:schemeClr val="dk1"/>
+            </a:lnRef>
+            <a:fillRef idx="1">
+              <a:schemeClr val="lt1"/>
+            </a:fillRef>
+            <a:effectRef idx="0">
+              <a:schemeClr val="dk1"/>
+            </a:effectRef>
+            <a:fontRef idx="minor">
+              <a:schemeClr val="dk1"/>
+            </a:fontRef>
+          </p:style>
+          <p:txBody>
+            <a:bodyPr rtlCol="0" anchor="ctr"/>
+            <a:lstStyle/>
+            <a:p>
+              <a:pPr algn="ctr"/>
+              <a:r>
+                <a:rPr lang="en-US" altLang="zh-CN" sz="1400" dirty="0" err="1"/>
+                <a:t>Bootstrarp</a:t>
+              </a:r>
+              <a:endParaRPr lang="zh-CN" altLang="en-US" sz="1400" dirty="0"/>
+            </a:p>
+          </p:txBody>
+        </p:sp>
+        <p:sp>
+          <p:nvSpPr>
+            <p:cNvPr id="29" name="矩形 28">
+              <a:extLst>
+                <a:ext uri="{FF2B5EF4-FFF2-40B4-BE49-F238E27FC236}">
+                  <a16:creationId xmlns:a16="http://schemas.microsoft.com/office/drawing/2014/main" id="{EB80ADD3-F763-43FF-9187-6FD4F88D8582}"/>
+                </a:ext>
+              </a:extLst>
+            </p:cNvPr>
+            <p:cNvSpPr/>
+            <p:nvPr/>
+          </p:nvSpPr>
+          <p:spPr>
+            <a:xfrm>
+              <a:off x="6652260" y="528656"/>
+              <a:ext cx="1411530" cy="392670"/>
+            </a:xfrm>
+            <a:prstGeom prst="rect">
+              <a:avLst/>
+            </a:prstGeom>
+            <a:ln w="25400"/>
+          </p:spPr>
+          <p:style>
+            <a:lnRef idx="2">
+              <a:schemeClr val="dk1"/>
+            </a:lnRef>
+            <a:fillRef idx="1">
+              <a:schemeClr val="lt1"/>
+            </a:fillRef>
+            <a:effectRef idx="0">
+              <a:schemeClr val="dk1"/>
+            </a:effectRef>
+            <a:fontRef idx="minor">
+              <a:schemeClr val="dk1"/>
+            </a:fontRef>
+          </p:style>
+          <p:txBody>
+            <a:bodyPr rtlCol="0" anchor="ctr"/>
+            <a:lstStyle/>
+            <a:p>
+              <a:pPr algn="ctr"/>
+              <a:r>
+                <a:rPr lang="en-US" altLang="zh-CN" sz="1400" dirty="0"/>
+                <a:t>jQuery</a:t>
+              </a:r>
+              <a:endParaRPr lang="zh-CN" altLang="en-US" sz="1400" dirty="0"/>
+            </a:p>
+          </p:txBody>
+        </p:sp>
+        <p:sp>
+          <p:nvSpPr>
+            <p:cNvPr id="30" name="矩形 29">
+              <a:extLst>
+                <a:ext uri="{FF2B5EF4-FFF2-40B4-BE49-F238E27FC236}">
+                  <a16:creationId xmlns:a16="http://schemas.microsoft.com/office/drawing/2014/main" id="{044DC811-8EAB-4BE2-850B-678F11C8EFD9}"/>
+                </a:ext>
+              </a:extLst>
+            </p:cNvPr>
+            <p:cNvSpPr/>
+            <p:nvPr/>
+          </p:nvSpPr>
+          <p:spPr>
+            <a:xfrm>
+              <a:off x="8210015" y="517681"/>
+              <a:ext cx="1434864" cy="392670"/>
+            </a:xfrm>
+            <a:prstGeom prst="rect">
+              <a:avLst/>
+            </a:prstGeom>
+            <a:ln w="25400"/>
+          </p:spPr>
+          <p:style>
+            <a:lnRef idx="2">
+              <a:schemeClr val="dk1"/>
+            </a:lnRef>
+            <a:fillRef idx="1">
+              <a:schemeClr val="lt1"/>
+            </a:fillRef>
+            <a:effectRef idx="0">
+              <a:schemeClr val="dk1"/>
+            </a:effectRef>
+            <a:fontRef idx="minor">
+              <a:schemeClr val="dk1"/>
+            </a:fontRef>
+          </p:style>
+          <p:txBody>
+            <a:bodyPr rtlCol="0" anchor="ctr"/>
+            <a:lstStyle/>
+            <a:p>
+              <a:pPr algn="ctr"/>
+              <a:r>
+                <a:rPr lang="en-US" altLang="zh-CN" sz="1400" dirty="0" err="1"/>
+                <a:t>Echarts</a:t>
+              </a:r>
+              <a:r>
+                <a:rPr lang="zh-CN" altLang="en-US" sz="1400" dirty="0"/>
+                <a:t>可视化</a:t>
+              </a:r>
+            </a:p>
+          </p:txBody>
+        </p:sp>
+        <p:sp>
+          <p:nvSpPr>
+            <p:cNvPr id="31" name="文本框 30">
+              <a:extLst>
+                <a:ext uri="{FF2B5EF4-FFF2-40B4-BE49-F238E27FC236}">
+                  <a16:creationId xmlns:a16="http://schemas.microsoft.com/office/drawing/2014/main" id="{A5DF94F5-AF14-4610-9E54-E12B8E207498}"/>
+                </a:ext>
+              </a:extLst>
+            </p:cNvPr>
+            <p:cNvSpPr txBox="1"/>
+            <p:nvPr/>
+          </p:nvSpPr>
+          <p:spPr>
+            <a:xfrm>
+              <a:off x="1968924" y="544740"/>
+              <a:ext cx="915161" cy="353118"/>
+            </a:xfrm>
+            <a:prstGeom prst="rect">
+              <a:avLst/>
+            </a:prstGeom>
+            <a:noFill/>
+          </p:spPr>
+          <p:txBody>
+            <a:bodyPr wrap="square" rtlCol="0">
+              <a:spAutoFit/>
+            </a:bodyPr>
+            <a:lstStyle/>
+            <a:p>
+              <a:r>
+                <a:rPr lang="zh-CN" altLang="en-US" sz="1400" b="1" dirty="0"/>
+                <a:t>前端</a:t>
+              </a:r>
+              <a:r>
+                <a:rPr lang="en-US" altLang="zh-CN" sz="1400" b="1" dirty="0"/>
+                <a:t>UI</a:t>
+              </a:r>
+              <a:endParaRPr lang="zh-CN" altLang="en-US" sz="1400" b="1" dirty="0"/>
+            </a:p>
+          </p:txBody>
+        </p:sp>
+        <p:sp>
+          <p:nvSpPr>
+            <p:cNvPr id="32" name="下箭头 71">
+              <a:extLst>
+                <a:ext uri="{FF2B5EF4-FFF2-40B4-BE49-F238E27FC236}">
+                  <a16:creationId xmlns:a16="http://schemas.microsoft.com/office/drawing/2014/main" id="{479614A1-D6DF-4C4F-BA03-8B7658480409}"/>
+                </a:ext>
+              </a:extLst>
+            </p:cNvPr>
+            <p:cNvSpPr/>
+            <p:nvPr/>
+          </p:nvSpPr>
+          <p:spPr>
+            <a:xfrm>
+              <a:off x="7246539" y="1056625"/>
+              <a:ext cx="620489" cy="295212"/>
+            </a:xfrm>
+            <a:prstGeom prst="downArrow">
+              <a:avLst/>
+            </a:prstGeom>
+            <a:solidFill>
+              <a:srgbClr val="74FDD1"/>
+            </a:solidFill>
+            <a:ln>
+              <a:noFill/>
+            </a:ln>
+          </p:spPr>
+          <p:style>
+            <a:lnRef idx="2">
+              <a:schemeClr val="accent1">
+                <a:shade val="50000"/>
+              </a:schemeClr>
+            </a:lnRef>
+            <a:fillRef idx="1">
+              <a:schemeClr val="accent1"/>
+            </a:fillRef>
+            <a:effectRef idx="0">
+              <a:schemeClr val="accent1"/>
+            </a:effectRef>
+            <a:fontRef idx="minor">
+              <a:schemeClr val="lt1"/>
+            </a:fontRef>
+          </p:style>
+          <p:txBody>
+            <a:bodyPr rot="0" spcFirstLastPara="0" vertOverflow="overflow" horzOverflow="overflow" vert="horz" wrap="square" lIns="91440" tIns="45720" rIns="91440" bIns="45720" numCol="1" spcCol="0" rtlCol="0" fromWordArt="0" anchor="ctr" anchorCtr="0" forceAA="0" compatLnSpc="1">
+              <a:prstTxWarp prst="textNoShape">
+                <a:avLst/>
+              </a:prstTxWarp>
+              <a:noAutofit/>
+            </a:bodyPr>
+            <a:lstStyle/>
+            <a:p>
+              <a:pPr algn="ctr"/>
+              <a:endParaRPr lang="zh-CN" altLang="en-US" sz="1400"/>
+            </a:p>
+          </p:txBody>
+        </p:sp>
+        <p:sp>
+          <p:nvSpPr>
+            <p:cNvPr id="33" name="下箭头 72">
+              <a:extLst>
+                <a:ext uri="{FF2B5EF4-FFF2-40B4-BE49-F238E27FC236}">
+                  <a16:creationId xmlns:a16="http://schemas.microsoft.com/office/drawing/2014/main" id="{8416F08F-AE20-45EF-952A-3353C70E7878}"/>
+                </a:ext>
+              </a:extLst>
+            </p:cNvPr>
+            <p:cNvSpPr/>
+            <p:nvPr/>
+          </p:nvSpPr>
+          <p:spPr>
+            <a:xfrm>
+              <a:off x="3932271" y="1972980"/>
+              <a:ext cx="620489" cy="295212"/>
+            </a:xfrm>
+            <a:prstGeom prst="downArrow">
+              <a:avLst/>
+            </a:prstGeom>
+            <a:solidFill>
+              <a:srgbClr val="FCCA92"/>
+            </a:solidFill>
+            <a:ln>
+              <a:noFill/>
+            </a:ln>
+          </p:spPr>
+          <p:style>
+            <a:lnRef idx="2">
+              <a:schemeClr val="accent1">
+                <a:shade val="50000"/>
+              </a:schemeClr>
+            </a:lnRef>
+            <a:fillRef idx="1">
+              <a:schemeClr val="accent1"/>
+            </a:fillRef>
+            <a:effectRef idx="0">
+              <a:schemeClr val="accent1"/>
+            </a:effectRef>
+            <a:fontRef idx="minor">
+              <a:schemeClr val="lt1"/>
+            </a:fontRef>
+          </p:style>
+          <p:txBody>
+            <a:bodyPr rot="0" spcFirstLastPara="0" vertOverflow="overflow" horzOverflow="overflow" vert="horz" wrap="square" lIns="91440" tIns="45720" rIns="91440" bIns="45720" numCol="1" spcCol="0" rtlCol="0" fromWordArt="0" anchor="ctr" anchorCtr="0" forceAA="0" compatLnSpc="1">
+              <a:prstTxWarp prst="textNoShape">
+                <a:avLst/>
+              </a:prstTxWarp>
+              <a:noAutofit/>
+            </a:bodyPr>
+            <a:lstStyle/>
+            <a:p>
+              <a:pPr algn="ctr"/>
+              <a:endParaRPr lang="zh-CN" altLang="en-US" sz="1400"/>
+            </a:p>
+          </p:txBody>
+        </p:sp>
+        <p:sp>
+          <p:nvSpPr>
+            <p:cNvPr id="34" name="下箭头 73">
+              <a:extLst>
+                <a:ext uri="{FF2B5EF4-FFF2-40B4-BE49-F238E27FC236}">
+                  <a16:creationId xmlns:a16="http://schemas.microsoft.com/office/drawing/2014/main" id="{62773214-9AEC-4CCB-907F-F27D6F79414F}"/>
+                </a:ext>
+              </a:extLst>
+            </p:cNvPr>
+            <p:cNvSpPr/>
+            <p:nvPr/>
+          </p:nvSpPr>
+          <p:spPr>
+            <a:xfrm>
+              <a:off x="6903980" y="1977321"/>
+              <a:ext cx="620489" cy="295212"/>
+            </a:xfrm>
+            <a:prstGeom prst="downArrow">
+              <a:avLst/>
+            </a:prstGeom>
+            <a:solidFill>
+              <a:srgbClr val="FCCA92"/>
+            </a:solidFill>
+            <a:ln>
+              <a:noFill/>
+            </a:ln>
+          </p:spPr>
+          <p:style>
+            <a:lnRef idx="2">
+              <a:schemeClr val="accent1">
+                <a:shade val="50000"/>
+              </a:schemeClr>
+            </a:lnRef>
+            <a:fillRef idx="1">
+              <a:schemeClr val="accent1"/>
+            </a:fillRef>
+            <a:effectRef idx="0">
+              <a:schemeClr val="accent1"/>
+            </a:effectRef>
+            <a:fontRef idx="minor">
+              <a:schemeClr val="lt1"/>
+            </a:fontRef>
+          </p:style>
+          <p:txBody>
+            <a:bodyPr rot="0" spcFirstLastPara="0" vertOverflow="overflow" horzOverflow="overflow" vert="horz" wrap="square" lIns="91440" tIns="45720" rIns="91440" bIns="45720" numCol="1" spcCol="0" rtlCol="0" fromWordArt="0" anchor="ctr" anchorCtr="0" forceAA="0" compatLnSpc="1">
+              <a:prstTxWarp prst="textNoShape">
+                <a:avLst/>
+              </a:prstTxWarp>
+              <a:noAutofit/>
+            </a:bodyPr>
+            <a:lstStyle/>
+            <a:p>
+              <a:pPr algn="ctr"/>
+              <a:endParaRPr lang="zh-CN" altLang="en-US" sz="1400"/>
+            </a:p>
+          </p:txBody>
+        </p:sp>
+      </p:grpSp>
+    </p:spTree>
+    <p:extLst>
+      <p:ext uri="{BB962C8B-B14F-4D97-AF65-F5344CB8AC3E}">
+        <p14:creationId xmlns:p14="http://schemas.microsoft.com/office/powerpoint/2010/main" val="563889445"/>
+      </p:ext>
+    </p:extLst>
+  </p:cSld>
+  <p:clrMapOvr>
+    <a:masterClrMapping/>
+  </p:clrMapOvr>
+  <p:transition spd="slow">
+    <p:push dir="u"/>
+  </p:transition>
+  <p:timing>
+    <p:tnLst>
+      <p:par>
+        <p:cTn id="1" dur="indefinite" restart="never" nodeType="tmRoot">
+          <p:childTnLst>
+            <p:seq concurrent="1" nextAc="seek">
+              <p:cTn id="2" dur="indefinite" nodeType="mainSeq">
+                <p:childTnLst>
+                  <p:par>
+                    <p:cTn id="3" fill="hold">
+                      <p:stCondLst>
+                        <p:cond delay="indefinite"/>
+                        <p:cond evt="onBegin" delay="0">
+                          <p:tn val="2"/>
+                        </p:cond>
+                      </p:stCondLst>
+                      <p:childTnLst>
+                        <p:par>
+                          <p:cTn id="4" fill="hold">
+                            <p:stCondLst>
+                              <p:cond delay="0"/>
+                            </p:stCondLst>
+                            <p:childTnLst>
+                              <p:par>
+                                <p:cTn id="5" presetID="2" presetClass="entr" presetSubtype="8" fill="hold" nodeType="afterEffect">
+                                  <p:stCondLst>
+                                    <p:cond delay="0"/>
+                                  </p:stCondLst>
+                                  <p:childTnLst>
+                                    <p:set>
+                                      <p:cBhvr>
+                                        <p:cTn id="6" dur="1" fill="hold">
+                                          <p:stCondLst>
+                                            <p:cond delay="0"/>
+                                          </p:stCondLst>
+                                        </p:cTn>
+                                        <p:tgtEl>
+                                          <p:spTgt spid="66"/>
+                                        </p:tgtEl>
+                                        <p:attrNameLst>
+                                          <p:attrName>style.visibility</p:attrName>
+                                        </p:attrNameLst>
+                                      </p:cBhvr>
+                                      <p:to>
+                                        <p:strVal val="visible"/>
+                                      </p:to>
+                                    </p:set>
+                                    <p:anim calcmode="lin" valueType="num">
+                                      <p:cBhvr additive="base">
+                                        <p:cTn id="7" dur="500" fill="hold"/>
+                                        <p:tgtEl>
+                                          <p:spTgt spid="66"/>
+                                        </p:tgtEl>
+                                        <p:attrNameLst>
+                                          <p:attrName>ppt_x</p:attrName>
+                                        </p:attrNameLst>
+                                      </p:cBhvr>
+                                      <p:tavLst>
+                                        <p:tav tm="0">
+                                          <p:val>
+                                            <p:strVal val="0-#ppt_w/2"/>
+                                          </p:val>
+                                        </p:tav>
+                                        <p:tav tm="100000">
+                                          <p:val>
+                                            <p:strVal val="#ppt_x"/>
+                                          </p:val>
+                                        </p:tav>
+                                      </p:tavLst>
+                                    </p:anim>
+                                    <p:anim calcmode="lin" valueType="num">
+                                      <p:cBhvr additive="base">
+                                        <p:cTn id="8" dur="500" fill="hold"/>
+                                        <p:tgtEl>
+                                          <p:spTgt spid="66"/>
+                                        </p:tgtEl>
+                                        <p:attrNameLst>
+                                          <p:attrName>ppt_y</p:attrName>
+                                        </p:attrNameLst>
+                                      </p:cBhvr>
+                                      <p:tavLst>
+                                        <p:tav tm="0">
+                                          <p:val>
+                                            <p:strVal val="#ppt_y"/>
+                                          </p:val>
+                                        </p:tav>
+                                        <p:tav tm="100000">
+                                          <p:val>
+                                            <p:strVal val="#ppt_y"/>
+                                          </p:val>
+                                        </p:tav>
+                                      </p:tavLst>
+                                    </p:anim>
+                                  </p:childTnLst>
+                                </p:cTn>
+                              </p:par>
+                            </p:childTnLst>
+                          </p:cTn>
+                        </p:par>
+                      </p:childTnLst>
+                    </p:cTn>
+                  </p:par>
+                </p:childTnLst>
+              </p:cTn>
+              <p:prevCondLst>
+                <p:cond evt="onPrev" delay="0">
+                  <p:tgtEl>
+                    <p:sldTgt/>
+                  </p:tgtEl>
+                </p:cond>
+              </p:prevCondLst>
+              <p:nextCondLst>
+                <p:cond evt="onNext" delay="0">
+                  <p:tgtEl>
+                    <p:sldTgt/>
+                  </p:tgtEl>
+                </p:cond>
+              </p:nextCondLst>
+            </p:seq>
+          </p:childTnLst>
+        </p:cTn>
+      </p:par>
+    </p:tnLst>
+  </p:timing>
+</p:sld>
+</file>
+
 <file path=ppt/slides/slide24.xml><?xml version="1.0" encoding="utf-8"?>
 <p:sld xmlns:a="http://schemas.openxmlformats.org/drawingml/2006/main" xmlns:r="http://schemas.openxmlformats.org/officeDocument/2006/relationships" xmlns:p="http://schemas.openxmlformats.org/presentationml/2006/main">
   <p:cSld>
@@ -26404,7 +29136,7 @@
                   <a:srgbClr val="55C0AF"/>
                 </a:solidFill>
               </a:rPr>
-              <a:t>概述</a:t>
+              <a:t>创新点</a:t>
             </a:r>
           </a:p>
         </p:txBody>
@@ -26837,7 +29569,7 @@
                 <a:latin typeface="微软雅黑" panose="020B0503020204020204" pitchFamily="34" charset="-122"/>
                 <a:ea typeface="微软雅黑" panose="020B0503020204020204" pitchFamily="34" charset="-122"/>
               </a:rPr>
-              <a:t>前端</a:t>
+              <a:t>可视化</a:t>
             </a:r>
             <a:endParaRPr lang="en-US" altLang="zh-CN" sz="2800" dirty="0">
               <a:solidFill>
@@ -26989,7 +29721,7 @@
                 <a:latin typeface="微软雅黑" panose="020B0503020204020204" pitchFamily="34" charset="-122"/>
                 <a:ea typeface="微软雅黑" panose="020B0503020204020204" pitchFamily="34" charset="-122"/>
               </a:rPr>
-              <a:t>数据库</a:t>
+              <a:t>热点预警</a:t>
             </a:r>
             <a:endParaRPr lang="en-US" altLang="zh-CN" sz="2800" dirty="0">
               <a:solidFill>
@@ -27223,7 +29955,7 @@
         </p:nvSpPr>
         <p:spPr>
           <a:xfrm>
-            <a:off x="941500" y="2747564"/>
+            <a:off x="252645" y="1794251"/>
             <a:ext cx="392048" cy="392048"/>
           </a:xfrm>
           <a:prstGeom prst="ellipse">
@@ -27289,8 +30021,8 @@
         </p:nvSpPr>
         <p:spPr>
           <a:xfrm>
-            <a:off x="1486042" y="2666589"/>
-            <a:ext cx="3031624" cy="954107"/>
+            <a:off x="831986" y="1673820"/>
+            <a:ext cx="3547566" cy="2554545"/>
           </a:xfrm>
           <a:prstGeom prst="rect">
             <a:avLst/>
@@ -27304,22 +30036,24 @@
           <a:lstStyle/>
           <a:p>
             <a:r>
-              <a:rPr lang="zh-CN" altLang="en-US" sz="1400" dirty="0">
+              <a:rPr lang="zh-CN" altLang="en-US" sz="1600" dirty="0">
                 <a:solidFill>
-                  <a:schemeClr val="bg1">
-                    <a:lumMod val="50000"/>
+                  <a:schemeClr val="tx1">
+                    <a:lumMod val="65000"/>
+                    <a:lumOff val="35000"/>
                   </a:schemeClr>
                 </a:solidFill>
                 <a:latin typeface="微软雅黑" panose="020B0503020204020204" pitchFamily="34" charset="-122"/>
                 <a:ea typeface="微软雅黑" panose="020B0503020204020204" pitchFamily="34" charset="-122"/>
                 <a:cs typeface="Lato Regular"/>
               </a:rPr>
-              <a:t>核心算法</a:t>
+              <a:t>文本相似聚类</a:t>
             </a:r>
-            <a:endParaRPr lang="en-US" altLang="zh-CN" sz="1400" dirty="0">
+            <a:endParaRPr lang="en-US" altLang="zh-CN" sz="1600" dirty="0">
               <a:solidFill>
-                <a:schemeClr val="bg1">
-                  <a:lumMod val="50000"/>
+                <a:schemeClr val="tx1">
+                  <a:lumMod val="65000"/>
+                  <a:lumOff val="35000"/>
                 </a:schemeClr>
               </a:solidFill>
               <a:latin typeface="微软雅黑" panose="020B0503020204020204" pitchFamily="34" charset="-122"/>
@@ -27329,48 +30063,470 @@
           </a:p>
           <a:p>
             <a:r>
-              <a:rPr lang="en-US" altLang="zh-CN" sz="1400" dirty="0">
+              <a:rPr lang="zh-CN" altLang="en-US" sz="1600" dirty="0">
                 <a:solidFill>
-                  <a:schemeClr val="bg1">
-                    <a:lumMod val="50000"/>
+                  <a:schemeClr val="tx1">
+                    <a:lumMod val="65000"/>
+                    <a:lumOff val="35000"/>
                   </a:schemeClr>
                 </a:solidFill>
                 <a:latin typeface="微软雅黑" panose="020B0503020204020204" pitchFamily="34" charset="-122"/>
                 <a:ea typeface="微软雅黑" panose="020B0503020204020204" pitchFamily="34" charset="-122"/>
                 <a:cs typeface="Lato Regular"/>
               </a:rPr>
-              <a:t>2</a:t>
+              <a:t>（</a:t>
             </a:r>
-          </a:p>
-          <a:p>
             <a:r>
-              <a:rPr lang="en-US" altLang="zh-CN" sz="1400" dirty="0">
+              <a:rPr lang="en-US" altLang="zh-CN" sz="1600" dirty="0">
                 <a:solidFill>
-                  <a:schemeClr val="bg1">
-                    <a:lumMod val="50000"/>
+                  <a:schemeClr val="tx1">
+                    <a:lumMod val="65000"/>
+                    <a:lumOff val="35000"/>
                   </a:schemeClr>
                 </a:solidFill>
                 <a:latin typeface="微软雅黑" panose="020B0503020204020204" pitchFamily="34" charset="-122"/>
                 <a:ea typeface="微软雅黑" panose="020B0503020204020204" pitchFamily="34" charset="-122"/>
                 <a:cs typeface="Lato Regular"/>
               </a:rPr>
-              <a:t>2</a:t>
+              <a:t>Canopy</a:t>
             </a:r>
-          </a:p>
-          <a:p>
             <a:r>
-              <a:rPr lang="en-US" altLang="zh-CN" sz="1400" dirty="0">
+              <a:rPr lang="zh-CN" altLang="en-US" sz="1600" dirty="0">
                 <a:solidFill>
-                  <a:schemeClr val="bg1">
-                    <a:lumMod val="50000"/>
+                  <a:schemeClr val="tx1">
+                    <a:lumMod val="65000"/>
+                    <a:lumOff val="35000"/>
                   </a:schemeClr>
                 </a:solidFill>
                 <a:latin typeface="微软雅黑" panose="020B0503020204020204" pitchFamily="34" charset="-122"/>
                 <a:ea typeface="微软雅黑" panose="020B0503020204020204" pitchFamily="34" charset="-122"/>
                 <a:cs typeface="Lato Regular"/>
               </a:rPr>
-              <a:t>2</a:t>
+              <a:t>估计</a:t>
             </a:r>
+            <a:r>
+              <a:rPr lang="en-US" altLang="zh-CN" sz="1600" dirty="0">
+                <a:solidFill>
+                  <a:schemeClr val="tx1">
+                    <a:lumMod val="65000"/>
+                    <a:lumOff val="35000"/>
+                  </a:schemeClr>
+                </a:solidFill>
+                <a:latin typeface="微软雅黑" panose="020B0503020204020204" pitchFamily="34" charset="-122"/>
+                <a:ea typeface="微软雅黑" panose="020B0503020204020204" pitchFamily="34" charset="-122"/>
+                <a:cs typeface="Lato Regular"/>
+              </a:rPr>
+              <a:t>+</a:t>
+            </a:r>
+            <a:r>
+              <a:rPr lang="en-US" altLang="zh-CN" sz="1600" dirty="0" err="1">
+                <a:solidFill>
+                  <a:schemeClr val="tx1">
+                    <a:lumMod val="65000"/>
+                    <a:lumOff val="35000"/>
+                  </a:schemeClr>
+                </a:solidFill>
+                <a:latin typeface="微软雅黑" panose="020B0503020204020204" pitchFamily="34" charset="-122"/>
+                <a:ea typeface="微软雅黑" panose="020B0503020204020204" pitchFamily="34" charset="-122"/>
+                <a:cs typeface="Lato Regular"/>
+              </a:rPr>
+              <a:t>Kmeans</a:t>
+            </a:r>
+            <a:r>
+              <a:rPr lang="zh-CN" altLang="en-US" sz="1600" dirty="0">
+                <a:solidFill>
+                  <a:schemeClr val="tx1">
+                    <a:lumMod val="65000"/>
+                    <a:lumOff val="35000"/>
+                  </a:schemeClr>
+                </a:solidFill>
+                <a:latin typeface="微软雅黑" panose="020B0503020204020204" pitchFamily="34" charset="-122"/>
+                <a:ea typeface="微软雅黑" panose="020B0503020204020204" pitchFamily="34" charset="-122"/>
+                <a:cs typeface="Lato Regular"/>
+              </a:rPr>
+              <a:t>聚类）</a:t>
+            </a:r>
+            <a:endParaRPr lang="en-US" altLang="zh-CN" sz="1600" dirty="0">
+              <a:solidFill>
+                <a:schemeClr val="tx1">
+                  <a:lumMod val="65000"/>
+                  <a:lumOff val="35000"/>
+                </a:schemeClr>
+              </a:solidFill>
+              <a:latin typeface="微软雅黑" panose="020B0503020204020204" pitchFamily="34" charset="-122"/>
+              <a:ea typeface="微软雅黑" panose="020B0503020204020204" pitchFamily="34" charset="-122"/>
+              <a:cs typeface="Lato Regular"/>
+            </a:endParaRPr>
+          </a:p>
+          <a:p>
+            <a:r>
+              <a:rPr lang="zh-CN" altLang="en-US" sz="1600" dirty="0">
+                <a:solidFill>
+                  <a:schemeClr val="tx1">
+                    <a:lumMod val="65000"/>
+                    <a:lumOff val="35000"/>
+                  </a:schemeClr>
+                </a:solidFill>
+                <a:latin typeface="微软雅黑" panose="020B0503020204020204" pitchFamily="34" charset="-122"/>
+                <a:ea typeface="微软雅黑" panose="020B0503020204020204" pitchFamily="34" charset="-122"/>
+                <a:cs typeface="Lato Regular"/>
+              </a:rPr>
+              <a:t>相似度分析</a:t>
+            </a:r>
+            <a:endParaRPr lang="en-US" altLang="zh-CN" sz="1600" dirty="0">
+              <a:solidFill>
+                <a:schemeClr val="tx1">
+                  <a:lumMod val="65000"/>
+                  <a:lumOff val="35000"/>
+                </a:schemeClr>
+              </a:solidFill>
+              <a:latin typeface="微软雅黑" panose="020B0503020204020204" pitchFamily="34" charset="-122"/>
+              <a:ea typeface="微软雅黑" panose="020B0503020204020204" pitchFamily="34" charset="-122"/>
+              <a:cs typeface="Lato Regular"/>
+            </a:endParaRPr>
+          </a:p>
+          <a:p>
+            <a:r>
+              <a:rPr lang="zh-CN" altLang="en-US" sz="1600" dirty="0">
+                <a:solidFill>
+                  <a:schemeClr val="tx1">
+                    <a:lumMod val="65000"/>
+                    <a:lumOff val="35000"/>
+                  </a:schemeClr>
+                </a:solidFill>
+                <a:latin typeface="微软雅黑" panose="020B0503020204020204" pitchFamily="34" charset="-122"/>
+                <a:ea typeface="微软雅黑" panose="020B0503020204020204" pitchFamily="34" charset="-122"/>
+                <a:cs typeface="Lato Regular"/>
+              </a:rPr>
+              <a:t>（</a:t>
+            </a:r>
+            <a:r>
+              <a:rPr lang="en-US" altLang="zh-CN" sz="1600" dirty="0">
+                <a:solidFill>
+                  <a:schemeClr val="tx1">
+                    <a:lumMod val="65000"/>
+                    <a:lumOff val="35000"/>
+                  </a:schemeClr>
+                </a:solidFill>
+                <a:latin typeface="微软雅黑" panose="020B0503020204020204" pitchFamily="34" charset="-122"/>
+                <a:ea typeface="微软雅黑" panose="020B0503020204020204" pitchFamily="34" charset="-122"/>
+                <a:cs typeface="Lato Regular"/>
+              </a:rPr>
+              <a:t>Word2Vec</a:t>
+            </a:r>
+            <a:r>
+              <a:rPr lang="zh-CN" altLang="en-US" sz="1600" dirty="0">
+                <a:solidFill>
+                  <a:schemeClr val="tx1">
+                    <a:lumMod val="65000"/>
+                    <a:lumOff val="35000"/>
+                  </a:schemeClr>
+                </a:solidFill>
+                <a:latin typeface="微软雅黑" panose="020B0503020204020204" pitchFamily="34" charset="-122"/>
+                <a:ea typeface="微软雅黑" panose="020B0503020204020204" pitchFamily="34" charset="-122"/>
+                <a:cs typeface="Lato Regular"/>
+              </a:rPr>
+              <a:t>，针对政务投诉训练）</a:t>
+            </a:r>
+            <a:endParaRPr lang="en-US" altLang="zh-CN" sz="1600" dirty="0">
+              <a:solidFill>
+                <a:schemeClr val="tx1">
+                  <a:lumMod val="65000"/>
+                  <a:lumOff val="35000"/>
+                </a:schemeClr>
+              </a:solidFill>
+              <a:latin typeface="微软雅黑" panose="020B0503020204020204" pitchFamily="34" charset="-122"/>
+              <a:ea typeface="微软雅黑" panose="020B0503020204020204" pitchFamily="34" charset="-122"/>
+              <a:cs typeface="Lato Regular"/>
+            </a:endParaRPr>
+          </a:p>
+          <a:p>
+            <a:r>
+              <a:rPr lang="zh-CN" altLang="en-US" sz="1600" dirty="0">
+                <a:solidFill>
+                  <a:schemeClr val="tx1">
+                    <a:lumMod val="65000"/>
+                    <a:lumOff val="35000"/>
+                  </a:schemeClr>
+                </a:solidFill>
+                <a:latin typeface="微软雅黑" panose="020B0503020204020204" pitchFamily="34" charset="-122"/>
+                <a:ea typeface="微软雅黑" panose="020B0503020204020204" pitchFamily="34" charset="-122"/>
+                <a:cs typeface="Lato Regular"/>
+              </a:rPr>
+              <a:t>关键词提取</a:t>
+            </a:r>
+            <a:endParaRPr lang="en-US" altLang="zh-CN" sz="1600" dirty="0">
+              <a:solidFill>
+                <a:schemeClr val="tx1">
+                  <a:lumMod val="65000"/>
+                  <a:lumOff val="35000"/>
+                </a:schemeClr>
+              </a:solidFill>
+              <a:latin typeface="微软雅黑" panose="020B0503020204020204" pitchFamily="34" charset="-122"/>
+              <a:ea typeface="微软雅黑" panose="020B0503020204020204" pitchFamily="34" charset="-122"/>
+              <a:cs typeface="Lato Regular"/>
+            </a:endParaRPr>
+          </a:p>
+          <a:p>
+            <a:r>
+              <a:rPr lang="zh-CN" altLang="en-US" sz="1600" dirty="0">
+                <a:solidFill>
+                  <a:schemeClr val="tx1">
+                    <a:lumMod val="65000"/>
+                    <a:lumOff val="35000"/>
+                  </a:schemeClr>
+                </a:solidFill>
+                <a:latin typeface="微软雅黑" panose="020B0503020204020204" pitchFamily="34" charset="-122"/>
+                <a:ea typeface="微软雅黑" panose="020B0503020204020204" pitchFamily="34" charset="-122"/>
+                <a:cs typeface="Lato Regular"/>
+              </a:rPr>
+              <a:t>（</a:t>
+            </a:r>
+            <a:r>
+              <a:rPr lang="en-US" altLang="zh-CN" sz="1600" dirty="0">
+                <a:solidFill>
+                  <a:schemeClr val="tx1">
+                    <a:lumMod val="65000"/>
+                    <a:lumOff val="35000"/>
+                  </a:schemeClr>
+                </a:solidFill>
+                <a:latin typeface="微软雅黑" panose="020B0503020204020204" pitchFamily="34" charset="-122"/>
+                <a:ea typeface="微软雅黑" panose="020B0503020204020204" pitchFamily="34" charset="-122"/>
+                <a:cs typeface="Lato Regular"/>
+              </a:rPr>
+              <a:t>Word2Vec+TextRank</a:t>
+            </a:r>
+            <a:r>
+              <a:rPr lang="zh-CN" altLang="en-US" sz="1600" dirty="0">
+                <a:solidFill>
+                  <a:schemeClr val="tx1">
+                    <a:lumMod val="65000"/>
+                    <a:lumOff val="35000"/>
+                  </a:schemeClr>
+                </a:solidFill>
+                <a:latin typeface="微软雅黑" panose="020B0503020204020204" pitchFamily="34" charset="-122"/>
+                <a:ea typeface="微软雅黑" panose="020B0503020204020204" pitchFamily="34" charset="-122"/>
+                <a:cs typeface="Lato Regular"/>
+              </a:rPr>
+              <a:t>）</a:t>
+            </a:r>
+            <a:endParaRPr lang="en-US" altLang="zh-CN" sz="1600" dirty="0">
+              <a:solidFill>
+                <a:schemeClr val="tx1">
+                  <a:lumMod val="65000"/>
+                  <a:lumOff val="35000"/>
+                </a:schemeClr>
+              </a:solidFill>
+              <a:latin typeface="微软雅黑" panose="020B0503020204020204" pitchFamily="34" charset="-122"/>
+              <a:ea typeface="微软雅黑" panose="020B0503020204020204" pitchFamily="34" charset="-122"/>
+              <a:cs typeface="Lato Regular"/>
+            </a:endParaRPr>
+          </a:p>
+          <a:p>
+            <a:r>
+              <a:rPr lang="zh-CN" altLang="en-US" sz="1600" dirty="0">
+                <a:solidFill>
+                  <a:schemeClr val="tx1">
+                    <a:lumMod val="65000"/>
+                    <a:lumOff val="35000"/>
+                  </a:schemeClr>
+                </a:solidFill>
+                <a:latin typeface="微软雅黑" panose="020B0503020204020204" pitchFamily="34" charset="-122"/>
+                <a:ea typeface="微软雅黑" panose="020B0503020204020204" pitchFamily="34" charset="-122"/>
+                <a:cs typeface="Lato Regular"/>
+              </a:rPr>
+              <a:t>投诉分类</a:t>
+            </a:r>
+            <a:endParaRPr lang="en-US" altLang="zh-CN" sz="1600" dirty="0">
+              <a:solidFill>
+                <a:schemeClr val="tx1">
+                  <a:lumMod val="65000"/>
+                  <a:lumOff val="35000"/>
+                </a:schemeClr>
+              </a:solidFill>
+              <a:latin typeface="微软雅黑" panose="020B0503020204020204" pitchFamily="34" charset="-122"/>
+              <a:ea typeface="微软雅黑" panose="020B0503020204020204" pitchFamily="34" charset="-122"/>
+              <a:cs typeface="Lato Regular"/>
+            </a:endParaRPr>
+          </a:p>
+          <a:p>
+            <a:r>
+              <a:rPr lang="zh-CN" altLang="en-US" sz="1600" dirty="0">
+                <a:solidFill>
+                  <a:schemeClr val="tx1">
+                    <a:lumMod val="65000"/>
+                    <a:lumOff val="35000"/>
+                  </a:schemeClr>
+                </a:solidFill>
+                <a:latin typeface="微软雅黑" panose="020B0503020204020204" pitchFamily="34" charset="-122"/>
+                <a:ea typeface="微软雅黑" panose="020B0503020204020204" pitchFamily="34" charset="-122"/>
+                <a:cs typeface="Lato Regular"/>
+              </a:rPr>
+              <a:t>（</a:t>
+            </a:r>
+            <a:r>
+              <a:rPr lang="en-US" altLang="zh-CN" sz="1600" dirty="0" err="1">
+                <a:solidFill>
+                  <a:schemeClr val="tx1">
+                    <a:lumMod val="65000"/>
+                    <a:lumOff val="35000"/>
+                  </a:schemeClr>
+                </a:solidFill>
+                <a:latin typeface="微软雅黑" panose="020B0503020204020204" pitchFamily="34" charset="-122"/>
+                <a:ea typeface="微软雅黑" panose="020B0503020204020204" pitchFamily="34" charset="-122"/>
+                <a:cs typeface="Lato Regular"/>
+              </a:rPr>
+              <a:t>TextCNN</a:t>
+            </a:r>
+            <a:r>
+              <a:rPr lang="zh-CN" altLang="en-US" sz="1600" dirty="0">
+                <a:solidFill>
+                  <a:schemeClr val="tx1">
+                    <a:lumMod val="65000"/>
+                    <a:lumOff val="35000"/>
+                  </a:schemeClr>
+                </a:solidFill>
+                <a:latin typeface="微软雅黑" panose="020B0503020204020204" pitchFamily="34" charset="-122"/>
+                <a:ea typeface="微软雅黑" panose="020B0503020204020204" pitchFamily="34" charset="-122"/>
+                <a:cs typeface="Lato Regular"/>
+              </a:rPr>
+              <a:t>）</a:t>
+            </a:r>
+            <a:endParaRPr lang="en-US" altLang="zh-CN" sz="1600" dirty="0">
+              <a:solidFill>
+                <a:schemeClr val="tx1">
+                  <a:lumMod val="65000"/>
+                  <a:lumOff val="35000"/>
+                </a:schemeClr>
+              </a:solidFill>
+              <a:latin typeface="微软雅黑" panose="020B0503020204020204" pitchFamily="34" charset="-122"/>
+              <a:ea typeface="微软雅黑" panose="020B0503020204020204" pitchFamily="34" charset="-122"/>
+              <a:cs typeface="Lato Regular"/>
+            </a:endParaRPr>
+          </a:p>
+          <a:p>
+            <a:r>
+              <a:rPr lang="en-US" altLang="zh-CN" sz="1600" dirty="0" err="1">
+                <a:solidFill>
+                  <a:schemeClr val="tx1">
+                    <a:lumMod val="65000"/>
+                    <a:lumOff val="35000"/>
+                  </a:schemeClr>
+                </a:solidFill>
+                <a:latin typeface="微软雅黑" panose="020B0503020204020204" pitchFamily="34" charset="-122"/>
+                <a:ea typeface="微软雅黑" panose="020B0503020204020204" pitchFamily="34" charset="-122"/>
+                <a:cs typeface="Lato Regular"/>
+              </a:rPr>
+              <a:t>Scrapy</a:t>
+            </a:r>
+            <a:r>
+              <a:rPr lang="zh-CN" altLang="en-US" sz="1600" dirty="0">
+                <a:solidFill>
+                  <a:schemeClr val="tx1">
+                    <a:lumMod val="65000"/>
+                    <a:lumOff val="35000"/>
+                  </a:schemeClr>
+                </a:solidFill>
+                <a:latin typeface="微软雅黑" panose="020B0503020204020204" pitchFamily="34" charset="-122"/>
+                <a:ea typeface="微软雅黑" panose="020B0503020204020204" pitchFamily="34" charset="-122"/>
+                <a:cs typeface="Lato Regular"/>
+              </a:rPr>
+              <a:t>框架爬虫</a:t>
+            </a:r>
+            <a:endParaRPr lang="en-US" altLang="zh-CN" sz="1600" dirty="0">
+              <a:solidFill>
+                <a:schemeClr val="tx1">
+                  <a:lumMod val="65000"/>
+                  <a:lumOff val="35000"/>
+                </a:schemeClr>
+              </a:solidFill>
+              <a:latin typeface="微软雅黑" panose="020B0503020204020204" pitchFamily="34" charset="-122"/>
+              <a:ea typeface="微软雅黑" panose="020B0503020204020204" pitchFamily="34" charset="-122"/>
+              <a:cs typeface="Lato Regular"/>
+            </a:endParaRPr>
+          </a:p>
+          <a:p>
+            <a:r>
+              <a:rPr lang="zh-CN" altLang="en-US" sz="1600" dirty="0">
+                <a:solidFill>
+                  <a:schemeClr val="tx1">
+                    <a:lumMod val="65000"/>
+                    <a:lumOff val="35000"/>
+                  </a:schemeClr>
+                </a:solidFill>
+                <a:latin typeface="微软雅黑" panose="020B0503020204020204" pitchFamily="34" charset="-122"/>
+                <a:ea typeface="微软雅黑" panose="020B0503020204020204" pitchFamily="34" charset="-122"/>
+                <a:cs typeface="Lato Regular"/>
+              </a:rPr>
+              <a:t>（</a:t>
+            </a:r>
+            <a:r>
+              <a:rPr lang="en-US" altLang="zh-CN" sz="1600" dirty="0">
+                <a:solidFill>
+                  <a:schemeClr val="tx1">
+                    <a:lumMod val="65000"/>
+                    <a:lumOff val="35000"/>
+                  </a:schemeClr>
+                </a:solidFill>
+                <a:latin typeface="微软雅黑" panose="020B0503020204020204" pitchFamily="34" charset="-122"/>
+                <a:ea typeface="微软雅黑" panose="020B0503020204020204" pitchFamily="34" charset="-122"/>
+                <a:cs typeface="Lato Regular"/>
+              </a:rPr>
+              <a:t> </a:t>
+            </a:r>
+            <a:r>
+              <a:rPr lang="en-US" altLang="zh-CN" sz="1600" dirty="0" err="1">
+                <a:solidFill>
+                  <a:schemeClr val="tx1">
+                    <a:lumMod val="65000"/>
+                    <a:lumOff val="35000"/>
+                  </a:schemeClr>
+                </a:solidFill>
+                <a:latin typeface="微软雅黑" panose="020B0503020204020204" pitchFamily="34" charset="-122"/>
+                <a:ea typeface="微软雅黑" panose="020B0503020204020204" pitchFamily="34" charset="-122"/>
+                <a:cs typeface="Lato Regular"/>
+              </a:rPr>
+              <a:t>Bloomfilter+redis</a:t>
+            </a:r>
+            <a:r>
+              <a:rPr lang="en-US" altLang="zh-CN" sz="1600" dirty="0">
+                <a:solidFill>
+                  <a:schemeClr val="tx1">
+                    <a:lumMod val="65000"/>
+                    <a:lumOff val="35000"/>
+                  </a:schemeClr>
+                </a:solidFill>
+                <a:latin typeface="微软雅黑" panose="020B0503020204020204" pitchFamily="34" charset="-122"/>
+                <a:ea typeface="微软雅黑" panose="020B0503020204020204" pitchFamily="34" charset="-122"/>
+                <a:cs typeface="Lato Regular"/>
+              </a:rPr>
+              <a:t> </a:t>
+            </a:r>
+            <a:r>
+              <a:rPr lang="zh-CN" altLang="en-US" sz="1600" dirty="0">
+                <a:solidFill>
+                  <a:schemeClr val="tx1">
+                    <a:lumMod val="65000"/>
+                    <a:lumOff val="35000"/>
+                  </a:schemeClr>
+                </a:solidFill>
+                <a:latin typeface="微软雅黑" panose="020B0503020204020204" pitchFamily="34" charset="-122"/>
+                <a:ea typeface="微软雅黑" panose="020B0503020204020204" pitchFamily="34" charset="-122"/>
+                <a:cs typeface="Lato Regular"/>
+              </a:rPr>
+              <a:t>实施增量去重）</a:t>
+            </a:r>
+            <a:endParaRPr lang="en-US" altLang="zh-CN" sz="1600" dirty="0">
+              <a:solidFill>
+                <a:schemeClr val="tx1">
+                  <a:lumMod val="65000"/>
+                  <a:lumOff val="35000"/>
+                </a:schemeClr>
+              </a:solidFill>
+              <a:latin typeface="微软雅黑" panose="020B0503020204020204" pitchFamily="34" charset="-122"/>
+              <a:ea typeface="微软雅黑" panose="020B0503020204020204" pitchFamily="34" charset="-122"/>
+              <a:cs typeface="Lato Regular"/>
+            </a:endParaRPr>
           </a:p>
         </p:txBody>
       </p:sp>
@@ -27388,7 +30544,7 @@
         </p:nvSpPr>
         <p:spPr>
           <a:xfrm>
-            <a:off x="941500" y="4719922"/>
+            <a:off x="1154777" y="5262393"/>
             <a:ext cx="392048" cy="392048"/>
           </a:xfrm>
           <a:prstGeom prst="ellipse">
@@ -27454,8 +30610,8 @@
         </p:nvSpPr>
         <p:spPr>
           <a:xfrm>
-            <a:off x="1486042" y="4638947"/>
-            <a:ext cx="3031624" cy="954107"/>
+            <a:off x="1722203" y="5114058"/>
+            <a:ext cx="3031624" cy="923330"/>
           </a:xfrm>
           <a:prstGeom prst="rect">
             <a:avLst/>
@@ -27469,22 +30625,24 @@
           <a:lstStyle/>
           <a:p>
             <a:r>
-              <a:rPr lang="zh-CN" altLang="en-US" sz="1400" dirty="0">
+              <a:rPr lang="zh-CN" altLang="en-US" dirty="0">
                 <a:solidFill>
-                  <a:schemeClr val="bg1">
-                    <a:lumMod val="50000"/>
+                  <a:schemeClr val="tx1">
+                    <a:lumMod val="65000"/>
+                    <a:lumOff val="35000"/>
                   </a:schemeClr>
                 </a:solidFill>
                 <a:latin typeface="微软雅黑" panose="020B0503020204020204" pitchFamily="34" charset="-122"/>
                 <a:ea typeface="微软雅黑" panose="020B0503020204020204" pitchFamily="34" charset="-122"/>
                 <a:cs typeface="Lato Regular"/>
               </a:rPr>
-              <a:t>点击此处更换文本编辑文字</a:t>
+              <a:t>反爬虫技术支持</a:t>
             </a:r>
-            <a:endParaRPr lang="en-US" altLang="zh-CN" sz="1400" dirty="0">
+            <a:endParaRPr lang="en-US" altLang="zh-CN" dirty="0">
               <a:solidFill>
-                <a:schemeClr val="bg1">
-                  <a:lumMod val="50000"/>
+                <a:schemeClr val="tx1">
+                  <a:lumMod val="65000"/>
+                  <a:lumOff val="35000"/>
                 </a:schemeClr>
               </a:solidFill>
               <a:latin typeface="微软雅黑" panose="020B0503020204020204" pitchFamily="34" charset="-122"/>
@@ -27494,22 +30652,38 @@
           </a:p>
           <a:p>
             <a:r>
-              <a:rPr lang="zh-CN" altLang="en-US" sz="1400" dirty="0">
+              <a:rPr lang="en-US" altLang="zh-CN" dirty="0">
                 <a:solidFill>
-                  <a:schemeClr val="bg1">
-                    <a:lumMod val="50000"/>
+                  <a:schemeClr val="tx1">
+                    <a:lumMod val="65000"/>
+                    <a:lumOff val="35000"/>
                   </a:schemeClr>
                 </a:solidFill>
                 <a:latin typeface="微软雅黑" panose="020B0503020204020204" pitchFamily="34" charset="-122"/>
                 <a:ea typeface="微软雅黑" panose="020B0503020204020204" pitchFamily="34" charset="-122"/>
                 <a:cs typeface="Lato Regular"/>
               </a:rPr>
-              <a:t>点击此处更换文本编辑文字</a:t>
+              <a:t>Docker</a:t>
             </a:r>
-            <a:endParaRPr lang="en-US" altLang="zh-CN" sz="1400" dirty="0">
+            <a:r>
+              <a:rPr lang="zh-CN" altLang="en-US" dirty="0">
+                <a:solidFill>
+                  <a:schemeClr val="tx1">
+                    <a:lumMod val="65000"/>
+                    <a:lumOff val="35000"/>
+                  </a:schemeClr>
+                </a:solidFill>
+                <a:latin typeface="微软雅黑" panose="020B0503020204020204" pitchFamily="34" charset="-122"/>
+                <a:ea typeface="微软雅黑" panose="020B0503020204020204" pitchFamily="34" charset="-122"/>
+                <a:cs typeface="Lato Regular"/>
+              </a:rPr>
+              <a:t>容器化</a:t>
+            </a:r>
+            <a:endParaRPr lang="en-US" altLang="zh-CN" dirty="0">
               <a:solidFill>
-                <a:schemeClr val="bg1">
-                  <a:lumMod val="50000"/>
+                <a:schemeClr val="tx1">
+                  <a:lumMod val="65000"/>
+                  <a:lumOff val="35000"/>
                 </a:schemeClr>
               </a:solidFill>
               <a:latin typeface="微软雅黑" panose="020B0503020204020204" pitchFamily="34" charset="-122"/>
@@ -27519,47 +30693,24 @@
           </a:p>
           <a:p>
             <a:r>
-              <a:rPr lang="zh-CN" altLang="en-US" sz="1400" dirty="0">
+              <a:rPr lang="zh-CN" altLang="en-US" dirty="0">
                 <a:solidFill>
-                  <a:schemeClr val="bg1">
-                    <a:lumMod val="50000"/>
+                  <a:schemeClr val="tx1">
+                    <a:lumMod val="65000"/>
+                    <a:lumOff val="35000"/>
                   </a:schemeClr>
                 </a:solidFill>
                 <a:latin typeface="微软雅黑" panose="020B0503020204020204" pitchFamily="34" charset="-122"/>
                 <a:ea typeface="微软雅黑" panose="020B0503020204020204" pitchFamily="34" charset="-122"/>
                 <a:cs typeface="Lato Regular"/>
               </a:rPr>
-              <a:t>点击此处更换文本编辑文字</a:t>
+              <a:t>站内提醒</a:t>
             </a:r>
-            <a:endParaRPr lang="en-US" altLang="zh-CN" sz="1400" dirty="0">
+            <a:endParaRPr lang="en-US" altLang="zh-CN" dirty="0">
               <a:solidFill>
-                <a:schemeClr val="bg1">
-                  <a:lumMod val="50000"/>
-                </a:schemeClr>
-              </a:solidFill>
-              <a:latin typeface="微软雅黑" panose="020B0503020204020204" pitchFamily="34" charset="-122"/>
-              <a:ea typeface="微软雅黑" panose="020B0503020204020204" pitchFamily="34" charset="-122"/>
-              <a:cs typeface="Lato Regular"/>
-            </a:endParaRPr>
-          </a:p>
-          <a:p>
-            <a:r>
-              <a:rPr lang="zh-CN" altLang="en-US" sz="1400" dirty="0">
-                <a:solidFill>
-                  <a:schemeClr val="bg1">
-                    <a:lumMod val="50000"/>
-                  </a:schemeClr>
-                </a:solidFill>
-                <a:latin typeface="微软雅黑" panose="020B0503020204020204" pitchFamily="34" charset="-122"/>
-                <a:ea typeface="微软雅黑" panose="020B0503020204020204" pitchFamily="34" charset="-122"/>
-                <a:cs typeface="Lato Regular"/>
-              </a:rPr>
-              <a:t>点击此处更换文本编辑文字</a:t>
-            </a:r>
-            <a:endParaRPr lang="en-US" altLang="zh-CN" sz="1400" dirty="0">
-              <a:solidFill>
-                <a:schemeClr val="bg1">
-                  <a:lumMod val="50000"/>
+                <a:schemeClr val="tx1">
+                  <a:lumMod val="65000"/>
+                  <a:lumOff val="35000"/>
                 </a:schemeClr>
               </a:solidFill>
               <a:latin typeface="微软雅黑" panose="020B0503020204020204" pitchFamily="34" charset="-122"/>
@@ -27583,7 +30734,7 @@
         </p:nvSpPr>
         <p:spPr>
           <a:xfrm>
-            <a:off x="10796133" y="2747564"/>
+            <a:off x="10174792" y="1598227"/>
             <a:ext cx="392048" cy="392048"/>
           </a:xfrm>
           <a:prstGeom prst="ellipse">
@@ -27650,7 +30801,7 @@
         <p:spPr>
           <a:xfrm>
             <a:off x="7656578" y="4642756"/>
-            <a:ext cx="3031624" cy="738664"/>
+            <a:ext cx="3271398" cy="1477328"/>
           </a:xfrm>
           <a:prstGeom prst="rect">
             <a:avLst/>
@@ -27665,10 +30816,11 @@
           <a:p>
             <a:pPr algn="r"/>
             <a:r>
-              <a:rPr lang="en-US" altLang="zh-CN" sz="1400" dirty="0">
+              <a:rPr lang="en-US" altLang="zh-CN" dirty="0">
                 <a:solidFill>
-                  <a:schemeClr val="bg1">
-                    <a:lumMod val="50000"/>
+                  <a:schemeClr val="tx1">
+                    <a:lumMod val="65000"/>
+                    <a:lumOff val="35000"/>
                   </a:schemeClr>
                 </a:solidFill>
                 <a:latin typeface="微软雅黑" panose="020B0503020204020204" pitchFamily="34" charset="-122"/>
@@ -27678,10 +30830,11 @@
               <a:t>HTML5 ★ BOILERPLATE</a:t>
             </a:r>
             <a:r>
-              <a:rPr lang="zh-CN" altLang="en-US" sz="1400" dirty="0">
+              <a:rPr lang="zh-CN" altLang="en-US" dirty="0">
                 <a:solidFill>
-                  <a:schemeClr val="bg1">
-                    <a:lumMod val="50000"/>
+                  <a:schemeClr val="tx1">
+                    <a:lumMod val="65000"/>
+                    <a:lumOff val="35000"/>
                   </a:schemeClr>
                 </a:solidFill>
                 <a:latin typeface="微软雅黑" panose="020B0503020204020204" pitchFamily="34" charset="-122"/>
@@ -27690,10 +30843,11 @@
               </a:rPr>
               <a:t>模版</a:t>
             </a:r>
-            <a:endParaRPr lang="en-US" altLang="zh-CN" sz="1400" dirty="0">
+            <a:endParaRPr lang="en-US" altLang="zh-CN" dirty="0">
               <a:solidFill>
-                <a:schemeClr val="bg1">
-                  <a:lumMod val="50000"/>
+                <a:schemeClr val="tx1">
+                  <a:lumMod val="65000"/>
+                  <a:lumOff val="35000"/>
                 </a:schemeClr>
               </a:solidFill>
               <a:latin typeface="微软雅黑" panose="020B0503020204020204" pitchFamily="34" charset="-122"/>
@@ -27704,10 +30858,11 @@
           <a:p>
             <a:pPr algn="r"/>
             <a:r>
-              <a:rPr lang="en-US" altLang="zh-CN" sz="1400" dirty="0" err="1">
+              <a:rPr lang="en-US" altLang="zh-CN" dirty="0" err="1">
                 <a:solidFill>
-                  <a:schemeClr val="bg1">
-                    <a:lumMod val="50000"/>
+                  <a:schemeClr val="tx1">
+                    <a:lumMod val="65000"/>
+                    <a:lumOff val="35000"/>
                   </a:schemeClr>
                 </a:solidFill>
                 <a:latin typeface="微软雅黑" panose="020B0503020204020204" pitchFamily="34" charset="-122"/>
@@ -27717,10 +30872,11 @@
               <a:t>jQuery+Bootstrap</a:t>
             </a:r>
             <a:r>
-              <a:rPr lang="zh-CN" altLang="en-US" sz="1400" dirty="0">
+              <a:rPr lang="zh-CN" altLang="en-US" dirty="0">
                 <a:solidFill>
-                  <a:schemeClr val="bg1">
-                    <a:lumMod val="50000"/>
+                  <a:schemeClr val="tx1">
+                    <a:lumMod val="65000"/>
+                    <a:lumOff val="35000"/>
                   </a:schemeClr>
                 </a:solidFill>
                 <a:latin typeface="微软雅黑" panose="020B0503020204020204" pitchFamily="34" charset="-122"/>
@@ -27729,10 +30885,11 @@
               </a:rPr>
               <a:t>开发框架</a:t>
             </a:r>
-            <a:endParaRPr lang="en-US" altLang="zh-CN" sz="1400" dirty="0">
+            <a:endParaRPr lang="en-US" altLang="zh-CN" dirty="0">
               <a:solidFill>
-                <a:schemeClr val="bg1">
-                  <a:lumMod val="50000"/>
+                <a:schemeClr val="tx1">
+                  <a:lumMod val="65000"/>
+                  <a:lumOff val="35000"/>
                 </a:schemeClr>
               </a:solidFill>
               <a:latin typeface="微软雅黑" panose="020B0503020204020204" pitchFamily="34" charset="-122"/>
@@ -27743,10 +30900,11 @@
           <a:p>
             <a:pPr algn="r"/>
             <a:r>
-              <a:rPr lang="en-US" altLang="zh-CN" sz="1400" dirty="0" err="1">
+              <a:rPr lang="en-US" altLang="zh-CN" dirty="0" err="1">
                 <a:solidFill>
-                  <a:schemeClr val="bg1">
-                    <a:lumMod val="50000"/>
+                  <a:schemeClr val="tx1">
+                    <a:lumMod val="65000"/>
+                    <a:lumOff val="35000"/>
                   </a:schemeClr>
                 </a:solidFill>
                 <a:latin typeface="微软雅黑" panose="020B0503020204020204" pitchFamily="34" charset="-122"/>
@@ -27756,10 +30914,11 @@
               <a:t>Echarts</a:t>
             </a:r>
             <a:r>
-              <a:rPr lang="zh-CN" altLang="en-US" sz="1400" dirty="0">
+              <a:rPr lang="zh-CN" altLang="en-US" dirty="0">
                 <a:solidFill>
-                  <a:schemeClr val="bg1">
-                    <a:lumMod val="50000"/>
+                  <a:schemeClr val="tx1">
+                    <a:lumMod val="65000"/>
+                    <a:lumOff val="35000"/>
                   </a:schemeClr>
                 </a:solidFill>
                 <a:latin typeface="微软雅黑" panose="020B0503020204020204" pitchFamily="34" charset="-122"/>
@@ -27768,10 +30927,67 @@
               </a:rPr>
               <a:t>可视化库</a:t>
             </a:r>
-            <a:endParaRPr lang="en-US" altLang="zh-CN" sz="1400" dirty="0">
+            <a:endParaRPr lang="en-US" altLang="zh-CN" dirty="0">
               <a:solidFill>
-                <a:schemeClr val="bg1">
-                  <a:lumMod val="50000"/>
+                <a:schemeClr val="tx1">
+                  <a:lumMod val="65000"/>
+                  <a:lumOff val="35000"/>
+                </a:schemeClr>
+              </a:solidFill>
+              <a:latin typeface="微软雅黑" panose="020B0503020204020204" pitchFamily="34" charset="-122"/>
+              <a:ea typeface="微软雅黑" panose="020B0503020204020204" pitchFamily="34" charset="-122"/>
+              <a:cs typeface="Lato Regular"/>
+            </a:endParaRPr>
+          </a:p>
+          <a:p>
+            <a:pPr algn="r"/>
+            <a:r>
+              <a:rPr lang="zh-CN" altLang="en-US" dirty="0">
+                <a:solidFill>
+                  <a:schemeClr val="tx1">
+                    <a:lumMod val="65000"/>
+                    <a:lumOff val="35000"/>
+                  </a:schemeClr>
+                </a:solidFill>
+                <a:latin typeface="微软雅黑" panose="020B0503020204020204" pitchFamily="34" charset="-122"/>
+                <a:ea typeface="微软雅黑" panose="020B0503020204020204" pitchFamily="34" charset="-122"/>
+                <a:cs typeface="Lato Regular"/>
+              </a:rPr>
+              <a:t>数据分析报告自动生成</a:t>
+            </a:r>
+            <a:endParaRPr lang="en-US" altLang="zh-CN" dirty="0">
+              <a:solidFill>
+                <a:schemeClr val="tx1">
+                  <a:lumMod val="65000"/>
+                  <a:lumOff val="35000"/>
+                </a:schemeClr>
+              </a:solidFill>
+              <a:latin typeface="微软雅黑" panose="020B0503020204020204" pitchFamily="34" charset="-122"/>
+              <a:ea typeface="微软雅黑" panose="020B0503020204020204" pitchFamily="34" charset="-122"/>
+              <a:cs typeface="Lato Regular"/>
+            </a:endParaRPr>
+          </a:p>
+          <a:p>
+            <a:pPr algn="r"/>
+            <a:r>
+              <a:rPr lang="zh-CN" altLang="en-US" dirty="0">
+                <a:solidFill>
+                  <a:schemeClr val="tx1">
+                    <a:lumMod val="65000"/>
+                    <a:lumOff val="35000"/>
+                  </a:schemeClr>
+                </a:solidFill>
+                <a:latin typeface="微软雅黑" panose="020B0503020204020204" pitchFamily="34" charset="-122"/>
+                <a:ea typeface="微软雅黑" panose="020B0503020204020204" pitchFamily="34" charset="-122"/>
+                <a:cs typeface="Lato Regular"/>
+              </a:rPr>
+              <a:t>同一事件一键回复</a:t>
+            </a:r>
+            <a:endParaRPr lang="en-US" altLang="zh-CN" dirty="0">
+              <a:solidFill>
+                <a:schemeClr val="tx1">
+                  <a:lumMod val="65000"/>
+                  <a:lumOff val="35000"/>
                 </a:schemeClr>
               </a:solidFill>
               <a:latin typeface="微软雅黑" panose="020B0503020204020204" pitchFamily="34" charset="-122"/>
@@ -27795,7 +31011,7 @@
         </p:nvSpPr>
         <p:spPr>
           <a:xfrm>
-            <a:off x="10796133" y="4735310"/>
+            <a:off x="11049338" y="4555621"/>
             <a:ext cx="392048" cy="392048"/>
           </a:xfrm>
           <a:prstGeom prst="ellipse">
@@ -27861,8 +31077,8 @@
         </p:nvSpPr>
         <p:spPr>
           <a:xfrm>
-            <a:off x="7656578" y="2497312"/>
-            <a:ext cx="3031624" cy="954107"/>
+            <a:off x="6944745" y="1626984"/>
+            <a:ext cx="3031624" cy="923330"/>
           </a:xfrm>
           <a:prstGeom prst="rect">
             <a:avLst/>
@@ -27877,22 +31093,24 @@
           <a:p>
             <a:pPr algn="r"/>
             <a:r>
-              <a:rPr lang="zh-CN" altLang="en-US" sz="1400" dirty="0">
+              <a:rPr lang="zh-CN" altLang="en-US" dirty="0">
                 <a:solidFill>
-                  <a:schemeClr val="bg1">
-                    <a:lumMod val="50000"/>
+                  <a:schemeClr val="tx1">
+                    <a:lumMod val="65000"/>
+                    <a:lumOff val="35000"/>
                   </a:schemeClr>
                 </a:solidFill>
                 <a:latin typeface="微软雅黑" panose="020B0503020204020204" pitchFamily="34" charset="-122"/>
                 <a:ea typeface="微软雅黑" panose="020B0503020204020204" pitchFamily="34" charset="-122"/>
                 <a:cs typeface="Lato Regular"/>
               </a:rPr>
-              <a:t>点击此处更换文本编辑文字</a:t>
+              <a:t>趋势分析</a:t>
             </a:r>
-            <a:endParaRPr lang="en-US" altLang="zh-CN" sz="1400" dirty="0">
+            <a:endParaRPr lang="en-US" altLang="zh-CN" dirty="0">
               <a:solidFill>
-                <a:schemeClr val="bg1">
-                  <a:lumMod val="50000"/>
+                <a:schemeClr val="tx1">
+                  <a:lumMod val="65000"/>
+                  <a:lumOff val="35000"/>
                 </a:schemeClr>
               </a:solidFill>
               <a:latin typeface="微软雅黑" panose="020B0503020204020204" pitchFamily="34" charset="-122"/>
@@ -27903,22 +31121,24 @@
           <a:p>
             <a:pPr algn="r"/>
             <a:r>
-              <a:rPr lang="zh-CN" altLang="en-US" sz="1400" dirty="0">
+              <a:rPr lang="zh-CN" altLang="en-US" dirty="0">
                 <a:solidFill>
-                  <a:schemeClr val="bg1">
-                    <a:lumMod val="50000"/>
+                  <a:schemeClr val="tx1">
+                    <a:lumMod val="65000"/>
+                    <a:lumOff val="35000"/>
                   </a:schemeClr>
                 </a:solidFill>
                 <a:latin typeface="微软雅黑" panose="020B0503020204020204" pitchFamily="34" charset="-122"/>
                 <a:ea typeface="微软雅黑" panose="020B0503020204020204" pitchFamily="34" charset="-122"/>
                 <a:cs typeface="Lato Regular"/>
               </a:rPr>
-              <a:t>点击此处更换文本编辑文字</a:t>
+              <a:t>热点跟踪</a:t>
             </a:r>
-            <a:endParaRPr lang="en-US" altLang="zh-CN" sz="1400" dirty="0">
+            <a:endParaRPr lang="en-US" altLang="zh-CN" dirty="0">
               <a:solidFill>
-                <a:schemeClr val="bg1">
-                  <a:lumMod val="50000"/>
+                <a:schemeClr val="tx1">
+                  <a:lumMod val="65000"/>
+                  <a:lumOff val="35000"/>
                 </a:schemeClr>
               </a:solidFill>
               <a:latin typeface="微软雅黑" panose="020B0503020204020204" pitchFamily="34" charset="-122"/>
@@ -27929,48 +31149,24 @@
           <a:p>
             <a:pPr algn="r"/>
             <a:r>
-              <a:rPr lang="zh-CN" altLang="en-US" sz="1400" dirty="0">
+              <a:rPr lang="zh-CN" altLang="en-US" dirty="0">
                 <a:solidFill>
-                  <a:schemeClr val="bg1">
-                    <a:lumMod val="50000"/>
+                  <a:schemeClr val="tx1">
+                    <a:lumMod val="65000"/>
+                    <a:lumOff val="35000"/>
                   </a:schemeClr>
                 </a:solidFill>
                 <a:latin typeface="微软雅黑" panose="020B0503020204020204" pitchFamily="34" charset="-122"/>
                 <a:ea typeface="微软雅黑" panose="020B0503020204020204" pitchFamily="34" charset="-122"/>
                 <a:cs typeface="Lato Regular"/>
               </a:rPr>
-              <a:t>点击此处更换文本编辑文字</a:t>
+              <a:t>新话题预警</a:t>
             </a:r>
-            <a:endParaRPr lang="en-US" altLang="zh-CN" sz="1400" dirty="0">
+            <a:endParaRPr lang="en-US" altLang="zh-CN" dirty="0">
               <a:solidFill>
-                <a:schemeClr val="bg1">
-                  <a:lumMod val="50000"/>
-                </a:schemeClr>
-              </a:solidFill>
-              <a:latin typeface="微软雅黑" panose="020B0503020204020204" pitchFamily="34" charset="-122"/>
-              <a:ea typeface="微软雅黑" panose="020B0503020204020204" pitchFamily="34" charset="-122"/>
-              <a:cs typeface="Lato Regular"/>
-            </a:endParaRPr>
-          </a:p>
-          <a:p>
-            <a:pPr algn="r"/>
-            <a:r>
-              <a:rPr lang="zh-CN" altLang="en-US" sz="1400" dirty="0">
-                <a:solidFill>
-                  <a:schemeClr val="bg1">
-                    <a:lumMod val="50000"/>
-                  </a:schemeClr>
-                </a:solidFill>
-                <a:latin typeface="微软雅黑" panose="020B0503020204020204" pitchFamily="34" charset="-122"/>
-                <a:ea typeface="微软雅黑" panose="020B0503020204020204" pitchFamily="34" charset="-122"/>
-                <a:cs typeface="Lato Regular"/>
-              </a:rPr>
-              <a:t>点击此处更换文本编辑文字</a:t>
-            </a:r>
-            <a:endParaRPr lang="en-US" altLang="zh-CN" sz="1400" dirty="0">
-              <a:solidFill>
-                <a:schemeClr val="bg1">
-                  <a:lumMod val="50000"/>
+                <a:schemeClr val="tx1">
+                  <a:lumMod val="65000"/>
+                  <a:lumOff val="35000"/>
                 </a:schemeClr>
               </a:solidFill>
               <a:latin typeface="微软雅黑" panose="020B0503020204020204" pitchFamily="34" charset="-122"/>
@@ -27983,7 +31179,7 @@
     </p:spTree>
     <p:extLst>
       <p:ext uri="{BB962C8B-B14F-4D97-AF65-F5344CB8AC3E}">
-        <p14:creationId xmlns:p14="http://schemas.microsoft.com/office/powerpoint/2010/main" val="2005269119"/>
+        <p14:creationId xmlns:p14="http://schemas.microsoft.com/office/powerpoint/2010/main" val="1371081425"/>
       </p:ext>
     </p:extLst>
   </p:cSld>
@@ -31375,63 +34571,903 @@
           </a:p>
         </p:txBody>
       </p:sp>
-      <p:sp>
-        <p:nvSpPr>
-          <p:cNvPr id="3" name="文本框 2">
+      <p:grpSp>
+        <p:nvGrpSpPr>
+          <p:cNvPr id="10" name="组合 9">
             <a:extLst>
               <a:ext uri="{FF2B5EF4-FFF2-40B4-BE49-F238E27FC236}">
-                <a16:creationId xmlns:a16="http://schemas.microsoft.com/office/drawing/2014/main" id="{20567FCC-6B18-465A-9A99-6546EF710020}"/>
+                <a16:creationId xmlns:a16="http://schemas.microsoft.com/office/drawing/2014/main" id="{BD8405C1-1812-4845-9C6C-1CC316DB431C}"/>
               </a:ext>
             </a:extLst>
           </p:cNvPr>
-          <p:cNvSpPr txBox="1"/>
+          <p:cNvGrpSpPr/>
+          <p:nvPr/>
+        </p:nvGrpSpPr>
+        <p:grpSpPr>
+          <a:xfrm>
+            <a:off x="2632631" y="1076326"/>
+            <a:ext cx="6080315" cy="5205891"/>
+            <a:chOff x="1939738" y="869133"/>
+            <a:chExt cx="6080315" cy="5205891"/>
+          </a:xfrm>
+          <a:solidFill>
+            <a:srgbClr val="55C0AF"/>
+          </a:solidFill>
+        </p:grpSpPr>
+        <p:cxnSp>
+          <p:nvCxnSpPr>
+            <p:cNvPr id="11" name="肘形连接符 8">
+              <a:extLst>
+                <a:ext uri="{FF2B5EF4-FFF2-40B4-BE49-F238E27FC236}">
+                  <a16:creationId xmlns:a16="http://schemas.microsoft.com/office/drawing/2014/main" id="{93BD11CB-3E70-48F8-B2FE-30D38CE24AEF}"/>
+                </a:ext>
+              </a:extLst>
+            </p:cNvPr>
+            <p:cNvCxnSpPr>
+              <a:stCxn id="24" idx="4"/>
+              <a:endCxn id="20" idx="0"/>
+            </p:cNvCxnSpPr>
+            <p:nvPr/>
+          </p:nvCxnSpPr>
+          <p:spPr>
+            <a:xfrm rot="5400000">
+              <a:off x="3521052" y="1379981"/>
+              <a:ext cx="633816" cy="2237626"/>
+            </a:xfrm>
+            <a:prstGeom prst="bentConnector3">
+              <a:avLst/>
+            </a:prstGeom>
+            <a:grpFill/>
+            <a:ln w="38100">
+              <a:solidFill>
+                <a:srgbClr val="55C0AF"/>
+              </a:solidFill>
+            </a:ln>
+          </p:spPr>
+          <p:style>
+            <a:lnRef idx="1">
+              <a:schemeClr val="accent1"/>
+            </a:lnRef>
+            <a:fillRef idx="0">
+              <a:schemeClr val="accent1"/>
+            </a:fillRef>
+            <a:effectRef idx="0">
+              <a:schemeClr val="accent1"/>
+            </a:effectRef>
+            <a:fontRef idx="minor">
+              <a:schemeClr val="tx1"/>
+            </a:fontRef>
+          </p:style>
+        </p:cxnSp>
+        <p:cxnSp>
+          <p:nvCxnSpPr>
+            <p:cNvPr id="12" name="肘形连接符 10">
+              <a:extLst>
+                <a:ext uri="{FF2B5EF4-FFF2-40B4-BE49-F238E27FC236}">
+                  <a16:creationId xmlns:a16="http://schemas.microsoft.com/office/drawing/2014/main" id="{AEB4E15C-E5F5-4192-B70B-83D4D0F77A80}"/>
+                </a:ext>
+              </a:extLst>
+            </p:cNvPr>
+            <p:cNvCxnSpPr>
+              <a:stCxn id="24" idx="4"/>
+              <a:endCxn id="22" idx="0"/>
+            </p:cNvCxnSpPr>
+            <p:nvPr/>
+          </p:nvCxnSpPr>
+          <p:spPr>
+            <a:xfrm rot="16200000" flipH="1">
+              <a:off x="5757501" y="1381158"/>
+              <a:ext cx="633815" cy="2235270"/>
+            </a:xfrm>
+            <a:prstGeom prst="bentConnector3">
+              <a:avLst>
+                <a:gd name="adj1" fmla="val 50000"/>
+              </a:avLst>
+            </a:prstGeom>
+            <a:grpFill/>
+            <a:ln w="38100">
+              <a:solidFill>
+                <a:srgbClr val="55C0AF"/>
+              </a:solidFill>
+            </a:ln>
+          </p:spPr>
+          <p:style>
+            <a:lnRef idx="1">
+              <a:schemeClr val="accent1"/>
+            </a:lnRef>
+            <a:fillRef idx="0">
+              <a:schemeClr val="accent1"/>
+            </a:fillRef>
+            <a:effectRef idx="0">
+              <a:schemeClr val="accent1"/>
+            </a:effectRef>
+            <a:fontRef idx="minor">
+              <a:schemeClr val="tx1"/>
+            </a:fontRef>
+          </p:style>
+        </p:cxnSp>
+        <p:grpSp>
+          <p:nvGrpSpPr>
+            <p:cNvPr id="13" name="组合 12">
+              <a:extLst>
+                <a:ext uri="{FF2B5EF4-FFF2-40B4-BE49-F238E27FC236}">
+                  <a16:creationId xmlns:a16="http://schemas.microsoft.com/office/drawing/2014/main" id="{B9D15F7F-AFD5-4886-9DF5-B3272047F69E}"/>
+                </a:ext>
+              </a:extLst>
+            </p:cNvPr>
+            <p:cNvGrpSpPr/>
+            <p:nvPr/>
+          </p:nvGrpSpPr>
+          <p:grpSpPr>
+            <a:xfrm>
+              <a:off x="4177364" y="869133"/>
+              <a:ext cx="1607419" cy="1312753"/>
+              <a:chOff x="4177364" y="869133"/>
+              <a:chExt cx="1607419" cy="1312753"/>
+            </a:xfrm>
+            <a:grpFill/>
+          </p:grpSpPr>
+          <p:sp>
+            <p:nvSpPr>
+              <p:cNvPr id="24" name="椭圆 23">
+                <a:extLst>
+                  <a:ext uri="{FF2B5EF4-FFF2-40B4-BE49-F238E27FC236}">
+                    <a16:creationId xmlns:a16="http://schemas.microsoft.com/office/drawing/2014/main" id="{FFF84BC5-5B69-4C1F-B218-29175C696DB5}"/>
+                  </a:ext>
+                </a:extLst>
+              </p:cNvPr>
+              <p:cNvSpPr/>
+              <p:nvPr/>
+            </p:nvSpPr>
+            <p:spPr>
+              <a:xfrm>
+                <a:off x="4300396" y="869133"/>
+                <a:ext cx="1312753" cy="1312753"/>
+              </a:xfrm>
+              <a:prstGeom prst="ellipse">
+                <a:avLst/>
+              </a:prstGeom>
+              <a:grpFill/>
+              <a:ln>
+                <a:noFill/>
+              </a:ln>
+            </p:spPr>
+            <p:style>
+              <a:lnRef idx="2">
+                <a:schemeClr val="accent1">
+                  <a:shade val="50000"/>
+                </a:schemeClr>
+              </a:lnRef>
+              <a:fillRef idx="1">
+                <a:schemeClr val="accent1"/>
+              </a:fillRef>
+              <a:effectRef idx="0">
+                <a:schemeClr val="accent1"/>
+              </a:effectRef>
+              <a:fontRef idx="minor">
+                <a:schemeClr val="lt1"/>
+              </a:fontRef>
+            </p:style>
+            <p:txBody>
+              <a:bodyPr rtlCol="0" anchor="ctr"/>
+              <a:lstStyle/>
+              <a:p>
+                <a:pPr algn="ctr"/>
+                <a:endParaRPr lang="zh-CN" altLang="en-US"/>
+              </a:p>
+            </p:txBody>
+          </p:sp>
+          <p:sp>
+            <p:nvSpPr>
+              <p:cNvPr id="25" name="矩形 24">
+                <a:extLst>
+                  <a:ext uri="{FF2B5EF4-FFF2-40B4-BE49-F238E27FC236}">
+                    <a16:creationId xmlns:a16="http://schemas.microsoft.com/office/drawing/2014/main" id="{529125EB-881F-4938-9024-A180630D79EA}"/>
+                  </a:ext>
+                </a:extLst>
+              </p:cNvPr>
+              <p:cNvSpPr/>
+              <p:nvPr/>
+            </p:nvSpPr>
+            <p:spPr>
+              <a:xfrm>
+                <a:off x="4177364" y="1232034"/>
+                <a:ext cx="1607419" cy="644892"/>
+              </a:xfrm>
+              <a:prstGeom prst="rect">
+                <a:avLst/>
+              </a:prstGeom>
+              <a:grpFill/>
+              <a:ln w="38100">
+                <a:solidFill>
+                  <a:schemeClr val="bg1"/>
+                </a:solidFill>
+              </a:ln>
+            </p:spPr>
+            <p:style>
+              <a:lnRef idx="2">
+                <a:schemeClr val="accent1">
+                  <a:shade val="50000"/>
+                </a:schemeClr>
+              </a:lnRef>
+              <a:fillRef idx="1">
+                <a:schemeClr val="accent1"/>
+              </a:fillRef>
+              <a:effectRef idx="0">
+                <a:schemeClr val="accent1"/>
+              </a:effectRef>
+              <a:fontRef idx="minor">
+                <a:schemeClr val="lt1"/>
+              </a:fontRef>
+            </p:style>
+            <p:txBody>
+              <a:bodyPr rtlCol="0" anchor="ctr"/>
+              <a:lstStyle/>
+              <a:p>
+                <a:pPr algn="ctr"/>
+                <a:r>
+                  <a:rPr lang="zh-CN" altLang="en-US" b="1" dirty="0"/>
+                  <a:t>项目经理</a:t>
+                </a:r>
+              </a:p>
+            </p:txBody>
+          </p:sp>
+        </p:grpSp>
+        <p:grpSp>
+          <p:nvGrpSpPr>
+            <p:cNvPr id="14" name="组合 13">
+              <a:extLst>
+                <a:ext uri="{FF2B5EF4-FFF2-40B4-BE49-F238E27FC236}">
+                  <a16:creationId xmlns:a16="http://schemas.microsoft.com/office/drawing/2014/main" id="{6163CF56-F541-4A3E-B040-259A67A91534}"/>
+                </a:ext>
+              </a:extLst>
+            </p:cNvPr>
+            <p:cNvGrpSpPr/>
+            <p:nvPr/>
+          </p:nvGrpSpPr>
+          <p:grpSpPr>
+            <a:xfrm>
+              <a:off x="6412634" y="2815701"/>
+              <a:ext cx="1607419" cy="1312753"/>
+              <a:chOff x="4177364" y="869133"/>
+              <a:chExt cx="1607419" cy="1312753"/>
+            </a:xfrm>
+            <a:grpFill/>
+          </p:grpSpPr>
+          <p:sp>
+            <p:nvSpPr>
+              <p:cNvPr id="22" name="椭圆 21">
+                <a:extLst>
+                  <a:ext uri="{FF2B5EF4-FFF2-40B4-BE49-F238E27FC236}">
+                    <a16:creationId xmlns:a16="http://schemas.microsoft.com/office/drawing/2014/main" id="{A4D0E7E9-68E2-42DA-B49E-5EC477776069}"/>
+                  </a:ext>
+                </a:extLst>
+              </p:cNvPr>
+              <p:cNvSpPr/>
+              <p:nvPr/>
+            </p:nvSpPr>
+            <p:spPr>
+              <a:xfrm>
+                <a:off x="4300396" y="869133"/>
+                <a:ext cx="1312753" cy="1312753"/>
+              </a:xfrm>
+              <a:prstGeom prst="ellipse">
+                <a:avLst/>
+              </a:prstGeom>
+              <a:grpFill/>
+              <a:ln>
+                <a:noFill/>
+              </a:ln>
+            </p:spPr>
+            <p:style>
+              <a:lnRef idx="2">
+                <a:schemeClr val="accent1">
+                  <a:shade val="50000"/>
+                </a:schemeClr>
+              </a:lnRef>
+              <a:fillRef idx="1">
+                <a:schemeClr val="accent1"/>
+              </a:fillRef>
+              <a:effectRef idx="0">
+                <a:schemeClr val="accent1"/>
+              </a:effectRef>
+              <a:fontRef idx="minor">
+                <a:schemeClr val="lt1"/>
+              </a:fontRef>
+            </p:style>
+            <p:txBody>
+              <a:bodyPr rtlCol="0" anchor="ctr"/>
+              <a:lstStyle/>
+              <a:p>
+                <a:pPr algn="ctr"/>
+                <a:endParaRPr lang="zh-CN" altLang="en-US"/>
+              </a:p>
+            </p:txBody>
+          </p:sp>
+          <p:sp>
+            <p:nvSpPr>
+              <p:cNvPr id="23" name="矩形 22">
+                <a:extLst>
+                  <a:ext uri="{FF2B5EF4-FFF2-40B4-BE49-F238E27FC236}">
+                    <a16:creationId xmlns:a16="http://schemas.microsoft.com/office/drawing/2014/main" id="{A959BD34-B9AF-4571-9C29-52E5F31A8CE3}"/>
+                  </a:ext>
+                </a:extLst>
+              </p:cNvPr>
+              <p:cNvSpPr/>
+              <p:nvPr/>
+            </p:nvSpPr>
+            <p:spPr>
+              <a:xfrm>
+                <a:off x="4177364" y="1232034"/>
+                <a:ext cx="1607419" cy="644892"/>
+              </a:xfrm>
+              <a:prstGeom prst="rect">
+                <a:avLst/>
+              </a:prstGeom>
+              <a:grpFill/>
+              <a:ln w="38100">
+                <a:solidFill>
+                  <a:schemeClr val="bg1"/>
+                </a:solidFill>
+              </a:ln>
+            </p:spPr>
+            <p:style>
+              <a:lnRef idx="2">
+                <a:schemeClr val="accent1">
+                  <a:shade val="50000"/>
+                </a:schemeClr>
+              </a:lnRef>
+              <a:fillRef idx="1">
+                <a:schemeClr val="accent1"/>
+              </a:fillRef>
+              <a:effectRef idx="0">
+                <a:schemeClr val="accent1"/>
+              </a:effectRef>
+              <a:fontRef idx="minor">
+                <a:schemeClr val="lt1"/>
+              </a:fontRef>
+            </p:style>
+            <p:txBody>
+              <a:bodyPr rtlCol="0" anchor="ctr"/>
+              <a:lstStyle/>
+              <a:p>
+                <a:pPr algn="ctr"/>
+                <a:r>
+                  <a:rPr lang="en-US" altLang="zh-CN" b="1" dirty="0"/>
+                  <a:t>UI</a:t>
+                </a:r>
+                <a:r>
+                  <a:rPr lang="zh-CN" altLang="en-US" b="1" dirty="0"/>
+                  <a:t>组</a:t>
+                </a:r>
+              </a:p>
+            </p:txBody>
+          </p:sp>
+        </p:grpSp>
+        <p:grpSp>
+          <p:nvGrpSpPr>
+            <p:cNvPr id="15" name="组合 14">
+              <a:extLst>
+                <a:ext uri="{FF2B5EF4-FFF2-40B4-BE49-F238E27FC236}">
+                  <a16:creationId xmlns:a16="http://schemas.microsoft.com/office/drawing/2014/main" id="{223E5BC0-182A-42BD-A8CC-108BED8B5D7C}"/>
+                </a:ext>
+              </a:extLst>
+            </p:cNvPr>
+            <p:cNvGrpSpPr/>
+            <p:nvPr/>
+          </p:nvGrpSpPr>
+          <p:grpSpPr>
+            <a:xfrm>
+              <a:off x="1939738" y="2815702"/>
+              <a:ext cx="1607419" cy="1312753"/>
+              <a:chOff x="4177364" y="869133"/>
+              <a:chExt cx="1607419" cy="1312753"/>
+            </a:xfrm>
+            <a:grpFill/>
+          </p:grpSpPr>
+          <p:sp>
+            <p:nvSpPr>
+              <p:cNvPr id="20" name="椭圆 19">
+                <a:extLst>
+                  <a:ext uri="{FF2B5EF4-FFF2-40B4-BE49-F238E27FC236}">
+                    <a16:creationId xmlns:a16="http://schemas.microsoft.com/office/drawing/2014/main" id="{63446C63-C665-4E98-A4DD-DF0C3BD70EFA}"/>
+                  </a:ext>
+                </a:extLst>
+              </p:cNvPr>
+              <p:cNvSpPr/>
+              <p:nvPr/>
+            </p:nvSpPr>
+            <p:spPr>
+              <a:xfrm>
+                <a:off x="4300396" y="869133"/>
+                <a:ext cx="1312753" cy="1312753"/>
+              </a:xfrm>
+              <a:prstGeom prst="ellipse">
+                <a:avLst/>
+              </a:prstGeom>
+              <a:grpFill/>
+              <a:ln>
+                <a:noFill/>
+              </a:ln>
+            </p:spPr>
+            <p:style>
+              <a:lnRef idx="2">
+                <a:schemeClr val="accent1">
+                  <a:shade val="50000"/>
+                </a:schemeClr>
+              </a:lnRef>
+              <a:fillRef idx="1">
+                <a:schemeClr val="accent1"/>
+              </a:fillRef>
+              <a:effectRef idx="0">
+                <a:schemeClr val="accent1"/>
+              </a:effectRef>
+              <a:fontRef idx="minor">
+                <a:schemeClr val="lt1"/>
+              </a:fontRef>
+            </p:style>
+            <p:txBody>
+              <a:bodyPr rtlCol="0" anchor="ctr"/>
+              <a:lstStyle/>
+              <a:p>
+                <a:pPr algn="ctr"/>
+                <a:endParaRPr lang="zh-CN" altLang="en-US"/>
+              </a:p>
+            </p:txBody>
+          </p:sp>
+          <p:sp>
+            <p:nvSpPr>
+              <p:cNvPr id="21" name="矩形 20">
+                <a:extLst>
+                  <a:ext uri="{FF2B5EF4-FFF2-40B4-BE49-F238E27FC236}">
+                    <a16:creationId xmlns:a16="http://schemas.microsoft.com/office/drawing/2014/main" id="{856AE081-AE5D-4E30-A1C2-946D8C415F44}"/>
+                  </a:ext>
+                </a:extLst>
+              </p:cNvPr>
+              <p:cNvSpPr/>
+              <p:nvPr/>
+            </p:nvSpPr>
+            <p:spPr>
+              <a:xfrm>
+                <a:off x="4177364" y="1232034"/>
+                <a:ext cx="1607419" cy="644892"/>
+              </a:xfrm>
+              <a:prstGeom prst="rect">
+                <a:avLst/>
+              </a:prstGeom>
+              <a:grpFill/>
+              <a:ln w="38100">
+                <a:solidFill>
+                  <a:schemeClr val="bg1"/>
+                </a:solidFill>
+              </a:ln>
+            </p:spPr>
+            <p:style>
+              <a:lnRef idx="2">
+                <a:schemeClr val="accent1">
+                  <a:shade val="50000"/>
+                </a:schemeClr>
+              </a:lnRef>
+              <a:fillRef idx="1">
+                <a:schemeClr val="accent1"/>
+              </a:fillRef>
+              <a:effectRef idx="0">
+                <a:schemeClr val="accent1"/>
+              </a:effectRef>
+              <a:fontRef idx="minor">
+                <a:schemeClr val="lt1"/>
+              </a:fontRef>
+            </p:style>
+            <p:txBody>
+              <a:bodyPr rtlCol="0" anchor="ctr"/>
+              <a:lstStyle/>
+              <a:p>
+                <a:pPr algn="ctr"/>
+                <a:r>
+                  <a:rPr lang="zh-CN" altLang="en-US" b="1" dirty="0"/>
+                  <a:t>技术经理</a:t>
+                </a:r>
+              </a:p>
+            </p:txBody>
+          </p:sp>
+        </p:grpSp>
+        <p:grpSp>
+          <p:nvGrpSpPr>
+            <p:cNvPr id="16" name="组合 15">
+              <a:extLst>
+                <a:ext uri="{FF2B5EF4-FFF2-40B4-BE49-F238E27FC236}">
+                  <a16:creationId xmlns:a16="http://schemas.microsoft.com/office/drawing/2014/main" id="{9183A493-00FA-4823-B9E2-88222D5125CD}"/>
+                </a:ext>
+              </a:extLst>
+            </p:cNvPr>
+            <p:cNvGrpSpPr/>
+            <p:nvPr/>
+          </p:nvGrpSpPr>
+          <p:grpSpPr>
+            <a:xfrm>
+              <a:off x="1939738" y="4762271"/>
+              <a:ext cx="1607419" cy="1312753"/>
+              <a:chOff x="4177364" y="869133"/>
+              <a:chExt cx="1607419" cy="1312753"/>
+            </a:xfrm>
+            <a:grpFill/>
+          </p:grpSpPr>
+          <p:sp>
+            <p:nvSpPr>
+              <p:cNvPr id="18" name="椭圆 17">
+                <a:extLst>
+                  <a:ext uri="{FF2B5EF4-FFF2-40B4-BE49-F238E27FC236}">
+                    <a16:creationId xmlns:a16="http://schemas.microsoft.com/office/drawing/2014/main" id="{F04966B0-2DA5-47B7-994E-768509926830}"/>
+                  </a:ext>
+                </a:extLst>
+              </p:cNvPr>
+              <p:cNvSpPr/>
+              <p:nvPr/>
+            </p:nvSpPr>
+            <p:spPr>
+              <a:xfrm>
+                <a:off x="4300396" y="869133"/>
+                <a:ext cx="1312753" cy="1312753"/>
+              </a:xfrm>
+              <a:prstGeom prst="ellipse">
+                <a:avLst/>
+              </a:prstGeom>
+              <a:grpFill/>
+              <a:ln>
+                <a:noFill/>
+              </a:ln>
+            </p:spPr>
+            <p:style>
+              <a:lnRef idx="2">
+                <a:schemeClr val="accent1">
+                  <a:shade val="50000"/>
+                </a:schemeClr>
+              </a:lnRef>
+              <a:fillRef idx="1">
+                <a:schemeClr val="accent1"/>
+              </a:fillRef>
+              <a:effectRef idx="0">
+                <a:schemeClr val="accent1"/>
+              </a:effectRef>
+              <a:fontRef idx="minor">
+                <a:schemeClr val="lt1"/>
+              </a:fontRef>
+            </p:style>
+            <p:txBody>
+              <a:bodyPr rtlCol="0" anchor="ctr"/>
+              <a:lstStyle/>
+              <a:p>
+                <a:pPr algn="ctr"/>
+                <a:endParaRPr lang="zh-CN" altLang="en-US"/>
+              </a:p>
+            </p:txBody>
+          </p:sp>
+          <p:sp>
+            <p:nvSpPr>
+              <p:cNvPr id="19" name="矩形 18">
+                <a:extLst>
+                  <a:ext uri="{FF2B5EF4-FFF2-40B4-BE49-F238E27FC236}">
+                    <a16:creationId xmlns:a16="http://schemas.microsoft.com/office/drawing/2014/main" id="{2DA8E9AF-F432-4C30-AB6D-7C6C1D22CAB3}"/>
+                  </a:ext>
+                </a:extLst>
+              </p:cNvPr>
+              <p:cNvSpPr/>
+              <p:nvPr/>
+            </p:nvSpPr>
+            <p:spPr>
+              <a:xfrm>
+                <a:off x="4177364" y="1232034"/>
+                <a:ext cx="1607419" cy="644892"/>
+              </a:xfrm>
+              <a:prstGeom prst="rect">
+                <a:avLst/>
+              </a:prstGeom>
+              <a:grpFill/>
+              <a:ln w="38100">
+                <a:solidFill>
+                  <a:schemeClr val="bg1"/>
+                </a:solidFill>
+              </a:ln>
+            </p:spPr>
+            <p:style>
+              <a:lnRef idx="2">
+                <a:schemeClr val="accent1">
+                  <a:shade val="50000"/>
+                </a:schemeClr>
+              </a:lnRef>
+              <a:fillRef idx="1">
+                <a:schemeClr val="accent1"/>
+              </a:fillRef>
+              <a:effectRef idx="0">
+                <a:schemeClr val="accent1"/>
+              </a:effectRef>
+              <a:fontRef idx="minor">
+                <a:schemeClr val="lt1"/>
+              </a:fontRef>
+            </p:style>
+            <p:txBody>
+              <a:bodyPr rtlCol="0" anchor="ctr"/>
+              <a:lstStyle/>
+              <a:p>
+                <a:pPr algn="ctr"/>
+                <a:r>
+                  <a:rPr lang="zh-CN" altLang="en-US" b="1" dirty="0"/>
+                  <a:t>技术组长</a:t>
+                </a:r>
+              </a:p>
+            </p:txBody>
+          </p:sp>
+        </p:grpSp>
+        <p:cxnSp>
+          <p:nvCxnSpPr>
+            <p:cNvPr id="17" name="直接连接符 16">
+              <a:extLst>
+                <a:ext uri="{FF2B5EF4-FFF2-40B4-BE49-F238E27FC236}">
+                  <a16:creationId xmlns:a16="http://schemas.microsoft.com/office/drawing/2014/main" id="{28869847-8336-4A0A-A080-848C0D1D560F}"/>
+                </a:ext>
+              </a:extLst>
+            </p:cNvPr>
+            <p:cNvCxnSpPr>
+              <a:stCxn id="20" idx="4"/>
+              <a:endCxn id="18" idx="0"/>
+            </p:cNvCxnSpPr>
+            <p:nvPr/>
+          </p:nvCxnSpPr>
+          <p:spPr>
+            <a:xfrm>
+              <a:off x="2719147" y="4128455"/>
+              <a:ext cx="0" cy="633816"/>
+            </a:xfrm>
+            <a:prstGeom prst="line">
+              <a:avLst/>
+            </a:prstGeom>
+            <a:grpFill/>
+            <a:ln w="38100">
+              <a:solidFill>
+                <a:srgbClr val="55C0AF"/>
+              </a:solidFill>
+            </a:ln>
+          </p:spPr>
+          <p:style>
+            <a:lnRef idx="1">
+              <a:schemeClr val="accent1"/>
+            </a:lnRef>
+            <a:fillRef idx="0">
+              <a:schemeClr val="accent1"/>
+            </a:fillRef>
+            <a:effectRef idx="0">
+              <a:schemeClr val="accent1"/>
+            </a:effectRef>
+            <a:fontRef idx="minor">
+              <a:schemeClr val="tx1"/>
+            </a:fontRef>
+          </p:style>
+        </p:cxnSp>
+      </p:grpSp>
+      <p:sp>
+        <p:nvSpPr>
+          <p:cNvPr id="26" name="矩形 25">
+            <a:extLst>
+              <a:ext uri="{FF2B5EF4-FFF2-40B4-BE49-F238E27FC236}">
+                <a16:creationId xmlns:a16="http://schemas.microsoft.com/office/drawing/2014/main" id="{19CFA6D0-5DD0-40A0-8AD1-24988851A731}"/>
+              </a:ext>
+            </a:extLst>
+          </p:cNvPr>
+          <p:cNvSpPr/>
           <p:nvPr/>
         </p:nvSpPr>
         <p:spPr>
           <a:xfrm>
-            <a:off x="2124074" y="2066925"/>
-            <a:ext cx="7496175" cy="923330"/>
+            <a:off x="6631848" y="1515036"/>
+            <a:ext cx="1312753" cy="511141"/>
           </a:xfrm>
           <a:prstGeom prst="rect">
             <a:avLst/>
           </a:prstGeom>
-          <a:noFill/>
+          <a:solidFill>
+            <a:srgbClr val="55C0AF"/>
+          </a:solidFill>
+          <a:ln w="38100">
+            <a:solidFill>
+              <a:schemeClr val="bg1"/>
+            </a:solidFill>
+          </a:ln>
         </p:spPr>
+        <p:style>
+          <a:lnRef idx="2">
+            <a:schemeClr val="accent1">
+              <a:shade val="50000"/>
+            </a:schemeClr>
+          </a:lnRef>
+          <a:fillRef idx="1">
+            <a:schemeClr val="accent1"/>
+          </a:fillRef>
+          <a:effectRef idx="0">
+            <a:schemeClr val="accent1"/>
+          </a:effectRef>
+          <a:fontRef idx="minor">
+            <a:schemeClr val="lt1"/>
+          </a:fontRef>
+        </p:style>
         <p:txBody>
-          <a:bodyPr wrap="square" rtlCol="0">
-            <a:spAutoFit/>
-          </a:bodyPr>
+          <a:bodyPr rtlCol="0" anchor="ctr"/>
           <a:lstStyle/>
           <a:p>
+            <a:pPr algn="ctr"/>
             <a:r>
-              <a:rPr lang="zh-CN" altLang="en-US" dirty="0"/>
-              <a:t>这里写一个树状图：项目经理 吴泽成</a:t>
+              <a:rPr lang="zh-CN" altLang="en-US" b="1" dirty="0"/>
+              <a:t>吴泽成</a:t>
             </a:r>
-            <a:endParaRPr lang="en-US" altLang="zh-CN" dirty="0"/>
           </a:p>
+        </p:txBody>
+      </p:sp>
+      <p:sp>
+        <p:nvSpPr>
+          <p:cNvPr id="27" name="矩形 26">
+            <a:extLst>
+              <a:ext uri="{FF2B5EF4-FFF2-40B4-BE49-F238E27FC236}">
+                <a16:creationId xmlns:a16="http://schemas.microsoft.com/office/drawing/2014/main" id="{102F24BC-C477-423D-BD73-BD2B771CF9F3}"/>
+              </a:ext>
+            </a:extLst>
+          </p:cNvPr>
+          <p:cNvSpPr/>
+          <p:nvPr/>
+        </p:nvSpPr>
+        <p:spPr>
+          <a:xfrm>
+            <a:off x="4409593" y="3423699"/>
+            <a:ext cx="1312753" cy="511141"/>
+          </a:xfrm>
+          <a:prstGeom prst="rect">
+            <a:avLst/>
+          </a:prstGeom>
+          <a:solidFill>
+            <a:srgbClr val="55C0AF"/>
+          </a:solidFill>
+          <a:ln w="38100">
+            <a:solidFill>
+              <a:schemeClr val="bg1"/>
+            </a:solidFill>
+          </a:ln>
+        </p:spPr>
+        <p:style>
+          <a:lnRef idx="2">
+            <a:schemeClr val="accent1">
+              <a:shade val="50000"/>
+            </a:schemeClr>
+          </a:lnRef>
+          <a:fillRef idx="1">
+            <a:schemeClr val="accent1"/>
+          </a:fillRef>
+          <a:effectRef idx="0">
+            <a:schemeClr val="accent1"/>
+          </a:effectRef>
+          <a:fontRef idx="minor">
+            <a:schemeClr val="lt1"/>
+          </a:fontRef>
+        </p:style>
+        <p:txBody>
+          <a:bodyPr rtlCol="0" anchor="ctr"/>
+          <a:lstStyle/>
           <a:p>
+            <a:pPr algn="ctr"/>
             <a:r>
-              <a:rPr lang="en-US" altLang="zh-CN" dirty="0"/>
-              <a:t>		</a:t>
+              <a:rPr lang="zh-CN" altLang="en-US" b="1" dirty="0"/>
+              <a:t>应圆中</a:t>
             </a:r>
+          </a:p>
+        </p:txBody>
+      </p:sp>
+      <p:sp>
+        <p:nvSpPr>
+          <p:cNvPr id="28" name="矩形 27">
+            <a:extLst>
+              <a:ext uri="{FF2B5EF4-FFF2-40B4-BE49-F238E27FC236}">
+                <a16:creationId xmlns:a16="http://schemas.microsoft.com/office/drawing/2014/main" id="{F4E9CD71-355C-4132-A376-6253327B5E42}"/>
+              </a:ext>
+            </a:extLst>
+          </p:cNvPr>
+          <p:cNvSpPr/>
+          <p:nvPr/>
+        </p:nvSpPr>
+        <p:spPr>
+          <a:xfrm>
+            <a:off x="4409593" y="5370269"/>
+            <a:ext cx="1312753" cy="511141"/>
+          </a:xfrm>
+          <a:prstGeom prst="rect">
+            <a:avLst/>
+          </a:prstGeom>
+          <a:solidFill>
+            <a:srgbClr val="55C0AF"/>
+          </a:solidFill>
+          <a:ln w="38100">
+            <a:solidFill>
+              <a:schemeClr val="bg1"/>
+            </a:solidFill>
+          </a:ln>
+        </p:spPr>
+        <p:style>
+          <a:lnRef idx="2">
+            <a:schemeClr val="accent1">
+              <a:shade val="50000"/>
+            </a:schemeClr>
+          </a:lnRef>
+          <a:fillRef idx="1">
+            <a:schemeClr val="accent1"/>
+          </a:fillRef>
+          <a:effectRef idx="0">
+            <a:schemeClr val="accent1"/>
+          </a:effectRef>
+          <a:fontRef idx="minor">
+            <a:schemeClr val="lt1"/>
+          </a:fontRef>
+        </p:style>
+        <p:txBody>
+          <a:bodyPr rtlCol="0" anchor="ctr"/>
+          <a:lstStyle/>
+          <a:p>
+            <a:pPr algn="ctr"/>
             <a:r>
-              <a:rPr lang="zh-CN" altLang="en-US" dirty="0"/>
-              <a:t>技术组：应圆中、冯博</a:t>
+              <a:rPr lang="zh-CN" altLang="en-US" b="1" dirty="0"/>
+              <a:t>冯博</a:t>
             </a:r>
-            <a:endParaRPr lang="en-US" altLang="zh-CN" dirty="0"/>
           </a:p>
+        </p:txBody>
+      </p:sp>
+      <p:sp>
+        <p:nvSpPr>
+          <p:cNvPr id="29" name="矩形 28">
+            <a:extLst>
+              <a:ext uri="{FF2B5EF4-FFF2-40B4-BE49-F238E27FC236}">
+                <a16:creationId xmlns:a16="http://schemas.microsoft.com/office/drawing/2014/main" id="{BE17CEE3-3593-4C63-BC3D-93E848D1E159}"/>
+              </a:ext>
+            </a:extLst>
+          </p:cNvPr>
+          <p:cNvSpPr/>
+          <p:nvPr/>
+        </p:nvSpPr>
+        <p:spPr>
+          <a:xfrm>
+            <a:off x="8871919" y="3452670"/>
+            <a:ext cx="1312753" cy="511141"/>
+          </a:xfrm>
+          <a:prstGeom prst="rect">
+            <a:avLst/>
+          </a:prstGeom>
+          <a:solidFill>
+            <a:srgbClr val="55C0AF"/>
+          </a:solidFill>
+          <a:ln w="38100">
+            <a:solidFill>
+              <a:schemeClr val="bg1"/>
+            </a:solidFill>
+          </a:ln>
+        </p:spPr>
+        <p:style>
+          <a:lnRef idx="2">
+            <a:schemeClr val="accent1">
+              <a:shade val="50000"/>
+            </a:schemeClr>
+          </a:lnRef>
+          <a:fillRef idx="1">
+            <a:schemeClr val="accent1"/>
+          </a:fillRef>
+          <a:effectRef idx="0">
+            <a:schemeClr val="accent1"/>
+          </a:effectRef>
+          <a:fontRef idx="minor">
+            <a:schemeClr val="lt1"/>
+          </a:fontRef>
+        </p:style>
+        <p:txBody>
+          <a:bodyPr rtlCol="0" anchor="ctr"/>
+          <a:lstStyle/>
           <a:p>
+            <a:pPr algn="ctr"/>
             <a:r>
-              <a:rPr lang="en-US" altLang="zh-CN" dirty="0"/>
-              <a:t>		</a:t>
-            </a:r>
-            <a:r>
-              <a:rPr lang="en-US" altLang="zh-CN" dirty="0" err="1"/>
-              <a:t>ui</a:t>
-            </a:r>
-            <a:r>
-              <a:rPr lang="zh-CN" altLang="en-US" dirty="0"/>
-              <a:t>组： 林英琮</a:t>
+              <a:rPr lang="zh-CN" altLang="en-US" b="1" dirty="0"/>
+              <a:t>林英琮</a:t>
             </a:r>
           </a:p>
         </p:txBody>
@@ -31593,6 +35629,42 @@
           <a:chExt cx="0" cy="0"/>
         </a:xfrm>
       </p:grpSpPr>
+      <p:pic>
+        <p:nvPicPr>
+          <p:cNvPr id="8" name="图片 7">
+            <a:extLst>
+              <a:ext uri="{FF2B5EF4-FFF2-40B4-BE49-F238E27FC236}">
+                <a16:creationId xmlns:a16="http://schemas.microsoft.com/office/drawing/2014/main" id="{5BB1BCB9-4360-447C-8321-2B2E78008AA6}"/>
+              </a:ext>
+            </a:extLst>
+          </p:cNvPr>
+          <p:cNvPicPr>
+            <a:picLocks noChangeAspect="1"/>
+          </p:cNvPicPr>
+          <p:nvPr/>
+        </p:nvPicPr>
+        <p:blipFill>
+          <a:blip r:embed="rId3">
+            <a:extLst>
+              <a:ext uri="{28A0092B-C50C-407E-A947-70E740481C1C}">
+                <a14:useLocalDpi xmlns:a14="http://schemas.microsoft.com/office/drawing/2010/main" val="0"/>
+              </a:ext>
+            </a:extLst>
+          </a:blip>
+          <a:stretch>
+            <a:fillRect/>
+          </a:stretch>
+        </p:blipFill>
+        <p:spPr>
+          <a:xfrm>
+            <a:off x="374837" y="2624416"/>
+            <a:ext cx="5082988" cy="3812241"/>
+          </a:xfrm>
+          <a:prstGeom prst="rect">
+            <a:avLst/>
+          </a:prstGeom>
+        </p:spPr>
+      </p:pic>
       <p:grpSp>
         <p:nvGrpSpPr>
           <p:cNvPr id="66" name="组合 65">
@@ -31875,46 +35947,83 @@
                   <a:srgbClr val="55C0AF"/>
                 </a:solidFill>
               </a:rPr>
-              <a:t>组织结构</a:t>
+              <a:t>工作日常</a:t>
             </a:r>
           </a:p>
         </p:txBody>
       </p:sp>
-      <p:sp>
-        <p:nvSpPr>
-          <p:cNvPr id="2" name="文本框 1">
+      <p:pic>
+        <p:nvPicPr>
+          <p:cNvPr id="4" name="图片 3">
             <a:extLst>
               <a:ext uri="{FF2B5EF4-FFF2-40B4-BE49-F238E27FC236}">
-                <a16:creationId xmlns:a16="http://schemas.microsoft.com/office/drawing/2014/main" id="{098AE55D-84E7-481E-B8E6-01E30C179EF9}"/>
+                <a16:creationId xmlns:a16="http://schemas.microsoft.com/office/drawing/2014/main" id="{F48B0EAC-BC29-47B6-B020-FC7BE8D2E883}"/>
               </a:ext>
             </a:extLst>
           </p:cNvPr>
-          <p:cNvSpPr txBox="1"/>
+          <p:cNvPicPr>
+            <a:picLocks noChangeAspect="1"/>
+          </p:cNvPicPr>
           <p:nvPr/>
-        </p:nvSpPr>
+        </p:nvPicPr>
+        <p:blipFill>
+          <a:blip r:embed="rId4">
+            <a:extLst>
+              <a:ext uri="{28A0092B-C50C-407E-A947-70E740481C1C}">
+                <a14:useLocalDpi xmlns:a14="http://schemas.microsoft.com/office/drawing/2010/main" val="0"/>
+              </a:ext>
+            </a:extLst>
+          </a:blip>
+          <a:stretch>
+            <a:fillRect/>
+          </a:stretch>
+        </p:blipFill>
         <p:spPr>
-          <a:xfrm>
-            <a:off x="4572000" y="1952625"/>
-            <a:ext cx="3171825" cy="369332"/>
+          <a:xfrm rot="5400000">
+            <a:off x="2967987" y="1170309"/>
+            <a:ext cx="4803589" cy="3602692"/>
           </a:xfrm>
           <a:prstGeom prst="rect">
             <a:avLst/>
           </a:prstGeom>
-          <a:noFill/>
         </p:spPr>
-        <p:txBody>
-          <a:bodyPr wrap="square" rtlCol="0">
-            <a:spAutoFit/>
-          </a:bodyPr>
-          <a:lstStyle/>
-          <a:p>
-            <a:r>
-              <a:rPr lang="zh-CN" altLang="en-US" dirty="0"/>
-              <a:t>放一些聊天记录和开会的照片</a:t>
-            </a:r>
-          </a:p>
-        </p:txBody>
-      </p:sp>
+      </p:pic>
+      <p:pic>
+        <p:nvPicPr>
+          <p:cNvPr id="22" name="图片 21">
+            <a:extLst>
+              <a:ext uri="{FF2B5EF4-FFF2-40B4-BE49-F238E27FC236}">
+                <a16:creationId xmlns:a16="http://schemas.microsoft.com/office/drawing/2014/main" id="{D7C9DF7C-DD4C-4D08-846C-435C94D5DEA9}"/>
+              </a:ext>
+            </a:extLst>
+          </p:cNvPr>
+          <p:cNvPicPr>
+            <a:picLocks noChangeAspect="1"/>
+          </p:cNvPicPr>
+          <p:nvPr/>
+        </p:nvPicPr>
+        <p:blipFill>
+          <a:blip r:embed="rId5">
+            <a:extLst>
+              <a:ext uri="{28A0092B-C50C-407E-A947-70E740481C1C}">
+                <a14:useLocalDpi xmlns:a14="http://schemas.microsoft.com/office/drawing/2010/main" val="0"/>
+              </a:ext>
+            </a:extLst>
+          </a:blip>
+          <a:stretch>
+            <a:fillRect/>
+          </a:stretch>
+        </p:blipFill>
+        <p:spPr>
+          <a:xfrm>
+            <a:off x="6185647" y="1385047"/>
+            <a:ext cx="5719482" cy="4289612"/>
+          </a:xfrm>
+          <a:prstGeom prst="rect">
+            <a:avLst/>
+          </a:prstGeom>
+        </p:spPr>
+      </p:pic>
     </p:spTree>
     <p:extLst>
       <p:ext uri="{BB962C8B-B14F-4D97-AF65-F5344CB8AC3E}">
@@ -32021,6 +36130,165 @@
                                         </p:tav>
                                       </p:tavLst>
                                     </p:anim>
+                                  </p:childTnLst>
+                                </p:cTn>
+                              </p:par>
+                            </p:childTnLst>
+                          </p:cTn>
+                        </p:par>
+                      </p:childTnLst>
+                    </p:cTn>
+                  </p:par>
+                  <p:par>
+                    <p:cTn id="9" fill="hold">
+                      <p:stCondLst>
+                        <p:cond delay="indefinite"/>
+                      </p:stCondLst>
+                      <p:childTnLst>
+                        <p:par>
+                          <p:cTn id="10" fill="hold">
+                            <p:stCondLst>
+                              <p:cond delay="0"/>
+                            </p:stCondLst>
+                            <p:childTnLst>
+                              <p:par>
+                                <p:cTn id="11" presetID="10" presetClass="entr" presetSubtype="0" fill="hold" nodeType="clickEffect">
+                                  <p:stCondLst>
+                                    <p:cond delay="0"/>
+                                  </p:stCondLst>
+                                  <p:childTnLst>
+                                    <p:set>
+                                      <p:cBhvr>
+                                        <p:cTn id="12" dur="1" fill="hold">
+                                          <p:stCondLst>
+                                            <p:cond delay="0"/>
+                                          </p:stCondLst>
+                                        </p:cTn>
+                                        <p:tgtEl>
+                                          <p:spTgt spid="8"/>
+                                        </p:tgtEl>
+                                        <p:attrNameLst>
+                                          <p:attrName>style.visibility</p:attrName>
+                                        </p:attrNameLst>
+                                      </p:cBhvr>
+                                      <p:to>
+                                        <p:strVal val="visible"/>
+                                      </p:to>
+                                    </p:set>
+                                    <p:animEffect transition="in" filter="fade">
+                                      <p:cBhvr>
+                                        <p:cTn id="13" dur="500"/>
+                                        <p:tgtEl>
+                                          <p:spTgt spid="8"/>
+                                        </p:tgtEl>
+                                      </p:cBhvr>
+                                    </p:animEffect>
+                                  </p:childTnLst>
+                                </p:cTn>
+                              </p:par>
+                            </p:childTnLst>
+                          </p:cTn>
+                        </p:par>
+                      </p:childTnLst>
+                    </p:cTn>
+                  </p:par>
+                  <p:par>
+                    <p:cTn id="14" fill="hold">
+                      <p:stCondLst>
+                        <p:cond delay="indefinite"/>
+                      </p:stCondLst>
+                      <p:childTnLst>
+                        <p:par>
+                          <p:cTn id="15" fill="hold">
+                            <p:stCondLst>
+                              <p:cond delay="0"/>
+                            </p:stCondLst>
+                            <p:childTnLst>
+                              <p:par>
+                                <p:cTn id="16" presetID="10" presetClass="entr" presetSubtype="0" fill="hold" nodeType="clickEffect">
+                                  <p:stCondLst>
+                                    <p:cond delay="0"/>
+                                  </p:stCondLst>
+                                  <p:childTnLst>
+                                    <p:set>
+                                      <p:cBhvr>
+                                        <p:cTn id="17" dur="1" fill="hold">
+                                          <p:stCondLst>
+                                            <p:cond delay="0"/>
+                                          </p:stCondLst>
+                                        </p:cTn>
+                                        <p:tgtEl>
+                                          <p:spTgt spid="4"/>
+                                        </p:tgtEl>
+                                        <p:attrNameLst>
+                                          <p:attrName>style.visibility</p:attrName>
+                                        </p:attrNameLst>
+                                      </p:cBhvr>
+                                      <p:to>
+                                        <p:strVal val="visible"/>
+                                      </p:to>
+                                    </p:set>
+                                    <p:animEffect transition="in" filter="fade">
+                                      <p:cBhvr>
+                                        <p:cTn id="18" dur="500"/>
+                                        <p:tgtEl>
+                                          <p:spTgt spid="4"/>
+                                        </p:tgtEl>
+                                      </p:cBhvr>
+                                    </p:animEffect>
+                                  </p:childTnLst>
+                                </p:cTn>
+                              </p:par>
+                            </p:childTnLst>
+                          </p:cTn>
+                        </p:par>
+                      </p:childTnLst>
+                    </p:cTn>
+                  </p:par>
+                  <p:par>
+                    <p:cTn id="19" fill="hold">
+                      <p:stCondLst>
+                        <p:cond delay="indefinite"/>
+                      </p:stCondLst>
+                      <p:childTnLst>
+                        <p:par>
+                          <p:cTn id="20" fill="hold">
+                            <p:stCondLst>
+                              <p:cond delay="0"/>
+                            </p:stCondLst>
+                            <p:childTnLst>
+                              <p:par>
+                                <p:cTn id="21" presetID="10" presetClass="entr" presetSubtype="0" fill="hold" nodeType="clickEffect">
+                                  <p:stCondLst>
+                                    <p:cond delay="0"/>
+                                  </p:stCondLst>
+                                  <p:childTnLst>
+                                    <p:set>
+                                      <p:cBhvr>
+                                        <p:cTn id="22" dur="1" fill="hold">
+                                          <p:stCondLst>
+                                            <p:cond delay="0"/>
+                                          </p:stCondLst>
+                                        </p:cTn>
+                                        <p:tgtEl>
+                                          <p:spTgt spid="22"/>
+                                        </p:tgtEl>
+                                        <p:attrNameLst>
+                                          <p:attrName>style.visibility</p:attrName>
+                                        </p:attrNameLst>
+                                      </p:cBhvr>
+                                      <p:to>
+                                        <p:strVal val="visible"/>
+                                      </p:to>
+                                    </p:set>
+                                    <p:animEffect transition="in" filter="fade">
+                                      <p:cBhvr>
+                                        <p:cTn id="23" dur="500"/>
+                                        <p:tgtEl>
+                                          <p:spTgt spid="22"/>
+                                        </p:tgtEl>
+                                      </p:cBhvr>
+                                    </p:animEffect>
                                   </p:childTnLst>
                                 </p:cTn>
                               </p:par>
@@ -32373,7 +36641,7 @@
         </p:nvSpPr>
         <p:spPr>
           <a:xfrm>
-            <a:off x="4686300" y="2495550"/>
+            <a:off x="9240468" y="316722"/>
             <a:ext cx="3171825" cy="369332"/>
           </a:xfrm>
           <a:prstGeom prst="rect">
@@ -40535,10 +44803,10 @@
       </p:sp>
       <p:pic>
         <p:nvPicPr>
-          <p:cNvPr id="26" name="图片 25">
+          <p:cNvPr id="3" name="图片 2">
             <a:extLst>
               <a:ext uri="{FF2B5EF4-FFF2-40B4-BE49-F238E27FC236}">
-                <a16:creationId xmlns:a16="http://schemas.microsoft.com/office/drawing/2014/main" id="{4BAAC65C-D0D7-4A80-9F07-5815BD085FC1}"/>
+                <a16:creationId xmlns:a16="http://schemas.microsoft.com/office/drawing/2014/main" id="{84E4AD92-D328-460B-A681-9A5B5F5EF876}"/>
               </a:ext>
             </a:extLst>
           </p:cNvPr>
@@ -40561,8 +44829,8 @@
         </p:blipFill>
         <p:spPr>
           <a:xfrm>
-            <a:off x="4130968" y="365969"/>
-            <a:ext cx="8061032" cy="6760205"/>
+            <a:off x="4066216" y="387685"/>
+            <a:ext cx="8009243" cy="6716773"/>
           </a:xfrm>
           <a:prstGeom prst="rect">
             <a:avLst/>
